--- a/PresentaciónFinal.pptx
+++ b/PresentaciónFinal.pptx
@@ -7,7 +7,10 @@
   <p:sldIdLst>
     <p:sldId id="257" r:id="rId2"/>
     <p:sldId id="261" r:id="rId3"/>
-    <p:sldId id="262" r:id="rId4"/>
+    <p:sldId id="263" r:id="rId4"/>
+    <p:sldId id="264" r:id="rId5"/>
+    <p:sldId id="262" r:id="rId6"/>
+    <p:sldId id="266" r:id="rId7"/>
   </p:sldIdLst>
   <p:sldSz cx="9144000" cy="5143500" type="screen16x9"/>
   <p:notesSz cx="6858000" cy="9144000"/>
@@ -113,7 +116,10 @@
           <p14:sldIdLst>
             <p14:sldId id="257"/>
             <p14:sldId id="261"/>
+            <p14:sldId id="263"/>
+            <p14:sldId id="264"/>
             <p14:sldId id="262"/>
+            <p14:sldId id="266"/>
           </p14:sldIdLst>
         </p14:section>
       </p14:sectionLst>
@@ -317,7 +323,7 @@
           <a:p>
             <a:fld id="{50132367-146F-654D-A836-564943EE25C9}" type="datetimeFigureOut">
               <a:rPr lang="en-US" smtClean="0"/>
-              <a:t>12/12/2021</a:t>
+              <a:t>12/13/2021</a:t>
             </a:fld>
             <a:endParaRPr lang="en-US"/>
           </a:p>
@@ -487,7 +493,7 @@
           <a:p>
             <a:fld id="{50132367-146F-654D-A836-564943EE25C9}" type="datetimeFigureOut">
               <a:rPr lang="en-US" smtClean="0"/>
-              <a:t>12/12/2021</a:t>
+              <a:t>12/13/2021</a:t>
             </a:fld>
             <a:endParaRPr lang="en-US"/>
           </a:p>
@@ -667,7 +673,7 @@
           <a:p>
             <a:fld id="{50132367-146F-654D-A836-564943EE25C9}" type="datetimeFigureOut">
               <a:rPr lang="en-US" smtClean="0"/>
-              <a:t>12/12/2021</a:t>
+              <a:t>12/13/2021</a:t>
             </a:fld>
             <a:endParaRPr lang="en-US"/>
           </a:p>
@@ -837,7 +843,7 @@
           <a:p>
             <a:fld id="{50132367-146F-654D-A836-564943EE25C9}" type="datetimeFigureOut">
               <a:rPr lang="en-US" smtClean="0"/>
-              <a:t>12/12/2021</a:t>
+              <a:t>12/13/2021</a:t>
             </a:fld>
             <a:endParaRPr lang="en-US"/>
           </a:p>
@@ -1083,7 +1089,7 @@
           <a:p>
             <a:fld id="{50132367-146F-654D-A836-564943EE25C9}" type="datetimeFigureOut">
               <a:rPr lang="en-US" smtClean="0"/>
-              <a:t>12/12/2021</a:t>
+              <a:t>12/13/2021</a:t>
             </a:fld>
             <a:endParaRPr lang="en-US"/>
           </a:p>
@@ -1371,7 +1377,7 @@
           <a:p>
             <a:fld id="{50132367-146F-654D-A836-564943EE25C9}" type="datetimeFigureOut">
               <a:rPr lang="en-US" smtClean="0"/>
-              <a:t>12/12/2021</a:t>
+              <a:t>12/13/2021</a:t>
             </a:fld>
             <a:endParaRPr lang="en-US"/>
           </a:p>
@@ -1798,7 +1804,7 @@
           <a:p>
             <a:fld id="{50132367-146F-654D-A836-564943EE25C9}" type="datetimeFigureOut">
               <a:rPr lang="en-US" smtClean="0"/>
-              <a:t>12/12/2021</a:t>
+              <a:t>12/13/2021</a:t>
             </a:fld>
             <a:endParaRPr lang="en-US"/>
           </a:p>
@@ -1916,7 +1922,7 @@
           <a:p>
             <a:fld id="{50132367-146F-654D-A836-564943EE25C9}" type="datetimeFigureOut">
               <a:rPr lang="en-US" smtClean="0"/>
-              <a:t>12/12/2021</a:t>
+              <a:t>12/13/2021</a:t>
             </a:fld>
             <a:endParaRPr lang="en-US"/>
           </a:p>
@@ -2011,7 +2017,7 @@
           <a:p>
             <a:fld id="{50132367-146F-654D-A836-564943EE25C9}" type="datetimeFigureOut">
               <a:rPr lang="en-US" smtClean="0"/>
-              <a:t>12/12/2021</a:t>
+              <a:t>12/13/2021</a:t>
             </a:fld>
             <a:endParaRPr lang="en-US"/>
           </a:p>
@@ -2288,7 +2294,7 @@
           <a:p>
             <a:fld id="{50132367-146F-654D-A836-564943EE25C9}" type="datetimeFigureOut">
               <a:rPr lang="en-US" smtClean="0"/>
-              <a:t>12/12/2021</a:t>
+              <a:t>12/13/2021</a:t>
             </a:fld>
             <a:endParaRPr lang="en-US"/>
           </a:p>
@@ -2541,7 +2547,7 @@
           <a:p>
             <a:fld id="{50132367-146F-654D-A836-564943EE25C9}" type="datetimeFigureOut">
               <a:rPr lang="en-US" smtClean="0"/>
-              <a:t>12/12/2021</a:t>
+              <a:t>12/13/2021</a:t>
             </a:fld>
             <a:endParaRPr lang="en-US"/>
           </a:p>
@@ -2754,7 +2760,7 @@
           <a:p>
             <a:fld id="{50132367-146F-654D-A836-564943EE25C9}" type="datetimeFigureOut">
               <a:rPr lang="en-US" smtClean="0"/>
-              <a:t>12/12/2021</a:t>
+              <a:t>12/13/2021</a:t>
             </a:fld>
             <a:endParaRPr lang="en-US"/>
           </a:p>
@@ -3183,18 +3189,18 @@
                 <a:solidFill>
                   <a:schemeClr val="bg1"/>
                 </a:solidFill>
-                <a:latin typeface="DINPro-Bold"/>
-                <a:cs typeface="DINPro-Bold"/>
-              </a:rPr>
-              <a:t>Especialización</a:t>
+                <a:latin typeface="Times New Roman" panose="02020603050405020304" pitchFamily="18" charset="0"/>
+                <a:cs typeface="Times New Roman" panose="02020603050405020304" pitchFamily="18" charset="0"/>
+              </a:rPr>
+              <a:t>Especialización en</a:t>
             </a:r>
             <a:r>
               <a:rPr lang="en-US" dirty="0">
                 <a:solidFill>
                   <a:schemeClr val="bg1"/>
                 </a:solidFill>
-                <a:latin typeface="DINPro-Bold"/>
-                <a:cs typeface="DINPro-Bold"/>
+                <a:latin typeface="Times New Roman" panose="02020603050405020304" pitchFamily="18" charset="0"/>
+                <a:cs typeface="Times New Roman" panose="02020603050405020304" pitchFamily="18" charset="0"/>
               </a:rPr>
               <a:t> </a:t>
             </a:r>
@@ -3203,8 +3209,8 @@
                 <a:solidFill>
                   <a:schemeClr val="bg1"/>
                 </a:solidFill>
-                <a:latin typeface="DINPro-Bold"/>
-                <a:cs typeface="DINPro-Bold"/>
+                <a:latin typeface="Times New Roman" panose="02020603050405020304" pitchFamily="18" charset="0"/>
+                <a:cs typeface="Times New Roman" panose="02020603050405020304" pitchFamily="18" charset="0"/>
               </a:rPr>
               <a:t>procesos</a:t>
             </a:r>
@@ -3213,8 +3219,8 @@
                 <a:solidFill>
                   <a:schemeClr val="bg1"/>
                 </a:solidFill>
-                <a:latin typeface="DINPro-Bold"/>
-                <a:cs typeface="DINPro-Bold"/>
+                <a:latin typeface="Times New Roman" panose="02020603050405020304" pitchFamily="18" charset="0"/>
+                <a:cs typeface="Times New Roman" panose="02020603050405020304" pitchFamily="18" charset="0"/>
               </a:rPr>
               <a:t> de Desarrollo de software</a:t>
             </a:r>
@@ -3274,21 +3280,23 @@
         </p:nvSpPr>
         <p:spPr>
           <a:xfrm>
-            <a:off x="1785653" y="1270518"/>
-            <a:ext cx="5572694" cy="2602464"/>
+            <a:off x="1785653" y="2176639"/>
+            <a:ext cx="5572694" cy="1301231"/>
           </a:xfrm>
         </p:spPr>
         <p:txBody>
-          <a:bodyPr/>
+          <a:bodyPr>
+            <a:noAutofit/>
+          </a:bodyPr>
           <a:lstStyle/>
           <a:p>
             <a:pPr marL="0" indent="0" algn="ctr">
               <a:buNone/>
             </a:pPr>
             <a:r>
-              <a:rPr lang="es-CO" dirty="0">
-                <a:latin typeface="DINPro-Regular"/>
-                <a:cs typeface="DINPro-Regular"/>
+              <a:rPr lang="es-CO" sz="2200" dirty="0">
+                <a:latin typeface="Times New Roman" panose="02020603050405020304" pitchFamily="18" charset="0"/>
+                <a:cs typeface="Times New Roman" panose="02020603050405020304" pitchFamily="18" charset="0"/>
               </a:rPr>
               <a:t>Estudiantes:</a:t>
             </a:r>
@@ -3298,9 +3306,9 @@
               <a:buNone/>
             </a:pPr>
             <a:r>
-              <a:rPr lang="es-CO" dirty="0">
-                <a:latin typeface="DINPro-Regular"/>
-                <a:cs typeface="DINPro-Regular"/>
+              <a:rPr lang="es-CO" sz="2200" dirty="0">
+                <a:latin typeface="Times New Roman" panose="02020603050405020304" pitchFamily="18" charset="0"/>
+                <a:cs typeface="Times New Roman" panose="02020603050405020304" pitchFamily="18" charset="0"/>
               </a:rPr>
               <a:t>Nelson F. Pinzón</a:t>
             </a:r>
@@ -3310,9 +3318,9 @@
               <a:buNone/>
             </a:pPr>
             <a:r>
-              <a:rPr lang="es-CO" dirty="0">
-                <a:latin typeface="DINPro-Regular"/>
-                <a:cs typeface="DINPro-Regular"/>
+              <a:rPr lang="es-CO" sz="2200" dirty="0">
+                <a:latin typeface="Times New Roman" panose="02020603050405020304" pitchFamily="18" charset="0"/>
+                <a:cs typeface="Times New Roman" panose="02020603050405020304" pitchFamily="18" charset="0"/>
               </a:rPr>
               <a:t>Jeison Davalos</a:t>
             </a:r>
@@ -3322,11 +3330,49 @@
               <a:buNone/>
             </a:pPr>
             <a:r>
-              <a:rPr lang="es-CO" dirty="0">
-                <a:latin typeface="DINPro-Regular"/>
-                <a:cs typeface="DINPro-Regular"/>
+              <a:rPr lang="es-CO" sz="2200" dirty="0">
+                <a:latin typeface="Times New Roman" panose="02020603050405020304" pitchFamily="18" charset="0"/>
+                <a:cs typeface="Times New Roman" panose="02020603050405020304" pitchFamily="18" charset="0"/>
               </a:rPr>
               <a:t>Juan David Nates</a:t>
+            </a:r>
+          </a:p>
+        </p:txBody>
+      </p:sp>
+      <p:sp>
+        <p:nvSpPr>
+          <p:cNvPr id="2" name="CuadroTexto 1">
+            <a:extLst>
+              <a:ext uri="{FF2B5EF4-FFF2-40B4-BE49-F238E27FC236}">
+                <a16:creationId xmlns:a16="http://schemas.microsoft.com/office/drawing/2014/main" id="{B31B1D1A-1E8C-4770-B3E2-2443377F6D6B}"/>
+              </a:ext>
+            </a:extLst>
+          </p:cNvPr>
+          <p:cNvSpPr txBox="1"/>
+          <p:nvPr/>
+        </p:nvSpPr>
+        <p:spPr>
+          <a:xfrm>
+            <a:off x="466549" y="1387578"/>
+            <a:ext cx="8210902" cy="584775"/>
+          </a:xfrm>
+          <a:prstGeom prst="rect">
+            <a:avLst/>
+          </a:prstGeom>
+          <a:noFill/>
+        </p:spPr>
+        <p:txBody>
+          <a:bodyPr wrap="none" rtlCol="0">
+            <a:spAutoFit/>
+          </a:bodyPr>
+          <a:lstStyle/>
+          <a:p>
+            <a:r>
+              <a:rPr lang="es-CO" sz="3200" dirty="0">
+                <a:latin typeface="Times New Roman" panose="02020603050405020304" pitchFamily="18" charset="0"/>
+                <a:cs typeface="Times New Roman" panose="02020603050405020304" pitchFamily="18" charset="0"/>
+              </a:rPr>
+              <a:t>Trabajo final Diseño detallado de bases de Datos</a:t>
             </a:r>
           </a:p>
         </p:txBody>
@@ -3384,38 +3430,401 @@
         </p:nvSpPr>
         <p:spPr>
           <a:xfrm>
-            <a:off x="2862386" y="1004766"/>
-            <a:ext cx="5726722" cy="3394472"/>
+            <a:off x="858824" y="1016110"/>
+            <a:ext cx="7426352" cy="2472212"/>
           </a:xfrm>
         </p:spPr>
         <p:txBody>
-          <a:bodyPr/>
-          <a:lstStyle/>
-          <a:p>
-            <a:r>
-              <a:rPr lang="en-US" dirty="0" err="1">
-                <a:latin typeface="DINPro-Regular"/>
-                <a:cs typeface="DINPro-Regular"/>
-              </a:rPr>
-              <a:t>Añadir</a:t>
-            </a:r>
-            <a:r>
-              <a:rPr lang="en-US" dirty="0">
-                <a:latin typeface="DINPro-Regular"/>
-                <a:cs typeface="DINPro-Regular"/>
+          <a:bodyPr>
+            <a:normAutofit/>
+          </a:bodyPr>
+          <a:lstStyle/>
+          <a:p>
+            <a:pPr marL="0" indent="0" algn="ctr">
+              <a:buNone/>
+            </a:pPr>
+            <a:r>
+              <a:rPr lang="en-US" b="1" dirty="0">
+                <a:latin typeface="Times New Roman" panose="02020603050405020304" pitchFamily="18" charset="0"/>
+                <a:cs typeface="Times New Roman" panose="02020603050405020304" pitchFamily="18" charset="0"/>
+              </a:rPr>
+              <a:t>¿Que es Cassandra?</a:t>
+            </a:r>
+          </a:p>
+          <a:p>
+            <a:pPr marL="0" indent="0" algn="just">
+              <a:buNone/>
+            </a:pPr>
+            <a:r>
+              <a:rPr lang="es-MX" sz="2600" dirty="0" err="1">
+                <a:latin typeface="Times New Roman" panose="02020603050405020304" pitchFamily="18" charset="0"/>
+                <a:cs typeface="Times New Roman" panose="02020603050405020304" pitchFamily="18" charset="0"/>
+              </a:rPr>
+              <a:t>Cassandra</a:t>
+            </a:r>
+            <a:r>
+              <a:rPr lang="es-MX" sz="2600" dirty="0">
+                <a:latin typeface="Times New Roman" panose="02020603050405020304" pitchFamily="18" charset="0"/>
+                <a:cs typeface="Times New Roman" panose="02020603050405020304" pitchFamily="18" charset="0"/>
+              </a:rPr>
+              <a:t> se define como una base de datos NoSQL distribuida y masivamente escalable, y esta es su mayor virtud desde nuestro punto de vista, la capacidad de escalar linealmente.</a:t>
+            </a:r>
+            <a:endParaRPr lang="en-US" sz="2600" dirty="0">
+              <a:latin typeface="Times New Roman" panose="02020603050405020304" pitchFamily="18" charset="0"/>
+              <a:cs typeface="Times New Roman" panose="02020603050405020304" pitchFamily="18" charset="0"/>
+            </a:endParaRPr>
+          </a:p>
+        </p:txBody>
+      </p:sp>
+    </p:spTree>
+    <p:extLst>
+      <p:ext uri="{BB962C8B-B14F-4D97-AF65-F5344CB8AC3E}">
+        <p14:creationId xmlns:p14="http://schemas.microsoft.com/office/powerpoint/2010/main" val="460351598"/>
+      </p:ext>
+    </p:extLst>
+  </p:cSld>
+  <p:clrMapOvr>
+    <a:masterClrMapping/>
+  </p:clrMapOvr>
+</p:sld>
+</file>
+
+<file path=ppt/slides/slide4.xml><?xml version="1.0" encoding="utf-8"?>
+<p:sld xmlns:a="http://schemas.openxmlformats.org/drawingml/2006/main" xmlns:r="http://schemas.openxmlformats.org/officeDocument/2006/relationships" xmlns:p="http://schemas.openxmlformats.org/presentationml/2006/main">
+  <p:cSld>
+    <p:bg>
+      <p:bgPr>
+        <a:blipFill rotWithShape="1">
+          <a:blip r:embed="rId2"/>
+          <a:stretch>
+            <a:fillRect/>
+          </a:stretch>
+        </a:blipFill>
+        <a:effectLst/>
+      </p:bgPr>
+    </p:bg>
+    <p:spTree>
+      <p:nvGrpSpPr>
+        <p:cNvPr id="1" name=""/>
+        <p:cNvGrpSpPr/>
+        <p:nvPr/>
+      </p:nvGrpSpPr>
+      <p:grpSpPr>
+        <a:xfrm>
+          <a:off x="0" y="0"/>
+          <a:ext cx="0" cy="0"/>
+          <a:chOff x="0" y="0"/>
+          <a:chExt cx="0" cy="0"/>
+        </a:xfrm>
+      </p:grpSpPr>
+      <p:sp>
+        <p:nvSpPr>
+          <p:cNvPr id="4" name="Content Placeholder 2"/>
+          <p:cNvSpPr>
+            <a:spLocks noGrp="1"/>
+          </p:cNvSpPr>
+          <p:nvPr>
+            <p:ph idx="1"/>
+          </p:nvPr>
+        </p:nvSpPr>
+        <p:spPr>
+          <a:xfrm>
+            <a:off x="1095891" y="1038798"/>
+            <a:ext cx="7426352" cy="2472212"/>
+          </a:xfrm>
+        </p:spPr>
+        <p:txBody>
+          <a:bodyPr>
+            <a:normAutofit fontScale="25000" lnSpcReduction="20000"/>
+          </a:bodyPr>
+          <a:lstStyle/>
+          <a:p>
+            <a:pPr marL="0" indent="0" algn="ctr">
+              <a:buNone/>
+            </a:pPr>
+            <a:r>
+              <a:rPr lang="en-US" sz="12800" b="1" dirty="0">
+                <a:latin typeface="Times New Roman" panose="02020603050405020304" pitchFamily="18" charset="0"/>
+                <a:cs typeface="Times New Roman" panose="02020603050405020304" pitchFamily="18" charset="0"/>
+              </a:rPr>
+              <a:t>¿</a:t>
+            </a:r>
+            <a:r>
+              <a:rPr lang="en-US" sz="12800" b="1" dirty="0" err="1">
+                <a:latin typeface="Times New Roman" panose="02020603050405020304" pitchFamily="18" charset="0"/>
+                <a:cs typeface="Times New Roman" panose="02020603050405020304" pitchFamily="18" charset="0"/>
+              </a:rPr>
+              <a:t>Cuando</a:t>
+            </a:r>
+            <a:r>
+              <a:rPr lang="en-US" sz="12800" b="1" dirty="0">
+                <a:latin typeface="Times New Roman" panose="02020603050405020304" pitchFamily="18" charset="0"/>
+                <a:cs typeface="Times New Roman" panose="02020603050405020304" pitchFamily="18" charset="0"/>
+              </a:rPr>
+              <a:t> usar </a:t>
+            </a:r>
+            <a:r>
+              <a:rPr lang="en-US" sz="12800" b="1" dirty="0" err="1">
+                <a:latin typeface="Times New Roman" panose="02020603050405020304" pitchFamily="18" charset="0"/>
+                <a:cs typeface="Times New Roman" panose="02020603050405020304" pitchFamily="18" charset="0"/>
+              </a:rPr>
+              <a:t>cassandra</a:t>
+            </a:r>
+            <a:r>
+              <a:rPr lang="en-US" sz="12800" b="1" dirty="0">
+                <a:latin typeface="Times New Roman" panose="02020603050405020304" pitchFamily="18" charset="0"/>
+                <a:cs typeface="Times New Roman" panose="02020603050405020304" pitchFamily="18" charset="0"/>
+              </a:rPr>
+              <a:t>?</a:t>
+            </a:r>
+          </a:p>
+          <a:p>
+            <a:pPr marL="0" indent="0" algn="just">
+              <a:buNone/>
+            </a:pPr>
+            <a:r>
+              <a:rPr lang="es-MX" sz="6000" dirty="0">
+                <a:latin typeface="Times New Roman" panose="02020603050405020304" pitchFamily="18" charset="0"/>
+                <a:cs typeface="Times New Roman" panose="02020603050405020304" pitchFamily="18" charset="0"/>
+              </a:rPr>
+              <a:t>Cuando cumplamos con los siguientes puntos será un buen momento para plantearnos </a:t>
+            </a:r>
+            <a:r>
+              <a:rPr lang="es-MX" sz="6000" dirty="0" err="1">
+                <a:latin typeface="Times New Roman" panose="02020603050405020304" pitchFamily="18" charset="0"/>
+                <a:cs typeface="Times New Roman" panose="02020603050405020304" pitchFamily="18" charset="0"/>
+              </a:rPr>
+              <a:t>Cassandra</a:t>
+            </a:r>
+            <a:r>
+              <a:rPr lang="es-MX" sz="6000" dirty="0">
+                <a:latin typeface="Times New Roman" panose="02020603050405020304" pitchFamily="18" charset="0"/>
+                <a:cs typeface="Times New Roman" panose="02020603050405020304" pitchFamily="18" charset="0"/>
+              </a:rPr>
+              <a:t>:</a:t>
+            </a:r>
+          </a:p>
+          <a:p>
+            <a:pPr marL="0" indent="0" algn="just">
+              <a:buNone/>
+            </a:pPr>
+            <a:endParaRPr lang="es-MX" sz="6000" dirty="0">
+              <a:latin typeface="Times New Roman" panose="02020603050405020304" pitchFamily="18" charset="0"/>
+              <a:cs typeface="Times New Roman" panose="02020603050405020304" pitchFamily="18" charset="0"/>
+            </a:endParaRPr>
+          </a:p>
+          <a:p>
+            <a:pPr algn="just"/>
+            <a:r>
+              <a:rPr lang="es-MX" sz="6000" dirty="0">
+                <a:latin typeface="Times New Roman" panose="02020603050405020304" pitchFamily="18" charset="0"/>
+                <a:cs typeface="Times New Roman" panose="02020603050405020304" pitchFamily="18" charset="0"/>
+              </a:rPr>
+              <a:t>Como hemos comentado, las escrituras son muy rápidas, por lo que cuando tengamos un gran número de escrituras que supere las lecturas será buen momento para empezar a pensar en </a:t>
+            </a:r>
+            <a:r>
+              <a:rPr lang="es-MX" sz="6000" dirty="0" err="1">
+                <a:latin typeface="Times New Roman" panose="02020603050405020304" pitchFamily="18" charset="0"/>
+                <a:cs typeface="Times New Roman" panose="02020603050405020304" pitchFamily="18" charset="0"/>
+              </a:rPr>
+              <a:t>Cassandra</a:t>
+            </a:r>
+            <a:r>
+              <a:rPr lang="es-MX" sz="6000" dirty="0">
+                <a:latin typeface="Times New Roman" panose="02020603050405020304" pitchFamily="18" charset="0"/>
+                <a:cs typeface="Times New Roman" panose="02020603050405020304" pitchFamily="18" charset="0"/>
+              </a:rPr>
+              <a:t>.</a:t>
+            </a:r>
+          </a:p>
+          <a:p>
+            <a:pPr algn="just"/>
+            <a:r>
+              <a:rPr lang="es-MX" sz="6000" dirty="0">
+                <a:latin typeface="Times New Roman" panose="02020603050405020304" pitchFamily="18" charset="0"/>
+                <a:cs typeface="Times New Roman" panose="02020603050405020304" pitchFamily="18" charset="0"/>
+              </a:rPr>
+              <a:t>Si la lectura es realizada a través de una </a:t>
+            </a:r>
+            <a:r>
+              <a:rPr lang="es-MX" sz="6000" dirty="0" err="1">
+                <a:latin typeface="Times New Roman" panose="02020603050405020304" pitchFamily="18" charset="0"/>
+                <a:cs typeface="Times New Roman" panose="02020603050405020304" pitchFamily="18" charset="0"/>
+              </a:rPr>
+              <a:t>primary</a:t>
+            </a:r>
+            <a:r>
+              <a:rPr lang="es-MX" sz="6000" dirty="0">
+                <a:latin typeface="Times New Roman" panose="02020603050405020304" pitchFamily="18" charset="0"/>
+                <a:cs typeface="Times New Roman" panose="02020603050405020304" pitchFamily="18" charset="0"/>
               </a:rPr>
               <a:t> </a:t>
             </a:r>
             <a:r>
-              <a:rPr lang="en-US" dirty="0" err="1">
-                <a:latin typeface="DINPro-Regular"/>
-                <a:cs typeface="DINPro-Regular"/>
-              </a:rPr>
-              <a:t>texto</a:t>
-            </a:r>
-            <a:endParaRPr lang="en-US" dirty="0">
-              <a:latin typeface="DINPro-Regular"/>
-              <a:cs typeface="DINPro-Regular"/>
+              <a:rPr lang="es-MX" sz="6000" dirty="0" err="1">
+                <a:latin typeface="Times New Roman" panose="02020603050405020304" pitchFamily="18" charset="0"/>
+                <a:cs typeface="Times New Roman" panose="02020603050405020304" pitchFamily="18" charset="0"/>
+              </a:rPr>
+              <a:t>key</a:t>
+            </a:r>
+            <a:r>
+              <a:rPr lang="es-MX" sz="6000" dirty="0">
+                <a:latin typeface="Times New Roman" panose="02020603050405020304" pitchFamily="18" charset="0"/>
+                <a:cs typeface="Times New Roman" panose="02020603050405020304" pitchFamily="18" charset="0"/>
+              </a:rPr>
+              <a:t>, ya que de otro modo la lectura será muy penalizada.</a:t>
+            </a:r>
+          </a:p>
+          <a:p>
+            <a:pPr algn="just"/>
+            <a:r>
+              <a:rPr lang="es-MX" sz="6000" dirty="0">
+                <a:latin typeface="Times New Roman" panose="02020603050405020304" pitchFamily="18" charset="0"/>
+                <a:cs typeface="Times New Roman" panose="02020603050405020304" pitchFamily="18" charset="0"/>
+              </a:rPr>
+              <a:t>En el caso en el que necesitemos guardar datos de una manera flexible, es decir, no teniendo todos los campos de nuestra </a:t>
+            </a:r>
+            <a:r>
+              <a:rPr lang="es-MX" sz="6000" dirty="0" err="1">
+                <a:latin typeface="Times New Roman" panose="02020603050405020304" pitchFamily="18" charset="0"/>
+                <a:cs typeface="Times New Roman" panose="02020603050405020304" pitchFamily="18" charset="0"/>
+              </a:rPr>
+              <a:t>escturctura</a:t>
+            </a:r>
+            <a:r>
+              <a:rPr lang="es-MX" sz="6000" dirty="0">
+                <a:latin typeface="Times New Roman" panose="02020603050405020304" pitchFamily="18" charset="0"/>
+                <a:cs typeface="Times New Roman" panose="02020603050405020304" pitchFamily="18" charset="0"/>
+              </a:rPr>
+              <a:t>.</a:t>
+            </a:r>
+          </a:p>
+          <a:p>
+            <a:pPr algn="just"/>
+            <a:r>
+              <a:rPr lang="es-MX" sz="6000" dirty="0">
+                <a:latin typeface="Times New Roman" panose="02020603050405020304" pitchFamily="18" charset="0"/>
+                <a:cs typeface="Times New Roman" panose="02020603050405020304" pitchFamily="18" charset="0"/>
+              </a:rPr>
+              <a:t>Siempre y cuando no pensemos en realizar </a:t>
+            </a:r>
+            <a:r>
+              <a:rPr lang="es-MX" sz="6000" dirty="0" err="1">
+                <a:latin typeface="Times New Roman" panose="02020603050405020304" pitchFamily="18" charset="0"/>
+                <a:cs typeface="Times New Roman" panose="02020603050405020304" pitchFamily="18" charset="0"/>
+              </a:rPr>
+              <a:t>joins</a:t>
+            </a:r>
+            <a:r>
+              <a:rPr lang="es-MX" sz="6000" dirty="0">
+                <a:latin typeface="Times New Roman" panose="02020603050405020304" pitchFamily="18" charset="0"/>
+                <a:cs typeface="Times New Roman" panose="02020603050405020304" pitchFamily="18" charset="0"/>
+              </a:rPr>
+              <a:t>.</a:t>
+            </a:r>
+          </a:p>
+          <a:p>
+            <a:pPr algn="just"/>
+            <a:r>
+              <a:rPr lang="es-MX" sz="6000" dirty="0">
+                <a:latin typeface="Times New Roman" panose="02020603050405020304" pitchFamily="18" charset="0"/>
+                <a:cs typeface="Times New Roman" panose="02020603050405020304" pitchFamily="18" charset="0"/>
+              </a:rPr>
+              <a:t>Cuando la información sea actualizada de manera idempotente.</a:t>
+            </a:r>
+            <a:endParaRPr lang="en-US" sz="6000" dirty="0">
+              <a:latin typeface="Times New Roman" panose="02020603050405020304" pitchFamily="18" charset="0"/>
+              <a:cs typeface="Times New Roman" panose="02020603050405020304" pitchFamily="18" charset="0"/>
+            </a:endParaRPr>
+          </a:p>
+        </p:txBody>
+      </p:sp>
+    </p:spTree>
+    <p:extLst>
+      <p:ext uri="{BB962C8B-B14F-4D97-AF65-F5344CB8AC3E}">
+        <p14:creationId xmlns:p14="http://schemas.microsoft.com/office/powerpoint/2010/main" val="3862649840"/>
+      </p:ext>
+    </p:extLst>
+  </p:cSld>
+  <p:clrMapOvr>
+    <a:masterClrMapping/>
+  </p:clrMapOvr>
+</p:sld>
+</file>
+
+<file path=ppt/slides/slide5.xml><?xml version="1.0" encoding="utf-8"?>
+<p:sld xmlns:a="http://schemas.openxmlformats.org/drawingml/2006/main" xmlns:r="http://schemas.openxmlformats.org/officeDocument/2006/relationships" xmlns:p="http://schemas.openxmlformats.org/presentationml/2006/main">
+  <p:cSld>
+    <p:bg>
+      <p:bgPr>
+        <a:blipFill rotWithShape="1">
+          <a:blip r:embed="rId2"/>
+          <a:stretch>
+            <a:fillRect/>
+          </a:stretch>
+        </a:blipFill>
+        <a:effectLst/>
+      </p:bgPr>
+    </p:bg>
+    <p:spTree>
+      <p:nvGrpSpPr>
+        <p:cNvPr id="1" name=""/>
+        <p:cNvGrpSpPr/>
+        <p:nvPr/>
+      </p:nvGrpSpPr>
+      <p:grpSpPr>
+        <a:xfrm>
+          <a:off x="0" y="0"/>
+          <a:ext cx="0" cy="0"/>
+          <a:chOff x="0" y="0"/>
+          <a:chExt cx="0" cy="0"/>
+        </a:xfrm>
+      </p:grpSpPr>
+      <p:sp>
+        <p:nvSpPr>
+          <p:cNvPr id="4" name="Content Placeholder 2"/>
+          <p:cNvSpPr>
+            <a:spLocks noGrp="1"/>
+          </p:cNvSpPr>
+          <p:nvPr>
+            <p:ph idx="1"/>
+          </p:nvPr>
+        </p:nvSpPr>
+        <p:spPr>
+          <a:xfrm>
+            <a:off x="858824" y="1016110"/>
+            <a:ext cx="7426352" cy="2472212"/>
+          </a:xfrm>
+        </p:spPr>
+        <p:txBody>
+          <a:bodyPr/>
+          <a:lstStyle/>
+          <a:p>
+            <a:pPr marL="0" indent="0" algn="ctr">
+              <a:buNone/>
+            </a:pPr>
+            <a:r>
+              <a:rPr lang="en-US" b="1" dirty="0">
+                <a:latin typeface="Times New Roman" panose="02020603050405020304" pitchFamily="18" charset="0"/>
+                <a:cs typeface="Times New Roman" panose="02020603050405020304" pitchFamily="18" charset="0"/>
+              </a:rPr>
+              <a:t>¿Que es Redis?</a:t>
+            </a:r>
+          </a:p>
+          <a:p>
+            <a:pPr marL="0" indent="0">
+              <a:buNone/>
+            </a:pPr>
+            <a:r>
+              <a:rPr lang="es-MX" sz="1500" dirty="0">
+                <a:latin typeface="Times New Roman" panose="02020603050405020304" pitchFamily="18" charset="0"/>
+                <a:cs typeface="Times New Roman" panose="02020603050405020304" pitchFamily="18" charset="0"/>
+              </a:rPr>
+              <a:t>Redis es un motor de base de datos en memoria, basado en el almacenamiento en tablas de hashes (clave/valor) pero que opcionalmente puede ser usada como una base de datos durable o persistente.</a:t>
+            </a:r>
+            <a:endParaRPr lang="en-US" sz="1500" dirty="0">
+              <a:latin typeface="Times New Roman" panose="02020603050405020304" pitchFamily="18" charset="0"/>
+              <a:cs typeface="Times New Roman" panose="02020603050405020304" pitchFamily="18" charset="0"/>
             </a:endParaRPr>
           </a:p>
         </p:txBody>
@@ -3424,6 +3833,167 @@
     <p:extLst>
       <p:ext uri="{BB962C8B-B14F-4D97-AF65-F5344CB8AC3E}">
         <p14:creationId xmlns:p14="http://schemas.microsoft.com/office/powerpoint/2010/main" val="2993715308"/>
+      </p:ext>
+    </p:extLst>
+  </p:cSld>
+  <p:clrMapOvr>
+    <a:masterClrMapping/>
+  </p:clrMapOvr>
+</p:sld>
+</file>
+
+<file path=ppt/slides/slide6.xml><?xml version="1.0" encoding="utf-8"?>
+<p:sld xmlns:a="http://schemas.openxmlformats.org/drawingml/2006/main" xmlns:r="http://schemas.openxmlformats.org/officeDocument/2006/relationships" xmlns:p="http://schemas.openxmlformats.org/presentationml/2006/main">
+  <p:cSld>
+    <p:bg>
+      <p:bgPr>
+        <a:blipFill rotWithShape="1">
+          <a:blip r:embed="rId2"/>
+          <a:stretch>
+            <a:fillRect/>
+          </a:stretch>
+        </a:blipFill>
+        <a:effectLst/>
+      </p:bgPr>
+    </p:bg>
+    <p:spTree>
+      <p:nvGrpSpPr>
+        <p:cNvPr id="1" name=""/>
+        <p:cNvGrpSpPr/>
+        <p:nvPr/>
+      </p:nvGrpSpPr>
+      <p:grpSpPr>
+        <a:xfrm>
+          <a:off x="0" y="0"/>
+          <a:ext cx="0" cy="0"/>
+          <a:chOff x="0" y="0"/>
+          <a:chExt cx="0" cy="0"/>
+        </a:xfrm>
+      </p:grpSpPr>
+      <p:sp>
+        <p:nvSpPr>
+          <p:cNvPr id="4" name="Content Placeholder 2"/>
+          <p:cNvSpPr>
+            <a:spLocks noGrp="1"/>
+          </p:cNvSpPr>
+          <p:nvPr>
+            <p:ph idx="1"/>
+          </p:nvPr>
+        </p:nvSpPr>
+        <p:spPr>
+          <a:xfrm>
+            <a:off x="1129758" y="880643"/>
+            <a:ext cx="7426352" cy="2472212"/>
+          </a:xfrm>
+        </p:spPr>
+        <p:txBody>
+          <a:bodyPr>
+            <a:normAutofit fontScale="25000" lnSpcReduction="20000"/>
+          </a:bodyPr>
+          <a:lstStyle/>
+          <a:p>
+            <a:pPr marL="0" indent="0" algn="ctr">
+              <a:buNone/>
+            </a:pPr>
+            <a:r>
+              <a:rPr lang="es-MX" sz="12800" b="1" dirty="0">
+                <a:latin typeface="Times New Roman" panose="02020603050405020304" pitchFamily="18" charset="0"/>
+                <a:cs typeface="Times New Roman" panose="02020603050405020304" pitchFamily="18" charset="0"/>
+              </a:rPr>
+              <a:t>¿Cuándo usar Redis?</a:t>
+            </a:r>
+          </a:p>
+          <a:p>
+            <a:pPr marL="0" indent="0" algn="just">
+              <a:buNone/>
+            </a:pPr>
+            <a:r>
+              <a:rPr lang="es-MX" sz="6000" dirty="0">
+                <a:latin typeface="Times New Roman" panose="02020603050405020304" pitchFamily="18" charset="0"/>
+                <a:cs typeface="Times New Roman" panose="02020603050405020304" pitchFamily="18" charset="0"/>
+              </a:rPr>
+              <a:t>El uso de Redis es altamente recomendable cuando la velocidad de acceso y tiempos de respuesta son críticos para una solución de negocio. Su uso es también indicado cuando se trabaja con aplicaciones en tiempo real, lo cual requiere que los datos se encuentren rápidamente accesibles para mejorar los tiempos de respuesta. Entre los casos de uso más comunes podemos encontrar:</a:t>
+            </a:r>
+          </a:p>
+          <a:p>
+            <a:pPr marL="0" indent="0" algn="just">
+              <a:buNone/>
+            </a:pPr>
+            <a:endParaRPr lang="es-MX" sz="6000" dirty="0">
+              <a:latin typeface="Times New Roman" panose="02020603050405020304" pitchFamily="18" charset="0"/>
+              <a:cs typeface="Times New Roman" panose="02020603050405020304" pitchFamily="18" charset="0"/>
+            </a:endParaRPr>
+          </a:p>
+          <a:p>
+            <a:pPr algn="just"/>
+            <a:r>
+              <a:rPr lang="es-MX" sz="6000" dirty="0">
+                <a:latin typeface="Times New Roman" panose="02020603050405020304" pitchFamily="18" charset="0"/>
+                <a:cs typeface="Times New Roman" panose="02020603050405020304" pitchFamily="18" charset="0"/>
+              </a:rPr>
+              <a:t>Sistemas de chat y mensajería</a:t>
+            </a:r>
+          </a:p>
+          <a:p>
+            <a:pPr algn="just"/>
+            <a:r>
+              <a:rPr lang="es-MX" sz="6000" dirty="0">
+                <a:latin typeface="Times New Roman" panose="02020603050405020304" pitchFamily="18" charset="0"/>
+                <a:cs typeface="Times New Roman" panose="02020603050405020304" pitchFamily="18" charset="0"/>
+              </a:rPr>
+              <a:t>Listado de elementos más recientes</a:t>
+            </a:r>
+          </a:p>
+          <a:p>
+            <a:pPr algn="just"/>
+            <a:r>
+              <a:rPr lang="es-MX" sz="6000" dirty="0">
+                <a:latin typeface="Times New Roman" panose="02020603050405020304" pitchFamily="18" charset="0"/>
+                <a:cs typeface="Times New Roman" panose="02020603050405020304" pitchFamily="18" charset="0"/>
+              </a:rPr>
+              <a:t>Contadores y uso de estadísticas en tiempo real</a:t>
+            </a:r>
+          </a:p>
+          <a:p>
+            <a:pPr algn="just"/>
+            <a:r>
+              <a:rPr lang="es-MX" sz="6000" dirty="0">
+                <a:latin typeface="Times New Roman" panose="02020603050405020304" pitchFamily="18" charset="0"/>
+                <a:cs typeface="Times New Roman" panose="02020603050405020304" pitchFamily="18" charset="0"/>
+              </a:rPr>
+              <a:t>Manejo y administración de carros de compra en línea</a:t>
+            </a:r>
+          </a:p>
+          <a:p>
+            <a:pPr algn="just"/>
+            <a:r>
+              <a:rPr lang="es-MX" sz="6000" dirty="0">
+                <a:latin typeface="Times New Roman" panose="02020603050405020304" pitchFamily="18" charset="0"/>
+                <a:cs typeface="Times New Roman" panose="02020603050405020304" pitchFamily="18" charset="0"/>
+              </a:rPr>
+              <a:t>Almacenamiento de sesiones de usuario dentro de una aplicación</a:t>
+            </a:r>
+          </a:p>
+          <a:p>
+            <a:pPr algn="just"/>
+            <a:r>
+              <a:rPr lang="es-MX" sz="6000" dirty="0">
+                <a:latin typeface="Times New Roman" panose="02020603050405020304" pitchFamily="18" charset="0"/>
+                <a:cs typeface="Times New Roman" panose="02020603050405020304" pitchFamily="18" charset="0"/>
+              </a:rPr>
+              <a:t>Soporte como caché de páginas web</a:t>
+            </a:r>
+            <a:endParaRPr lang="en-US" sz="6000" dirty="0">
+              <a:latin typeface="Times New Roman" panose="02020603050405020304" pitchFamily="18" charset="0"/>
+              <a:cs typeface="Times New Roman" panose="02020603050405020304" pitchFamily="18" charset="0"/>
+            </a:endParaRPr>
+          </a:p>
+        </p:txBody>
+      </p:sp>
+    </p:spTree>
+    <p:extLst>
+      <p:ext uri="{BB962C8B-B14F-4D97-AF65-F5344CB8AC3E}">
+        <p14:creationId xmlns:p14="http://schemas.microsoft.com/office/powerpoint/2010/main" val="2627377535"/>
       </p:ext>
     </p:extLst>
   </p:cSld>

--- a/PresentaciónFinal.pptx
+++ b/PresentaciónFinal.pptx
@@ -11,6 +11,7 @@
     <p:sldId id="264" r:id="rId5"/>
     <p:sldId id="262" r:id="rId6"/>
     <p:sldId id="266" r:id="rId7"/>
+    <p:sldId id="267" r:id="rId8"/>
   </p:sldIdLst>
   <p:sldSz cx="9144000" cy="5143500" type="screen16x9"/>
   <p:notesSz cx="6858000" cy="9144000"/>
@@ -120,6 +121,7 @@
             <p14:sldId id="264"/>
             <p14:sldId id="262"/>
             <p14:sldId id="266"/>
+            <p14:sldId id="267"/>
           </p14:sldIdLst>
         </p14:section>
       </p14:sectionLst>
@@ -323,7 +325,7 @@
           <a:p>
             <a:fld id="{50132367-146F-654D-A836-564943EE25C9}" type="datetimeFigureOut">
               <a:rPr lang="en-US" smtClean="0"/>
-              <a:t>12/13/2021</a:t>
+              <a:t>12/14/2021</a:t>
             </a:fld>
             <a:endParaRPr lang="en-US"/>
           </a:p>
@@ -493,7 +495,7 @@
           <a:p>
             <a:fld id="{50132367-146F-654D-A836-564943EE25C9}" type="datetimeFigureOut">
               <a:rPr lang="en-US" smtClean="0"/>
-              <a:t>12/13/2021</a:t>
+              <a:t>12/14/2021</a:t>
             </a:fld>
             <a:endParaRPr lang="en-US"/>
           </a:p>
@@ -673,7 +675,7 @@
           <a:p>
             <a:fld id="{50132367-146F-654D-A836-564943EE25C9}" type="datetimeFigureOut">
               <a:rPr lang="en-US" smtClean="0"/>
-              <a:t>12/13/2021</a:t>
+              <a:t>12/14/2021</a:t>
             </a:fld>
             <a:endParaRPr lang="en-US"/>
           </a:p>
@@ -843,7 +845,7 @@
           <a:p>
             <a:fld id="{50132367-146F-654D-A836-564943EE25C9}" type="datetimeFigureOut">
               <a:rPr lang="en-US" smtClean="0"/>
-              <a:t>12/13/2021</a:t>
+              <a:t>12/14/2021</a:t>
             </a:fld>
             <a:endParaRPr lang="en-US"/>
           </a:p>
@@ -1089,7 +1091,7 @@
           <a:p>
             <a:fld id="{50132367-146F-654D-A836-564943EE25C9}" type="datetimeFigureOut">
               <a:rPr lang="en-US" smtClean="0"/>
-              <a:t>12/13/2021</a:t>
+              <a:t>12/14/2021</a:t>
             </a:fld>
             <a:endParaRPr lang="en-US"/>
           </a:p>
@@ -1377,7 +1379,7 @@
           <a:p>
             <a:fld id="{50132367-146F-654D-A836-564943EE25C9}" type="datetimeFigureOut">
               <a:rPr lang="en-US" smtClean="0"/>
-              <a:t>12/13/2021</a:t>
+              <a:t>12/14/2021</a:t>
             </a:fld>
             <a:endParaRPr lang="en-US"/>
           </a:p>
@@ -1804,7 +1806,7 @@
           <a:p>
             <a:fld id="{50132367-146F-654D-A836-564943EE25C9}" type="datetimeFigureOut">
               <a:rPr lang="en-US" smtClean="0"/>
-              <a:t>12/13/2021</a:t>
+              <a:t>12/14/2021</a:t>
             </a:fld>
             <a:endParaRPr lang="en-US"/>
           </a:p>
@@ -1922,7 +1924,7 @@
           <a:p>
             <a:fld id="{50132367-146F-654D-A836-564943EE25C9}" type="datetimeFigureOut">
               <a:rPr lang="en-US" smtClean="0"/>
-              <a:t>12/13/2021</a:t>
+              <a:t>12/14/2021</a:t>
             </a:fld>
             <a:endParaRPr lang="en-US"/>
           </a:p>
@@ -2017,7 +2019,7 @@
           <a:p>
             <a:fld id="{50132367-146F-654D-A836-564943EE25C9}" type="datetimeFigureOut">
               <a:rPr lang="en-US" smtClean="0"/>
-              <a:t>12/13/2021</a:t>
+              <a:t>12/14/2021</a:t>
             </a:fld>
             <a:endParaRPr lang="en-US"/>
           </a:p>
@@ -2294,7 +2296,7 @@
           <a:p>
             <a:fld id="{50132367-146F-654D-A836-564943EE25C9}" type="datetimeFigureOut">
               <a:rPr lang="en-US" smtClean="0"/>
-              <a:t>12/13/2021</a:t>
+              <a:t>12/14/2021</a:t>
             </a:fld>
             <a:endParaRPr lang="en-US"/>
           </a:p>
@@ -2547,7 +2549,7 @@
           <a:p>
             <a:fld id="{50132367-146F-654D-A836-564943EE25C9}" type="datetimeFigureOut">
               <a:rPr lang="en-US" smtClean="0"/>
-              <a:t>12/13/2021</a:t>
+              <a:t>12/14/2021</a:t>
             </a:fld>
             <a:endParaRPr lang="en-US"/>
           </a:p>
@@ -2760,7 +2762,7 @@
           <a:p>
             <a:fld id="{50132367-146F-654D-A836-564943EE25C9}" type="datetimeFigureOut">
               <a:rPr lang="en-US" smtClean="0"/>
-              <a:t>12/13/2021</a:t>
+              <a:t>12/14/2021</a:t>
             </a:fld>
             <a:endParaRPr lang="en-US"/>
           </a:p>
@@ -3994,6 +3996,207 @@
     <p:extLst>
       <p:ext uri="{BB962C8B-B14F-4D97-AF65-F5344CB8AC3E}">
         <p14:creationId xmlns:p14="http://schemas.microsoft.com/office/powerpoint/2010/main" val="2627377535"/>
+      </p:ext>
+    </p:extLst>
+  </p:cSld>
+  <p:clrMapOvr>
+    <a:masterClrMapping/>
+  </p:clrMapOvr>
+</p:sld>
+</file>
+
+<file path=ppt/slides/slide7.xml><?xml version="1.0" encoding="utf-8"?>
+<p:sld xmlns:a="http://schemas.openxmlformats.org/drawingml/2006/main" xmlns:r="http://schemas.openxmlformats.org/officeDocument/2006/relationships" xmlns:p="http://schemas.openxmlformats.org/presentationml/2006/main">
+  <p:cSld>
+    <p:bg>
+      <p:bgPr>
+        <a:blipFill rotWithShape="1">
+          <a:blip r:embed="rId2"/>
+          <a:stretch>
+            <a:fillRect/>
+          </a:stretch>
+        </a:blipFill>
+        <a:effectLst/>
+      </p:bgPr>
+    </p:bg>
+    <p:spTree>
+      <p:nvGrpSpPr>
+        <p:cNvPr id="1" name=""/>
+        <p:cNvGrpSpPr/>
+        <p:nvPr/>
+      </p:nvGrpSpPr>
+      <p:grpSpPr>
+        <a:xfrm>
+          <a:off x="0" y="0"/>
+          <a:ext cx="0" cy="0"/>
+          <a:chOff x="0" y="0"/>
+          <a:chExt cx="0" cy="0"/>
+        </a:xfrm>
+      </p:grpSpPr>
+      <p:sp>
+        <p:nvSpPr>
+          <p:cNvPr id="4" name="Content Placeholder 2"/>
+          <p:cNvSpPr>
+            <a:spLocks noGrp="1"/>
+          </p:cNvSpPr>
+          <p:nvPr>
+            <p:ph idx="1"/>
+          </p:nvPr>
+        </p:nvSpPr>
+        <p:spPr>
+          <a:xfrm>
+            <a:off x="949136" y="985716"/>
+            <a:ext cx="7426352" cy="3172068"/>
+          </a:xfrm>
+        </p:spPr>
+        <p:txBody>
+          <a:bodyPr>
+            <a:normAutofit/>
+          </a:bodyPr>
+          <a:lstStyle/>
+          <a:p>
+            <a:pPr marL="0" indent="0" algn="ctr">
+              <a:buNone/>
+            </a:pPr>
+            <a:r>
+              <a:rPr lang="es-CO" dirty="0">
+                <a:latin typeface="Times New Roman" panose="02020603050405020304" pitchFamily="18" charset="0"/>
+                <a:cs typeface="Times New Roman" panose="02020603050405020304" pitchFamily="18" charset="0"/>
+              </a:rPr>
+              <a:t>Levantamiento</a:t>
+            </a:r>
+            <a:r>
+              <a:rPr lang="en-US" dirty="0">
+                <a:latin typeface="Times New Roman" panose="02020603050405020304" pitchFamily="18" charset="0"/>
+                <a:cs typeface="Times New Roman" panose="02020603050405020304" pitchFamily="18" charset="0"/>
+              </a:rPr>
+              <a:t> de </a:t>
+            </a:r>
+            <a:r>
+              <a:rPr lang="es-CO" dirty="0">
+                <a:latin typeface="Times New Roman" panose="02020603050405020304" pitchFamily="18" charset="0"/>
+                <a:cs typeface="Times New Roman" panose="02020603050405020304" pitchFamily="18" charset="0"/>
+              </a:rPr>
+              <a:t>container</a:t>
+            </a:r>
+            <a:r>
+              <a:rPr lang="en-US" dirty="0">
+                <a:latin typeface="Times New Roman" panose="02020603050405020304" pitchFamily="18" charset="0"/>
+                <a:cs typeface="Times New Roman" panose="02020603050405020304" pitchFamily="18" charset="0"/>
+              </a:rPr>
+              <a:t> y </a:t>
+            </a:r>
+            <a:r>
+              <a:rPr lang="en-US" dirty="0" err="1">
+                <a:latin typeface="Times New Roman" panose="02020603050405020304" pitchFamily="18" charset="0"/>
+                <a:cs typeface="Times New Roman" panose="02020603050405020304" pitchFamily="18" charset="0"/>
+              </a:rPr>
+              <a:t>conexión</a:t>
+            </a:r>
+            <a:r>
+              <a:rPr lang="en-US" dirty="0">
+                <a:latin typeface="Times New Roman" panose="02020603050405020304" pitchFamily="18" charset="0"/>
+                <a:cs typeface="Times New Roman" panose="02020603050405020304" pitchFamily="18" charset="0"/>
+              </a:rPr>
+              <a:t> Redis</a:t>
+            </a:r>
+          </a:p>
+        </p:txBody>
+      </p:sp>
+      <p:pic>
+        <p:nvPicPr>
+          <p:cNvPr id="3" name="Imagen 2" descr="Forma&#10;&#10;Descripción generada automáticamente con confianza media">
+            <a:extLst>
+              <a:ext uri="{FF2B5EF4-FFF2-40B4-BE49-F238E27FC236}">
+                <a16:creationId xmlns:a16="http://schemas.microsoft.com/office/drawing/2014/main" id="{B175231A-705D-49AA-AAD1-277D187D3648}"/>
+              </a:ext>
+            </a:extLst>
+          </p:cNvPr>
+          <p:cNvPicPr>
+            <a:picLocks noChangeAspect="1"/>
+          </p:cNvPicPr>
+          <p:nvPr/>
+        </p:nvPicPr>
+        <p:blipFill>
+          <a:blip r:embed="rId3"/>
+          <a:stretch>
+            <a:fillRect/>
+          </a:stretch>
+        </p:blipFill>
+        <p:spPr>
+          <a:xfrm>
+            <a:off x="1401463" y="1939427"/>
+            <a:ext cx="1906352" cy="1671322"/>
+          </a:xfrm>
+          <a:prstGeom prst="rect">
+            <a:avLst/>
+          </a:prstGeom>
+        </p:spPr>
+      </p:pic>
+      <p:pic>
+        <p:nvPicPr>
+          <p:cNvPr id="6" name="Imagen 5" descr="Icono&#10;&#10;Descripción generada automáticamente">
+            <a:extLst>
+              <a:ext uri="{FF2B5EF4-FFF2-40B4-BE49-F238E27FC236}">
+                <a16:creationId xmlns:a16="http://schemas.microsoft.com/office/drawing/2014/main" id="{60BE327D-7EDA-425E-86FC-2E816729C425}"/>
+              </a:ext>
+            </a:extLst>
+          </p:cNvPr>
+          <p:cNvPicPr>
+            <a:picLocks noChangeAspect="1"/>
+          </p:cNvPicPr>
+          <p:nvPr/>
+        </p:nvPicPr>
+        <p:blipFill>
+          <a:blip r:embed="rId4"/>
+          <a:stretch>
+            <a:fillRect/>
+          </a:stretch>
+        </p:blipFill>
+        <p:spPr>
+          <a:xfrm>
+            <a:off x="6648942" y="1943701"/>
+            <a:ext cx="1809555" cy="1802514"/>
+          </a:xfrm>
+          <a:prstGeom prst="rect">
+            <a:avLst/>
+          </a:prstGeom>
+        </p:spPr>
+      </p:pic>
+      <p:pic>
+        <p:nvPicPr>
+          <p:cNvPr id="8" name="Imagen 7" descr="Logotipo&#10;&#10;Descripción generada automáticamente">
+            <a:extLst>
+              <a:ext uri="{FF2B5EF4-FFF2-40B4-BE49-F238E27FC236}">
+                <a16:creationId xmlns:a16="http://schemas.microsoft.com/office/drawing/2014/main" id="{09A410EE-3028-4B08-AEF2-EAACF01847B1}"/>
+              </a:ext>
+            </a:extLst>
+          </p:cNvPr>
+          <p:cNvPicPr>
+            <a:picLocks noChangeAspect="1"/>
+          </p:cNvPicPr>
+          <p:nvPr/>
+        </p:nvPicPr>
+        <p:blipFill>
+          <a:blip r:embed="rId5"/>
+          <a:stretch>
+            <a:fillRect/>
+          </a:stretch>
+        </p:blipFill>
+        <p:spPr>
+          <a:xfrm>
+            <a:off x="3627557" y="1939427"/>
+            <a:ext cx="2833347" cy="1888898"/>
+          </a:xfrm>
+          <a:prstGeom prst="rect">
+            <a:avLst/>
+          </a:prstGeom>
+        </p:spPr>
+      </p:pic>
+    </p:spTree>
+    <p:extLst>
+      <p:ext uri="{BB962C8B-B14F-4D97-AF65-F5344CB8AC3E}">
+        <p14:creationId xmlns:p14="http://schemas.microsoft.com/office/powerpoint/2010/main" val="1156495564"/>
       </p:ext>
     </p:extLst>
   </p:cSld>

--- a/PresentaciónFinal.pptx
+++ b/PresentaciónFinal.pptx
@@ -12,6 +12,8 @@
     <p:sldId id="262" r:id="rId6"/>
     <p:sldId id="266" r:id="rId7"/>
     <p:sldId id="267" r:id="rId8"/>
+    <p:sldId id="268" r:id="rId9"/>
+    <p:sldId id="269" r:id="rId10"/>
   </p:sldIdLst>
   <p:sldSz cx="9144000" cy="5143500" type="screen16x9"/>
   <p:notesSz cx="6858000" cy="9144000"/>
@@ -122,6 +124,8 @@
             <p14:sldId id="262"/>
             <p14:sldId id="266"/>
             <p14:sldId id="267"/>
+            <p14:sldId id="268"/>
+            <p14:sldId id="269"/>
           </p14:sldIdLst>
         </p14:section>
       </p14:sectionLst>
@@ -142,6 +146,159 @@
     </p:ext>
   </p:extLst>
 </p:presentation>
+</file>
+
+<file path=ppt/changesInfos/changesInfo1.xml><?xml version="1.0" encoding="utf-8"?>
+<pc:chgInfo xmlns:a="http://schemas.openxmlformats.org/drawingml/2006/main" xmlns:r="http://schemas.openxmlformats.org/officeDocument/2006/relationships" xmlns:ac="http://schemas.microsoft.com/office/drawing/2013/main/command" xmlns:pc="http://schemas.microsoft.com/office/powerpoint/2013/main/command">
+  <pc:docChgLst>
+    <pc:chgData name="JUAN DAVID NATES HUERTAS" userId="593179cffe0a36d2" providerId="LiveId" clId="{DEA751D9-45E7-4DAA-9702-72E592091FA5}"/>
+    <pc:docChg chg="undo custSel addSld delSld modSld sldOrd modSection">
+      <pc:chgData name="JUAN DAVID NATES HUERTAS" userId="593179cffe0a36d2" providerId="LiveId" clId="{DEA751D9-45E7-4DAA-9702-72E592091FA5}" dt="2021-12-15T01:25:31.256" v="249" actId="1076"/>
+      <pc:docMkLst>
+        <pc:docMk/>
+      </pc:docMkLst>
+      <pc:sldChg chg="ord">
+        <pc:chgData name="JUAN DAVID NATES HUERTAS" userId="593179cffe0a36d2" providerId="LiveId" clId="{DEA751D9-45E7-4DAA-9702-72E592091FA5}" dt="2021-12-15T01:04:56.197" v="1"/>
+        <pc:sldMkLst>
+          <pc:docMk/>
+          <pc:sldMk cId="2627377535" sldId="266"/>
+        </pc:sldMkLst>
+      </pc:sldChg>
+      <pc:sldChg chg="modSp mod">
+        <pc:chgData name="JUAN DAVID NATES HUERTAS" userId="593179cffe0a36d2" providerId="LiveId" clId="{DEA751D9-45E7-4DAA-9702-72E592091FA5}" dt="2021-12-15T01:08:46.913" v="92" actId="1076"/>
+        <pc:sldMkLst>
+          <pc:docMk/>
+          <pc:sldMk cId="1156495564" sldId="267"/>
+        </pc:sldMkLst>
+        <pc:spChg chg="mod">
+          <ac:chgData name="JUAN DAVID NATES HUERTAS" userId="593179cffe0a36d2" providerId="LiveId" clId="{DEA751D9-45E7-4DAA-9702-72E592091FA5}" dt="2021-12-15T01:08:37.458" v="89" actId="20577"/>
+          <ac:spMkLst>
+            <pc:docMk/>
+            <pc:sldMk cId="1156495564" sldId="267"/>
+            <ac:spMk id="4" creationId="{00000000-0000-0000-0000-000000000000}"/>
+          </ac:spMkLst>
+        </pc:spChg>
+        <pc:picChg chg="mod">
+          <ac:chgData name="JUAN DAVID NATES HUERTAS" userId="593179cffe0a36d2" providerId="LiveId" clId="{DEA751D9-45E7-4DAA-9702-72E592091FA5}" dt="2021-12-15T01:08:42.858" v="90" actId="1076"/>
+          <ac:picMkLst>
+            <pc:docMk/>
+            <pc:sldMk cId="1156495564" sldId="267"/>
+            <ac:picMk id="3" creationId="{B175231A-705D-49AA-AAD1-277D187D3648}"/>
+          </ac:picMkLst>
+        </pc:picChg>
+        <pc:picChg chg="mod">
+          <ac:chgData name="JUAN DAVID NATES HUERTAS" userId="593179cffe0a36d2" providerId="LiveId" clId="{DEA751D9-45E7-4DAA-9702-72E592091FA5}" dt="2021-12-15T01:08:46.913" v="92" actId="1076"/>
+          <ac:picMkLst>
+            <pc:docMk/>
+            <pc:sldMk cId="1156495564" sldId="267"/>
+            <ac:picMk id="6" creationId="{60BE327D-7EDA-425E-86FC-2E816729C425}"/>
+          </ac:picMkLst>
+        </pc:picChg>
+        <pc:picChg chg="mod">
+          <ac:chgData name="JUAN DAVID NATES HUERTAS" userId="593179cffe0a36d2" providerId="LiveId" clId="{DEA751D9-45E7-4DAA-9702-72E592091FA5}" dt="2021-12-15T01:08:45.123" v="91" actId="1076"/>
+          <ac:picMkLst>
+            <pc:docMk/>
+            <pc:sldMk cId="1156495564" sldId="267"/>
+            <ac:picMk id="8" creationId="{09A410EE-3028-4B08-AEF2-EAACF01847B1}"/>
+          </ac:picMkLst>
+        </pc:picChg>
+      </pc:sldChg>
+      <pc:sldChg chg="addSp delSp modSp add mod">
+        <pc:chgData name="JUAN DAVID NATES HUERTAS" userId="593179cffe0a36d2" providerId="LiveId" clId="{DEA751D9-45E7-4DAA-9702-72E592091FA5}" dt="2021-12-15T01:12:27" v="208" actId="20577"/>
+        <pc:sldMkLst>
+          <pc:docMk/>
+          <pc:sldMk cId="319696611" sldId="268"/>
+        </pc:sldMkLst>
+        <pc:spChg chg="mod">
+          <ac:chgData name="JUAN DAVID NATES HUERTAS" userId="593179cffe0a36d2" providerId="LiveId" clId="{DEA751D9-45E7-4DAA-9702-72E592091FA5}" dt="2021-12-15T01:12:27" v="208" actId="20577"/>
+          <ac:spMkLst>
+            <pc:docMk/>
+            <pc:sldMk cId="319696611" sldId="268"/>
+            <ac:spMk id="4" creationId="{00000000-0000-0000-0000-000000000000}"/>
+          </ac:spMkLst>
+        </pc:spChg>
+        <pc:picChg chg="del">
+          <ac:chgData name="JUAN DAVID NATES HUERTAS" userId="593179cffe0a36d2" providerId="LiveId" clId="{DEA751D9-45E7-4DAA-9702-72E592091FA5}" dt="2021-12-15T01:09:28.571" v="99" actId="478"/>
+          <ac:picMkLst>
+            <pc:docMk/>
+            <pc:sldMk cId="319696611" sldId="268"/>
+            <ac:picMk id="3" creationId="{B175231A-705D-49AA-AAD1-277D187D3648}"/>
+          </ac:picMkLst>
+        </pc:picChg>
+        <pc:picChg chg="add mod">
+          <ac:chgData name="JUAN DAVID NATES HUERTAS" userId="593179cffe0a36d2" providerId="LiveId" clId="{DEA751D9-45E7-4DAA-9702-72E592091FA5}" dt="2021-12-15T01:10:43.611" v="162" actId="1076"/>
+          <ac:picMkLst>
+            <pc:docMk/>
+            <pc:sldMk cId="319696611" sldId="268"/>
+            <ac:picMk id="5" creationId="{AD1EC855-FBB1-4269-802B-51318E351B18}"/>
+          </ac:picMkLst>
+        </pc:picChg>
+        <pc:picChg chg="del">
+          <ac:chgData name="JUAN DAVID NATES HUERTAS" userId="593179cffe0a36d2" providerId="LiveId" clId="{DEA751D9-45E7-4DAA-9702-72E592091FA5}" dt="2021-12-15T01:09:27.468" v="97" actId="478"/>
+          <ac:picMkLst>
+            <pc:docMk/>
+            <pc:sldMk cId="319696611" sldId="268"/>
+            <ac:picMk id="6" creationId="{60BE327D-7EDA-425E-86FC-2E816729C425}"/>
+          </ac:picMkLst>
+        </pc:picChg>
+        <pc:picChg chg="del">
+          <ac:chgData name="JUAN DAVID NATES HUERTAS" userId="593179cffe0a36d2" providerId="LiveId" clId="{DEA751D9-45E7-4DAA-9702-72E592091FA5}" dt="2021-12-15T01:09:28.023" v="98" actId="478"/>
+          <ac:picMkLst>
+            <pc:docMk/>
+            <pc:sldMk cId="319696611" sldId="268"/>
+            <ac:picMk id="8" creationId="{09A410EE-3028-4B08-AEF2-EAACF01847B1}"/>
+          </ac:picMkLst>
+        </pc:picChg>
+      </pc:sldChg>
+      <pc:sldChg chg="modSp new del mod">
+        <pc:chgData name="JUAN DAVID NATES HUERTAS" userId="593179cffe0a36d2" providerId="LiveId" clId="{DEA751D9-45E7-4DAA-9702-72E592091FA5}" dt="2021-12-15T01:09:17.070" v="95" actId="2696"/>
+        <pc:sldMkLst>
+          <pc:docMk/>
+          <pc:sldMk cId="489823260" sldId="268"/>
+        </pc:sldMkLst>
+        <pc:spChg chg="mod">
+          <ac:chgData name="JUAN DAVID NATES HUERTAS" userId="593179cffe0a36d2" providerId="LiveId" clId="{DEA751D9-45E7-4DAA-9702-72E592091FA5}" dt="2021-12-15T01:09:11.105" v="94" actId="255"/>
+          <ac:spMkLst>
+            <pc:docMk/>
+            <pc:sldMk cId="489823260" sldId="268"/>
+            <ac:spMk id="2" creationId="{EA882A22-FDA9-4CE6-9B67-000C6A21C866}"/>
+          </ac:spMkLst>
+        </pc:spChg>
+      </pc:sldChg>
+      <pc:sldChg chg="addSp delSp modSp add mod">
+        <pc:chgData name="JUAN DAVID NATES HUERTAS" userId="593179cffe0a36d2" providerId="LiveId" clId="{DEA751D9-45E7-4DAA-9702-72E592091FA5}" dt="2021-12-15T01:25:31.256" v="249" actId="1076"/>
+        <pc:sldMkLst>
+          <pc:docMk/>
+          <pc:sldMk cId="1223978356" sldId="269"/>
+        </pc:sldMkLst>
+        <pc:spChg chg="mod">
+          <ac:chgData name="JUAN DAVID NATES HUERTAS" userId="593179cffe0a36d2" providerId="LiveId" clId="{DEA751D9-45E7-4DAA-9702-72E592091FA5}" dt="2021-12-15T01:25:31.256" v="249" actId="1076"/>
+          <ac:spMkLst>
+            <pc:docMk/>
+            <pc:sldMk cId="1223978356" sldId="269"/>
+            <ac:spMk id="4" creationId="{00000000-0000-0000-0000-000000000000}"/>
+          </ac:spMkLst>
+        </pc:spChg>
+        <pc:picChg chg="add mod">
+          <ac:chgData name="JUAN DAVID NATES HUERTAS" userId="593179cffe0a36d2" providerId="LiveId" clId="{DEA751D9-45E7-4DAA-9702-72E592091FA5}" dt="2021-12-15T01:25:28.976" v="248" actId="1076"/>
+          <ac:picMkLst>
+            <pc:docMk/>
+            <pc:sldMk cId="1223978356" sldId="269"/>
+            <ac:picMk id="3" creationId="{6EDAF813-D541-4879-87B9-8E31891B6F4D}"/>
+          </ac:picMkLst>
+        </pc:picChg>
+        <pc:picChg chg="del">
+          <ac:chgData name="JUAN DAVID NATES HUERTAS" userId="593179cffe0a36d2" providerId="LiveId" clId="{DEA751D9-45E7-4DAA-9702-72E592091FA5}" dt="2021-12-15T01:12:49.251" v="210" actId="478"/>
+          <ac:picMkLst>
+            <pc:docMk/>
+            <pc:sldMk cId="1223978356" sldId="269"/>
+            <ac:picMk id="5" creationId="{AD1EC855-FBB1-4269-802B-51318E351B18}"/>
+          </ac:picMkLst>
+        </pc:picChg>
+      </pc:sldChg>
+    </pc:docChg>
+  </pc:docChgLst>
+</pc:chgInfo>
 </file>
 
 <file path=ppt/slideLayouts/slideLayout1.xml><?xml version="1.0" encoding="utf-8"?>
@@ -4045,8 +4202,8 @@
         </p:nvSpPr>
         <p:spPr>
           <a:xfrm>
-            <a:off x="949136" y="985716"/>
-            <a:ext cx="7426352" cy="3172068"/>
+            <a:off x="858824" y="1015468"/>
+            <a:ext cx="7599376" cy="3424914"/>
           </a:xfrm>
         </p:spPr>
         <p:txBody>
@@ -4059,47 +4216,16 @@
               <a:buNone/>
             </a:pPr>
             <a:r>
-              <a:rPr lang="es-CO" dirty="0">
+              <a:rPr lang="es-ES" dirty="0">
                 <a:latin typeface="Times New Roman" panose="02020603050405020304" pitchFamily="18" charset="0"/>
                 <a:cs typeface="Times New Roman" panose="02020603050405020304" pitchFamily="18" charset="0"/>
               </a:rPr>
-              <a:t>Levantamiento</a:t>
-            </a:r>
-            <a:r>
-              <a:rPr lang="en-US" dirty="0">
-                <a:latin typeface="Times New Roman" panose="02020603050405020304" pitchFamily="18" charset="0"/>
-                <a:cs typeface="Times New Roman" panose="02020603050405020304" pitchFamily="18" charset="0"/>
-              </a:rPr>
-              <a:t> de </a:t>
-            </a:r>
-            <a:r>
-              <a:rPr lang="es-CO" dirty="0">
-                <a:latin typeface="Times New Roman" panose="02020603050405020304" pitchFamily="18" charset="0"/>
-                <a:cs typeface="Times New Roman" panose="02020603050405020304" pitchFamily="18" charset="0"/>
-              </a:rPr>
-              <a:t>container</a:t>
-            </a:r>
-            <a:r>
-              <a:rPr lang="en-US" dirty="0">
-                <a:latin typeface="Times New Roman" panose="02020603050405020304" pitchFamily="18" charset="0"/>
-                <a:cs typeface="Times New Roman" panose="02020603050405020304" pitchFamily="18" charset="0"/>
-              </a:rPr>
-              <a:t> y </a:t>
-            </a:r>
-            <a:r>
-              <a:rPr lang="en-US" dirty="0" err="1">
-                <a:latin typeface="Times New Roman" panose="02020603050405020304" pitchFamily="18" charset="0"/>
-                <a:cs typeface="Times New Roman" panose="02020603050405020304" pitchFamily="18" charset="0"/>
-              </a:rPr>
-              <a:t>conexión</a:t>
-            </a:r>
-            <a:r>
-              <a:rPr lang="en-US" dirty="0">
-                <a:latin typeface="Times New Roman" panose="02020603050405020304" pitchFamily="18" charset="0"/>
-                <a:cs typeface="Times New Roman" panose="02020603050405020304" pitchFamily="18" charset="0"/>
-              </a:rPr>
-              <a:t> Redis</a:t>
-            </a:r>
+              <a:t>Tecnologías utilizadas</a:t>
+            </a:r>
+            <a:endParaRPr lang="en-US" dirty="0">
+              <a:latin typeface="Times New Roman" panose="02020603050405020304" pitchFamily="18" charset="0"/>
+              <a:cs typeface="Times New Roman" panose="02020603050405020304" pitchFamily="18" charset="0"/>
+            </a:endParaRPr>
           </a:p>
         </p:txBody>
       </p:sp>
@@ -4125,7 +4251,7 @@
         </p:blipFill>
         <p:spPr>
           <a:xfrm>
-            <a:off x="1401463" y="1939427"/>
+            <a:off x="1396690" y="2005224"/>
             <a:ext cx="1906352" cy="1671322"/>
           </a:xfrm>
           <a:prstGeom prst="rect">
@@ -4155,7 +4281,7 @@
         </p:blipFill>
         <p:spPr>
           <a:xfrm>
-            <a:off x="6648942" y="1943701"/>
+            <a:off x="6475621" y="1939628"/>
             <a:ext cx="1809555" cy="1802514"/>
           </a:xfrm>
           <a:prstGeom prst="rect">
@@ -4185,7 +4311,7 @@
         </p:blipFill>
         <p:spPr>
           <a:xfrm>
-            <a:off x="3627557" y="1939427"/>
+            <a:off x="3434686" y="1896436"/>
             <a:ext cx="2833347" cy="1888898"/>
           </a:xfrm>
           <a:prstGeom prst="rect">
@@ -4197,6 +4323,259 @@
     <p:extLst>
       <p:ext uri="{BB962C8B-B14F-4D97-AF65-F5344CB8AC3E}">
         <p14:creationId xmlns:p14="http://schemas.microsoft.com/office/powerpoint/2010/main" val="1156495564"/>
+      </p:ext>
+    </p:extLst>
+  </p:cSld>
+  <p:clrMapOvr>
+    <a:masterClrMapping/>
+  </p:clrMapOvr>
+</p:sld>
+</file>
+
+<file path=ppt/slides/slide8.xml><?xml version="1.0" encoding="utf-8"?>
+<p:sld xmlns:a="http://schemas.openxmlformats.org/drawingml/2006/main" xmlns:r="http://schemas.openxmlformats.org/officeDocument/2006/relationships" xmlns:p="http://schemas.openxmlformats.org/presentationml/2006/main">
+  <p:cSld>
+    <p:bg>
+      <p:bgPr>
+        <a:blipFill rotWithShape="1">
+          <a:blip r:embed="rId2"/>
+          <a:stretch>
+            <a:fillRect/>
+          </a:stretch>
+        </a:blipFill>
+        <a:effectLst/>
+      </p:bgPr>
+    </p:bg>
+    <p:spTree>
+      <p:nvGrpSpPr>
+        <p:cNvPr id="1" name=""/>
+        <p:cNvGrpSpPr/>
+        <p:nvPr/>
+      </p:nvGrpSpPr>
+      <p:grpSpPr>
+        <a:xfrm>
+          <a:off x="0" y="0"/>
+          <a:ext cx="0" cy="0"/>
+          <a:chOff x="0" y="0"/>
+          <a:chExt cx="0" cy="0"/>
+        </a:xfrm>
+      </p:grpSpPr>
+      <p:sp>
+        <p:nvSpPr>
+          <p:cNvPr id="4" name="Content Placeholder 2"/>
+          <p:cNvSpPr>
+            <a:spLocks noGrp="1"/>
+          </p:cNvSpPr>
+          <p:nvPr>
+            <p:ph idx="1"/>
+          </p:nvPr>
+        </p:nvSpPr>
+        <p:spPr>
+          <a:xfrm>
+            <a:off x="495221" y="388239"/>
+            <a:ext cx="7599376" cy="3424914"/>
+          </a:xfrm>
+        </p:spPr>
+        <p:txBody>
+          <a:bodyPr>
+            <a:normAutofit/>
+          </a:bodyPr>
+          <a:lstStyle/>
+          <a:p>
+            <a:pPr marL="0" indent="0" algn="ctr">
+              <a:buNone/>
+            </a:pPr>
+            <a:r>
+              <a:rPr lang="es-ES" dirty="0">
+                <a:latin typeface="Times New Roman" panose="02020603050405020304" pitchFamily="18" charset="0"/>
+                <a:cs typeface="Times New Roman" panose="02020603050405020304" pitchFamily="18" charset="0"/>
+              </a:rPr>
+              <a:t>Creación Imagen Redis</a:t>
+            </a:r>
+          </a:p>
+          <a:p>
+            <a:pPr marL="0" indent="0" algn="ctr">
+              <a:buNone/>
+            </a:pPr>
+            <a:endParaRPr lang="es-ES" sz="1500" dirty="0">
+              <a:latin typeface="Times New Roman" panose="02020603050405020304" pitchFamily="18" charset="0"/>
+              <a:cs typeface="Times New Roman" panose="02020603050405020304" pitchFamily="18" charset="0"/>
+            </a:endParaRPr>
+          </a:p>
+          <a:p>
+            <a:pPr marL="0" indent="0" algn="ctr">
+              <a:buNone/>
+            </a:pPr>
+            <a:r>
+              <a:rPr lang="es-ES" sz="1500" dirty="0">
+                <a:latin typeface="Times New Roman" panose="02020603050405020304" pitchFamily="18" charset="0"/>
+                <a:cs typeface="Times New Roman" panose="02020603050405020304" pitchFamily="18" charset="0"/>
+              </a:rPr>
+              <a:t>Tipo archivo: </a:t>
+            </a:r>
+            <a:r>
+              <a:rPr lang="es-ES" sz="1500" dirty="0" err="1">
+                <a:latin typeface="Times New Roman" panose="02020603050405020304" pitchFamily="18" charset="0"/>
+                <a:cs typeface="Times New Roman" panose="02020603050405020304" pitchFamily="18" charset="0"/>
+              </a:rPr>
+              <a:t>docker-compose.yml</a:t>
+            </a:r>
+            <a:endParaRPr lang="en-US" sz="1500" dirty="0">
+              <a:latin typeface="Times New Roman" panose="02020603050405020304" pitchFamily="18" charset="0"/>
+              <a:cs typeface="Times New Roman" panose="02020603050405020304" pitchFamily="18" charset="0"/>
+            </a:endParaRPr>
+          </a:p>
+        </p:txBody>
+      </p:sp>
+      <p:pic>
+        <p:nvPicPr>
+          <p:cNvPr id="5" name="Imagen 4">
+            <a:extLst>
+              <a:ext uri="{FF2B5EF4-FFF2-40B4-BE49-F238E27FC236}">
+                <a16:creationId xmlns:a16="http://schemas.microsoft.com/office/drawing/2014/main" id="{AD1EC855-FBB1-4269-802B-51318E351B18}"/>
+              </a:ext>
+            </a:extLst>
+          </p:cNvPr>
+          <p:cNvPicPr>
+            <a:picLocks noChangeAspect="1"/>
+          </p:cNvPicPr>
+          <p:nvPr/>
+        </p:nvPicPr>
+        <p:blipFill>
+          <a:blip r:embed="rId3"/>
+          <a:stretch>
+            <a:fillRect/>
+          </a:stretch>
+        </p:blipFill>
+        <p:spPr>
+          <a:xfrm>
+            <a:off x="2452996" y="1697024"/>
+            <a:ext cx="4238007" cy="2688628"/>
+          </a:xfrm>
+          <a:prstGeom prst="rect">
+            <a:avLst/>
+          </a:prstGeom>
+        </p:spPr>
+      </p:pic>
+    </p:spTree>
+    <p:extLst>
+      <p:ext uri="{BB962C8B-B14F-4D97-AF65-F5344CB8AC3E}">
+        <p14:creationId xmlns:p14="http://schemas.microsoft.com/office/powerpoint/2010/main" val="319696611"/>
+      </p:ext>
+    </p:extLst>
+  </p:cSld>
+  <p:clrMapOvr>
+    <a:masterClrMapping/>
+  </p:clrMapOvr>
+</p:sld>
+</file>
+
+<file path=ppt/slides/slide9.xml><?xml version="1.0" encoding="utf-8"?>
+<p:sld xmlns:a="http://schemas.openxmlformats.org/drawingml/2006/main" xmlns:r="http://schemas.openxmlformats.org/officeDocument/2006/relationships" xmlns:p="http://schemas.openxmlformats.org/presentationml/2006/main">
+  <p:cSld>
+    <p:bg>
+      <p:bgPr>
+        <a:blipFill rotWithShape="1">
+          <a:blip r:embed="rId2"/>
+          <a:stretch>
+            <a:fillRect/>
+          </a:stretch>
+        </a:blipFill>
+        <a:effectLst/>
+      </p:bgPr>
+    </p:bg>
+    <p:spTree>
+      <p:nvGrpSpPr>
+        <p:cNvPr id="1" name=""/>
+        <p:cNvGrpSpPr/>
+        <p:nvPr/>
+      </p:nvGrpSpPr>
+      <p:grpSpPr>
+        <a:xfrm>
+          <a:off x="0" y="0"/>
+          <a:ext cx="0" cy="0"/>
+          <a:chOff x="0" y="0"/>
+          <a:chExt cx="0" cy="0"/>
+        </a:xfrm>
+      </p:grpSpPr>
+      <p:sp>
+        <p:nvSpPr>
+          <p:cNvPr id="4" name="Content Placeholder 2"/>
+          <p:cNvSpPr>
+            <a:spLocks noGrp="1"/>
+          </p:cNvSpPr>
+          <p:nvPr>
+            <p:ph idx="1"/>
+          </p:nvPr>
+        </p:nvSpPr>
+        <p:spPr>
+          <a:xfrm>
+            <a:off x="495221" y="654063"/>
+            <a:ext cx="7599376" cy="3424914"/>
+          </a:xfrm>
+        </p:spPr>
+        <p:txBody>
+          <a:bodyPr>
+            <a:normAutofit/>
+          </a:bodyPr>
+          <a:lstStyle/>
+          <a:p>
+            <a:pPr marL="0" indent="0" algn="ctr">
+              <a:buNone/>
+            </a:pPr>
+            <a:r>
+              <a:rPr lang="es-ES" dirty="0">
+                <a:latin typeface="Times New Roman" panose="02020603050405020304" pitchFamily="18" charset="0"/>
+                <a:cs typeface="Times New Roman" panose="02020603050405020304" pitchFamily="18" charset="0"/>
+              </a:rPr>
+              <a:t>Conexión a la Base de datos</a:t>
+            </a:r>
+          </a:p>
+          <a:p>
+            <a:pPr marL="0" indent="0" algn="ctr">
+              <a:buNone/>
+            </a:pPr>
+            <a:endParaRPr lang="es-ES" sz="1500" dirty="0">
+              <a:latin typeface="Times New Roman" panose="02020603050405020304" pitchFamily="18" charset="0"/>
+              <a:cs typeface="Times New Roman" panose="02020603050405020304" pitchFamily="18" charset="0"/>
+            </a:endParaRPr>
+          </a:p>
+        </p:txBody>
+      </p:sp>
+      <p:pic>
+        <p:nvPicPr>
+          <p:cNvPr id="3" name="Imagen 2">
+            <a:extLst>
+              <a:ext uri="{FF2B5EF4-FFF2-40B4-BE49-F238E27FC236}">
+                <a16:creationId xmlns:a16="http://schemas.microsoft.com/office/drawing/2014/main" id="{6EDAF813-D541-4879-87B9-8E31891B6F4D}"/>
+              </a:ext>
+            </a:extLst>
+          </p:cNvPr>
+          <p:cNvPicPr>
+            <a:picLocks noChangeAspect="1"/>
+          </p:cNvPicPr>
+          <p:nvPr/>
+        </p:nvPicPr>
+        <p:blipFill>
+          <a:blip r:embed="rId3"/>
+          <a:stretch>
+            <a:fillRect/>
+          </a:stretch>
+        </p:blipFill>
+        <p:spPr>
+          <a:xfrm>
+            <a:off x="2305305" y="1392203"/>
+            <a:ext cx="3997774" cy="3136465"/>
+          </a:xfrm>
+          <a:prstGeom prst="rect">
+            <a:avLst/>
+          </a:prstGeom>
+        </p:spPr>
+      </p:pic>
+    </p:spTree>
+    <p:extLst>
+      <p:ext uri="{BB962C8B-B14F-4D97-AF65-F5344CB8AC3E}">
+        <p14:creationId xmlns:p14="http://schemas.microsoft.com/office/powerpoint/2010/main" val="1223978356"/>
       </p:ext>
     </p:extLst>
   </p:cSld>

--- a/PresentaciónFinal.pptx
+++ b/PresentaciónFinal.pptx
@@ -3615,20 +3615,20 @@
               <a:buNone/>
             </a:pPr>
             <a:r>
-              <a:rPr lang="es-MX" sz="2600" dirty="0" err="1">
+              <a:rPr lang="es-MX" sz="1500" dirty="0" err="1">
                 <a:latin typeface="Times New Roman" panose="02020603050405020304" pitchFamily="18" charset="0"/>
                 <a:cs typeface="Times New Roman" panose="02020603050405020304" pitchFamily="18" charset="0"/>
               </a:rPr>
               <a:t>Cassandra</a:t>
             </a:r>
             <a:r>
-              <a:rPr lang="es-MX" sz="2600" dirty="0">
+              <a:rPr lang="es-MX" sz="1500" dirty="0">
                 <a:latin typeface="Times New Roman" panose="02020603050405020304" pitchFamily="18" charset="0"/>
                 <a:cs typeface="Times New Roman" panose="02020603050405020304" pitchFamily="18" charset="0"/>
               </a:rPr>
               <a:t> se define como una base de datos NoSQL distribuida y masivamente escalable, y esta es su mayor virtud desde nuestro punto de vista, la capacidad de escalar linealmente.</a:t>
             </a:r>
-            <a:endParaRPr lang="en-US" sz="2600" dirty="0">
+            <a:endParaRPr lang="en-US" sz="1500" dirty="0">
               <a:latin typeface="Times New Roman" panose="02020603050405020304" pitchFamily="18" charset="0"/>
               <a:cs typeface="Times New Roman" panose="02020603050405020304" pitchFamily="18" charset="0"/>
             </a:endParaRPr>

--- a/PresentaciónFinal.pptx
+++ b/PresentaciónFinal.pptx
@@ -7,13 +7,16 @@
   <p:sldIdLst>
     <p:sldId id="257" r:id="rId2"/>
     <p:sldId id="261" r:id="rId3"/>
-    <p:sldId id="263" r:id="rId4"/>
-    <p:sldId id="264" r:id="rId5"/>
-    <p:sldId id="262" r:id="rId6"/>
-    <p:sldId id="266" r:id="rId7"/>
-    <p:sldId id="267" r:id="rId8"/>
-    <p:sldId id="268" r:id="rId9"/>
-    <p:sldId id="269" r:id="rId10"/>
+    <p:sldId id="270" r:id="rId4"/>
+    <p:sldId id="263" r:id="rId5"/>
+    <p:sldId id="264" r:id="rId6"/>
+    <p:sldId id="262" r:id="rId7"/>
+    <p:sldId id="266" r:id="rId8"/>
+    <p:sldId id="271" r:id="rId9"/>
+    <p:sldId id="267" r:id="rId10"/>
+    <p:sldId id="268" r:id="rId11"/>
+    <p:sldId id="269" r:id="rId12"/>
+    <p:sldId id="272" r:id="rId13"/>
   </p:sldIdLst>
   <p:sldSz cx="9144000" cy="5143500" type="screen16x9"/>
   <p:notesSz cx="6858000" cy="9144000"/>
@@ -119,13 +122,16 @@
           <p14:sldIdLst>
             <p14:sldId id="257"/>
             <p14:sldId id="261"/>
+            <p14:sldId id="270"/>
             <p14:sldId id="263"/>
             <p14:sldId id="264"/>
             <p14:sldId id="262"/>
             <p14:sldId id="266"/>
+            <p14:sldId id="271"/>
             <p14:sldId id="267"/>
             <p14:sldId id="268"/>
             <p14:sldId id="269"/>
+            <p14:sldId id="272"/>
           </p14:sldIdLst>
         </p14:section>
       </p14:sectionLst>
@@ -482,7 +488,7 @@
           <a:p>
             <a:fld id="{50132367-146F-654D-A836-564943EE25C9}" type="datetimeFigureOut">
               <a:rPr lang="en-US" smtClean="0"/>
-              <a:t>12/14/2021</a:t>
+              <a:t>12/16/2021</a:t>
             </a:fld>
             <a:endParaRPr lang="en-US"/>
           </a:p>
@@ -524,7 +530,7 @@
           <a:p>
             <a:fld id="{7D9E8139-6843-764B-A4F4-1F53F9604BBC}" type="slidenum">
               <a:rPr lang="en-US" smtClean="0"/>
-              <a:t>‹Nº›</a:t>
+              <a:t>‹#›</a:t>
             </a:fld>
             <a:endParaRPr lang="en-US"/>
           </a:p>
@@ -652,7 +658,7 @@
           <a:p>
             <a:fld id="{50132367-146F-654D-A836-564943EE25C9}" type="datetimeFigureOut">
               <a:rPr lang="en-US" smtClean="0"/>
-              <a:t>12/14/2021</a:t>
+              <a:t>12/16/2021</a:t>
             </a:fld>
             <a:endParaRPr lang="en-US"/>
           </a:p>
@@ -694,7 +700,7 @@
           <a:p>
             <a:fld id="{7D9E8139-6843-764B-A4F4-1F53F9604BBC}" type="slidenum">
               <a:rPr lang="en-US" smtClean="0"/>
-              <a:t>‹Nº›</a:t>
+              <a:t>‹#›</a:t>
             </a:fld>
             <a:endParaRPr lang="en-US"/>
           </a:p>
@@ -832,7 +838,7 @@
           <a:p>
             <a:fld id="{50132367-146F-654D-A836-564943EE25C9}" type="datetimeFigureOut">
               <a:rPr lang="en-US" smtClean="0"/>
-              <a:t>12/14/2021</a:t>
+              <a:t>12/16/2021</a:t>
             </a:fld>
             <a:endParaRPr lang="en-US"/>
           </a:p>
@@ -874,7 +880,7 @@
           <a:p>
             <a:fld id="{7D9E8139-6843-764B-A4F4-1F53F9604BBC}" type="slidenum">
               <a:rPr lang="en-US" smtClean="0"/>
-              <a:t>‹Nº›</a:t>
+              <a:t>‹#›</a:t>
             </a:fld>
             <a:endParaRPr lang="en-US"/>
           </a:p>
@@ -1002,7 +1008,7 @@
           <a:p>
             <a:fld id="{50132367-146F-654D-A836-564943EE25C9}" type="datetimeFigureOut">
               <a:rPr lang="en-US" smtClean="0"/>
-              <a:t>12/14/2021</a:t>
+              <a:t>12/16/2021</a:t>
             </a:fld>
             <a:endParaRPr lang="en-US"/>
           </a:p>
@@ -1044,7 +1050,7 @@
           <a:p>
             <a:fld id="{7D9E8139-6843-764B-A4F4-1F53F9604BBC}" type="slidenum">
               <a:rPr lang="en-US" smtClean="0"/>
-              <a:t>‹Nº›</a:t>
+              <a:t>‹#›</a:t>
             </a:fld>
             <a:endParaRPr lang="en-US"/>
           </a:p>
@@ -1248,7 +1254,7 @@
           <a:p>
             <a:fld id="{50132367-146F-654D-A836-564943EE25C9}" type="datetimeFigureOut">
               <a:rPr lang="en-US" smtClean="0"/>
-              <a:t>12/14/2021</a:t>
+              <a:t>12/16/2021</a:t>
             </a:fld>
             <a:endParaRPr lang="en-US"/>
           </a:p>
@@ -1290,7 +1296,7 @@
           <a:p>
             <a:fld id="{7D9E8139-6843-764B-A4F4-1F53F9604BBC}" type="slidenum">
               <a:rPr lang="en-US" smtClean="0"/>
-              <a:t>‹Nº›</a:t>
+              <a:t>‹#›</a:t>
             </a:fld>
             <a:endParaRPr lang="en-US"/>
           </a:p>
@@ -1536,7 +1542,7 @@
           <a:p>
             <a:fld id="{50132367-146F-654D-A836-564943EE25C9}" type="datetimeFigureOut">
               <a:rPr lang="en-US" smtClean="0"/>
-              <a:t>12/14/2021</a:t>
+              <a:t>12/16/2021</a:t>
             </a:fld>
             <a:endParaRPr lang="en-US"/>
           </a:p>
@@ -1578,7 +1584,7 @@
           <a:p>
             <a:fld id="{7D9E8139-6843-764B-A4F4-1F53F9604BBC}" type="slidenum">
               <a:rPr lang="en-US" smtClean="0"/>
-              <a:t>‹Nº›</a:t>
+              <a:t>‹#›</a:t>
             </a:fld>
             <a:endParaRPr lang="en-US"/>
           </a:p>
@@ -1963,7 +1969,7 @@
           <a:p>
             <a:fld id="{50132367-146F-654D-A836-564943EE25C9}" type="datetimeFigureOut">
               <a:rPr lang="en-US" smtClean="0"/>
-              <a:t>12/14/2021</a:t>
+              <a:t>12/16/2021</a:t>
             </a:fld>
             <a:endParaRPr lang="en-US"/>
           </a:p>
@@ -2005,7 +2011,7 @@
           <a:p>
             <a:fld id="{7D9E8139-6843-764B-A4F4-1F53F9604BBC}" type="slidenum">
               <a:rPr lang="en-US" smtClean="0"/>
-              <a:t>‹Nº›</a:t>
+              <a:t>‹#›</a:t>
             </a:fld>
             <a:endParaRPr lang="en-US"/>
           </a:p>
@@ -2081,7 +2087,7 @@
           <a:p>
             <a:fld id="{50132367-146F-654D-A836-564943EE25C9}" type="datetimeFigureOut">
               <a:rPr lang="en-US" smtClean="0"/>
-              <a:t>12/14/2021</a:t>
+              <a:t>12/16/2021</a:t>
             </a:fld>
             <a:endParaRPr lang="en-US"/>
           </a:p>
@@ -2123,7 +2129,7 @@
           <a:p>
             <a:fld id="{7D9E8139-6843-764B-A4F4-1F53F9604BBC}" type="slidenum">
               <a:rPr lang="en-US" smtClean="0"/>
-              <a:t>‹Nº›</a:t>
+              <a:t>‹#›</a:t>
             </a:fld>
             <a:endParaRPr lang="en-US"/>
           </a:p>
@@ -2176,7 +2182,7 @@
           <a:p>
             <a:fld id="{50132367-146F-654D-A836-564943EE25C9}" type="datetimeFigureOut">
               <a:rPr lang="en-US" smtClean="0"/>
-              <a:t>12/14/2021</a:t>
+              <a:t>12/16/2021</a:t>
             </a:fld>
             <a:endParaRPr lang="en-US"/>
           </a:p>
@@ -2218,7 +2224,7 @@
           <a:p>
             <a:fld id="{7D9E8139-6843-764B-A4F4-1F53F9604BBC}" type="slidenum">
               <a:rPr lang="en-US" smtClean="0"/>
-              <a:t>‹Nº›</a:t>
+              <a:t>‹#›</a:t>
             </a:fld>
             <a:endParaRPr lang="en-US"/>
           </a:p>
@@ -2453,7 +2459,7 @@
           <a:p>
             <a:fld id="{50132367-146F-654D-A836-564943EE25C9}" type="datetimeFigureOut">
               <a:rPr lang="en-US" smtClean="0"/>
-              <a:t>12/14/2021</a:t>
+              <a:t>12/16/2021</a:t>
             </a:fld>
             <a:endParaRPr lang="en-US"/>
           </a:p>
@@ -2495,7 +2501,7 @@
           <a:p>
             <a:fld id="{7D9E8139-6843-764B-A4F4-1F53F9604BBC}" type="slidenum">
               <a:rPr lang="en-US" smtClean="0"/>
-              <a:t>‹Nº›</a:t>
+              <a:t>‹#›</a:t>
             </a:fld>
             <a:endParaRPr lang="en-US"/>
           </a:p>
@@ -2706,7 +2712,7 @@
           <a:p>
             <a:fld id="{50132367-146F-654D-A836-564943EE25C9}" type="datetimeFigureOut">
               <a:rPr lang="en-US" smtClean="0"/>
-              <a:t>12/14/2021</a:t>
+              <a:t>12/16/2021</a:t>
             </a:fld>
             <a:endParaRPr lang="en-US"/>
           </a:p>
@@ -2748,7 +2754,7 @@
           <a:p>
             <a:fld id="{7D9E8139-6843-764B-A4F4-1F53F9604BBC}" type="slidenum">
               <a:rPr lang="en-US" smtClean="0"/>
-              <a:t>‹Nº›</a:t>
+              <a:t>‹#›</a:t>
             </a:fld>
             <a:endParaRPr lang="en-US"/>
           </a:p>
@@ -2919,7 +2925,7 @@
           <a:p>
             <a:fld id="{50132367-146F-654D-A836-564943EE25C9}" type="datetimeFigureOut">
               <a:rPr lang="en-US" smtClean="0"/>
-              <a:t>12/14/2021</a:t>
+              <a:t>12/16/2021</a:t>
             </a:fld>
             <a:endParaRPr lang="en-US"/>
           </a:p>
@@ -2997,7 +3003,7 @@
           <a:p>
             <a:fld id="{7D9E8139-6843-764B-A4F4-1F53F9604BBC}" type="slidenum">
               <a:rPr lang="en-US" smtClean="0"/>
-              <a:t>‹Nº›</a:t>
+              <a:t>‹#›</a:t>
             </a:fld>
             <a:endParaRPr lang="en-US"/>
           </a:p>
@@ -3399,6 +3405,412 @@
 </p:sld>
 </file>
 
+<file path=ppt/slides/slide10.xml><?xml version="1.0" encoding="utf-8"?>
+<p:sld xmlns:a="http://schemas.openxmlformats.org/drawingml/2006/main" xmlns:r="http://schemas.openxmlformats.org/officeDocument/2006/relationships" xmlns:p="http://schemas.openxmlformats.org/presentationml/2006/main">
+  <p:cSld>
+    <p:bg>
+      <p:bgPr>
+        <a:blipFill rotWithShape="1">
+          <a:blip r:embed="rId2"/>
+          <a:stretch>
+            <a:fillRect/>
+          </a:stretch>
+        </a:blipFill>
+        <a:effectLst/>
+      </p:bgPr>
+    </p:bg>
+    <p:spTree>
+      <p:nvGrpSpPr>
+        <p:cNvPr id="1" name=""/>
+        <p:cNvGrpSpPr/>
+        <p:nvPr/>
+      </p:nvGrpSpPr>
+      <p:grpSpPr>
+        <a:xfrm>
+          <a:off x="0" y="0"/>
+          <a:ext cx="0" cy="0"/>
+          <a:chOff x="0" y="0"/>
+          <a:chExt cx="0" cy="0"/>
+        </a:xfrm>
+      </p:grpSpPr>
+      <p:sp>
+        <p:nvSpPr>
+          <p:cNvPr id="4" name="Content Placeholder 2"/>
+          <p:cNvSpPr>
+            <a:spLocks noGrp="1"/>
+          </p:cNvSpPr>
+          <p:nvPr>
+            <p:ph idx="1"/>
+          </p:nvPr>
+        </p:nvSpPr>
+        <p:spPr>
+          <a:xfrm>
+            <a:off x="495221" y="388239"/>
+            <a:ext cx="7599376" cy="3424914"/>
+          </a:xfrm>
+        </p:spPr>
+        <p:txBody>
+          <a:bodyPr>
+            <a:normAutofit/>
+          </a:bodyPr>
+          <a:lstStyle/>
+          <a:p>
+            <a:pPr marL="0" indent="0" algn="ctr">
+              <a:buNone/>
+            </a:pPr>
+            <a:r>
+              <a:rPr lang="es-ES" dirty="0">
+                <a:latin typeface="Times New Roman" panose="02020603050405020304" pitchFamily="18" charset="0"/>
+                <a:cs typeface="Times New Roman" panose="02020603050405020304" pitchFamily="18" charset="0"/>
+              </a:rPr>
+              <a:t>Creación Imagen Redis</a:t>
+            </a:r>
+          </a:p>
+          <a:p>
+            <a:pPr marL="0" indent="0" algn="ctr">
+              <a:buNone/>
+            </a:pPr>
+            <a:endParaRPr lang="es-ES" sz="1500" dirty="0">
+              <a:latin typeface="Times New Roman" panose="02020603050405020304" pitchFamily="18" charset="0"/>
+              <a:cs typeface="Times New Roman" panose="02020603050405020304" pitchFamily="18" charset="0"/>
+            </a:endParaRPr>
+          </a:p>
+          <a:p>
+            <a:pPr marL="0" indent="0" algn="ctr">
+              <a:buNone/>
+            </a:pPr>
+            <a:r>
+              <a:rPr lang="es-ES" sz="1500" dirty="0">
+                <a:latin typeface="Times New Roman" panose="02020603050405020304" pitchFamily="18" charset="0"/>
+                <a:cs typeface="Times New Roman" panose="02020603050405020304" pitchFamily="18" charset="0"/>
+              </a:rPr>
+              <a:t>Tipo archivo: </a:t>
+            </a:r>
+            <a:r>
+              <a:rPr lang="es-ES" sz="1500" dirty="0" err="1">
+                <a:latin typeface="Times New Roman" panose="02020603050405020304" pitchFamily="18" charset="0"/>
+                <a:cs typeface="Times New Roman" panose="02020603050405020304" pitchFamily="18" charset="0"/>
+              </a:rPr>
+              <a:t>docker-compose.yml</a:t>
+            </a:r>
+            <a:endParaRPr lang="en-US" sz="1500" dirty="0">
+              <a:latin typeface="Times New Roman" panose="02020603050405020304" pitchFamily="18" charset="0"/>
+              <a:cs typeface="Times New Roman" panose="02020603050405020304" pitchFamily="18" charset="0"/>
+            </a:endParaRPr>
+          </a:p>
+        </p:txBody>
+      </p:sp>
+      <p:pic>
+        <p:nvPicPr>
+          <p:cNvPr id="5" name="Imagen 4">
+            <a:extLst>
+              <a:ext uri="{FF2B5EF4-FFF2-40B4-BE49-F238E27FC236}">
+                <a16:creationId xmlns:a16="http://schemas.microsoft.com/office/drawing/2014/main" id="{AD1EC855-FBB1-4269-802B-51318E351B18}"/>
+              </a:ext>
+            </a:extLst>
+          </p:cNvPr>
+          <p:cNvPicPr>
+            <a:picLocks noChangeAspect="1"/>
+          </p:cNvPicPr>
+          <p:nvPr/>
+        </p:nvPicPr>
+        <p:blipFill>
+          <a:blip r:embed="rId3"/>
+          <a:stretch>
+            <a:fillRect/>
+          </a:stretch>
+        </p:blipFill>
+        <p:spPr>
+          <a:xfrm>
+            <a:off x="2452996" y="1697024"/>
+            <a:ext cx="4238007" cy="2688628"/>
+          </a:xfrm>
+          <a:prstGeom prst="rect">
+            <a:avLst/>
+          </a:prstGeom>
+        </p:spPr>
+      </p:pic>
+    </p:spTree>
+    <p:extLst>
+      <p:ext uri="{BB962C8B-B14F-4D97-AF65-F5344CB8AC3E}">
+        <p14:creationId xmlns:p14="http://schemas.microsoft.com/office/powerpoint/2010/main" val="319696611"/>
+      </p:ext>
+    </p:extLst>
+  </p:cSld>
+  <p:clrMapOvr>
+    <a:masterClrMapping/>
+  </p:clrMapOvr>
+</p:sld>
+</file>
+
+<file path=ppt/slides/slide11.xml><?xml version="1.0" encoding="utf-8"?>
+<p:sld xmlns:a="http://schemas.openxmlformats.org/drawingml/2006/main" xmlns:r="http://schemas.openxmlformats.org/officeDocument/2006/relationships" xmlns:p="http://schemas.openxmlformats.org/presentationml/2006/main">
+  <p:cSld>
+    <p:bg>
+      <p:bgPr>
+        <a:blipFill rotWithShape="1">
+          <a:blip r:embed="rId2"/>
+          <a:stretch>
+            <a:fillRect/>
+          </a:stretch>
+        </a:blipFill>
+        <a:effectLst/>
+      </p:bgPr>
+    </p:bg>
+    <p:spTree>
+      <p:nvGrpSpPr>
+        <p:cNvPr id="1" name=""/>
+        <p:cNvGrpSpPr/>
+        <p:nvPr/>
+      </p:nvGrpSpPr>
+      <p:grpSpPr>
+        <a:xfrm>
+          <a:off x="0" y="0"/>
+          <a:ext cx="0" cy="0"/>
+          <a:chOff x="0" y="0"/>
+          <a:chExt cx="0" cy="0"/>
+        </a:xfrm>
+      </p:grpSpPr>
+      <p:sp>
+        <p:nvSpPr>
+          <p:cNvPr id="4" name="Content Placeholder 2"/>
+          <p:cNvSpPr>
+            <a:spLocks noGrp="1"/>
+          </p:cNvSpPr>
+          <p:nvPr>
+            <p:ph idx="1"/>
+          </p:nvPr>
+        </p:nvSpPr>
+        <p:spPr>
+          <a:xfrm>
+            <a:off x="495221" y="654063"/>
+            <a:ext cx="7599376" cy="3424914"/>
+          </a:xfrm>
+        </p:spPr>
+        <p:txBody>
+          <a:bodyPr>
+            <a:normAutofit/>
+          </a:bodyPr>
+          <a:lstStyle/>
+          <a:p>
+            <a:pPr marL="0" indent="0" algn="ctr">
+              <a:buNone/>
+            </a:pPr>
+            <a:r>
+              <a:rPr lang="es-ES" dirty="0">
+                <a:latin typeface="Times New Roman" panose="02020603050405020304" pitchFamily="18" charset="0"/>
+                <a:cs typeface="Times New Roman" panose="02020603050405020304" pitchFamily="18" charset="0"/>
+              </a:rPr>
+              <a:t>Conexión a la Base de datos</a:t>
+            </a:r>
+          </a:p>
+          <a:p>
+            <a:pPr marL="0" indent="0" algn="ctr">
+              <a:buNone/>
+            </a:pPr>
+            <a:endParaRPr lang="es-ES" sz="1500" dirty="0">
+              <a:latin typeface="Times New Roman" panose="02020603050405020304" pitchFamily="18" charset="0"/>
+              <a:cs typeface="Times New Roman" panose="02020603050405020304" pitchFamily="18" charset="0"/>
+            </a:endParaRPr>
+          </a:p>
+        </p:txBody>
+      </p:sp>
+      <p:pic>
+        <p:nvPicPr>
+          <p:cNvPr id="3" name="Imagen 2">
+            <a:extLst>
+              <a:ext uri="{FF2B5EF4-FFF2-40B4-BE49-F238E27FC236}">
+                <a16:creationId xmlns:a16="http://schemas.microsoft.com/office/drawing/2014/main" id="{6EDAF813-D541-4879-87B9-8E31891B6F4D}"/>
+              </a:ext>
+            </a:extLst>
+          </p:cNvPr>
+          <p:cNvPicPr>
+            <a:picLocks noChangeAspect="1"/>
+          </p:cNvPicPr>
+          <p:nvPr/>
+        </p:nvPicPr>
+        <p:blipFill>
+          <a:blip r:embed="rId3"/>
+          <a:stretch>
+            <a:fillRect/>
+          </a:stretch>
+        </p:blipFill>
+        <p:spPr>
+          <a:xfrm>
+            <a:off x="2305305" y="1392203"/>
+            <a:ext cx="3997774" cy="3136465"/>
+          </a:xfrm>
+          <a:prstGeom prst="rect">
+            <a:avLst/>
+          </a:prstGeom>
+        </p:spPr>
+      </p:pic>
+    </p:spTree>
+    <p:extLst>
+      <p:ext uri="{BB962C8B-B14F-4D97-AF65-F5344CB8AC3E}">
+        <p14:creationId xmlns:p14="http://schemas.microsoft.com/office/powerpoint/2010/main" val="1223978356"/>
+      </p:ext>
+    </p:extLst>
+  </p:cSld>
+  <p:clrMapOvr>
+    <a:masterClrMapping/>
+  </p:clrMapOvr>
+</p:sld>
+</file>
+
+<file path=ppt/slides/slide12.xml><?xml version="1.0" encoding="utf-8"?>
+<p:sld xmlns:a="http://schemas.openxmlformats.org/drawingml/2006/main" xmlns:r="http://schemas.openxmlformats.org/officeDocument/2006/relationships" xmlns:p="http://schemas.openxmlformats.org/presentationml/2006/main">
+  <p:cSld>
+    <p:bg>
+      <p:bgPr>
+        <a:blipFill rotWithShape="1">
+          <a:blip r:embed="rId2"/>
+          <a:stretch>
+            <a:fillRect/>
+          </a:stretch>
+        </a:blipFill>
+        <a:effectLst/>
+      </p:bgPr>
+    </p:bg>
+    <p:spTree>
+      <p:nvGrpSpPr>
+        <p:cNvPr id="1" name=""/>
+        <p:cNvGrpSpPr/>
+        <p:nvPr/>
+      </p:nvGrpSpPr>
+      <p:grpSpPr>
+        <a:xfrm>
+          <a:off x="0" y="0"/>
+          <a:ext cx="0" cy="0"/>
+          <a:chOff x="0" y="0"/>
+          <a:chExt cx="0" cy="0"/>
+        </a:xfrm>
+      </p:grpSpPr>
+      <p:sp>
+        <p:nvSpPr>
+          <p:cNvPr id="4" name="Content Placeholder 2"/>
+          <p:cNvSpPr>
+            <a:spLocks noGrp="1"/>
+          </p:cNvSpPr>
+          <p:nvPr>
+            <p:ph idx="1"/>
+          </p:nvPr>
+        </p:nvSpPr>
+        <p:spPr>
+          <a:xfrm>
+            <a:off x="495221" y="654063"/>
+            <a:ext cx="7599376" cy="3424914"/>
+          </a:xfrm>
+        </p:spPr>
+        <p:txBody>
+          <a:bodyPr>
+            <a:normAutofit/>
+          </a:bodyPr>
+          <a:lstStyle/>
+          <a:p>
+            <a:pPr marL="0" indent="0" algn="ctr">
+              <a:buNone/>
+            </a:pPr>
+            <a:r>
+              <a:rPr lang="es-ES" dirty="0">
+                <a:latin typeface="Times New Roman" panose="02020603050405020304" pitchFamily="18" charset="0"/>
+                <a:cs typeface="Times New Roman" panose="02020603050405020304" pitchFamily="18" charset="0"/>
+              </a:rPr>
+              <a:t>Referencias bibliográficas</a:t>
+            </a:r>
+          </a:p>
+          <a:p>
+            <a:pPr marL="0" indent="0" algn="ctr">
+              <a:buNone/>
+            </a:pPr>
+            <a:endParaRPr lang="es-ES" sz="1500" dirty="0">
+              <a:latin typeface="Times New Roman" panose="02020603050405020304" pitchFamily="18" charset="0"/>
+              <a:cs typeface="Times New Roman" panose="02020603050405020304" pitchFamily="18" charset="0"/>
+            </a:endParaRPr>
+          </a:p>
+        </p:txBody>
+      </p:sp>
+      <p:sp>
+        <p:nvSpPr>
+          <p:cNvPr id="5" name="TextBox 4">
+            <a:extLst>
+              <a:ext uri="{FF2B5EF4-FFF2-40B4-BE49-F238E27FC236}">
+                <a16:creationId xmlns:a16="http://schemas.microsoft.com/office/drawing/2014/main" id="{1F500B23-70C4-498E-B73C-A9C2ACAA4624}"/>
+              </a:ext>
+            </a:extLst>
+          </p:cNvPr>
+          <p:cNvSpPr txBox="1"/>
+          <p:nvPr/>
+        </p:nvSpPr>
+        <p:spPr>
+          <a:xfrm>
+            <a:off x="715598" y="1925419"/>
+            <a:ext cx="7405458" cy="2308324"/>
+          </a:xfrm>
+          <a:prstGeom prst="rect">
+            <a:avLst/>
+          </a:prstGeom>
+          <a:noFill/>
+        </p:spPr>
+        <p:txBody>
+          <a:bodyPr wrap="square">
+            <a:spAutoFit/>
+          </a:bodyPr>
+          <a:lstStyle/>
+          <a:p>
+            <a:r>
+              <a:rPr lang="en-US" dirty="0">
+                <a:hlinkClick r:id="rId3"/>
+              </a:rPr>
+              <a:t>https://www.paradigmadigital.com/dev/cassandra-la-dama-de-las-bases-de-datos-nosql/</a:t>
+            </a:r>
+            <a:endParaRPr lang="en-US" dirty="0"/>
+          </a:p>
+          <a:p>
+            <a:endParaRPr lang="en-US" dirty="0"/>
+          </a:p>
+          <a:p>
+            <a:r>
+              <a:rPr lang="en-US" dirty="0">
+                <a:hlinkClick r:id="rId4"/>
+              </a:rPr>
+              <a:t>https://es.wikipedia.org/wiki/Redis</a:t>
+            </a:r>
+            <a:endParaRPr lang="en-US" dirty="0"/>
+          </a:p>
+          <a:p>
+            <a:endParaRPr lang="en-US" dirty="0"/>
+          </a:p>
+          <a:p>
+            <a:r>
+              <a:rPr lang="en-US" dirty="0">
+                <a:hlinkClick r:id="rId5"/>
+              </a:rPr>
+              <a:t>https://blog.bi-geek.com/redis-para-principiantes/</a:t>
+            </a:r>
+            <a:endParaRPr lang="en-US" dirty="0"/>
+          </a:p>
+          <a:p>
+            <a:endParaRPr lang="en-US" dirty="0"/>
+          </a:p>
+          <a:p>
+            <a:endParaRPr lang="en-US" dirty="0"/>
+          </a:p>
+        </p:txBody>
+      </p:sp>
+    </p:spTree>
+    <p:extLst>
+      <p:ext uri="{BB962C8B-B14F-4D97-AF65-F5344CB8AC3E}">
+        <p14:creationId xmlns:p14="http://schemas.microsoft.com/office/powerpoint/2010/main" val="944070511"/>
+      </p:ext>
+    </p:extLst>
+  </p:cSld>
+  <p:clrMapOvr>
+    <a:masterClrMapping/>
+  </p:clrMapOvr>
+</p:sld>
+</file>
+
 <file path=ppt/slides/slide2.xml><?xml version="1.0" encoding="utf-8"?>
 <p:sld xmlns:a="http://schemas.openxmlformats.org/drawingml/2006/main" xmlns:r="http://schemas.openxmlformats.org/officeDocument/2006/relationships" xmlns:p="http://schemas.openxmlformats.org/presentationml/2006/main">
   <p:cSld>
@@ -3589,56 +4001,90 @@
         </p:nvSpPr>
         <p:spPr>
           <a:xfrm>
-            <a:off x="858824" y="1016110"/>
-            <a:ext cx="7426352" cy="2472212"/>
+            <a:off x="1785653" y="2176639"/>
+            <a:ext cx="5572694" cy="1301231"/>
           </a:xfrm>
         </p:spPr>
         <p:txBody>
           <a:bodyPr>
-            <a:normAutofit/>
+            <a:noAutofit/>
           </a:bodyPr>
           <a:lstStyle/>
           <a:p>
-            <a:pPr marL="0" indent="0" algn="ctr">
-              <a:buNone/>
-            </a:pPr>
-            <a:r>
-              <a:rPr lang="en-US" b="1" dirty="0">
-                <a:latin typeface="Times New Roman" panose="02020603050405020304" pitchFamily="18" charset="0"/>
-                <a:cs typeface="Times New Roman" panose="02020603050405020304" pitchFamily="18" charset="0"/>
-              </a:rPr>
-              <a:t>¿Que es Cassandra?</a:t>
-            </a:r>
-          </a:p>
-          <a:p>
-            <a:pPr marL="0" indent="0" algn="just">
-              <a:buNone/>
-            </a:pPr>
-            <a:r>
-              <a:rPr lang="es-MX" sz="1500" dirty="0" err="1">
+            <a:r>
+              <a:rPr lang="es-CO" sz="2200" dirty="0" err="1">
                 <a:latin typeface="Times New Roman" panose="02020603050405020304" pitchFamily="18" charset="0"/>
                 <a:cs typeface="Times New Roman" panose="02020603050405020304" pitchFamily="18" charset="0"/>
               </a:rPr>
               <a:t>Cassandra</a:t>
             </a:r>
-            <a:r>
-              <a:rPr lang="es-MX" sz="1500" dirty="0">
-                <a:latin typeface="Times New Roman" panose="02020603050405020304" pitchFamily="18" charset="0"/>
-                <a:cs typeface="Times New Roman" panose="02020603050405020304" pitchFamily="18" charset="0"/>
-              </a:rPr>
-              <a:t> se define como una base de datos NoSQL distribuida y masivamente escalable, y esta es su mayor virtud desde nuestro punto de vista, la capacidad de escalar linealmente.</a:t>
-            </a:r>
-            <a:endParaRPr lang="en-US" sz="1500" dirty="0">
+            <a:endParaRPr lang="es-CO" sz="2200" dirty="0">
               <a:latin typeface="Times New Roman" panose="02020603050405020304" pitchFamily="18" charset="0"/>
               <a:cs typeface="Times New Roman" panose="02020603050405020304" pitchFamily="18" charset="0"/>
             </a:endParaRPr>
           </a:p>
+          <a:p>
+            <a:r>
+              <a:rPr lang="es-CO" sz="2200" dirty="0">
+                <a:latin typeface="Times New Roman" panose="02020603050405020304" pitchFamily="18" charset="0"/>
+                <a:cs typeface="Times New Roman" panose="02020603050405020304" pitchFamily="18" charset="0"/>
+              </a:rPr>
+              <a:t>Redis</a:t>
+            </a:r>
+          </a:p>
+          <a:p>
+            <a:r>
+              <a:rPr lang="es-CO" sz="2200" dirty="0">
+                <a:latin typeface="Times New Roman" panose="02020603050405020304" pitchFamily="18" charset="0"/>
+                <a:cs typeface="Times New Roman" panose="02020603050405020304" pitchFamily="18" charset="0"/>
+              </a:rPr>
+              <a:t>Ejemplos prácticos</a:t>
+            </a:r>
+          </a:p>
+        </p:txBody>
+      </p:sp>
+      <p:sp>
+        <p:nvSpPr>
+          <p:cNvPr id="2" name="CuadroTexto 1">
+            <a:extLst>
+              <a:ext uri="{FF2B5EF4-FFF2-40B4-BE49-F238E27FC236}">
+                <a16:creationId xmlns:a16="http://schemas.microsoft.com/office/drawing/2014/main" id="{B31B1D1A-1E8C-4770-B3E2-2443377F6D6B}"/>
+              </a:ext>
+            </a:extLst>
+          </p:cNvPr>
+          <p:cNvSpPr txBox="1"/>
+          <p:nvPr/>
+        </p:nvSpPr>
+        <p:spPr>
+          <a:xfrm>
+            <a:off x="1894905" y="1188933"/>
+            <a:ext cx="1462260" cy="584775"/>
+          </a:xfrm>
+          <a:prstGeom prst="rect">
+            <a:avLst/>
+          </a:prstGeom>
+          <a:noFill/>
+        </p:spPr>
+        <p:txBody>
+          <a:bodyPr wrap="none" rtlCol="0">
+            <a:spAutoFit/>
+          </a:bodyPr>
+          <a:lstStyle/>
+          <a:p>
+            <a:r>
+              <a:rPr lang="es-CO" sz="3200" dirty="0">
+                <a:latin typeface="Times New Roman" panose="02020603050405020304" pitchFamily="18" charset="0"/>
+                <a:cs typeface="Times New Roman" panose="02020603050405020304" pitchFamily="18" charset="0"/>
+              </a:rPr>
+              <a:t>Agenda</a:t>
+            </a:r>
+          </a:p>
         </p:txBody>
       </p:sp>
     </p:spTree>
     <p:extLst>
       <p:ext uri="{BB962C8B-B14F-4D97-AF65-F5344CB8AC3E}">
-        <p14:creationId xmlns:p14="http://schemas.microsoft.com/office/powerpoint/2010/main" val="460351598"/>
+        <p14:creationId xmlns:p14="http://schemas.microsoft.com/office/powerpoint/2010/main" val="1119061851"/>
       </p:ext>
     </p:extLst>
   </p:cSld>
@@ -3688,13 +4134,13 @@
         </p:nvSpPr>
         <p:spPr>
           <a:xfrm>
-            <a:off x="1095891" y="1038798"/>
+            <a:off x="858824" y="1016110"/>
             <a:ext cx="7426352" cy="2472212"/>
           </a:xfrm>
         </p:spPr>
         <p:txBody>
           <a:bodyPr>
-            <a:normAutofit fontScale="25000" lnSpcReduction="20000"/>
+            <a:normAutofit/>
           </a:bodyPr>
           <a:lstStyle/>
           <a:p>
@@ -3702,206 +4148,60 @@
               <a:buNone/>
             </a:pPr>
             <a:r>
-              <a:rPr lang="en-US" sz="12800" b="1" dirty="0">
-                <a:latin typeface="Times New Roman" panose="02020603050405020304" pitchFamily="18" charset="0"/>
-                <a:cs typeface="Times New Roman" panose="02020603050405020304" pitchFamily="18" charset="0"/>
-              </a:rPr>
-              <a:t>¿</a:t>
-            </a:r>
-            <a:r>
-              <a:rPr lang="en-US" sz="12800" b="1" dirty="0" err="1">
-                <a:latin typeface="Times New Roman" panose="02020603050405020304" pitchFamily="18" charset="0"/>
-                <a:cs typeface="Times New Roman" panose="02020603050405020304" pitchFamily="18" charset="0"/>
-              </a:rPr>
-              <a:t>Cuando</a:t>
-            </a:r>
-            <a:r>
-              <a:rPr lang="en-US" sz="12800" b="1" dirty="0">
-                <a:latin typeface="Times New Roman" panose="02020603050405020304" pitchFamily="18" charset="0"/>
-                <a:cs typeface="Times New Roman" panose="02020603050405020304" pitchFamily="18" charset="0"/>
-              </a:rPr>
-              <a:t> usar </a:t>
-            </a:r>
-            <a:r>
-              <a:rPr lang="en-US" sz="12800" b="1" dirty="0" err="1">
-                <a:latin typeface="Times New Roman" panose="02020603050405020304" pitchFamily="18" charset="0"/>
-                <a:cs typeface="Times New Roman" panose="02020603050405020304" pitchFamily="18" charset="0"/>
-              </a:rPr>
-              <a:t>cassandra</a:t>
-            </a:r>
-            <a:r>
-              <a:rPr lang="en-US" sz="12800" b="1" dirty="0">
-                <a:latin typeface="Times New Roman" panose="02020603050405020304" pitchFamily="18" charset="0"/>
-                <a:cs typeface="Times New Roman" panose="02020603050405020304" pitchFamily="18" charset="0"/>
-              </a:rPr>
-              <a:t>?</a:t>
+              <a:rPr lang="en-US" b="1" dirty="0">
+                <a:latin typeface="Times New Roman" panose="02020603050405020304" pitchFamily="18" charset="0"/>
+                <a:cs typeface="Times New Roman" panose="02020603050405020304" pitchFamily="18" charset="0"/>
+              </a:rPr>
+              <a:t>¿Que es Cassandra?</a:t>
             </a:r>
           </a:p>
           <a:p>
             <a:pPr marL="0" indent="0" algn="just">
               <a:buNone/>
             </a:pPr>
-            <a:r>
-              <a:rPr lang="es-MX" sz="6000" dirty="0">
-                <a:latin typeface="Times New Roman" panose="02020603050405020304" pitchFamily="18" charset="0"/>
-                <a:cs typeface="Times New Roman" panose="02020603050405020304" pitchFamily="18" charset="0"/>
-              </a:rPr>
-              <a:t>Cuando cumplamos con los siguientes puntos será un buen momento para plantearnos </a:t>
-            </a:r>
-            <a:r>
-              <a:rPr lang="es-MX" sz="6000" dirty="0" err="1">
-                <a:latin typeface="Times New Roman" panose="02020603050405020304" pitchFamily="18" charset="0"/>
-                <a:cs typeface="Times New Roman" panose="02020603050405020304" pitchFamily="18" charset="0"/>
-              </a:rPr>
-              <a:t>Cassandra</a:t>
-            </a:r>
-            <a:r>
-              <a:rPr lang="es-MX" sz="6000" dirty="0">
-                <a:latin typeface="Times New Roman" panose="02020603050405020304" pitchFamily="18" charset="0"/>
-                <a:cs typeface="Times New Roman" panose="02020603050405020304" pitchFamily="18" charset="0"/>
-              </a:rPr>
-              <a:t>:</a:t>
-            </a:r>
-          </a:p>
-          <a:p>
-            <a:pPr marL="0" indent="0" algn="just">
-              <a:buNone/>
-            </a:pPr>
-            <a:endParaRPr lang="es-MX" sz="6000" dirty="0">
+            <a:endParaRPr lang="es-MX" sz="1500" dirty="0">
               <a:latin typeface="Times New Roman" panose="02020603050405020304" pitchFamily="18" charset="0"/>
               <a:cs typeface="Times New Roman" panose="02020603050405020304" pitchFamily="18" charset="0"/>
             </a:endParaRPr>
           </a:p>
           <a:p>
-            <a:pPr algn="just"/>
-            <a:r>
-              <a:rPr lang="es-MX" sz="6000" dirty="0">
-                <a:latin typeface="Times New Roman" panose="02020603050405020304" pitchFamily="18" charset="0"/>
-                <a:cs typeface="Times New Roman" panose="02020603050405020304" pitchFamily="18" charset="0"/>
-              </a:rPr>
-              <a:t>Como hemos comentado, las escrituras son muy rápidas, por lo que cuando tengamos un gran número de escrituras que supere las lecturas será buen momento para empezar a pensar en </a:t>
-            </a:r>
-            <a:r>
-              <a:rPr lang="es-MX" sz="6000" dirty="0" err="1">
-                <a:latin typeface="Times New Roman" panose="02020603050405020304" pitchFamily="18" charset="0"/>
-                <a:cs typeface="Times New Roman" panose="02020603050405020304" pitchFamily="18" charset="0"/>
-              </a:rPr>
-              <a:t>Cassandra</a:t>
-            </a:r>
-            <a:r>
-              <a:rPr lang="es-MX" sz="6000" dirty="0">
-                <a:latin typeface="Times New Roman" panose="02020603050405020304" pitchFamily="18" charset="0"/>
-                <a:cs typeface="Times New Roman" panose="02020603050405020304" pitchFamily="18" charset="0"/>
-              </a:rPr>
-              <a:t>.</a:t>
-            </a:r>
-          </a:p>
-          <a:p>
-            <a:pPr algn="just"/>
-            <a:r>
-              <a:rPr lang="es-MX" sz="6000" dirty="0">
-                <a:latin typeface="Times New Roman" panose="02020603050405020304" pitchFamily="18" charset="0"/>
-                <a:cs typeface="Times New Roman" panose="02020603050405020304" pitchFamily="18" charset="0"/>
-              </a:rPr>
-              <a:t>Si la lectura es realizada a través de una </a:t>
-            </a:r>
-            <a:r>
-              <a:rPr lang="es-MX" sz="6000" dirty="0" err="1">
-                <a:latin typeface="Times New Roman" panose="02020603050405020304" pitchFamily="18" charset="0"/>
-                <a:cs typeface="Times New Roman" panose="02020603050405020304" pitchFamily="18" charset="0"/>
-              </a:rPr>
-              <a:t>primary</a:t>
-            </a:r>
-            <a:r>
-              <a:rPr lang="es-MX" sz="6000" dirty="0">
-                <a:latin typeface="Times New Roman" panose="02020603050405020304" pitchFamily="18" charset="0"/>
-                <a:cs typeface="Times New Roman" panose="02020603050405020304" pitchFamily="18" charset="0"/>
-              </a:rPr>
-              <a:t> </a:t>
-            </a:r>
-            <a:r>
-              <a:rPr lang="es-MX" sz="6000" dirty="0" err="1">
-                <a:latin typeface="Times New Roman" panose="02020603050405020304" pitchFamily="18" charset="0"/>
-                <a:cs typeface="Times New Roman" panose="02020603050405020304" pitchFamily="18" charset="0"/>
-              </a:rPr>
-              <a:t>key</a:t>
-            </a:r>
-            <a:r>
-              <a:rPr lang="es-MX" sz="6000" dirty="0">
-                <a:latin typeface="Times New Roman" panose="02020603050405020304" pitchFamily="18" charset="0"/>
-                <a:cs typeface="Times New Roman" panose="02020603050405020304" pitchFamily="18" charset="0"/>
-              </a:rPr>
-              <a:t>, ya que de otro modo la lectura será muy penalizada.</a:t>
-            </a:r>
-          </a:p>
-          <a:p>
-            <a:pPr algn="just"/>
-            <a:r>
-              <a:rPr lang="es-MX" sz="6000" dirty="0">
-                <a:latin typeface="Times New Roman" panose="02020603050405020304" pitchFamily="18" charset="0"/>
-                <a:cs typeface="Times New Roman" panose="02020603050405020304" pitchFamily="18" charset="0"/>
-              </a:rPr>
-              <a:t>En el caso en el que necesitemos guardar datos de una manera flexible, es decir, no teniendo todos los campos de nuestra </a:t>
-            </a:r>
-            <a:r>
-              <a:rPr lang="es-MX" sz="6000" dirty="0" err="1">
-                <a:latin typeface="Times New Roman" panose="02020603050405020304" pitchFamily="18" charset="0"/>
-                <a:cs typeface="Times New Roman" panose="02020603050405020304" pitchFamily="18" charset="0"/>
-              </a:rPr>
-              <a:t>escturctura</a:t>
-            </a:r>
-            <a:r>
-              <a:rPr lang="es-MX" sz="6000" dirty="0">
-                <a:latin typeface="Times New Roman" panose="02020603050405020304" pitchFamily="18" charset="0"/>
-                <a:cs typeface="Times New Roman" panose="02020603050405020304" pitchFamily="18" charset="0"/>
-              </a:rPr>
-              <a:t>.</a:t>
-            </a:r>
-          </a:p>
-          <a:p>
-            <a:pPr algn="just"/>
-            <a:r>
-              <a:rPr lang="es-MX" sz="6000" dirty="0">
-                <a:latin typeface="Times New Roman" panose="02020603050405020304" pitchFamily="18" charset="0"/>
-                <a:cs typeface="Times New Roman" panose="02020603050405020304" pitchFamily="18" charset="0"/>
-              </a:rPr>
-              <a:t>Siempre y cuando no pensemos en realizar </a:t>
-            </a:r>
-            <a:r>
-              <a:rPr lang="es-MX" sz="6000" dirty="0" err="1">
-                <a:latin typeface="Times New Roman" panose="02020603050405020304" pitchFamily="18" charset="0"/>
-                <a:cs typeface="Times New Roman" panose="02020603050405020304" pitchFamily="18" charset="0"/>
-              </a:rPr>
-              <a:t>joins</a:t>
-            </a:r>
-            <a:r>
-              <a:rPr lang="es-MX" sz="6000" dirty="0">
-                <a:latin typeface="Times New Roman" panose="02020603050405020304" pitchFamily="18" charset="0"/>
-                <a:cs typeface="Times New Roman" panose="02020603050405020304" pitchFamily="18" charset="0"/>
-              </a:rPr>
-              <a:t>.</a:t>
-            </a:r>
-          </a:p>
-          <a:p>
-            <a:pPr algn="just"/>
-            <a:r>
-              <a:rPr lang="es-MX" sz="6000" dirty="0">
-                <a:latin typeface="Times New Roman" panose="02020603050405020304" pitchFamily="18" charset="0"/>
-                <a:cs typeface="Times New Roman" panose="02020603050405020304" pitchFamily="18" charset="0"/>
-              </a:rPr>
-              <a:t>Cuando la información sea actualizada de manera idempotente.</a:t>
-            </a:r>
-            <a:endParaRPr lang="en-US" sz="6000" dirty="0">
+            <a:pPr marL="0" indent="0" algn="just">
+              <a:buNone/>
+            </a:pPr>
+            <a:endParaRPr lang="es-MX" sz="1500" dirty="0">
               <a:latin typeface="Times New Roman" panose="02020603050405020304" pitchFamily="18" charset="0"/>
               <a:cs typeface="Times New Roman" panose="02020603050405020304" pitchFamily="18" charset="0"/>
             </a:endParaRPr>
           </a:p>
+          <a:p>
+            <a:pPr marL="0" indent="0" algn="just">
+              <a:buNone/>
+            </a:pPr>
+            <a:r>
+              <a:rPr lang="es-MX" sz="1500" dirty="0" err="1">
+                <a:latin typeface="Times New Roman" panose="02020603050405020304" pitchFamily="18" charset="0"/>
+                <a:cs typeface="Times New Roman" panose="02020603050405020304" pitchFamily="18" charset="0"/>
+              </a:rPr>
+              <a:t>Cassandra</a:t>
+            </a:r>
+            <a:r>
+              <a:rPr lang="es-MX" sz="1500" dirty="0">
+                <a:latin typeface="Times New Roman" panose="02020603050405020304" pitchFamily="18" charset="0"/>
+                <a:cs typeface="Times New Roman" panose="02020603050405020304" pitchFamily="18" charset="0"/>
+              </a:rPr>
+              <a:t> se define como una base de datos NoSQL distribuida y masivamente escalable, y esta es su mayor virtud desde nuestro punto de vista, la capacidad de escalar linealmente.</a:t>
+            </a:r>
+            <a:endParaRPr lang="en-US" sz="1500" dirty="0">
+              <a:latin typeface="Times New Roman" panose="02020603050405020304" pitchFamily="18" charset="0"/>
+              <a:cs typeface="Times New Roman" panose="02020603050405020304" pitchFamily="18" charset="0"/>
+            </a:endParaRPr>
+          </a:p>
         </p:txBody>
       </p:sp>
     </p:spTree>
     <p:extLst>
       <p:ext uri="{BB962C8B-B14F-4D97-AF65-F5344CB8AC3E}">
-        <p14:creationId xmlns:p14="http://schemas.microsoft.com/office/powerpoint/2010/main" val="3862649840"/>
+        <p14:creationId xmlns:p14="http://schemas.microsoft.com/office/powerpoint/2010/main" val="460351598"/>
       </p:ext>
     </p:extLst>
   </p:cSld>
@@ -3951,47 +4251,229 @@
         </p:nvSpPr>
         <p:spPr>
           <a:xfrm>
-            <a:off x="858824" y="1016110"/>
+            <a:off x="1095891" y="1038798"/>
             <a:ext cx="7426352" cy="2472212"/>
           </a:xfrm>
         </p:spPr>
         <p:txBody>
-          <a:bodyPr/>
+          <a:bodyPr>
+            <a:normAutofit fontScale="25000" lnSpcReduction="20000"/>
+          </a:bodyPr>
           <a:lstStyle/>
           <a:p>
             <a:pPr marL="0" indent="0" algn="ctr">
               <a:buNone/>
             </a:pPr>
             <a:r>
-              <a:rPr lang="en-US" b="1" dirty="0">
-                <a:latin typeface="Times New Roman" panose="02020603050405020304" pitchFamily="18" charset="0"/>
-                <a:cs typeface="Times New Roman" panose="02020603050405020304" pitchFamily="18" charset="0"/>
-              </a:rPr>
-              <a:t>¿Que es Redis?</a:t>
-            </a:r>
-          </a:p>
-          <a:p>
-            <a:pPr marL="0" indent="0">
+              <a:rPr lang="en-US" sz="12800" b="1" dirty="0">
+                <a:latin typeface="Times New Roman" panose="02020603050405020304" pitchFamily="18" charset="0"/>
+                <a:cs typeface="Times New Roman" panose="02020603050405020304" pitchFamily="18" charset="0"/>
+              </a:rPr>
+              <a:t>¿</a:t>
+            </a:r>
+            <a:r>
+              <a:rPr lang="en-US" sz="12800" b="1" dirty="0" err="1">
+                <a:latin typeface="Times New Roman" panose="02020603050405020304" pitchFamily="18" charset="0"/>
+                <a:cs typeface="Times New Roman" panose="02020603050405020304" pitchFamily="18" charset="0"/>
+              </a:rPr>
+              <a:t>Cuando</a:t>
+            </a:r>
+            <a:r>
+              <a:rPr lang="en-US" sz="12800" b="1" dirty="0">
+                <a:latin typeface="Times New Roman" panose="02020603050405020304" pitchFamily="18" charset="0"/>
+                <a:cs typeface="Times New Roman" panose="02020603050405020304" pitchFamily="18" charset="0"/>
+              </a:rPr>
+              <a:t> usar </a:t>
+            </a:r>
+            <a:r>
+              <a:rPr lang="en-US" sz="12800" b="1" dirty="0" err="1">
+                <a:latin typeface="Times New Roman" panose="02020603050405020304" pitchFamily="18" charset="0"/>
+                <a:cs typeface="Times New Roman" panose="02020603050405020304" pitchFamily="18" charset="0"/>
+              </a:rPr>
+              <a:t>cassandra</a:t>
+            </a:r>
+            <a:r>
+              <a:rPr lang="en-US" sz="12800" b="1" dirty="0">
+                <a:latin typeface="Times New Roman" panose="02020603050405020304" pitchFamily="18" charset="0"/>
+                <a:cs typeface="Times New Roman" panose="02020603050405020304" pitchFamily="18" charset="0"/>
+              </a:rPr>
+              <a:t>?</a:t>
+            </a:r>
+          </a:p>
+          <a:p>
+            <a:pPr marL="0" indent="0" algn="just">
               <a:buNone/>
             </a:pPr>
-            <a:r>
-              <a:rPr lang="es-MX" sz="1500" dirty="0">
-                <a:latin typeface="Times New Roman" panose="02020603050405020304" pitchFamily="18" charset="0"/>
-                <a:cs typeface="Times New Roman" panose="02020603050405020304" pitchFamily="18" charset="0"/>
-              </a:rPr>
-              <a:t>Redis es un motor de base de datos en memoria, basado en el almacenamiento en tablas de hashes (clave/valor) pero que opcionalmente puede ser usada como una base de datos durable o persistente.</a:t>
-            </a:r>
-            <a:endParaRPr lang="en-US" sz="1500" dirty="0">
+            <a:endParaRPr lang="es-MX" sz="6000" dirty="0">
               <a:latin typeface="Times New Roman" panose="02020603050405020304" pitchFamily="18" charset="0"/>
               <a:cs typeface="Times New Roman" panose="02020603050405020304" pitchFamily="18" charset="0"/>
             </a:endParaRPr>
           </a:p>
+          <a:p>
+            <a:pPr marL="0" indent="0" algn="just">
+              <a:buNone/>
+            </a:pPr>
+            <a:r>
+              <a:rPr lang="es-MX" sz="6000" dirty="0">
+                <a:latin typeface="Times New Roman" panose="02020603050405020304" pitchFamily="18" charset="0"/>
+                <a:cs typeface="Times New Roman" panose="02020603050405020304" pitchFamily="18" charset="0"/>
+              </a:rPr>
+              <a:t>Cuando cumplamos con los siguientes puntos será un buen momento para plantearnos </a:t>
+            </a:r>
+            <a:r>
+              <a:rPr lang="es-MX" sz="6000" dirty="0" err="1">
+                <a:latin typeface="Times New Roman" panose="02020603050405020304" pitchFamily="18" charset="0"/>
+                <a:cs typeface="Times New Roman" panose="02020603050405020304" pitchFamily="18" charset="0"/>
+              </a:rPr>
+              <a:t>Cassandra</a:t>
+            </a:r>
+            <a:r>
+              <a:rPr lang="es-MX" sz="6000" dirty="0">
+                <a:latin typeface="Times New Roman" panose="02020603050405020304" pitchFamily="18" charset="0"/>
+                <a:cs typeface="Times New Roman" panose="02020603050405020304" pitchFamily="18" charset="0"/>
+              </a:rPr>
+              <a:t>:</a:t>
+            </a:r>
+          </a:p>
+          <a:p>
+            <a:pPr marL="0" indent="0" algn="just">
+              <a:buNone/>
+            </a:pPr>
+            <a:endParaRPr lang="es-MX" sz="6000" dirty="0">
+              <a:latin typeface="Times New Roman" panose="02020603050405020304" pitchFamily="18" charset="0"/>
+              <a:cs typeface="Times New Roman" panose="02020603050405020304" pitchFamily="18" charset="0"/>
+            </a:endParaRPr>
+          </a:p>
+          <a:p>
+            <a:pPr algn="just"/>
+            <a:r>
+              <a:rPr lang="es-MX" sz="6000" dirty="0">
+                <a:latin typeface="Times New Roman" panose="02020603050405020304" pitchFamily="18" charset="0"/>
+                <a:cs typeface="Times New Roman" panose="02020603050405020304" pitchFamily="18" charset="0"/>
+              </a:rPr>
+              <a:t>Como hemos comentado, las escrituras son muy rápidas, por lo que cuando tengamos un gran número de escrituras que supere las lecturas será buen momento para empezar a pensar en </a:t>
+            </a:r>
+            <a:r>
+              <a:rPr lang="es-MX" sz="6000" dirty="0" err="1">
+                <a:latin typeface="Times New Roman" panose="02020603050405020304" pitchFamily="18" charset="0"/>
+                <a:cs typeface="Times New Roman" panose="02020603050405020304" pitchFamily="18" charset="0"/>
+              </a:rPr>
+              <a:t>Cassandra</a:t>
+            </a:r>
+            <a:r>
+              <a:rPr lang="es-MX" sz="6000" dirty="0">
+                <a:latin typeface="Times New Roman" panose="02020603050405020304" pitchFamily="18" charset="0"/>
+                <a:cs typeface="Times New Roman" panose="02020603050405020304" pitchFamily="18" charset="0"/>
+              </a:rPr>
+              <a:t>.</a:t>
+            </a:r>
+          </a:p>
+          <a:p>
+            <a:pPr algn="just"/>
+            <a:r>
+              <a:rPr lang="es-MX" sz="6000" dirty="0">
+                <a:latin typeface="Times New Roman" panose="02020603050405020304" pitchFamily="18" charset="0"/>
+                <a:cs typeface="Times New Roman" panose="02020603050405020304" pitchFamily="18" charset="0"/>
+              </a:rPr>
+              <a:t>Si la lectura es realizada a través de una </a:t>
+            </a:r>
+            <a:r>
+              <a:rPr lang="es-MX" sz="6000" dirty="0" err="1">
+                <a:latin typeface="Times New Roman" panose="02020603050405020304" pitchFamily="18" charset="0"/>
+                <a:cs typeface="Times New Roman" panose="02020603050405020304" pitchFamily="18" charset="0"/>
+              </a:rPr>
+              <a:t>primary</a:t>
+            </a:r>
+            <a:r>
+              <a:rPr lang="es-MX" sz="6000" dirty="0">
+                <a:latin typeface="Times New Roman" panose="02020603050405020304" pitchFamily="18" charset="0"/>
+                <a:cs typeface="Times New Roman" panose="02020603050405020304" pitchFamily="18" charset="0"/>
+              </a:rPr>
+              <a:t> </a:t>
+            </a:r>
+            <a:r>
+              <a:rPr lang="es-MX" sz="6000" dirty="0" err="1">
+                <a:latin typeface="Times New Roman" panose="02020603050405020304" pitchFamily="18" charset="0"/>
+                <a:cs typeface="Times New Roman" panose="02020603050405020304" pitchFamily="18" charset="0"/>
+              </a:rPr>
+              <a:t>key</a:t>
+            </a:r>
+            <a:r>
+              <a:rPr lang="es-MX" sz="6000" dirty="0">
+                <a:latin typeface="Times New Roman" panose="02020603050405020304" pitchFamily="18" charset="0"/>
+                <a:cs typeface="Times New Roman" panose="02020603050405020304" pitchFamily="18" charset="0"/>
+              </a:rPr>
+              <a:t>, ya que de otro modo la lectura será muy penalizada.</a:t>
+            </a:r>
+          </a:p>
+          <a:p>
+            <a:pPr algn="just"/>
+            <a:r>
+              <a:rPr lang="es-MX" sz="6000" dirty="0">
+                <a:latin typeface="Times New Roman" panose="02020603050405020304" pitchFamily="18" charset="0"/>
+                <a:cs typeface="Times New Roman" panose="02020603050405020304" pitchFamily="18" charset="0"/>
+              </a:rPr>
+              <a:t>En el caso en el que necesitemos guardar datos de una manera flexible, es decir, no teniendo todos los campos de nuestra </a:t>
+            </a:r>
+            <a:r>
+              <a:rPr lang="es-MX" sz="6000" dirty="0" err="1">
+                <a:latin typeface="Times New Roman" panose="02020603050405020304" pitchFamily="18" charset="0"/>
+                <a:cs typeface="Times New Roman" panose="02020603050405020304" pitchFamily="18" charset="0"/>
+              </a:rPr>
+              <a:t>escturctura</a:t>
+            </a:r>
+            <a:r>
+              <a:rPr lang="es-MX" sz="6000" dirty="0">
+                <a:latin typeface="Times New Roman" panose="02020603050405020304" pitchFamily="18" charset="0"/>
+                <a:cs typeface="Times New Roman" panose="02020603050405020304" pitchFamily="18" charset="0"/>
+              </a:rPr>
+              <a:t>.</a:t>
+            </a:r>
+          </a:p>
+          <a:p>
+            <a:pPr algn="just"/>
+            <a:r>
+              <a:rPr lang="es-MX" sz="6000" dirty="0">
+                <a:latin typeface="Times New Roman" panose="02020603050405020304" pitchFamily="18" charset="0"/>
+                <a:cs typeface="Times New Roman" panose="02020603050405020304" pitchFamily="18" charset="0"/>
+              </a:rPr>
+              <a:t>Siempre y cuando no pensemos en realizar </a:t>
+            </a:r>
+            <a:r>
+              <a:rPr lang="es-MX" sz="6000" dirty="0" err="1">
+                <a:latin typeface="Times New Roman" panose="02020603050405020304" pitchFamily="18" charset="0"/>
+                <a:cs typeface="Times New Roman" panose="02020603050405020304" pitchFamily="18" charset="0"/>
+              </a:rPr>
+              <a:t>joins</a:t>
+            </a:r>
+            <a:r>
+              <a:rPr lang="es-MX" sz="6000" dirty="0">
+                <a:latin typeface="Times New Roman" panose="02020603050405020304" pitchFamily="18" charset="0"/>
+                <a:cs typeface="Times New Roman" panose="02020603050405020304" pitchFamily="18" charset="0"/>
+              </a:rPr>
+              <a:t>.</a:t>
+            </a:r>
+          </a:p>
+          <a:p>
+            <a:pPr algn="just"/>
+            <a:r>
+              <a:rPr lang="es-MX" sz="6000" dirty="0">
+                <a:latin typeface="Times New Roman" panose="02020603050405020304" pitchFamily="18" charset="0"/>
+                <a:cs typeface="Times New Roman" panose="02020603050405020304" pitchFamily="18" charset="0"/>
+              </a:rPr>
+              <a:t>Cuando la información sea actualizada de manera frecuente.</a:t>
+            </a:r>
+            <a:endParaRPr lang="en-US" sz="6000" dirty="0">
+              <a:latin typeface="Times New Roman" panose="02020603050405020304" pitchFamily="18" charset="0"/>
+              <a:cs typeface="Times New Roman" panose="02020603050405020304" pitchFamily="18" charset="0"/>
+            </a:endParaRPr>
+          </a:p>
         </p:txBody>
       </p:sp>
     </p:spTree>
     <p:extLst>
       <p:ext uri="{BB962C8B-B14F-4D97-AF65-F5344CB8AC3E}">
-        <p14:creationId xmlns:p14="http://schemas.microsoft.com/office/powerpoint/2010/main" val="2993715308"/>
+        <p14:creationId xmlns:p14="http://schemas.microsoft.com/office/powerpoint/2010/main" val="3862649840"/>
       </p:ext>
     </p:extLst>
   </p:cSld>
@@ -4041,6 +4523,114 @@
         </p:nvSpPr>
         <p:spPr>
           <a:xfrm>
+            <a:off x="858824" y="1016110"/>
+            <a:ext cx="7426352" cy="2472212"/>
+          </a:xfrm>
+        </p:spPr>
+        <p:txBody>
+          <a:bodyPr/>
+          <a:lstStyle/>
+          <a:p>
+            <a:pPr marL="0" indent="0" algn="ctr">
+              <a:buNone/>
+            </a:pPr>
+            <a:r>
+              <a:rPr lang="en-US" b="1" dirty="0">
+                <a:latin typeface="Times New Roman" panose="02020603050405020304" pitchFamily="18" charset="0"/>
+                <a:cs typeface="Times New Roman" panose="02020603050405020304" pitchFamily="18" charset="0"/>
+              </a:rPr>
+              <a:t>¿Que es Redis?</a:t>
+            </a:r>
+          </a:p>
+          <a:p>
+            <a:pPr marL="0" indent="0">
+              <a:buNone/>
+            </a:pPr>
+            <a:endParaRPr lang="es-MX" sz="1500" dirty="0">
+              <a:latin typeface="Times New Roman" panose="02020603050405020304" pitchFamily="18" charset="0"/>
+              <a:cs typeface="Times New Roman" panose="02020603050405020304" pitchFamily="18" charset="0"/>
+            </a:endParaRPr>
+          </a:p>
+          <a:p>
+            <a:pPr marL="0" indent="0">
+              <a:buNone/>
+            </a:pPr>
+            <a:endParaRPr lang="es-MX" sz="1500" dirty="0">
+              <a:latin typeface="Times New Roman" panose="02020603050405020304" pitchFamily="18" charset="0"/>
+              <a:cs typeface="Times New Roman" panose="02020603050405020304" pitchFamily="18" charset="0"/>
+            </a:endParaRPr>
+          </a:p>
+          <a:p>
+            <a:pPr marL="0" indent="0">
+              <a:buNone/>
+            </a:pPr>
+            <a:r>
+              <a:rPr lang="es-MX" sz="1500" dirty="0">
+                <a:latin typeface="Times New Roman" panose="02020603050405020304" pitchFamily="18" charset="0"/>
+                <a:cs typeface="Times New Roman" panose="02020603050405020304" pitchFamily="18" charset="0"/>
+              </a:rPr>
+              <a:t>Redis es un motor de base de datos en memoria, basado en el almacenamiento en tablas de hashes (clave/valor) pero que opcionalmente puede ser usada como una base de datos durable o persistente. Su importante característica permite reutilizar datos guardados en la caché, lo cual permite obtener esta información mucho más rápido que ir hasta el disco duro.</a:t>
+            </a:r>
+            <a:endParaRPr lang="en-US" sz="1500" dirty="0">
+              <a:latin typeface="Times New Roman" panose="02020603050405020304" pitchFamily="18" charset="0"/>
+              <a:cs typeface="Times New Roman" panose="02020603050405020304" pitchFamily="18" charset="0"/>
+            </a:endParaRPr>
+          </a:p>
+        </p:txBody>
+      </p:sp>
+    </p:spTree>
+    <p:extLst>
+      <p:ext uri="{BB962C8B-B14F-4D97-AF65-F5344CB8AC3E}">
+        <p14:creationId xmlns:p14="http://schemas.microsoft.com/office/powerpoint/2010/main" val="2993715308"/>
+      </p:ext>
+    </p:extLst>
+  </p:cSld>
+  <p:clrMapOvr>
+    <a:masterClrMapping/>
+  </p:clrMapOvr>
+</p:sld>
+</file>
+
+<file path=ppt/slides/slide7.xml><?xml version="1.0" encoding="utf-8"?>
+<p:sld xmlns:a="http://schemas.openxmlformats.org/drawingml/2006/main" xmlns:r="http://schemas.openxmlformats.org/officeDocument/2006/relationships" xmlns:p="http://schemas.openxmlformats.org/presentationml/2006/main">
+  <p:cSld>
+    <p:bg>
+      <p:bgPr>
+        <a:blipFill rotWithShape="1">
+          <a:blip r:embed="rId2"/>
+          <a:stretch>
+            <a:fillRect/>
+          </a:stretch>
+        </a:blipFill>
+        <a:effectLst/>
+      </p:bgPr>
+    </p:bg>
+    <p:spTree>
+      <p:nvGrpSpPr>
+        <p:cNvPr id="1" name=""/>
+        <p:cNvGrpSpPr/>
+        <p:nvPr/>
+      </p:nvGrpSpPr>
+      <p:grpSpPr>
+        <a:xfrm>
+          <a:off x="0" y="0"/>
+          <a:ext cx="0" cy="0"/>
+          <a:chOff x="0" y="0"/>
+          <a:chExt cx="0" cy="0"/>
+        </a:xfrm>
+      </p:grpSpPr>
+      <p:sp>
+        <p:nvSpPr>
+          <p:cNvPr id="4" name="Content Placeholder 2"/>
+          <p:cNvSpPr>
+            <a:spLocks noGrp="1"/>
+          </p:cNvSpPr>
+          <p:nvPr>
+            <p:ph idx="1"/>
+          </p:nvPr>
+        </p:nvSpPr>
+        <p:spPr>
+          <a:xfrm>
             <a:off x="1129758" y="880643"/>
             <a:ext cx="7426352" cy="2472212"/>
           </a:xfrm>
@@ -4061,6 +4651,15 @@
               </a:rPr>
               <a:t>¿Cuándo usar Redis?</a:t>
             </a:r>
+          </a:p>
+          <a:p>
+            <a:pPr marL="0" indent="0" algn="just">
+              <a:buNone/>
+            </a:pPr>
+            <a:endParaRPr lang="es-MX" sz="6000" dirty="0">
+              <a:latin typeface="Times New Roman" panose="02020603050405020304" pitchFamily="18" charset="0"/>
+              <a:cs typeface="Times New Roman" panose="02020603050405020304" pitchFamily="18" charset="0"/>
+            </a:endParaRPr>
           </a:p>
           <a:p>
             <a:pPr marL="0" indent="0" algn="just">
@@ -4162,7 +4761,106 @@
 </p:sld>
 </file>
 
-<file path=ppt/slides/slide7.xml><?xml version="1.0" encoding="utf-8"?>
+<file path=ppt/slides/slide8.xml><?xml version="1.0" encoding="utf-8"?>
+<p:sld xmlns:a="http://schemas.openxmlformats.org/drawingml/2006/main" xmlns:r="http://schemas.openxmlformats.org/officeDocument/2006/relationships" xmlns:p="http://schemas.openxmlformats.org/presentationml/2006/main">
+  <p:cSld>
+    <p:bg>
+      <p:bgPr>
+        <a:blipFill rotWithShape="1">
+          <a:blip r:embed="rId2"/>
+          <a:stretch>
+            <a:fillRect/>
+          </a:stretch>
+        </a:blipFill>
+        <a:effectLst/>
+      </p:bgPr>
+    </p:bg>
+    <p:spTree>
+      <p:nvGrpSpPr>
+        <p:cNvPr id="1" name=""/>
+        <p:cNvGrpSpPr/>
+        <p:nvPr/>
+      </p:nvGrpSpPr>
+      <p:grpSpPr>
+        <a:xfrm>
+          <a:off x="0" y="0"/>
+          <a:ext cx="0" cy="0"/>
+          <a:chOff x="0" y="0"/>
+          <a:chExt cx="0" cy="0"/>
+        </a:xfrm>
+      </p:grpSpPr>
+      <p:sp>
+        <p:nvSpPr>
+          <p:cNvPr id="4" name="Content Placeholder 2"/>
+          <p:cNvSpPr>
+            <a:spLocks noGrp="1"/>
+          </p:cNvSpPr>
+          <p:nvPr>
+            <p:ph idx="1"/>
+          </p:nvPr>
+        </p:nvSpPr>
+        <p:spPr>
+          <a:xfrm>
+            <a:off x="1079308" y="1709910"/>
+            <a:ext cx="7426352" cy="1345448"/>
+          </a:xfrm>
+        </p:spPr>
+        <p:txBody>
+          <a:bodyPr>
+            <a:normAutofit/>
+          </a:bodyPr>
+          <a:lstStyle/>
+          <a:p>
+            <a:pPr marL="0" indent="0" algn="ctr">
+              <a:buNone/>
+            </a:pPr>
+            <a:r>
+              <a:rPr lang="es-MX" b="1" dirty="0">
+                <a:latin typeface="Times New Roman" panose="02020603050405020304" pitchFamily="18" charset="0"/>
+                <a:cs typeface="Times New Roman" panose="02020603050405020304" pitchFamily="18" charset="0"/>
+              </a:rPr>
+              <a:t>Ejemplo</a:t>
+            </a:r>
+            <a:r>
+              <a:rPr lang="es-MX" sz="5100" b="1" dirty="0">
+                <a:latin typeface="Times New Roman" panose="02020603050405020304" pitchFamily="18" charset="0"/>
+                <a:cs typeface="Times New Roman" panose="02020603050405020304" pitchFamily="18" charset="0"/>
+              </a:rPr>
+              <a:t> </a:t>
+            </a:r>
+            <a:r>
+              <a:rPr lang="es-MX" b="1" dirty="0">
+                <a:latin typeface="Times New Roman" panose="02020603050405020304" pitchFamily="18" charset="0"/>
+                <a:cs typeface="Times New Roman" panose="02020603050405020304" pitchFamily="18" charset="0"/>
+              </a:rPr>
+              <a:t>práctico</a:t>
+            </a:r>
+          </a:p>
+          <a:p>
+            <a:pPr marL="0" indent="0" algn="just">
+              <a:buNone/>
+            </a:pPr>
+            <a:endParaRPr lang="es-MX" sz="6000" dirty="0">
+              <a:latin typeface="Times New Roman" panose="02020603050405020304" pitchFamily="18" charset="0"/>
+              <a:cs typeface="Times New Roman" panose="02020603050405020304" pitchFamily="18" charset="0"/>
+            </a:endParaRPr>
+          </a:p>
+        </p:txBody>
+      </p:sp>
+    </p:spTree>
+    <p:extLst>
+      <p:ext uri="{BB962C8B-B14F-4D97-AF65-F5344CB8AC3E}">
+        <p14:creationId xmlns:p14="http://schemas.microsoft.com/office/powerpoint/2010/main" val="2794655911"/>
+      </p:ext>
+    </p:extLst>
+  </p:cSld>
+  <p:clrMapOvr>
+    <a:masterClrMapping/>
+  </p:clrMapOvr>
+</p:sld>
+</file>
+
+<file path=ppt/slides/slide9.xml><?xml version="1.0" encoding="utf-8"?>
 <p:sld xmlns:a="http://schemas.openxmlformats.org/drawingml/2006/main" xmlns:r="http://schemas.openxmlformats.org/officeDocument/2006/relationships" xmlns:p="http://schemas.openxmlformats.org/presentationml/2006/main">
   <p:cSld>
     <p:bg>
@@ -4323,259 +5021,6 @@
     <p:extLst>
       <p:ext uri="{BB962C8B-B14F-4D97-AF65-F5344CB8AC3E}">
         <p14:creationId xmlns:p14="http://schemas.microsoft.com/office/powerpoint/2010/main" val="1156495564"/>
-      </p:ext>
-    </p:extLst>
-  </p:cSld>
-  <p:clrMapOvr>
-    <a:masterClrMapping/>
-  </p:clrMapOvr>
-</p:sld>
-</file>
-
-<file path=ppt/slides/slide8.xml><?xml version="1.0" encoding="utf-8"?>
-<p:sld xmlns:a="http://schemas.openxmlformats.org/drawingml/2006/main" xmlns:r="http://schemas.openxmlformats.org/officeDocument/2006/relationships" xmlns:p="http://schemas.openxmlformats.org/presentationml/2006/main">
-  <p:cSld>
-    <p:bg>
-      <p:bgPr>
-        <a:blipFill rotWithShape="1">
-          <a:blip r:embed="rId2"/>
-          <a:stretch>
-            <a:fillRect/>
-          </a:stretch>
-        </a:blipFill>
-        <a:effectLst/>
-      </p:bgPr>
-    </p:bg>
-    <p:spTree>
-      <p:nvGrpSpPr>
-        <p:cNvPr id="1" name=""/>
-        <p:cNvGrpSpPr/>
-        <p:nvPr/>
-      </p:nvGrpSpPr>
-      <p:grpSpPr>
-        <a:xfrm>
-          <a:off x="0" y="0"/>
-          <a:ext cx="0" cy="0"/>
-          <a:chOff x="0" y="0"/>
-          <a:chExt cx="0" cy="0"/>
-        </a:xfrm>
-      </p:grpSpPr>
-      <p:sp>
-        <p:nvSpPr>
-          <p:cNvPr id="4" name="Content Placeholder 2"/>
-          <p:cNvSpPr>
-            <a:spLocks noGrp="1"/>
-          </p:cNvSpPr>
-          <p:nvPr>
-            <p:ph idx="1"/>
-          </p:nvPr>
-        </p:nvSpPr>
-        <p:spPr>
-          <a:xfrm>
-            <a:off x="495221" y="388239"/>
-            <a:ext cx="7599376" cy="3424914"/>
-          </a:xfrm>
-        </p:spPr>
-        <p:txBody>
-          <a:bodyPr>
-            <a:normAutofit/>
-          </a:bodyPr>
-          <a:lstStyle/>
-          <a:p>
-            <a:pPr marL="0" indent="0" algn="ctr">
-              <a:buNone/>
-            </a:pPr>
-            <a:r>
-              <a:rPr lang="es-ES" dirty="0">
-                <a:latin typeface="Times New Roman" panose="02020603050405020304" pitchFamily="18" charset="0"/>
-                <a:cs typeface="Times New Roman" panose="02020603050405020304" pitchFamily="18" charset="0"/>
-              </a:rPr>
-              <a:t>Creación Imagen Redis</a:t>
-            </a:r>
-          </a:p>
-          <a:p>
-            <a:pPr marL="0" indent="0" algn="ctr">
-              <a:buNone/>
-            </a:pPr>
-            <a:endParaRPr lang="es-ES" sz="1500" dirty="0">
-              <a:latin typeface="Times New Roman" panose="02020603050405020304" pitchFamily="18" charset="0"/>
-              <a:cs typeface="Times New Roman" panose="02020603050405020304" pitchFamily="18" charset="0"/>
-            </a:endParaRPr>
-          </a:p>
-          <a:p>
-            <a:pPr marL="0" indent="0" algn="ctr">
-              <a:buNone/>
-            </a:pPr>
-            <a:r>
-              <a:rPr lang="es-ES" sz="1500" dirty="0">
-                <a:latin typeface="Times New Roman" panose="02020603050405020304" pitchFamily="18" charset="0"/>
-                <a:cs typeface="Times New Roman" panose="02020603050405020304" pitchFamily="18" charset="0"/>
-              </a:rPr>
-              <a:t>Tipo archivo: </a:t>
-            </a:r>
-            <a:r>
-              <a:rPr lang="es-ES" sz="1500" dirty="0" err="1">
-                <a:latin typeface="Times New Roman" panose="02020603050405020304" pitchFamily="18" charset="0"/>
-                <a:cs typeface="Times New Roman" panose="02020603050405020304" pitchFamily="18" charset="0"/>
-              </a:rPr>
-              <a:t>docker-compose.yml</a:t>
-            </a:r>
-            <a:endParaRPr lang="en-US" sz="1500" dirty="0">
-              <a:latin typeface="Times New Roman" panose="02020603050405020304" pitchFamily="18" charset="0"/>
-              <a:cs typeface="Times New Roman" panose="02020603050405020304" pitchFamily="18" charset="0"/>
-            </a:endParaRPr>
-          </a:p>
-        </p:txBody>
-      </p:sp>
-      <p:pic>
-        <p:nvPicPr>
-          <p:cNvPr id="5" name="Imagen 4">
-            <a:extLst>
-              <a:ext uri="{FF2B5EF4-FFF2-40B4-BE49-F238E27FC236}">
-                <a16:creationId xmlns:a16="http://schemas.microsoft.com/office/drawing/2014/main" id="{AD1EC855-FBB1-4269-802B-51318E351B18}"/>
-              </a:ext>
-            </a:extLst>
-          </p:cNvPr>
-          <p:cNvPicPr>
-            <a:picLocks noChangeAspect="1"/>
-          </p:cNvPicPr>
-          <p:nvPr/>
-        </p:nvPicPr>
-        <p:blipFill>
-          <a:blip r:embed="rId3"/>
-          <a:stretch>
-            <a:fillRect/>
-          </a:stretch>
-        </p:blipFill>
-        <p:spPr>
-          <a:xfrm>
-            <a:off x="2452996" y="1697024"/>
-            <a:ext cx="4238007" cy="2688628"/>
-          </a:xfrm>
-          <a:prstGeom prst="rect">
-            <a:avLst/>
-          </a:prstGeom>
-        </p:spPr>
-      </p:pic>
-    </p:spTree>
-    <p:extLst>
-      <p:ext uri="{BB962C8B-B14F-4D97-AF65-F5344CB8AC3E}">
-        <p14:creationId xmlns:p14="http://schemas.microsoft.com/office/powerpoint/2010/main" val="319696611"/>
-      </p:ext>
-    </p:extLst>
-  </p:cSld>
-  <p:clrMapOvr>
-    <a:masterClrMapping/>
-  </p:clrMapOvr>
-</p:sld>
-</file>
-
-<file path=ppt/slides/slide9.xml><?xml version="1.0" encoding="utf-8"?>
-<p:sld xmlns:a="http://schemas.openxmlformats.org/drawingml/2006/main" xmlns:r="http://schemas.openxmlformats.org/officeDocument/2006/relationships" xmlns:p="http://schemas.openxmlformats.org/presentationml/2006/main">
-  <p:cSld>
-    <p:bg>
-      <p:bgPr>
-        <a:blipFill rotWithShape="1">
-          <a:blip r:embed="rId2"/>
-          <a:stretch>
-            <a:fillRect/>
-          </a:stretch>
-        </a:blipFill>
-        <a:effectLst/>
-      </p:bgPr>
-    </p:bg>
-    <p:spTree>
-      <p:nvGrpSpPr>
-        <p:cNvPr id="1" name=""/>
-        <p:cNvGrpSpPr/>
-        <p:nvPr/>
-      </p:nvGrpSpPr>
-      <p:grpSpPr>
-        <a:xfrm>
-          <a:off x="0" y="0"/>
-          <a:ext cx="0" cy="0"/>
-          <a:chOff x="0" y="0"/>
-          <a:chExt cx="0" cy="0"/>
-        </a:xfrm>
-      </p:grpSpPr>
-      <p:sp>
-        <p:nvSpPr>
-          <p:cNvPr id="4" name="Content Placeholder 2"/>
-          <p:cNvSpPr>
-            <a:spLocks noGrp="1"/>
-          </p:cNvSpPr>
-          <p:nvPr>
-            <p:ph idx="1"/>
-          </p:nvPr>
-        </p:nvSpPr>
-        <p:spPr>
-          <a:xfrm>
-            <a:off x="495221" y="654063"/>
-            <a:ext cx="7599376" cy="3424914"/>
-          </a:xfrm>
-        </p:spPr>
-        <p:txBody>
-          <a:bodyPr>
-            <a:normAutofit/>
-          </a:bodyPr>
-          <a:lstStyle/>
-          <a:p>
-            <a:pPr marL="0" indent="0" algn="ctr">
-              <a:buNone/>
-            </a:pPr>
-            <a:r>
-              <a:rPr lang="es-ES" dirty="0">
-                <a:latin typeface="Times New Roman" panose="02020603050405020304" pitchFamily="18" charset="0"/>
-                <a:cs typeface="Times New Roman" panose="02020603050405020304" pitchFamily="18" charset="0"/>
-              </a:rPr>
-              <a:t>Conexión a la Base de datos</a:t>
-            </a:r>
-          </a:p>
-          <a:p>
-            <a:pPr marL="0" indent="0" algn="ctr">
-              <a:buNone/>
-            </a:pPr>
-            <a:endParaRPr lang="es-ES" sz="1500" dirty="0">
-              <a:latin typeface="Times New Roman" panose="02020603050405020304" pitchFamily="18" charset="0"/>
-              <a:cs typeface="Times New Roman" panose="02020603050405020304" pitchFamily="18" charset="0"/>
-            </a:endParaRPr>
-          </a:p>
-        </p:txBody>
-      </p:sp>
-      <p:pic>
-        <p:nvPicPr>
-          <p:cNvPr id="3" name="Imagen 2">
-            <a:extLst>
-              <a:ext uri="{FF2B5EF4-FFF2-40B4-BE49-F238E27FC236}">
-                <a16:creationId xmlns:a16="http://schemas.microsoft.com/office/drawing/2014/main" id="{6EDAF813-D541-4879-87B9-8E31891B6F4D}"/>
-              </a:ext>
-            </a:extLst>
-          </p:cNvPr>
-          <p:cNvPicPr>
-            <a:picLocks noChangeAspect="1"/>
-          </p:cNvPicPr>
-          <p:nvPr/>
-        </p:nvPicPr>
-        <p:blipFill>
-          <a:blip r:embed="rId3"/>
-          <a:stretch>
-            <a:fillRect/>
-          </a:stretch>
-        </p:blipFill>
-        <p:spPr>
-          <a:xfrm>
-            <a:off x="2305305" y="1392203"/>
-            <a:ext cx="3997774" cy="3136465"/>
-          </a:xfrm>
-          <a:prstGeom prst="rect">
-            <a:avLst/>
-          </a:prstGeom>
-        </p:spPr>
-      </p:pic>
-    </p:spTree>
-    <p:extLst>
-      <p:ext uri="{BB962C8B-B14F-4D97-AF65-F5344CB8AC3E}">
-        <p14:creationId xmlns:p14="http://schemas.microsoft.com/office/powerpoint/2010/main" val="1223978356"/>
       </p:ext>
     </p:extLst>
   </p:cSld>

--- a/PresentaciónFinal.pptx
+++ b/PresentaciónFinal.pptx
@@ -16,7 +16,9 @@
     <p:sldId id="267" r:id="rId10"/>
     <p:sldId id="268" r:id="rId11"/>
     <p:sldId id="269" r:id="rId12"/>
-    <p:sldId id="272" r:id="rId13"/>
+    <p:sldId id="273" r:id="rId13"/>
+    <p:sldId id="274" r:id="rId14"/>
+    <p:sldId id="272" r:id="rId15"/>
   </p:sldIdLst>
   <p:sldSz cx="9144000" cy="5143500" type="screen16x9"/>
   <p:notesSz cx="6858000" cy="9144000"/>
@@ -131,6 +133,8 @@
             <p14:sldId id="267"/>
             <p14:sldId id="268"/>
             <p14:sldId id="269"/>
+            <p14:sldId id="273"/>
+            <p14:sldId id="274"/>
             <p14:sldId id="272"/>
           </p14:sldIdLst>
         </p14:section>
@@ -530,7 +534,7 @@
           <a:p>
             <a:fld id="{7D9E8139-6843-764B-A4F4-1F53F9604BBC}" type="slidenum">
               <a:rPr lang="en-US" smtClean="0"/>
-              <a:t>‹#›</a:t>
+              <a:t>‹Nº›</a:t>
             </a:fld>
             <a:endParaRPr lang="en-US"/>
           </a:p>
@@ -700,7 +704,7 @@
           <a:p>
             <a:fld id="{7D9E8139-6843-764B-A4F4-1F53F9604BBC}" type="slidenum">
               <a:rPr lang="en-US" smtClean="0"/>
-              <a:t>‹#›</a:t>
+              <a:t>‹Nº›</a:t>
             </a:fld>
             <a:endParaRPr lang="en-US"/>
           </a:p>
@@ -880,7 +884,7 @@
           <a:p>
             <a:fld id="{7D9E8139-6843-764B-A4F4-1F53F9604BBC}" type="slidenum">
               <a:rPr lang="en-US" smtClean="0"/>
-              <a:t>‹#›</a:t>
+              <a:t>‹Nº›</a:t>
             </a:fld>
             <a:endParaRPr lang="en-US"/>
           </a:p>
@@ -1050,7 +1054,7 @@
           <a:p>
             <a:fld id="{7D9E8139-6843-764B-A4F4-1F53F9604BBC}" type="slidenum">
               <a:rPr lang="en-US" smtClean="0"/>
-              <a:t>‹#›</a:t>
+              <a:t>‹Nº›</a:t>
             </a:fld>
             <a:endParaRPr lang="en-US"/>
           </a:p>
@@ -1296,7 +1300,7 @@
           <a:p>
             <a:fld id="{7D9E8139-6843-764B-A4F4-1F53F9604BBC}" type="slidenum">
               <a:rPr lang="en-US" smtClean="0"/>
-              <a:t>‹#›</a:t>
+              <a:t>‹Nº›</a:t>
             </a:fld>
             <a:endParaRPr lang="en-US"/>
           </a:p>
@@ -1584,7 +1588,7 @@
           <a:p>
             <a:fld id="{7D9E8139-6843-764B-A4F4-1F53F9604BBC}" type="slidenum">
               <a:rPr lang="en-US" smtClean="0"/>
-              <a:t>‹#›</a:t>
+              <a:t>‹Nº›</a:t>
             </a:fld>
             <a:endParaRPr lang="en-US"/>
           </a:p>
@@ -2011,7 +2015,7 @@
           <a:p>
             <a:fld id="{7D9E8139-6843-764B-A4F4-1F53F9604BBC}" type="slidenum">
               <a:rPr lang="en-US" smtClean="0"/>
-              <a:t>‹#›</a:t>
+              <a:t>‹Nº›</a:t>
             </a:fld>
             <a:endParaRPr lang="en-US"/>
           </a:p>
@@ -2129,7 +2133,7 @@
           <a:p>
             <a:fld id="{7D9E8139-6843-764B-A4F4-1F53F9604BBC}" type="slidenum">
               <a:rPr lang="en-US" smtClean="0"/>
-              <a:t>‹#›</a:t>
+              <a:t>‹Nº›</a:t>
             </a:fld>
             <a:endParaRPr lang="en-US"/>
           </a:p>
@@ -2224,7 +2228,7 @@
           <a:p>
             <a:fld id="{7D9E8139-6843-764B-A4F4-1F53F9604BBC}" type="slidenum">
               <a:rPr lang="en-US" smtClean="0"/>
-              <a:t>‹#›</a:t>
+              <a:t>‹Nº›</a:t>
             </a:fld>
             <a:endParaRPr lang="en-US"/>
           </a:p>
@@ -2501,7 +2505,7 @@
           <a:p>
             <a:fld id="{7D9E8139-6843-764B-A4F4-1F53F9604BBC}" type="slidenum">
               <a:rPr lang="en-US" smtClean="0"/>
-              <a:t>‹#›</a:t>
+              <a:t>‹Nº›</a:t>
             </a:fld>
             <a:endParaRPr lang="en-US"/>
           </a:p>
@@ -2754,7 +2758,7 @@
           <a:p>
             <a:fld id="{7D9E8139-6843-764B-A4F4-1F53F9604BBC}" type="slidenum">
               <a:rPr lang="en-US" smtClean="0"/>
-              <a:t>‹#›</a:t>
+              <a:t>‹Nº›</a:t>
             </a:fld>
             <a:endParaRPr lang="en-US"/>
           </a:p>
@@ -3003,7 +3007,7 @@
           <a:p>
             <a:fld id="{7D9E8139-6843-764B-A4F4-1F53F9604BBC}" type="slidenum">
               <a:rPr lang="en-US" smtClean="0"/>
-              <a:t>‹#›</a:t>
+              <a:t>‹Nº›</a:t>
             </a:fld>
             <a:endParaRPr lang="en-US"/>
           </a:p>
@@ -3617,10 +3621,10 @@
       </p:sp>
       <p:pic>
         <p:nvPicPr>
-          <p:cNvPr id="3" name="Imagen 2">
+          <p:cNvPr id="5" name="Imagen 4">
             <a:extLst>
               <a:ext uri="{FF2B5EF4-FFF2-40B4-BE49-F238E27FC236}">
-                <a16:creationId xmlns:a16="http://schemas.microsoft.com/office/drawing/2014/main" id="{6EDAF813-D541-4879-87B9-8E31891B6F4D}"/>
+                <a16:creationId xmlns:a16="http://schemas.microsoft.com/office/drawing/2014/main" id="{62DF31B9-C2B6-4EC6-8F60-1A011E39EB48}"/>
               </a:ext>
             </a:extLst>
           </p:cNvPr>
@@ -3637,8 +3641,8 @@
         </p:blipFill>
         <p:spPr>
           <a:xfrm>
-            <a:off x="2305305" y="1392203"/>
-            <a:ext cx="3997774" cy="3136465"/>
+            <a:off x="2258751" y="1301893"/>
+            <a:ext cx="4626498" cy="3348169"/>
           </a:xfrm>
           <a:prstGeom prst="rect">
             <a:avLst/>
@@ -3659,6 +3663,247 @@
 </file>
 
 <file path=ppt/slides/slide12.xml><?xml version="1.0" encoding="utf-8"?>
+<p:sld xmlns:a="http://schemas.openxmlformats.org/drawingml/2006/main" xmlns:r="http://schemas.openxmlformats.org/officeDocument/2006/relationships" xmlns:p="http://schemas.openxmlformats.org/presentationml/2006/main">
+  <p:cSld>
+    <p:bg>
+      <p:bgPr>
+        <a:blipFill rotWithShape="1">
+          <a:blip r:embed="rId2"/>
+          <a:stretch>
+            <a:fillRect/>
+          </a:stretch>
+        </a:blipFill>
+        <a:effectLst/>
+      </p:bgPr>
+    </p:bg>
+    <p:spTree>
+      <p:nvGrpSpPr>
+        <p:cNvPr id="1" name=""/>
+        <p:cNvGrpSpPr/>
+        <p:nvPr/>
+      </p:nvGrpSpPr>
+      <p:grpSpPr>
+        <a:xfrm>
+          <a:off x="0" y="0"/>
+          <a:ext cx="0" cy="0"/>
+          <a:chOff x="0" y="0"/>
+          <a:chExt cx="0" cy="0"/>
+        </a:xfrm>
+      </p:grpSpPr>
+      <p:sp>
+        <p:nvSpPr>
+          <p:cNvPr id="4" name="Content Placeholder 2"/>
+          <p:cNvSpPr>
+            <a:spLocks noGrp="1"/>
+          </p:cNvSpPr>
+          <p:nvPr>
+            <p:ph idx="1"/>
+          </p:nvPr>
+        </p:nvSpPr>
+        <p:spPr>
+          <a:xfrm>
+            <a:off x="495221" y="654063"/>
+            <a:ext cx="7599376" cy="3424914"/>
+          </a:xfrm>
+        </p:spPr>
+        <p:txBody>
+          <a:bodyPr>
+            <a:normAutofit/>
+          </a:bodyPr>
+          <a:lstStyle/>
+          <a:p>
+            <a:pPr marL="0" indent="0" algn="ctr">
+              <a:buNone/>
+            </a:pPr>
+            <a:r>
+              <a:rPr lang="es-ES" dirty="0">
+                <a:latin typeface="Times New Roman" panose="02020603050405020304" pitchFamily="18" charset="0"/>
+                <a:cs typeface="Times New Roman" panose="02020603050405020304" pitchFamily="18" charset="0"/>
+              </a:rPr>
+              <a:t>Modelo </a:t>
+            </a:r>
+            <a:r>
+              <a:rPr lang="es-ES" dirty="0" err="1">
+                <a:latin typeface="Times New Roman" panose="02020603050405020304" pitchFamily="18" charset="0"/>
+                <a:cs typeface="Times New Roman" panose="02020603050405020304" pitchFamily="18" charset="0"/>
+              </a:rPr>
+              <a:t>db</a:t>
+            </a:r>
+            <a:endParaRPr lang="es-ES" dirty="0">
+              <a:latin typeface="Times New Roman" panose="02020603050405020304" pitchFamily="18" charset="0"/>
+              <a:cs typeface="Times New Roman" panose="02020603050405020304" pitchFamily="18" charset="0"/>
+            </a:endParaRPr>
+          </a:p>
+          <a:p>
+            <a:pPr marL="0" indent="0" algn="ctr">
+              <a:buNone/>
+            </a:pPr>
+            <a:endParaRPr lang="es-ES" sz="1500" dirty="0">
+              <a:latin typeface="Times New Roman" panose="02020603050405020304" pitchFamily="18" charset="0"/>
+              <a:cs typeface="Times New Roman" panose="02020603050405020304" pitchFamily="18" charset="0"/>
+            </a:endParaRPr>
+          </a:p>
+        </p:txBody>
+      </p:sp>
+      <p:pic>
+        <p:nvPicPr>
+          <p:cNvPr id="3" name="Imagen 2">
+            <a:extLst>
+              <a:ext uri="{FF2B5EF4-FFF2-40B4-BE49-F238E27FC236}">
+                <a16:creationId xmlns:a16="http://schemas.microsoft.com/office/drawing/2014/main" id="{5E3AC22B-84BA-477C-8817-C8E66E15FFDA}"/>
+              </a:ext>
+            </a:extLst>
+          </p:cNvPr>
+          <p:cNvPicPr>
+            <a:picLocks noChangeAspect="1"/>
+          </p:cNvPicPr>
+          <p:nvPr/>
+        </p:nvPicPr>
+        <p:blipFill>
+          <a:blip r:embed="rId3"/>
+          <a:stretch>
+            <a:fillRect/>
+          </a:stretch>
+        </p:blipFill>
+        <p:spPr>
+          <a:xfrm>
+            <a:off x="2485465" y="1824606"/>
+            <a:ext cx="4173069" cy="1494287"/>
+          </a:xfrm>
+          <a:prstGeom prst="rect">
+            <a:avLst/>
+          </a:prstGeom>
+        </p:spPr>
+      </p:pic>
+    </p:spTree>
+    <p:extLst>
+      <p:ext uri="{BB962C8B-B14F-4D97-AF65-F5344CB8AC3E}">
+        <p14:creationId xmlns:p14="http://schemas.microsoft.com/office/powerpoint/2010/main" val="4046213691"/>
+      </p:ext>
+    </p:extLst>
+  </p:cSld>
+  <p:clrMapOvr>
+    <a:masterClrMapping/>
+  </p:clrMapOvr>
+</p:sld>
+</file>
+
+<file path=ppt/slides/slide13.xml><?xml version="1.0" encoding="utf-8"?>
+<p:sld xmlns:a="http://schemas.openxmlformats.org/drawingml/2006/main" xmlns:r="http://schemas.openxmlformats.org/officeDocument/2006/relationships" xmlns:p="http://schemas.openxmlformats.org/presentationml/2006/main">
+  <p:cSld>
+    <p:bg>
+      <p:bgPr>
+        <a:blipFill rotWithShape="1">
+          <a:blip r:embed="rId2"/>
+          <a:stretch>
+            <a:fillRect/>
+          </a:stretch>
+        </a:blipFill>
+        <a:effectLst/>
+      </p:bgPr>
+    </p:bg>
+    <p:spTree>
+      <p:nvGrpSpPr>
+        <p:cNvPr id="1" name=""/>
+        <p:cNvGrpSpPr/>
+        <p:nvPr/>
+      </p:nvGrpSpPr>
+      <p:grpSpPr>
+        <a:xfrm>
+          <a:off x="0" y="0"/>
+          <a:ext cx="0" cy="0"/>
+          <a:chOff x="0" y="0"/>
+          <a:chExt cx="0" cy="0"/>
+        </a:xfrm>
+      </p:grpSpPr>
+      <p:sp>
+        <p:nvSpPr>
+          <p:cNvPr id="4" name="Content Placeholder 2"/>
+          <p:cNvSpPr>
+            <a:spLocks noGrp="1"/>
+          </p:cNvSpPr>
+          <p:nvPr>
+            <p:ph idx="1"/>
+          </p:nvPr>
+        </p:nvSpPr>
+        <p:spPr>
+          <a:xfrm>
+            <a:off x="495221" y="654063"/>
+            <a:ext cx="7599376" cy="3424914"/>
+          </a:xfrm>
+        </p:spPr>
+        <p:txBody>
+          <a:bodyPr>
+            <a:normAutofit/>
+          </a:bodyPr>
+          <a:lstStyle/>
+          <a:p>
+            <a:pPr marL="0" indent="0" algn="ctr">
+              <a:buNone/>
+            </a:pPr>
+            <a:r>
+              <a:rPr lang="es-ES" dirty="0">
+                <a:latin typeface="Times New Roman" panose="02020603050405020304" pitchFamily="18" charset="0"/>
+                <a:cs typeface="Times New Roman" panose="02020603050405020304" pitchFamily="18" charset="0"/>
+              </a:rPr>
+              <a:t>Datos modelo</a:t>
+            </a:r>
+          </a:p>
+          <a:p>
+            <a:pPr marL="0" indent="0" algn="ctr">
+              <a:buNone/>
+            </a:pPr>
+            <a:endParaRPr lang="es-ES" sz="1500" dirty="0">
+              <a:latin typeface="Times New Roman" panose="02020603050405020304" pitchFamily="18" charset="0"/>
+              <a:cs typeface="Times New Roman" panose="02020603050405020304" pitchFamily="18" charset="0"/>
+            </a:endParaRPr>
+          </a:p>
+        </p:txBody>
+      </p:sp>
+      <p:pic>
+        <p:nvPicPr>
+          <p:cNvPr id="5" name="Imagen 4">
+            <a:extLst>
+              <a:ext uri="{FF2B5EF4-FFF2-40B4-BE49-F238E27FC236}">
+                <a16:creationId xmlns:a16="http://schemas.microsoft.com/office/drawing/2014/main" id="{00DC1784-FAA0-4523-95E9-9A8C23345691}"/>
+              </a:ext>
+            </a:extLst>
+          </p:cNvPr>
+          <p:cNvPicPr>
+            <a:picLocks noChangeAspect="1"/>
+          </p:cNvPicPr>
+          <p:nvPr/>
+        </p:nvPicPr>
+        <p:blipFill>
+          <a:blip r:embed="rId3"/>
+          <a:stretch>
+            <a:fillRect/>
+          </a:stretch>
+        </p:blipFill>
+        <p:spPr>
+          <a:xfrm>
+            <a:off x="1242733" y="1404345"/>
+            <a:ext cx="6658534" cy="2334810"/>
+          </a:xfrm>
+          <a:prstGeom prst="rect">
+            <a:avLst/>
+          </a:prstGeom>
+        </p:spPr>
+      </p:pic>
+    </p:spTree>
+    <p:extLst>
+      <p:ext uri="{BB962C8B-B14F-4D97-AF65-F5344CB8AC3E}">
+        <p14:creationId xmlns:p14="http://schemas.microsoft.com/office/powerpoint/2010/main" val="1040336719"/>
+      </p:ext>
+    </p:extLst>
+  </p:cSld>
+  <p:clrMapOvr>
+    <a:masterClrMapping/>
+  </p:clrMapOvr>
+</p:sld>
+</file>
+
+<file path=ppt/slides/slide14.xml><?xml version="1.0" encoding="utf-8"?>
 <p:sld xmlns:a="http://schemas.openxmlformats.org/drawingml/2006/main" xmlns:r="http://schemas.openxmlformats.org/officeDocument/2006/relationships" xmlns:p="http://schemas.openxmlformats.org/presentationml/2006/main">
   <p:cSld>
     <p:bg>

--- a/PresentaciónFinal.pptx
+++ b/PresentaciónFinal.pptx
@@ -9,16 +9,21 @@
     <p:sldId id="261" r:id="rId3"/>
     <p:sldId id="270" r:id="rId4"/>
     <p:sldId id="263" r:id="rId5"/>
-    <p:sldId id="264" r:id="rId6"/>
-    <p:sldId id="262" r:id="rId7"/>
-    <p:sldId id="266" r:id="rId8"/>
-    <p:sldId id="271" r:id="rId9"/>
-    <p:sldId id="267" r:id="rId10"/>
-    <p:sldId id="268" r:id="rId11"/>
-    <p:sldId id="269" r:id="rId12"/>
-    <p:sldId id="273" r:id="rId13"/>
-    <p:sldId id="274" r:id="rId14"/>
-    <p:sldId id="272" r:id="rId15"/>
+    <p:sldId id="279" r:id="rId6"/>
+    <p:sldId id="264" r:id="rId7"/>
+    <p:sldId id="262" r:id="rId8"/>
+    <p:sldId id="266" r:id="rId9"/>
+    <p:sldId id="271" r:id="rId10"/>
+    <p:sldId id="267" r:id="rId11"/>
+    <p:sldId id="276" r:id="rId12"/>
+    <p:sldId id="277" r:id="rId13"/>
+    <p:sldId id="278" r:id="rId14"/>
+    <p:sldId id="275" r:id="rId15"/>
+    <p:sldId id="268" r:id="rId16"/>
+    <p:sldId id="269" r:id="rId17"/>
+    <p:sldId id="273" r:id="rId18"/>
+    <p:sldId id="274" r:id="rId19"/>
+    <p:sldId id="272" r:id="rId20"/>
   </p:sldIdLst>
   <p:sldSz cx="9144000" cy="5143500" type="screen16x9"/>
   <p:notesSz cx="6858000" cy="9144000"/>
@@ -126,11 +131,16 @@
             <p14:sldId id="261"/>
             <p14:sldId id="270"/>
             <p14:sldId id="263"/>
+            <p14:sldId id="279"/>
             <p14:sldId id="264"/>
             <p14:sldId id="262"/>
             <p14:sldId id="266"/>
             <p14:sldId id="271"/>
             <p14:sldId id="267"/>
+            <p14:sldId id="276"/>
+            <p14:sldId id="277"/>
+            <p14:sldId id="278"/>
+            <p14:sldId id="275"/>
             <p14:sldId id="268"/>
             <p14:sldId id="269"/>
             <p14:sldId id="273"/>
@@ -492,7 +502,7 @@
           <a:p>
             <a:fld id="{50132367-146F-654D-A836-564943EE25C9}" type="datetimeFigureOut">
               <a:rPr lang="en-US" smtClean="0"/>
-              <a:t>12/16/2021</a:t>
+              <a:t>12/17/21</a:t>
             </a:fld>
             <a:endParaRPr lang="en-US"/>
           </a:p>
@@ -662,7 +672,7 @@
           <a:p>
             <a:fld id="{50132367-146F-654D-A836-564943EE25C9}" type="datetimeFigureOut">
               <a:rPr lang="en-US" smtClean="0"/>
-              <a:t>12/16/2021</a:t>
+              <a:t>12/17/21</a:t>
             </a:fld>
             <a:endParaRPr lang="en-US"/>
           </a:p>
@@ -842,7 +852,7 @@
           <a:p>
             <a:fld id="{50132367-146F-654D-A836-564943EE25C9}" type="datetimeFigureOut">
               <a:rPr lang="en-US" smtClean="0"/>
-              <a:t>12/16/2021</a:t>
+              <a:t>12/17/21</a:t>
             </a:fld>
             <a:endParaRPr lang="en-US"/>
           </a:p>
@@ -1012,7 +1022,7 @@
           <a:p>
             <a:fld id="{50132367-146F-654D-A836-564943EE25C9}" type="datetimeFigureOut">
               <a:rPr lang="en-US" smtClean="0"/>
-              <a:t>12/16/2021</a:t>
+              <a:t>12/17/21</a:t>
             </a:fld>
             <a:endParaRPr lang="en-US"/>
           </a:p>
@@ -1258,7 +1268,7 @@
           <a:p>
             <a:fld id="{50132367-146F-654D-A836-564943EE25C9}" type="datetimeFigureOut">
               <a:rPr lang="en-US" smtClean="0"/>
-              <a:t>12/16/2021</a:t>
+              <a:t>12/17/21</a:t>
             </a:fld>
             <a:endParaRPr lang="en-US"/>
           </a:p>
@@ -1546,7 +1556,7 @@
           <a:p>
             <a:fld id="{50132367-146F-654D-A836-564943EE25C9}" type="datetimeFigureOut">
               <a:rPr lang="en-US" smtClean="0"/>
-              <a:t>12/16/2021</a:t>
+              <a:t>12/17/21</a:t>
             </a:fld>
             <a:endParaRPr lang="en-US"/>
           </a:p>
@@ -1973,7 +1983,7 @@
           <a:p>
             <a:fld id="{50132367-146F-654D-A836-564943EE25C9}" type="datetimeFigureOut">
               <a:rPr lang="en-US" smtClean="0"/>
-              <a:t>12/16/2021</a:t>
+              <a:t>12/17/21</a:t>
             </a:fld>
             <a:endParaRPr lang="en-US"/>
           </a:p>
@@ -2091,7 +2101,7 @@
           <a:p>
             <a:fld id="{50132367-146F-654D-A836-564943EE25C9}" type="datetimeFigureOut">
               <a:rPr lang="en-US" smtClean="0"/>
-              <a:t>12/16/2021</a:t>
+              <a:t>12/17/21</a:t>
             </a:fld>
             <a:endParaRPr lang="en-US"/>
           </a:p>
@@ -2186,7 +2196,7 @@
           <a:p>
             <a:fld id="{50132367-146F-654D-A836-564943EE25C9}" type="datetimeFigureOut">
               <a:rPr lang="en-US" smtClean="0"/>
-              <a:t>12/16/2021</a:t>
+              <a:t>12/17/21</a:t>
             </a:fld>
             <a:endParaRPr lang="en-US"/>
           </a:p>
@@ -2463,7 +2473,7 @@
           <a:p>
             <a:fld id="{50132367-146F-654D-A836-564943EE25C9}" type="datetimeFigureOut">
               <a:rPr lang="en-US" smtClean="0"/>
-              <a:t>12/16/2021</a:t>
+              <a:t>12/17/21</a:t>
             </a:fld>
             <a:endParaRPr lang="en-US"/>
           </a:p>
@@ -2716,7 +2726,7 @@
           <a:p>
             <a:fld id="{50132367-146F-654D-A836-564943EE25C9}" type="datetimeFigureOut">
               <a:rPr lang="en-US" smtClean="0"/>
-              <a:t>12/16/2021</a:t>
+              <a:t>12/17/21</a:t>
             </a:fld>
             <a:endParaRPr lang="en-US"/>
           </a:p>
@@ -2929,7 +2939,7 @@
           <a:p>
             <a:fld id="{50132367-146F-654D-A836-564943EE25C9}" type="datetimeFigureOut">
               <a:rPr lang="en-US" smtClean="0"/>
-              <a:t>12/16/2021</a:t>
+              <a:t>12/17/21</a:t>
             </a:fld>
             <a:endParaRPr lang="en-US"/>
           </a:p>
@@ -3449,7 +3459,7 @@
         </p:nvSpPr>
         <p:spPr>
           <a:xfrm>
-            <a:off x="495221" y="388239"/>
+            <a:off x="858824" y="1015468"/>
             <a:ext cx="7599376" cy="3424914"/>
           </a:xfrm>
         </p:spPr>
@@ -3467,49 +3477,21 @@
                 <a:latin typeface="Times New Roman" panose="02020603050405020304" pitchFamily="18" charset="0"/>
                 <a:cs typeface="Times New Roman" panose="02020603050405020304" pitchFamily="18" charset="0"/>
               </a:rPr>
-              <a:t>Creación Imagen Redis</a:t>
-            </a:r>
-          </a:p>
-          <a:p>
-            <a:pPr marL="0" indent="0" algn="ctr">
-              <a:buNone/>
-            </a:pPr>
-            <a:endParaRPr lang="es-ES" sz="1500" dirty="0">
+              <a:t>Tecnologías utilizadas</a:t>
+            </a:r>
+            <a:endParaRPr lang="en-US" dirty="0">
               <a:latin typeface="Times New Roman" panose="02020603050405020304" pitchFamily="18" charset="0"/>
               <a:cs typeface="Times New Roman" panose="02020603050405020304" pitchFamily="18" charset="0"/>
             </a:endParaRPr>
           </a:p>
-          <a:p>
-            <a:pPr marL="0" indent="0" algn="ctr">
-              <a:buNone/>
-            </a:pPr>
-            <a:r>
-              <a:rPr lang="es-ES" sz="1500" dirty="0">
-                <a:latin typeface="Times New Roman" panose="02020603050405020304" pitchFamily="18" charset="0"/>
-                <a:cs typeface="Times New Roman" panose="02020603050405020304" pitchFamily="18" charset="0"/>
-              </a:rPr>
-              <a:t>Tipo archivo: </a:t>
-            </a:r>
-            <a:r>
-              <a:rPr lang="es-ES" sz="1500" dirty="0" err="1">
-                <a:latin typeface="Times New Roman" panose="02020603050405020304" pitchFamily="18" charset="0"/>
-                <a:cs typeface="Times New Roman" panose="02020603050405020304" pitchFamily="18" charset="0"/>
-              </a:rPr>
-              <a:t>docker-compose.yml</a:t>
-            </a:r>
-            <a:endParaRPr lang="en-US" sz="1500" dirty="0">
-              <a:latin typeface="Times New Roman" panose="02020603050405020304" pitchFamily="18" charset="0"/>
-              <a:cs typeface="Times New Roman" panose="02020603050405020304" pitchFamily="18" charset="0"/>
-            </a:endParaRPr>
-          </a:p>
         </p:txBody>
       </p:sp>
       <p:pic>
         <p:nvPicPr>
-          <p:cNvPr id="5" name="Imagen 4">
+          <p:cNvPr id="3" name="Imagen 2" descr="Forma&#10;&#10;Descripción generada automáticamente con confianza media">
             <a:extLst>
               <a:ext uri="{FF2B5EF4-FFF2-40B4-BE49-F238E27FC236}">
-                <a16:creationId xmlns:a16="http://schemas.microsoft.com/office/drawing/2014/main" id="{AD1EC855-FBB1-4269-802B-51318E351B18}"/>
+                <a16:creationId xmlns:a16="http://schemas.microsoft.com/office/drawing/2014/main" id="{B175231A-705D-49AA-AAD1-277D187D3648}"/>
               </a:ext>
             </a:extLst>
           </p:cNvPr>
@@ -3526,18 +3508,65 @@
         </p:blipFill>
         <p:spPr>
           <a:xfrm>
-            <a:off x="2452996" y="1697024"/>
-            <a:ext cx="4238007" cy="2688628"/>
+            <a:off x="1396690" y="2005224"/>
+            <a:ext cx="1906352" cy="1671322"/>
           </a:xfrm>
           <a:prstGeom prst="rect">
             <a:avLst/>
           </a:prstGeom>
         </p:spPr>
       </p:pic>
+      <p:pic>
+        <p:nvPicPr>
+          <p:cNvPr id="1026" name="Picture 2" descr="Apache Cassandra - Wikipedia, la enciclopedia libre">
+            <a:extLst>
+              <a:ext uri="{FF2B5EF4-FFF2-40B4-BE49-F238E27FC236}">
+                <a16:creationId xmlns:a16="http://schemas.microsoft.com/office/drawing/2014/main" id="{FBD73EA0-E06A-6B43-872E-74D001EC697D}"/>
+              </a:ext>
+            </a:extLst>
+          </p:cNvPr>
+          <p:cNvPicPr>
+            <a:picLocks noChangeAspect="1" noChangeArrowheads="1"/>
+          </p:cNvPicPr>
+          <p:nvPr/>
+        </p:nvPicPr>
+        <p:blipFill>
+          <a:blip r:embed="rId4">
+            <a:extLst>
+              <a:ext uri="{28A0092B-C50C-407E-A947-70E740481C1C}">
+                <a14:useLocalDpi xmlns:a14="http://schemas.microsoft.com/office/drawing/2010/main" val="0"/>
+              </a:ext>
+            </a:extLst>
+          </a:blip>
+          <a:srcRect/>
+          <a:stretch>
+            <a:fillRect/>
+          </a:stretch>
+        </p:blipFill>
+        <p:spPr bwMode="auto">
+          <a:xfrm>
+            <a:off x="4084420" y="1685178"/>
+            <a:ext cx="2972301" cy="1991368"/>
+          </a:xfrm>
+          <a:prstGeom prst="rect">
+            <a:avLst/>
+          </a:prstGeom>
+          <a:noFill/>
+          <a:extLst>
+            <a:ext uri="{909E8E84-426E-40DD-AFC4-6F175D3DCCD1}">
+              <a14:hiddenFill xmlns:a14="http://schemas.microsoft.com/office/drawing/2010/main">
+                <a:solidFill>
+                  <a:srgbClr val="FFFFFF"/>
+                </a:solidFill>
+              </a14:hiddenFill>
+            </a:ext>
+          </a:extLst>
+        </p:spPr>
+      </p:pic>
     </p:spTree>
     <p:extLst>
       <p:ext uri="{BB962C8B-B14F-4D97-AF65-F5344CB8AC3E}">
-        <p14:creationId xmlns:p14="http://schemas.microsoft.com/office/powerpoint/2010/main" val="319696611"/>
+        <p14:creationId xmlns:p14="http://schemas.microsoft.com/office/powerpoint/2010/main" val="1156495564"/>
       </p:ext>
     </p:extLst>
   </p:cSld>
@@ -3587,7 +3616,7 @@
         </p:nvSpPr>
         <p:spPr>
           <a:xfrm>
-            <a:off x="495221" y="654063"/>
+            <a:off x="858824" y="1015468"/>
             <a:ext cx="7599376" cy="3424914"/>
           </a:xfrm>
         </p:spPr>
@@ -3605,14 +3634,9 @@
                 <a:latin typeface="Times New Roman" panose="02020603050405020304" pitchFamily="18" charset="0"/>
                 <a:cs typeface="Times New Roman" panose="02020603050405020304" pitchFamily="18" charset="0"/>
               </a:rPr>
-              <a:t>Conexión a la Base de datos</a:t>
-            </a:r>
-          </a:p>
-          <a:p>
-            <a:pPr marL="0" indent="0" algn="ctr">
-              <a:buNone/>
-            </a:pPr>
-            <a:endParaRPr lang="es-ES" sz="1500" dirty="0">
+              <a:t>Tecnologías utilizadas</a:t>
+            </a:r>
+            <a:endParaRPr lang="en-US" dirty="0">
               <a:latin typeface="Times New Roman" panose="02020603050405020304" pitchFamily="18" charset="0"/>
               <a:cs typeface="Times New Roman" panose="02020603050405020304" pitchFamily="18" charset="0"/>
             </a:endParaRPr>
@@ -3624,7 +3648,7 @@
           <p:cNvPr id="5" name="Imagen 4">
             <a:extLst>
               <a:ext uri="{FF2B5EF4-FFF2-40B4-BE49-F238E27FC236}">
-                <a16:creationId xmlns:a16="http://schemas.microsoft.com/office/drawing/2014/main" id="{62DF31B9-C2B6-4EC6-8F60-1A011E39EB48}"/>
+                <a16:creationId xmlns:a16="http://schemas.microsoft.com/office/drawing/2014/main" id="{A1778795-57A2-294E-A754-5A826A2F6873}"/>
               </a:ext>
             </a:extLst>
           </p:cNvPr>
@@ -3641,8 +3665,8 @@
         </p:blipFill>
         <p:spPr>
           <a:xfrm>
-            <a:off x="2258751" y="1301893"/>
-            <a:ext cx="4626498" cy="3348169"/>
+            <a:off x="1346200" y="1618515"/>
+            <a:ext cx="6451600" cy="2984500"/>
           </a:xfrm>
           <a:prstGeom prst="rect">
             <a:avLst/>
@@ -3652,7 +3676,7 @@
     </p:spTree>
     <p:extLst>
       <p:ext uri="{BB962C8B-B14F-4D97-AF65-F5344CB8AC3E}">
-        <p14:creationId xmlns:p14="http://schemas.microsoft.com/office/powerpoint/2010/main" val="1223978356"/>
+        <p14:creationId xmlns:p14="http://schemas.microsoft.com/office/powerpoint/2010/main" val="2992506406"/>
       </p:ext>
     </p:extLst>
   </p:cSld>
@@ -3702,7 +3726,7 @@
         </p:nvSpPr>
         <p:spPr>
           <a:xfrm>
-            <a:off x="495221" y="654063"/>
+            <a:off x="858824" y="1015468"/>
             <a:ext cx="7599376" cy="3424914"/>
           </a:xfrm>
         </p:spPr>
@@ -3720,37 +3744,21 @@
                 <a:latin typeface="Times New Roman" panose="02020603050405020304" pitchFamily="18" charset="0"/>
                 <a:cs typeface="Times New Roman" panose="02020603050405020304" pitchFamily="18" charset="0"/>
               </a:rPr>
-              <a:t>Modelo </a:t>
-            </a:r>
-            <a:r>
-              <a:rPr lang="es-ES" dirty="0" err="1">
-                <a:latin typeface="Times New Roman" panose="02020603050405020304" pitchFamily="18" charset="0"/>
-                <a:cs typeface="Times New Roman" panose="02020603050405020304" pitchFamily="18" charset="0"/>
-              </a:rPr>
-              <a:t>db</a:t>
-            </a:r>
-            <a:endParaRPr lang="es-ES" dirty="0">
+              <a:t>Tecnologías utilizadas</a:t>
+            </a:r>
+            <a:endParaRPr lang="en-US" dirty="0">
               <a:latin typeface="Times New Roman" panose="02020603050405020304" pitchFamily="18" charset="0"/>
               <a:cs typeface="Times New Roman" panose="02020603050405020304" pitchFamily="18" charset="0"/>
             </a:endParaRPr>
           </a:p>
-          <a:p>
-            <a:pPr marL="0" indent="0" algn="ctr">
-              <a:buNone/>
-            </a:pPr>
-            <a:endParaRPr lang="es-ES" sz="1500" dirty="0">
-              <a:latin typeface="Times New Roman" panose="02020603050405020304" pitchFamily="18" charset="0"/>
-              <a:cs typeface="Times New Roman" panose="02020603050405020304" pitchFamily="18" charset="0"/>
-            </a:endParaRPr>
-          </a:p>
         </p:txBody>
       </p:sp>
       <p:pic>
         <p:nvPicPr>
-          <p:cNvPr id="3" name="Imagen 2">
+          <p:cNvPr id="6" name="Imagen 5" descr="Imagen que contiene computadora&#10;&#10;Descripción generada automáticamente">
             <a:extLst>
               <a:ext uri="{FF2B5EF4-FFF2-40B4-BE49-F238E27FC236}">
-                <a16:creationId xmlns:a16="http://schemas.microsoft.com/office/drawing/2014/main" id="{5E3AC22B-84BA-477C-8817-C8E66E15FFDA}"/>
+                <a16:creationId xmlns:a16="http://schemas.microsoft.com/office/drawing/2014/main" id="{7B547816-7398-8B49-B141-2170E9EAD07E}"/>
               </a:ext>
             </a:extLst>
           </p:cNvPr>
@@ -3767,8 +3775,8 @@
         </p:blipFill>
         <p:spPr>
           <a:xfrm>
-            <a:off x="2485465" y="1824606"/>
-            <a:ext cx="4173069" cy="1494287"/>
+            <a:off x="0" y="1830558"/>
+            <a:ext cx="9144000" cy="1251378"/>
           </a:xfrm>
           <a:prstGeom prst="rect">
             <a:avLst/>
@@ -3778,7 +3786,7 @@
     </p:spTree>
     <p:extLst>
       <p:ext uri="{BB962C8B-B14F-4D97-AF65-F5344CB8AC3E}">
-        <p14:creationId xmlns:p14="http://schemas.microsoft.com/office/powerpoint/2010/main" val="4046213691"/>
+        <p14:creationId xmlns:p14="http://schemas.microsoft.com/office/powerpoint/2010/main" val="3497713812"/>
       </p:ext>
     </p:extLst>
   </p:cSld>
@@ -3828,7 +3836,7 @@
         </p:nvSpPr>
         <p:spPr>
           <a:xfrm>
-            <a:off x="495221" y="654063"/>
+            <a:off x="858824" y="1015468"/>
             <a:ext cx="7599376" cy="3424914"/>
           </a:xfrm>
         </p:spPr>
@@ -3846,14 +3854,9 @@
                 <a:latin typeface="Times New Roman" panose="02020603050405020304" pitchFamily="18" charset="0"/>
                 <a:cs typeface="Times New Roman" panose="02020603050405020304" pitchFamily="18" charset="0"/>
               </a:rPr>
-              <a:t>Datos modelo</a:t>
-            </a:r>
-          </a:p>
-          <a:p>
-            <a:pPr marL="0" indent="0" algn="ctr">
-              <a:buNone/>
-            </a:pPr>
-            <a:endParaRPr lang="es-ES" sz="1500" dirty="0">
+              <a:t>Tecnologías utilizadas</a:t>
+            </a:r>
+            <a:endParaRPr lang="en-US" dirty="0">
               <a:latin typeface="Times New Roman" panose="02020603050405020304" pitchFamily="18" charset="0"/>
               <a:cs typeface="Times New Roman" panose="02020603050405020304" pitchFamily="18" charset="0"/>
             </a:endParaRPr>
@@ -3862,10 +3865,10 @@
       </p:sp>
       <p:pic>
         <p:nvPicPr>
-          <p:cNvPr id="5" name="Imagen 4">
+          <p:cNvPr id="3" name="Imagen 2" descr="Interfaz de usuario gráfica, Texto&#10;&#10;Descripción generada automáticamente">
             <a:extLst>
               <a:ext uri="{FF2B5EF4-FFF2-40B4-BE49-F238E27FC236}">
-                <a16:creationId xmlns:a16="http://schemas.microsoft.com/office/drawing/2014/main" id="{00DC1784-FAA0-4523-95E9-9A8C23345691}"/>
+                <a16:creationId xmlns:a16="http://schemas.microsoft.com/office/drawing/2014/main" id="{94804F38-B7CE-FD47-B247-0147D505AC7A}"/>
               </a:ext>
             </a:extLst>
           </p:cNvPr>
@@ -3882,8 +3885,8 @@
         </p:blipFill>
         <p:spPr>
           <a:xfrm>
-            <a:off x="1242733" y="1404345"/>
-            <a:ext cx="6658534" cy="2334810"/>
+            <a:off x="0" y="1019206"/>
+            <a:ext cx="9144000" cy="3105088"/>
           </a:xfrm>
           <a:prstGeom prst="rect">
             <a:avLst/>
@@ -3893,7 +3896,7 @@
     </p:spTree>
     <p:extLst>
       <p:ext uri="{BB962C8B-B14F-4D97-AF65-F5344CB8AC3E}">
-        <p14:creationId xmlns:p14="http://schemas.microsoft.com/office/powerpoint/2010/main" val="1040336719"/>
+        <p14:creationId xmlns:p14="http://schemas.microsoft.com/office/powerpoint/2010/main" val="3026785374"/>
       </p:ext>
     </p:extLst>
   </p:cSld>
@@ -3904,1208 +3907,6 @@
 </file>
 
 <file path=ppt/slides/slide14.xml><?xml version="1.0" encoding="utf-8"?>
-<p:sld xmlns:a="http://schemas.openxmlformats.org/drawingml/2006/main" xmlns:r="http://schemas.openxmlformats.org/officeDocument/2006/relationships" xmlns:p="http://schemas.openxmlformats.org/presentationml/2006/main">
-  <p:cSld>
-    <p:bg>
-      <p:bgPr>
-        <a:blipFill rotWithShape="1">
-          <a:blip r:embed="rId2"/>
-          <a:stretch>
-            <a:fillRect/>
-          </a:stretch>
-        </a:blipFill>
-        <a:effectLst/>
-      </p:bgPr>
-    </p:bg>
-    <p:spTree>
-      <p:nvGrpSpPr>
-        <p:cNvPr id="1" name=""/>
-        <p:cNvGrpSpPr/>
-        <p:nvPr/>
-      </p:nvGrpSpPr>
-      <p:grpSpPr>
-        <a:xfrm>
-          <a:off x="0" y="0"/>
-          <a:ext cx="0" cy="0"/>
-          <a:chOff x="0" y="0"/>
-          <a:chExt cx="0" cy="0"/>
-        </a:xfrm>
-      </p:grpSpPr>
-      <p:sp>
-        <p:nvSpPr>
-          <p:cNvPr id="4" name="Content Placeholder 2"/>
-          <p:cNvSpPr>
-            <a:spLocks noGrp="1"/>
-          </p:cNvSpPr>
-          <p:nvPr>
-            <p:ph idx="1"/>
-          </p:nvPr>
-        </p:nvSpPr>
-        <p:spPr>
-          <a:xfrm>
-            <a:off x="495221" y="654063"/>
-            <a:ext cx="7599376" cy="3424914"/>
-          </a:xfrm>
-        </p:spPr>
-        <p:txBody>
-          <a:bodyPr>
-            <a:normAutofit/>
-          </a:bodyPr>
-          <a:lstStyle/>
-          <a:p>
-            <a:pPr marL="0" indent="0" algn="ctr">
-              <a:buNone/>
-            </a:pPr>
-            <a:r>
-              <a:rPr lang="es-ES" dirty="0">
-                <a:latin typeface="Times New Roman" panose="02020603050405020304" pitchFamily="18" charset="0"/>
-                <a:cs typeface="Times New Roman" panose="02020603050405020304" pitchFamily="18" charset="0"/>
-              </a:rPr>
-              <a:t>Referencias bibliográficas</a:t>
-            </a:r>
-          </a:p>
-          <a:p>
-            <a:pPr marL="0" indent="0" algn="ctr">
-              <a:buNone/>
-            </a:pPr>
-            <a:endParaRPr lang="es-ES" sz="1500" dirty="0">
-              <a:latin typeface="Times New Roman" panose="02020603050405020304" pitchFamily="18" charset="0"/>
-              <a:cs typeface="Times New Roman" panose="02020603050405020304" pitchFamily="18" charset="0"/>
-            </a:endParaRPr>
-          </a:p>
-        </p:txBody>
-      </p:sp>
-      <p:sp>
-        <p:nvSpPr>
-          <p:cNvPr id="5" name="TextBox 4">
-            <a:extLst>
-              <a:ext uri="{FF2B5EF4-FFF2-40B4-BE49-F238E27FC236}">
-                <a16:creationId xmlns:a16="http://schemas.microsoft.com/office/drawing/2014/main" id="{1F500B23-70C4-498E-B73C-A9C2ACAA4624}"/>
-              </a:ext>
-            </a:extLst>
-          </p:cNvPr>
-          <p:cNvSpPr txBox="1"/>
-          <p:nvPr/>
-        </p:nvSpPr>
-        <p:spPr>
-          <a:xfrm>
-            <a:off x="715598" y="1925419"/>
-            <a:ext cx="7405458" cy="2308324"/>
-          </a:xfrm>
-          <a:prstGeom prst="rect">
-            <a:avLst/>
-          </a:prstGeom>
-          <a:noFill/>
-        </p:spPr>
-        <p:txBody>
-          <a:bodyPr wrap="square">
-            <a:spAutoFit/>
-          </a:bodyPr>
-          <a:lstStyle/>
-          <a:p>
-            <a:r>
-              <a:rPr lang="en-US" dirty="0">
-                <a:hlinkClick r:id="rId3"/>
-              </a:rPr>
-              <a:t>https://www.paradigmadigital.com/dev/cassandra-la-dama-de-las-bases-de-datos-nosql/</a:t>
-            </a:r>
-            <a:endParaRPr lang="en-US" dirty="0"/>
-          </a:p>
-          <a:p>
-            <a:endParaRPr lang="en-US" dirty="0"/>
-          </a:p>
-          <a:p>
-            <a:r>
-              <a:rPr lang="en-US" dirty="0">
-                <a:hlinkClick r:id="rId4"/>
-              </a:rPr>
-              <a:t>https://es.wikipedia.org/wiki/Redis</a:t>
-            </a:r>
-            <a:endParaRPr lang="en-US" dirty="0"/>
-          </a:p>
-          <a:p>
-            <a:endParaRPr lang="en-US" dirty="0"/>
-          </a:p>
-          <a:p>
-            <a:r>
-              <a:rPr lang="en-US" dirty="0">
-                <a:hlinkClick r:id="rId5"/>
-              </a:rPr>
-              <a:t>https://blog.bi-geek.com/redis-para-principiantes/</a:t>
-            </a:r>
-            <a:endParaRPr lang="en-US" dirty="0"/>
-          </a:p>
-          <a:p>
-            <a:endParaRPr lang="en-US" dirty="0"/>
-          </a:p>
-          <a:p>
-            <a:endParaRPr lang="en-US" dirty="0"/>
-          </a:p>
-        </p:txBody>
-      </p:sp>
-    </p:spTree>
-    <p:extLst>
-      <p:ext uri="{BB962C8B-B14F-4D97-AF65-F5344CB8AC3E}">
-        <p14:creationId xmlns:p14="http://schemas.microsoft.com/office/powerpoint/2010/main" val="944070511"/>
-      </p:ext>
-    </p:extLst>
-  </p:cSld>
-  <p:clrMapOvr>
-    <a:masterClrMapping/>
-  </p:clrMapOvr>
-</p:sld>
-</file>
-
-<file path=ppt/slides/slide2.xml><?xml version="1.0" encoding="utf-8"?>
-<p:sld xmlns:a="http://schemas.openxmlformats.org/drawingml/2006/main" xmlns:r="http://schemas.openxmlformats.org/officeDocument/2006/relationships" xmlns:p="http://schemas.openxmlformats.org/presentationml/2006/main">
-  <p:cSld>
-    <p:bg>
-      <p:bgPr>
-        <a:blipFill rotWithShape="1">
-          <a:blip r:embed="rId2"/>
-          <a:stretch>
-            <a:fillRect/>
-          </a:stretch>
-        </a:blipFill>
-        <a:effectLst/>
-      </p:bgPr>
-    </p:bg>
-    <p:spTree>
-      <p:nvGrpSpPr>
-        <p:cNvPr id="1" name=""/>
-        <p:cNvGrpSpPr/>
-        <p:nvPr/>
-      </p:nvGrpSpPr>
-      <p:grpSpPr>
-        <a:xfrm>
-          <a:off x="0" y="0"/>
-          <a:ext cx="0" cy="0"/>
-          <a:chOff x="0" y="0"/>
-          <a:chExt cx="0" cy="0"/>
-        </a:xfrm>
-      </p:grpSpPr>
-      <p:sp>
-        <p:nvSpPr>
-          <p:cNvPr id="4" name="Content Placeholder 2"/>
-          <p:cNvSpPr>
-            <a:spLocks noGrp="1"/>
-          </p:cNvSpPr>
-          <p:nvPr>
-            <p:ph idx="1"/>
-          </p:nvPr>
-        </p:nvSpPr>
-        <p:spPr>
-          <a:xfrm>
-            <a:off x="1785653" y="2176639"/>
-            <a:ext cx="5572694" cy="1301231"/>
-          </a:xfrm>
-        </p:spPr>
-        <p:txBody>
-          <a:bodyPr>
-            <a:noAutofit/>
-          </a:bodyPr>
-          <a:lstStyle/>
-          <a:p>
-            <a:pPr marL="0" indent="0" algn="ctr">
-              <a:buNone/>
-            </a:pPr>
-            <a:r>
-              <a:rPr lang="es-CO" sz="2200" dirty="0">
-                <a:latin typeface="Times New Roman" panose="02020603050405020304" pitchFamily="18" charset="0"/>
-                <a:cs typeface="Times New Roman" panose="02020603050405020304" pitchFamily="18" charset="0"/>
-              </a:rPr>
-              <a:t>Estudiantes:</a:t>
-            </a:r>
-          </a:p>
-          <a:p>
-            <a:pPr marL="0" indent="0" algn="ctr">
-              <a:buNone/>
-            </a:pPr>
-            <a:r>
-              <a:rPr lang="es-CO" sz="2200" dirty="0">
-                <a:latin typeface="Times New Roman" panose="02020603050405020304" pitchFamily="18" charset="0"/>
-                <a:cs typeface="Times New Roman" panose="02020603050405020304" pitchFamily="18" charset="0"/>
-              </a:rPr>
-              <a:t>Nelson F. Pinzón</a:t>
-            </a:r>
-          </a:p>
-          <a:p>
-            <a:pPr marL="0" indent="0" algn="ctr">
-              <a:buNone/>
-            </a:pPr>
-            <a:r>
-              <a:rPr lang="es-CO" sz="2200" dirty="0">
-                <a:latin typeface="Times New Roman" panose="02020603050405020304" pitchFamily="18" charset="0"/>
-                <a:cs typeface="Times New Roman" panose="02020603050405020304" pitchFamily="18" charset="0"/>
-              </a:rPr>
-              <a:t>Jeison Davalos</a:t>
-            </a:r>
-          </a:p>
-          <a:p>
-            <a:pPr marL="0" indent="0" algn="ctr">
-              <a:buNone/>
-            </a:pPr>
-            <a:r>
-              <a:rPr lang="es-CO" sz="2200" dirty="0">
-                <a:latin typeface="Times New Roman" panose="02020603050405020304" pitchFamily="18" charset="0"/>
-                <a:cs typeface="Times New Roman" panose="02020603050405020304" pitchFamily="18" charset="0"/>
-              </a:rPr>
-              <a:t>Juan David Nates</a:t>
-            </a:r>
-          </a:p>
-        </p:txBody>
-      </p:sp>
-      <p:sp>
-        <p:nvSpPr>
-          <p:cNvPr id="2" name="CuadroTexto 1">
-            <a:extLst>
-              <a:ext uri="{FF2B5EF4-FFF2-40B4-BE49-F238E27FC236}">
-                <a16:creationId xmlns:a16="http://schemas.microsoft.com/office/drawing/2014/main" id="{B31B1D1A-1E8C-4770-B3E2-2443377F6D6B}"/>
-              </a:ext>
-            </a:extLst>
-          </p:cNvPr>
-          <p:cNvSpPr txBox="1"/>
-          <p:nvPr/>
-        </p:nvSpPr>
-        <p:spPr>
-          <a:xfrm>
-            <a:off x="466549" y="1387578"/>
-            <a:ext cx="8210902" cy="584775"/>
-          </a:xfrm>
-          <a:prstGeom prst="rect">
-            <a:avLst/>
-          </a:prstGeom>
-          <a:noFill/>
-        </p:spPr>
-        <p:txBody>
-          <a:bodyPr wrap="none" rtlCol="0">
-            <a:spAutoFit/>
-          </a:bodyPr>
-          <a:lstStyle/>
-          <a:p>
-            <a:r>
-              <a:rPr lang="es-CO" sz="3200" dirty="0">
-                <a:latin typeface="Times New Roman" panose="02020603050405020304" pitchFamily="18" charset="0"/>
-                <a:cs typeface="Times New Roman" panose="02020603050405020304" pitchFamily="18" charset="0"/>
-              </a:rPr>
-              <a:t>Trabajo final Diseño detallado de bases de Datos</a:t>
-            </a:r>
-          </a:p>
-        </p:txBody>
-      </p:sp>
-    </p:spTree>
-    <p:extLst>
-      <p:ext uri="{BB962C8B-B14F-4D97-AF65-F5344CB8AC3E}">
-        <p14:creationId xmlns:p14="http://schemas.microsoft.com/office/powerpoint/2010/main" val="1675520180"/>
-      </p:ext>
-    </p:extLst>
-  </p:cSld>
-  <p:clrMapOvr>
-    <a:masterClrMapping/>
-  </p:clrMapOvr>
-</p:sld>
-</file>
-
-<file path=ppt/slides/slide3.xml><?xml version="1.0" encoding="utf-8"?>
-<p:sld xmlns:a="http://schemas.openxmlformats.org/drawingml/2006/main" xmlns:r="http://schemas.openxmlformats.org/officeDocument/2006/relationships" xmlns:p="http://schemas.openxmlformats.org/presentationml/2006/main">
-  <p:cSld>
-    <p:bg>
-      <p:bgPr>
-        <a:blipFill rotWithShape="1">
-          <a:blip r:embed="rId2"/>
-          <a:stretch>
-            <a:fillRect/>
-          </a:stretch>
-        </a:blipFill>
-        <a:effectLst/>
-      </p:bgPr>
-    </p:bg>
-    <p:spTree>
-      <p:nvGrpSpPr>
-        <p:cNvPr id="1" name=""/>
-        <p:cNvGrpSpPr/>
-        <p:nvPr/>
-      </p:nvGrpSpPr>
-      <p:grpSpPr>
-        <a:xfrm>
-          <a:off x="0" y="0"/>
-          <a:ext cx="0" cy="0"/>
-          <a:chOff x="0" y="0"/>
-          <a:chExt cx="0" cy="0"/>
-        </a:xfrm>
-      </p:grpSpPr>
-      <p:sp>
-        <p:nvSpPr>
-          <p:cNvPr id="4" name="Content Placeholder 2"/>
-          <p:cNvSpPr>
-            <a:spLocks noGrp="1"/>
-          </p:cNvSpPr>
-          <p:nvPr>
-            <p:ph idx="1"/>
-          </p:nvPr>
-        </p:nvSpPr>
-        <p:spPr>
-          <a:xfrm>
-            <a:off x="1785653" y="2176639"/>
-            <a:ext cx="5572694" cy="1301231"/>
-          </a:xfrm>
-        </p:spPr>
-        <p:txBody>
-          <a:bodyPr>
-            <a:noAutofit/>
-          </a:bodyPr>
-          <a:lstStyle/>
-          <a:p>
-            <a:r>
-              <a:rPr lang="es-CO" sz="2200" dirty="0" err="1">
-                <a:latin typeface="Times New Roman" panose="02020603050405020304" pitchFamily="18" charset="0"/>
-                <a:cs typeface="Times New Roman" panose="02020603050405020304" pitchFamily="18" charset="0"/>
-              </a:rPr>
-              <a:t>Cassandra</a:t>
-            </a:r>
-            <a:endParaRPr lang="es-CO" sz="2200" dirty="0">
-              <a:latin typeface="Times New Roman" panose="02020603050405020304" pitchFamily="18" charset="0"/>
-              <a:cs typeface="Times New Roman" panose="02020603050405020304" pitchFamily="18" charset="0"/>
-            </a:endParaRPr>
-          </a:p>
-          <a:p>
-            <a:r>
-              <a:rPr lang="es-CO" sz="2200" dirty="0">
-                <a:latin typeface="Times New Roman" panose="02020603050405020304" pitchFamily="18" charset="0"/>
-                <a:cs typeface="Times New Roman" panose="02020603050405020304" pitchFamily="18" charset="0"/>
-              </a:rPr>
-              <a:t>Redis</a:t>
-            </a:r>
-          </a:p>
-          <a:p>
-            <a:r>
-              <a:rPr lang="es-CO" sz="2200" dirty="0">
-                <a:latin typeface="Times New Roman" panose="02020603050405020304" pitchFamily="18" charset="0"/>
-                <a:cs typeface="Times New Roman" panose="02020603050405020304" pitchFamily="18" charset="0"/>
-              </a:rPr>
-              <a:t>Ejemplos prácticos</a:t>
-            </a:r>
-          </a:p>
-        </p:txBody>
-      </p:sp>
-      <p:sp>
-        <p:nvSpPr>
-          <p:cNvPr id="2" name="CuadroTexto 1">
-            <a:extLst>
-              <a:ext uri="{FF2B5EF4-FFF2-40B4-BE49-F238E27FC236}">
-                <a16:creationId xmlns:a16="http://schemas.microsoft.com/office/drawing/2014/main" id="{B31B1D1A-1E8C-4770-B3E2-2443377F6D6B}"/>
-              </a:ext>
-            </a:extLst>
-          </p:cNvPr>
-          <p:cNvSpPr txBox="1"/>
-          <p:nvPr/>
-        </p:nvSpPr>
-        <p:spPr>
-          <a:xfrm>
-            <a:off x="1894905" y="1188933"/>
-            <a:ext cx="1462260" cy="584775"/>
-          </a:xfrm>
-          <a:prstGeom prst="rect">
-            <a:avLst/>
-          </a:prstGeom>
-          <a:noFill/>
-        </p:spPr>
-        <p:txBody>
-          <a:bodyPr wrap="none" rtlCol="0">
-            <a:spAutoFit/>
-          </a:bodyPr>
-          <a:lstStyle/>
-          <a:p>
-            <a:r>
-              <a:rPr lang="es-CO" sz="3200" dirty="0">
-                <a:latin typeface="Times New Roman" panose="02020603050405020304" pitchFamily="18" charset="0"/>
-                <a:cs typeface="Times New Roman" panose="02020603050405020304" pitchFamily="18" charset="0"/>
-              </a:rPr>
-              <a:t>Agenda</a:t>
-            </a:r>
-          </a:p>
-        </p:txBody>
-      </p:sp>
-    </p:spTree>
-    <p:extLst>
-      <p:ext uri="{BB962C8B-B14F-4D97-AF65-F5344CB8AC3E}">
-        <p14:creationId xmlns:p14="http://schemas.microsoft.com/office/powerpoint/2010/main" val="1119061851"/>
-      </p:ext>
-    </p:extLst>
-  </p:cSld>
-  <p:clrMapOvr>
-    <a:masterClrMapping/>
-  </p:clrMapOvr>
-</p:sld>
-</file>
-
-<file path=ppt/slides/slide4.xml><?xml version="1.0" encoding="utf-8"?>
-<p:sld xmlns:a="http://schemas.openxmlformats.org/drawingml/2006/main" xmlns:r="http://schemas.openxmlformats.org/officeDocument/2006/relationships" xmlns:p="http://schemas.openxmlformats.org/presentationml/2006/main">
-  <p:cSld>
-    <p:bg>
-      <p:bgPr>
-        <a:blipFill rotWithShape="1">
-          <a:blip r:embed="rId2"/>
-          <a:stretch>
-            <a:fillRect/>
-          </a:stretch>
-        </a:blipFill>
-        <a:effectLst/>
-      </p:bgPr>
-    </p:bg>
-    <p:spTree>
-      <p:nvGrpSpPr>
-        <p:cNvPr id="1" name=""/>
-        <p:cNvGrpSpPr/>
-        <p:nvPr/>
-      </p:nvGrpSpPr>
-      <p:grpSpPr>
-        <a:xfrm>
-          <a:off x="0" y="0"/>
-          <a:ext cx="0" cy="0"/>
-          <a:chOff x="0" y="0"/>
-          <a:chExt cx="0" cy="0"/>
-        </a:xfrm>
-      </p:grpSpPr>
-      <p:sp>
-        <p:nvSpPr>
-          <p:cNvPr id="4" name="Content Placeholder 2"/>
-          <p:cNvSpPr>
-            <a:spLocks noGrp="1"/>
-          </p:cNvSpPr>
-          <p:nvPr>
-            <p:ph idx="1"/>
-          </p:nvPr>
-        </p:nvSpPr>
-        <p:spPr>
-          <a:xfrm>
-            <a:off x="858824" y="1016110"/>
-            <a:ext cx="7426352" cy="2472212"/>
-          </a:xfrm>
-        </p:spPr>
-        <p:txBody>
-          <a:bodyPr>
-            <a:normAutofit/>
-          </a:bodyPr>
-          <a:lstStyle/>
-          <a:p>
-            <a:pPr marL="0" indent="0" algn="ctr">
-              <a:buNone/>
-            </a:pPr>
-            <a:r>
-              <a:rPr lang="en-US" b="1" dirty="0">
-                <a:latin typeface="Times New Roman" panose="02020603050405020304" pitchFamily="18" charset="0"/>
-                <a:cs typeface="Times New Roman" panose="02020603050405020304" pitchFamily="18" charset="0"/>
-              </a:rPr>
-              <a:t>¿Que es Cassandra?</a:t>
-            </a:r>
-          </a:p>
-          <a:p>
-            <a:pPr marL="0" indent="0" algn="just">
-              <a:buNone/>
-            </a:pPr>
-            <a:endParaRPr lang="es-MX" sz="1500" dirty="0">
-              <a:latin typeface="Times New Roman" panose="02020603050405020304" pitchFamily="18" charset="0"/>
-              <a:cs typeface="Times New Roman" panose="02020603050405020304" pitchFamily="18" charset="0"/>
-            </a:endParaRPr>
-          </a:p>
-          <a:p>
-            <a:pPr marL="0" indent="0" algn="just">
-              <a:buNone/>
-            </a:pPr>
-            <a:endParaRPr lang="es-MX" sz="1500" dirty="0">
-              <a:latin typeface="Times New Roman" panose="02020603050405020304" pitchFamily="18" charset="0"/>
-              <a:cs typeface="Times New Roman" panose="02020603050405020304" pitchFamily="18" charset="0"/>
-            </a:endParaRPr>
-          </a:p>
-          <a:p>
-            <a:pPr marL="0" indent="0" algn="just">
-              <a:buNone/>
-            </a:pPr>
-            <a:r>
-              <a:rPr lang="es-MX" sz="1500" dirty="0" err="1">
-                <a:latin typeface="Times New Roman" panose="02020603050405020304" pitchFamily="18" charset="0"/>
-                <a:cs typeface="Times New Roman" panose="02020603050405020304" pitchFamily="18" charset="0"/>
-              </a:rPr>
-              <a:t>Cassandra</a:t>
-            </a:r>
-            <a:r>
-              <a:rPr lang="es-MX" sz="1500" dirty="0">
-                <a:latin typeface="Times New Roman" panose="02020603050405020304" pitchFamily="18" charset="0"/>
-                <a:cs typeface="Times New Roman" panose="02020603050405020304" pitchFamily="18" charset="0"/>
-              </a:rPr>
-              <a:t> se define como una base de datos NoSQL distribuida y masivamente escalable, y esta es su mayor virtud desde nuestro punto de vista, la capacidad de escalar linealmente.</a:t>
-            </a:r>
-            <a:endParaRPr lang="en-US" sz="1500" dirty="0">
-              <a:latin typeface="Times New Roman" panose="02020603050405020304" pitchFamily="18" charset="0"/>
-              <a:cs typeface="Times New Roman" panose="02020603050405020304" pitchFamily="18" charset="0"/>
-            </a:endParaRPr>
-          </a:p>
-        </p:txBody>
-      </p:sp>
-    </p:spTree>
-    <p:extLst>
-      <p:ext uri="{BB962C8B-B14F-4D97-AF65-F5344CB8AC3E}">
-        <p14:creationId xmlns:p14="http://schemas.microsoft.com/office/powerpoint/2010/main" val="460351598"/>
-      </p:ext>
-    </p:extLst>
-  </p:cSld>
-  <p:clrMapOvr>
-    <a:masterClrMapping/>
-  </p:clrMapOvr>
-</p:sld>
-</file>
-
-<file path=ppt/slides/slide5.xml><?xml version="1.0" encoding="utf-8"?>
-<p:sld xmlns:a="http://schemas.openxmlformats.org/drawingml/2006/main" xmlns:r="http://schemas.openxmlformats.org/officeDocument/2006/relationships" xmlns:p="http://schemas.openxmlformats.org/presentationml/2006/main">
-  <p:cSld>
-    <p:bg>
-      <p:bgPr>
-        <a:blipFill rotWithShape="1">
-          <a:blip r:embed="rId2"/>
-          <a:stretch>
-            <a:fillRect/>
-          </a:stretch>
-        </a:blipFill>
-        <a:effectLst/>
-      </p:bgPr>
-    </p:bg>
-    <p:spTree>
-      <p:nvGrpSpPr>
-        <p:cNvPr id="1" name=""/>
-        <p:cNvGrpSpPr/>
-        <p:nvPr/>
-      </p:nvGrpSpPr>
-      <p:grpSpPr>
-        <a:xfrm>
-          <a:off x="0" y="0"/>
-          <a:ext cx="0" cy="0"/>
-          <a:chOff x="0" y="0"/>
-          <a:chExt cx="0" cy="0"/>
-        </a:xfrm>
-      </p:grpSpPr>
-      <p:sp>
-        <p:nvSpPr>
-          <p:cNvPr id="4" name="Content Placeholder 2"/>
-          <p:cNvSpPr>
-            <a:spLocks noGrp="1"/>
-          </p:cNvSpPr>
-          <p:nvPr>
-            <p:ph idx="1"/>
-          </p:nvPr>
-        </p:nvSpPr>
-        <p:spPr>
-          <a:xfrm>
-            <a:off x="1095891" y="1038798"/>
-            <a:ext cx="7426352" cy="2472212"/>
-          </a:xfrm>
-        </p:spPr>
-        <p:txBody>
-          <a:bodyPr>
-            <a:normAutofit fontScale="25000" lnSpcReduction="20000"/>
-          </a:bodyPr>
-          <a:lstStyle/>
-          <a:p>
-            <a:pPr marL="0" indent="0" algn="ctr">
-              <a:buNone/>
-            </a:pPr>
-            <a:r>
-              <a:rPr lang="en-US" sz="12800" b="1" dirty="0">
-                <a:latin typeface="Times New Roman" panose="02020603050405020304" pitchFamily="18" charset="0"/>
-                <a:cs typeface="Times New Roman" panose="02020603050405020304" pitchFamily="18" charset="0"/>
-              </a:rPr>
-              <a:t>¿</a:t>
-            </a:r>
-            <a:r>
-              <a:rPr lang="en-US" sz="12800" b="1" dirty="0" err="1">
-                <a:latin typeface="Times New Roman" panose="02020603050405020304" pitchFamily="18" charset="0"/>
-                <a:cs typeface="Times New Roman" panose="02020603050405020304" pitchFamily="18" charset="0"/>
-              </a:rPr>
-              <a:t>Cuando</a:t>
-            </a:r>
-            <a:r>
-              <a:rPr lang="en-US" sz="12800" b="1" dirty="0">
-                <a:latin typeface="Times New Roman" panose="02020603050405020304" pitchFamily="18" charset="0"/>
-                <a:cs typeface="Times New Roman" panose="02020603050405020304" pitchFamily="18" charset="0"/>
-              </a:rPr>
-              <a:t> usar </a:t>
-            </a:r>
-            <a:r>
-              <a:rPr lang="en-US" sz="12800" b="1" dirty="0" err="1">
-                <a:latin typeface="Times New Roman" panose="02020603050405020304" pitchFamily="18" charset="0"/>
-                <a:cs typeface="Times New Roman" panose="02020603050405020304" pitchFamily="18" charset="0"/>
-              </a:rPr>
-              <a:t>cassandra</a:t>
-            </a:r>
-            <a:r>
-              <a:rPr lang="en-US" sz="12800" b="1" dirty="0">
-                <a:latin typeface="Times New Roman" panose="02020603050405020304" pitchFamily="18" charset="0"/>
-                <a:cs typeface="Times New Roman" panose="02020603050405020304" pitchFamily="18" charset="0"/>
-              </a:rPr>
-              <a:t>?</a:t>
-            </a:r>
-          </a:p>
-          <a:p>
-            <a:pPr marL="0" indent="0" algn="just">
-              <a:buNone/>
-            </a:pPr>
-            <a:endParaRPr lang="es-MX" sz="6000" dirty="0">
-              <a:latin typeface="Times New Roman" panose="02020603050405020304" pitchFamily="18" charset="0"/>
-              <a:cs typeface="Times New Roman" panose="02020603050405020304" pitchFamily="18" charset="0"/>
-            </a:endParaRPr>
-          </a:p>
-          <a:p>
-            <a:pPr marL="0" indent="0" algn="just">
-              <a:buNone/>
-            </a:pPr>
-            <a:r>
-              <a:rPr lang="es-MX" sz="6000" dirty="0">
-                <a:latin typeface="Times New Roman" panose="02020603050405020304" pitchFamily="18" charset="0"/>
-                <a:cs typeface="Times New Roman" panose="02020603050405020304" pitchFamily="18" charset="0"/>
-              </a:rPr>
-              <a:t>Cuando cumplamos con los siguientes puntos será un buen momento para plantearnos </a:t>
-            </a:r>
-            <a:r>
-              <a:rPr lang="es-MX" sz="6000" dirty="0" err="1">
-                <a:latin typeface="Times New Roman" panose="02020603050405020304" pitchFamily="18" charset="0"/>
-                <a:cs typeface="Times New Roman" panose="02020603050405020304" pitchFamily="18" charset="0"/>
-              </a:rPr>
-              <a:t>Cassandra</a:t>
-            </a:r>
-            <a:r>
-              <a:rPr lang="es-MX" sz="6000" dirty="0">
-                <a:latin typeface="Times New Roman" panose="02020603050405020304" pitchFamily="18" charset="0"/>
-                <a:cs typeface="Times New Roman" panose="02020603050405020304" pitchFamily="18" charset="0"/>
-              </a:rPr>
-              <a:t>:</a:t>
-            </a:r>
-          </a:p>
-          <a:p>
-            <a:pPr marL="0" indent="0" algn="just">
-              <a:buNone/>
-            </a:pPr>
-            <a:endParaRPr lang="es-MX" sz="6000" dirty="0">
-              <a:latin typeface="Times New Roman" panose="02020603050405020304" pitchFamily="18" charset="0"/>
-              <a:cs typeface="Times New Roman" panose="02020603050405020304" pitchFamily="18" charset="0"/>
-            </a:endParaRPr>
-          </a:p>
-          <a:p>
-            <a:pPr algn="just"/>
-            <a:r>
-              <a:rPr lang="es-MX" sz="6000" dirty="0">
-                <a:latin typeface="Times New Roman" panose="02020603050405020304" pitchFamily="18" charset="0"/>
-                <a:cs typeface="Times New Roman" panose="02020603050405020304" pitchFamily="18" charset="0"/>
-              </a:rPr>
-              <a:t>Como hemos comentado, las escrituras son muy rápidas, por lo que cuando tengamos un gran número de escrituras que supere las lecturas será buen momento para empezar a pensar en </a:t>
-            </a:r>
-            <a:r>
-              <a:rPr lang="es-MX" sz="6000" dirty="0" err="1">
-                <a:latin typeface="Times New Roman" panose="02020603050405020304" pitchFamily="18" charset="0"/>
-                <a:cs typeface="Times New Roman" panose="02020603050405020304" pitchFamily="18" charset="0"/>
-              </a:rPr>
-              <a:t>Cassandra</a:t>
-            </a:r>
-            <a:r>
-              <a:rPr lang="es-MX" sz="6000" dirty="0">
-                <a:latin typeface="Times New Roman" panose="02020603050405020304" pitchFamily="18" charset="0"/>
-                <a:cs typeface="Times New Roman" panose="02020603050405020304" pitchFamily="18" charset="0"/>
-              </a:rPr>
-              <a:t>.</a:t>
-            </a:r>
-          </a:p>
-          <a:p>
-            <a:pPr algn="just"/>
-            <a:r>
-              <a:rPr lang="es-MX" sz="6000" dirty="0">
-                <a:latin typeface="Times New Roman" panose="02020603050405020304" pitchFamily="18" charset="0"/>
-                <a:cs typeface="Times New Roman" panose="02020603050405020304" pitchFamily="18" charset="0"/>
-              </a:rPr>
-              <a:t>Si la lectura es realizada a través de una </a:t>
-            </a:r>
-            <a:r>
-              <a:rPr lang="es-MX" sz="6000" dirty="0" err="1">
-                <a:latin typeface="Times New Roman" panose="02020603050405020304" pitchFamily="18" charset="0"/>
-                <a:cs typeface="Times New Roman" panose="02020603050405020304" pitchFamily="18" charset="0"/>
-              </a:rPr>
-              <a:t>primary</a:t>
-            </a:r>
-            <a:r>
-              <a:rPr lang="es-MX" sz="6000" dirty="0">
-                <a:latin typeface="Times New Roman" panose="02020603050405020304" pitchFamily="18" charset="0"/>
-                <a:cs typeface="Times New Roman" panose="02020603050405020304" pitchFamily="18" charset="0"/>
-              </a:rPr>
-              <a:t> </a:t>
-            </a:r>
-            <a:r>
-              <a:rPr lang="es-MX" sz="6000" dirty="0" err="1">
-                <a:latin typeface="Times New Roman" panose="02020603050405020304" pitchFamily="18" charset="0"/>
-                <a:cs typeface="Times New Roman" panose="02020603050405020304" pitchFamily="18" charset="0"/>
-              </a:rPr>
-              <a:t>key</a:t>
-            </a:r>
-            <a:r>
-              <a:rPr lang="es-MX" sz="6000" dirty="0">
-                <a:latin typeface="Times New Roman" panose="02020603050405020304" pitchFamily="18" charset="0"/>
-                <a:cs typeface="Times New Roman" panose="02020603050405020304" pitchFamily="18" charset="0"/>
-              </a:rPr>
-              <a:t>, ya que de otro modo la lectura será muy penalizada.</a:t>
-            </a:r>
-          </a:p>
-          <a:p>
-            <a:pPr algn="just"/>
-            <a:r>
-              <a:rPr lang="es-MX" sz="6000" dirty="0">
-                <a:latin typeface="Times New Roman" panose="02020603050405020304" pitchFamily="18" charset="0"/>
-                <a:cs typeface="Times New Roman" panose="02020603050405020304" pitchFamily="18" charset="0"/>
-              </a:rPr>
-              <a:t>En el caso en el que necesitemos guardar datos de una manera flexible, es decir, no teniendo todos los campos de nuestra </a:t>
-            </a:r>
-            <a:r>
-              <a:rPr lang="es-MX" sz="6000" dirty="0" err="1">
-                <a:latin typeface="Times New Roman" panose="02020603050405020304" pitchFamily="18" charset="0"/>
-                <a:cs typeface="Times New Roman" panose="02020603050405020304" pitchFamily="18" charset="0"/>
-              </a:rPr>
-              <a:t>escturctura</a:t>
-            </a:r>
-            <a:r>
-              <a:rPr lang="es-MX" sz="6000" dirty="0">
-                <a:latin typeface="Times New Roman" panose="02020603050405020304" pitchFamily="18" charset="0"/>
-                <a:cs typeface="Times New Roman" panose="02020603050405020304" pitchFamily="18" charset="0"/>
-              </a:rPr>
-              <a:t>.</a:t>
-            </a:r>
-          </a:p>
-          <a:p>
-            <a:pPr algn="just"/>
-            <a:r>
-              <a:rPr lang="es-MX" sz="6000" dirty="0">
-                <a:latin typeface="Times New Roman" panose="02020603050405020304" pitchFamily="18" charset="0"/>
-                <a:cs typeface="Times New Roman" panose="02020603050405020304" pitchFamily="18" charset="0"/>
-              </a:rPr>
-              <a:t>Siempre y cuando no pensemos en realizar </a:t>
-            </a:r>
-            <a:r>
-              <a:rPr lang="es-MX" sz="6000" dirty="0" err="1">
-                <a:latin typeface="Times New Roman" panose="02020603050405020304" pitchFamily="18" charset="0"/>
-                <a:cs typeface="Times New Roman" panose="02020603050405020304" pitchFamily="18" charset="0"/>
-              </a:rPr>
-              <a:t>joins</a:t>
-            </a:r>
-            <a:r>
-              <a:rPr lang="es-MX" sz="6000" dirty="0">
-                <a:latin typeface="Times New Roman" panose="02020603050405020304" pitchFamily="18" charset="0"/>
-                <a:cs typeface="Times New Roman" panose="02020603050405020304" pitchFamily="18" charset="0"/>
-              </a:rPr>
-              <a:t>.</a:t>
-            </a:r>
-          </a:p>
-          <a:p>
-            <a:pPr algn="just"/>
-            <a:r>
-              <a:rPr lang="es-MX" sz="6000" dirty="0">
-                <a:latin typeface="Times New Roman" panose="02020603050405020304" pitchFamily="18" charset="0"/>
-                <a:cs typeface="Times New Roman" panose="02020603050405020304" pitchFamily="18" charset="0"/>
-              </a:rPr>
-              <a:t>Cuando la información sea actualizada de manera frecuente.</a:t>
-            </a:r>
-            <a:endParaRPr lang="en-US" sz="6000" dirty="0">
-              <a:latin typeface="Times New Roman" panose="02020603050405020304" pitchFamily="18" charset="0"/>
-              <a:cs typeface="Times New Roman" panose="02020603050405020304" pitchFamily="18" charset="0"/>
-            </a:endParaRPr>
-          </a:p>
-        </p:txBody>
-      </p:sp>
-    </p:spTree>
-    <p:extLst>
-      <p:ext uri="{BB962C8B-B14F-4D97-AF65-F5344CB8AC3E}">
-        <p14:creationId xmlns:p14="http://schemas.microsoft.com/office/powerpoint/2010/main" val="3862649840"/>
-      </p:ext>
-    </p:extLst>
-  </p:cSld>
-  <p:clrMapOvr>
-    <a:masterClrMapping/>
-  </p:clrMapOvr>
-</p:sld>
-</file>
-
-<file path=ppt/slides/slide6.xml><?xml version="1.0" encoding="utf-8"?>
-<p:sld xmlns:a="http://schemas.openxmlformats.org/drawingml/2006/main" xmlns:r="http://schemas.openxmlformats.org/officeDocument/2006/relationships" xmlns:p="http://schemas.openxmlformats.org/presentationml/2006/main">
-  <p:cSld>
-    <p:bg>
-      <p:bgPr>
-        <a:blipFill rotWithShape="1">
-          <a:blip r:embed="rId2"/>
-          <a:stretch>
-            <a:fillRect/>
-          </a:stretch>
-        </a:blipFill>
-        <a:effectLst/>
-      </p:bgPr>
-    </p:bg>
-    <p:spTree>
-      <p:nvGrpSpPr>
-        <p:cNvPr id="1" name=""/>
-        <p:cNvGrpSpPr/>
-        <p:nvPr/>
-      </p:nvGrpSpPr>
-      <p:grpSpPr>
-        <a:xfrm>
-          <a:off x="0" y="0"/>
-          <a:ext cx="0" cy="0"/>
-          <a:chOff x="0" y="0"/>
-          <a:chExt cx="0" cy="0"/>
-        </a:xfrm>
-      </p:grpSpPr>
-      <p:sp>
-        <p:nvSpPr>
-          <p:cNvPr id="4" name="Content Placeholder 2"/>
-          <p:cNvSpPr>
-            <a:spLocks noGrp="1"/>
-          </p:cNvSpPr>
-          <p:nvPr>
-            <p:ph idx="1"/>
-          </p:nvPr>
-        </p:nvSpPr>
-        <p:spPr>
-          <a:xfrm>
-            <a:off x="858824" y="1016110"/>
-            <a:ext cx="7426352" cy="2472212"/>
-          </a:xfrm>
-        </p:spPr>
-        <p:txBody>
-          <a:bodyPr/>
-          <a:lstStyle/>
-          <a:p>
-            <a:pPr marL="0" indent="0" algn="ctr">
-              <a:buNone/>
-            </a:pPr>
-            <a:r>
-              <a:rPr lang="en-US" b="1" dirty="0">
-                <a:latin typeface="Times New Roman" panose="02020603050405020304" pitchFamily="18" charset="0"/>
-                <a:cs typeface="Times New Roman" panose="02020603050405020304" pitchFamily="18" charset="0"/>
-              </a:rPr>
-              <a:t>¿Que es Redis?</a:t>
-            </a:r>
-          </a:p>
-          <a:p>
-            <a:pPr marL="0" indent="0">
-              <a:buNone/>
-            </a:pPr>
-            <a:endParaRPr lang="es-MX" sz="1500" dirty="0">
-              <a:latin typeface="Times New Roman" panose="02020603050405020304" pitchFamily="18" charset="0"/>
-              <a:cs typeface="Times New Roman" panose="02020603050405020304" pitchFamily="18" charset="0"/>
-            </a:endParaRPr>
-          </a:p>
-          <a:p>
-            <a:pPr marL="0" indent="0">
-              <a:buNone/>
-            </a:pPr>
-            <a:endParaRPr lang="es-MX" sz="1500" dirty="0">
-              <a:latin typeface="Times New Roman" panose="02020603050405020304" pitchFamily="18" charset="0"/>
-              <a:cs typeface="Times New Roman" panose="02020603050405020304" pitchFamily="18" charset="0"/>
-            </a:endParaRPr>
-          </a:p>
-          <a:p>
-            <a:pPr marL="0" indent="0">
-              <a:buNone/>
-            </a:pPr>
-            <a:r>
-              <a:rPr lang="es-MX" sz="1500" dirty="0">
-                <a:latin typeface="Times New Roman" panose="02020603050405020304" pitchFamily="18" charset="0"/>
-                <a:cs typeface="Times New Roman" panose="02020603050405020304" pitchFamily="18" charset="0"/>
-              </a:rPr>
-              <a:t>Redis es un motor de base de datos en memoria, basado en el almacenamiento en tablas de hashes (clave/valor) pero que opcionalmente puede ser usada como una base de datos durable o persistente. Su importante característica permite reutilizar datos guardados en la caché, lo cual permite obtener esta información mucho más rápido que ir hasta el disco duro.</a:t>
-            </a:r>
-            <a:endParaRPr lang="en-US" sz="1500" dirty="0">
-              <a:latin typeface="Times New Roman" panose="02020603050405020304" pitchFamily="18" charset="0"/>
-              <a:cs typeface="Times New Roman" panose="02020603050405020304" pitchFamily="18" charset="0"/>
-            </a:endParaRPr>
-          </a:p>
-        </p:txBody>
-      </p:sp>
-    </p:spTree>
-    <p:extLst>
-      <p:ext uri="{BB962C8B-B14F-4D97-AF65-F5344CB8AC3E}">
-        <p14:creationId xmlns:p14="http://schemas.microsoft.com/office/powerpoint/2010/main" val="2993715308"/>
-      </p:ext>
-    </p:extLst>
-  </p:cSld>
-  <p:clrMapOvr>
-    <a:masterClrMapping/>
-  </p:clrMapOvr>
-</p:sld>
-</file>
-
-<file path=ppt/slides/slide7.xml><?xml version="1.0" encoding="utf-8"?>
-<p:sld xmlns:a="http://schemas.openxmlformats.org/drawingml/2006/main" xmlns:r="http://schemas.openxmlformats.org/officeDocument/2006/relationships" xmlns:p="http://schemas.openxmlformats.org/presentationml/2006/main">
-  <p:cSld>
-    <p:bg>
-      <p:bgPr>
-        <a:blipFill rotWithShape="1">
-          <a:blip r:embed="rId2"/>
-          <a:stretch>
-            <a:fillRect/>
-          </a:stretch>
-        </a:blipFill>
-        <a:effectLst/>
-      </p:bgPr>
-    </p:bg>
-    <p:spTree>
-      <p:nvGrpSpPr>
-        <p:cNvPr id="1" name=""/>
-        <p:cNvGrpSpPr/>
-        <p:nvPr/>
-      </p:nvGrpSpPr>
-      <p:grpSpPr>
-        <a:xfrm>
-          <a:off x="0" y="0"/>
-          <a:ext cx="0" cy="0"/>
-          <a:chOff x="0" y="0"/>
-          <a:chExt cx="0" cy="0"/>
-        </a:xfrm>
-      </p:grpSpPr>
-      <p:sp>
-        <p:nvSpPr>
-          <p:cNvPr id="4" name="Content Placeholder 2"/>
-          <p:cNvSpPr>
-            <a:spLocks noGrp="1"/>
-          </p:cNvSpPr>
-          <p:nvPr>
-            <p:ph idx="1"/>
-          </p:nvPr>
-        </p:nvSpPr>
-        <p:spPr>
-          <a:xfrm>
-            <a:off x="1129758" y="880643"/>
-            <a:ext cx="7426352" cy="2472212"/>
-          </a:xfrm>
-        </p:spPr>
-        <p:txBody>
-          <a:bodyPr>
-            <a:normAutofit fontScale="25000" lnSpcReduction="20000"/>
-          </a:bodyPr>
-          <a:lstStyle/>
-          <a:p>
-            <a:pPr marL="0" indent="0" algn="ctr">
-              <a:buNone/>
-            </a:pPr>
-            <a:r>
-              <a:rPr lang="es-MX" sz="12800" b="1" dirty="0">
-                <a:latin typeface="Times New Roman" panose="02020603050405020304" pitchFamily="18" charset="0"/>
-                <a:cs typeface="Times New Roman" panose="02020603050405020304" pitchFamily="18" charset="0"/>
-              </a:rPr>
-              <a:t>¿Cuándo usar Redis?</a:t>
-            </a:r>
-          </a:p>
-          <a:p>
-            <a:pPr marL="0" indent="0" algn="just">
-              <a:buNone/>
-            </a:pPr>
-            <a:endParaRPr lang="es-MX" sz="6000" dirty="0">
-              <a:latin typeface="Times New Roman" panose="02020603050405020304" pitchFamily="18" charset="0"/>
-              <a:cs typeface="Times New Roman" panose="02020603050405020304" pitchFamily="18" charset="0"/>
-            </a:endParaRPr>
-          </a:p>
-          <a:p>
-            <a:pPr marL="0" indent="0" algn="just">
-              <a:buNone/>
-            </a:pPr>
-            <a:r>
-              <a:rPr lang="es-MX" sz="6000" dirty="0">
-                <a:latin typeface="Times New Roman" panose="02020603050405020304" pitchFamily="18" charset="0"/>
-                <a:cs typeface="Times New Roman" panose="02020603050405020304" pitchFamily="18" charset="0"/>
-              </a:rPr>
-              <a:t>El uso de Redis es altamente recomendable cuando la velocidad de acceso y tiempos de respuesta son críticos para una solución de negocio. Su uso es también indicado cuando se trabaja con aplicaciones en tiempo real, lo cual requiere que los datos se encuentren rápidamente accesibles para mejorar los tiempos de respuesta. Entre los casos de uso más comunes podemos encontrar:</a:t>
-            </a:r>
-          </a:p>
-          <a:p>
-            <a:pPr marL="0" indent="0" algn="just">
-              <a:buNone/>
-            </a:pPr>
-            <a:endParaRPr lang="es-MX" sz="6000" dirty="0">
-              <a:latin typeface="Times New Roman" panose="02020603050405020304" pitchFamily="18" charset="0"/>
-              <a:cs typeface="Times New Roman" panose="02020603050405020304" pitchFamily="18" charset="0"/>
-            </a:endParaRPr>
-          </a:p>
-          <a:p>
-            <a:pPr algn="just"/>
-            <a:r>
-              <a:rPr lang="es-MX" sz="6000" dirty="0">
-                <a:latin typeface="Times New Roman" panose="02020603050405020304" pitchFamily="18" charset="0"/>
-                <a:cs typeface="Times New Roman" panose="02020603050405020304" pitchFamily="18" charset="0"/>
-              </a:rPr>
-              <a:t>Sistemas de chat y mensajería</a:t>
-            </a:r>
-          </a:p>
-          <a:p>
-            <a:pPr algn="just"/>
-            <a:r>
-              <a:rPr lang="es-MX" sz="6000" dirty="0">
-                <a:latin typeface="Times New Roman" panose="02020603050405020304" pitchFamily="18" charset="0"/>
-                <a:cs typeface="Times New Roman" panose="02020603050405020304" pitchFamily="18" charset="0"/>
-              </a:rPr>
-              <a:t>Listado de elementos más recientes</a:t>
-            </a:r>
-          </a:p>
-          <a:p>
-            <a:pPr algn="just"/>
-            <a:r>
-              <a:rPr lang="es-MX" sz="6000" dirty="0">
-                <a:latin typeface="Times New Roman" panose="02020603050405020304" pitchFamily="18" charset="0"/>
-                <a:cs typeface="Times New Roman" panose="02020603050405020304" pitchFamily="18" charset="0"/>
-              </a:rPr>
-              <a:t>Contadores y uso de estadísticas en tiempo real</a:t>
-            </a:r>
-          </a:p>
-          <a:p>
-            <a:pPr algn="just"/>
-            <a:r>
-              <a:rPr lang="es-MX" sz="6000" dirty="0">
-                <a:latin typeface="Times New Roman" panose="02020603050405020304" pitchFamily="18" charset="0"/>
-                <a:cs typeface="Times New Roman" panose="02020603050405020304" pitchFamily="18" charset="0"/>
-              </a:rPr>
-              <a:t>Manejo y administración de carros de compra en línea</a:t>
-            </a:r>
-          </a:p>
-          <a:p>
-            <a:pPr algn="just"/>
-            <a:r>
-              <a:rPr lang="es-MX" sz="6000" dirty="0">
-                <a:latin typeface="Times New Roman" panose="02020603050405020304" pitchFamily="18" charset="0"/>
-                <a:cs typeface="Times New Roman" panose="02020603050405020304" pitchFamily="18" charset="0"/>
-              </a:rPr>
-              <a:t>Almacenamiento de sesiones de usuario dentro de una aplicación</a:t>
-            </a:r>
-          </a:p>
-          <a:p>
-            <a:pPr algn="just"/>
-            <a:r>
-              <a:rPr lang="es-MX" sz="6000" dirty="0">
-                <a:latin typeface="Times New Roman" panose="02020603050405020304" pitchFamily="18" charset="0"/>
-                <a:cs typeface="Times New Roman" panose="02020603050405020304" pitchFamily="18" charset="0"/>
-              </a:rPr>
-              <a:t>Soporte como caché de páginas web</a:t>
-            </a:r>
-            <a:endParaRPr lang="en-US" sz="6000" dirty="0">
-              <a:latin typeface="Times New Roman" panose="02020603050405020304" pitchFamily="18" charset="0"/>
-              <a:cs typeface="Times New Roman" panose="02020603050405020304" pitchFamily="18" charset="0"/>
-            </a:endParaRPr>
-          </a:p>
-        </p:txBody>
-      </p:sp>
-    </p:spTree>
-    <p:extLst>
-      <p:ext uri="{BB962C8B-B14F-4D97-AF65-F5344CB8AC3E}">
-        <p14:creationId xmlns:p14="http://schemas.microsoft.com/office/powerpoint/2010/main" val="2627377535"/>
-      </p:ext>
-    </p:extLst>
-  </p:cSld>
-  <p:clrMapOvr>
-    <a:masterClrMapping/>
-  </p:clrMapOvr>
-</p:sld>
-</file>
-
-<file path=ppt/slides/slide8.xml><?xml version="1.0" encoding="utf-8"?>
-<p:sld xmlns:a="http://schemas.openxmlformats.org/drawingml/2006/main" xmlns:r="http://schemas.openxmlformats.org/officeDocument/2006/relationships" xmlns:p="http://schemas.openxmlformats.org/presentationml/2006/main">
-  <p:cSld>
-    <p:bg>
-      <p:bgPr>
-        <a:blipFill rotWithShape="1">
-          <a:blip r:embed="rId2"/>
-          <a:stretch>
-            <a:fillRect/>
-          </a:stretch>
-        </a:blipFill>
-        <a:effectLst/>
-      </p:bgPr>
-    </p:bg>
-    <p:spTree>
-      <p:nvGrpSpPr>
-        <p:cNvPr id="1" name=""/>
-        <p:cNvGrpSpPr/>
-        <p:nvPr/>
-      </p:nvGrpSpPr>
-      <p:grpSpPr>
-        <a:xfrm>
-          <a:off x="0" y="0"/>
-          <a:ext cx="0" cy="0"/>
-          <a:chOff x="0" y="0"/>
-          <a:chExt cx="0" cy="0"/>
-        </a:xfrm>
-      </p:grpSpPr>
-      <p:sp>
-        <p:nvSpPr>
-          <p:cNvPr id="4" name="Content Placeholder 2"/>
-          <p:cNvSpPr>
-            <a:spLocks noGrp="1"/>
-          </p:cNvSpPr>
-          <p:nvPr>
-            <p:ph idx="1"/>
-          </p:nvPr>
-        </p:nvSpPr>
-        <p:spPr>
-          <a:xfrm>
-            <a:off x="1079308" y="1709910"/>
-            <a:ext cx="7426352" cy="1345448"/>
-          </a:xfrm>
-        </p:spPr>
-        <p:txBody>
-          <a:bodyPr>
-            <a:normAutofit/>
-          </a:bodyPr>
-          <a:lstStyle/>
-          <a:p>
-            <a:pPr marL="0" indent="0" algn="ctr">
-              <a:buNone/>
-            </a:pPr>
-            <a:r>
-              <a:rPr lang="es-MX" b="1" dirty="0">
-                <a:latin typeface="Times New Roman" panose="02020603050405020304" pitchFamily="18" charset="0"/>
-                <a:cs typeface="Times New Roman" panose="02020603050405020304" pitchFamily="18" charset="0"/>
-              </a:rPr>
-              <a:t>Ejemplo</a:t>
-            </a:r>
-            <a:r>
-              <a:rPr lang="es-MX" sz="5100" b="1" dirty="0">
-                <a:latin typeface="Times New Roman" panose="02020603050405020304" pitchFamily="18" charset="0"/>
-                <a:cs typeface="Times New Roman" panose="02020603050405020304" pitchFamily="18" charset="0"/>
-              </a:rPr>
-              <a:t> </a:t>
-            </a:r>
-            <a:r>
-              <a:rPr lang="es-MX" b="1" dirty="0">
-                <a:latin typeface="Times New Roman" panose="02020603050405020304" pitchFamily="18" charset="0"/>
-                <a:cs typeface="Times New Roman" panose="02020603050405020304" pitchFamily="18" charset="0"/>
-              </a:rPr>
-              <a:t>práctico</a:t>
-            </a:r>
-          </a:p>
-          <a:p>
-            <a:pPr marL="0" indent="0" algn="just">
-              <a:buNone/>
-            </a:pPr>
-            <a:endParaRPr lang="es-MX" sz="6000" dirty="0">
-              <a:latin typeface="Times New Roman" panose="02020603050405020304" pitchFamily="18" charset="0"/>
-              <a:cs typeface="Times New Roman" panose="02020603050405020304" pitchFamily="18" charset="0"/>
-            </a:endParaRPr>
-          </a:p>
-        </p:txBody>
-      </p:sp>
-    </p:spTree>
-    <p:extLst>
-      <p:ext uri="{BB962C8B-B14F-4D97-AF65-F5344CB8AC3E}">
-        <p14:creationId xmlns:p14="http://schemas.microsoft.com/office/powerpoint/2010/main" val="2794655911"/>
-      </p:ext>
-    </p:extLst>
-  </p:cSld>
-  <p:clrMapOvr>
-    <a:masterClrMapping/>
-  </p:clrMapOvr>
-</p:sld>
-</file>
-
-<file path=ppt/slides/slide9.xml><?xml version="1.0" encoding="utf-8"?>
 <p:sld xmlns:a="http://schemas.openxmlformats.org/drawingml/2006/main" xmlns:r="http://schemas.openxmlformats.org/officeDocument/2006/relationships" xmlns:p="http://schemas.openxmlformats.org/presentationml/2006/main">
   <p:cSld>
     <p:bg>
@@ -5265,7 +4066,1989 @@
     </p:spTree>
     <p:extLst>
       <p:ext uri="{BB962C8B-B14F-4D97-AF65-F5344CB8AC3E}">
-        <p14:creationId xmlns:p14="http://schemas.microsoft.com/office/powerpoint/2010/main" val="1156495564"/>
+        <p14:creationId xmlns:p14="http://schemas.microsoft.com/office/powerpoint/2010/main" val="3098322864"/>
+      </p:ext>
+    </p:extLst>
+  </p:cSld>
+  <p:clrMapOvr>
+    <a:masterClrMapping/>
+  </p:clrMapOvr>
+</p:sld>
+</file>
+
+<file path=ppt/slides/slide15.xml><?xml version="1.0" encoding="utf-8"?>
+<p:sld xmlns:a="http://schemas.openxmlformats.org/drawingml/2006/main" xmlns:r="http://schemas.openxmlformats.org/officeDocument/2006/relationships" xmlns:p="http://schemas.openxmlformats.org/presentationml/2006/main">
+  <p:cSld>
+    <p:bg>
+      <p:bgPr>
+        <a:blipFill rotWithShape="1">
+          <a:blip r:embed="rId2"/>
+          <a:stretch>
+            <a:fillRect/>
+          </a:stretch>
+        </a:blipFill>
+        <a:effectLst/>
+      </p:bgPr>
+    </p:bg>
+    <p:spTree>
+      <p:nvGrpSpPr>
+        <p:cNvPr id="1" name=""/>
+        <p:cNvGrpSpPr/>
+        <p:nvPr/>
+      </p:nvGrpSpPr>
+      <p:grpSpPr>
+        <a:xfrm>
+          <a:off x="0" y="0"/>
+          <a:ext cx="0" cy="0"/>
+          <a:chOff x="0" y="0"/>
+          <a:chExt cx="0" cy="0"/>
+        </a:xfrm>
+      </p:grpSpPr>
+      <p:sp>
+        <p:nvSpPr>
+          <p:cNvPr id="4" name="Content Placeholder 2"/>
+          <p:cNvSpPr>
+            <a:spLocks noGrp="1"/>
+          </p:cNvSpPr>
+          <p:nvPr>
+            <p:ph idx="1"/>
+          </p:nvPr>
+        </p:nvSpPr>
+        <p:spPr>
+          <a:xfrm>
+            <a:off x="495221" y="388239"/>
+            <a:ext cx="7599376" cy="3424914"/>
+          </a:xfrm>
+        </p:spPr>
+        <p:txBody>
+          <a:bodyPr>
+            <a:normAutofit/>
+          </a:bodyPr>
+          <a:lstStyle/>
+          <a:p>
+            <a:pPr marL="0" indent="0" algn="ctr">
+              <a:buNone/>
+            </a:pPr>
+            <a:r>
+              <a:rPr lang="es-ES" dirty="0">
+                <a:latin typeface="Times New Roman" panose="02020603050405020304" pitchFamily="18" charset="0"/>
+                <a:cs typeface="Times New Roman" panose="02020603050405020304" pitchFamily="18" charset="0"/>
+              </a:rPr>
+              <a:t>Creación Imagen Redis</a:t>
+            </a:r>
+          </a:p>
+          <a:p>
+            <a:pPr marL="0" indent="0" algn="ctr">
+              <a:buNone/>
+            </a:pPr>
+            <a:endParaRPr lang="es-ES" sz="1500" dirty="0">
+              <a:latin typeface="Times New Roman" panose="02020603050405020304" pitchFamily="18" charset="0"/>
+              <a:cs typeface="Times New Roman" panose="02020603050405020304" pitchFamily="18" charset="0"/>
+            </a:endParaRPr>
+          </a:p>
+          <a:p>
+            <a:pPr marL="0" indent="0" algn="ctr">
+              <a:buNone/>
+            </a:pPr>
+            <a:r>
+              <a:rPr lang="es-ES" sz="1500" dirty="0">
+                <a:latin typeface="Times New Roman" panose="02020603050405020304" pitchFamily="18" charset="0"/>
+                <a:cs typeface="Times New Roman" panose="02020603050405020304" pitchFamily="18" charset="0"/>
+              </a:rPr>
+              <a:t>Tipo archivo: </a:t>
+            </a:r>
+            <a:r>
+              <a:rPr lang="es-ES" sz="1500" dirty="0" err="1">
+                <a:latin typeface="Times New Roman" panose="02020603050405020304" pitchFamily="18" charset="0"/>
+                <a:cs typeface="Times New Roman" panose="02020603050405020304" pitchFamily="18" charset="0"/>
+              </a:rPr>
+              <a:t>docker-compose.yml</a:t>
+            </a:r>
+            <a:endParaRPr lang="en-US" sz="1500" dirty="0">
+              <a:latin typeface="Times New Roman" panose="02020603050405020304" pitchFamily="18" charset="0"/>
+              <a:cs typeface="Times New Roman" panose="02020603050405020304" pitchFamily="18" charset="0"/>
+            </a:endParaRPr>
+          </a:p>
+        </p:txBody>
+      </p:sp>
+      <p:pic>
+        <p:nvPicPr>
+          <p:cNvPr id="5" name="Imagen 4">
+            <a:extLst>
+              <a:ext uri="{FF2B5EF4-FFF2-40B4-BE49-F238E27FC236}">
+                <a16:creationId xmlns:a16="http://schemas.microsoft.com/office/drawing/2014/main" id="{AD1EC855-FBB1-4269-802B-51318E351B18}"/>
+              </a:ext>
+            </a:extLst>
+          </p:cNvPr>
+          <p:cNvPicPr>
+            <a:picLocks noChangeAspect="1"/>
+          </p:cNvPicPr>
+          <p:nvPr/>
+        </p:nvPicPr>
+        <p:blipFill>
+          <a:blip r:embed="rId3"/>
+          <a:stretch>
+            <a:fillRect/>
+          </a:stretch>
+        </p:blipFill>
+        <p:spPr>
+          <a:xfrm>
+            <a:off x="2452996" y="1697024"/>
+            <a:ext cx="4238007" cy="2688628"/>
+          </a:xfrm>
+          <a:prstGeom prst="rect">
+            <a:avLst/>
+          </a:prstGeom>
+        </p:spPr>
+      </p:pic>
+    </p:spTree>
+    <p:extLst>
+      <p:ext uri="{BB962C8B-B14F-4D97-AF65-F5344CB8AC3E}">
+        <p14:creationId xmlns:p14="http://schemas.microsoft.com/office/powerpoint/2010/main" val="319696611"/>
+      </p:ext>
+    </p:extLst>
+  </p:cSld>
+  <p:clrMapOvr>
+    <a:masterClrMapping/>
+  </p:clrMapOvr>
+</p:sld>
+</file>
+
+<file path=ppt/slides/slide16.xml><?xml version="1.0" encoding="utf-8"?>
+<p:sld xmlns:a="http://schemas.openxmlformats.org/drawingml/2006/main" xmlns:r="http://schemas.openxmlformats.org/officeDocument/2006/relationships" xmlns:p="http://schemas.openxmlformats.org/presentationml/2006/main">
+  <p:cSld>
+    <p:bg>
+      <p:bgPr>
+        <a:blipFill rotWithShape="1">
+          <a:blip r:embed="rId2"/>
+          <a:stretch>
+            <a:fillRect/>
+          </a:stretch>
+        </a:blipFill>
+        <a:effectLst/>
+      </p:bgPr>
+    </p:bg>
+    <p:spTree>
+      <p:nvGrpSpPr>
+        <p:cNvPr id="1" name=""/>
+        <p:cNvGrpSpPr/>
+        <p:nvPr/>
+      </p:nvGrpSpPr>
+      <p:grpSpPr>
+        <a:xfrm>
+          <a:off x="0" y="0"/>
+          <a:ext cx="0" cy="0"/>
+          <a:chOff x="0" y="0"/>
+          <a:chExt cx="0" cy="0"/>
+        </a:xfrm>
+      </p:grpSpPr>
+      <p:sp>
+        <p:nvSpPr>
+          <p:cNvPr id="4" name="Content Placeholder 2"/>
+          <p:cNvSpPr>
+            <a:spLocks noGrp="1"/>
+          </p:cNvSpPr>
+          <p:nvPr>
+            <p:ph idx="1"/>
+          </p:nvPr>
+        </p:nvSpPr>
+        <p:spPr>
+          <a:xfrm>
+            <a:off x="495221" y="654063"/>
+            <a:ext cx="7599376" cy="3424914"/>
+          </a:xfrm>
+        </p:spPr>
+        <p:txBody>
+          <a:bodyPr>
+            <a:normAutofit/>
+          </a:bodyPr>
+          <a:lstStyle/>
+          <a:p>
+            <a:pPr marL="0" indent="0" algn="ctr">
+              <a:buNone/>
+            </a:pPr>
+            <a:r>
+              <a:rPr lang="es-ES" dirty="0">
+                <a:latin typeface="Times New Roman" panose="02020603050405020304" pitchFamily="18" charset="0"/>
+                <a:cs typeface="Times New Roman" panose="02020603050405020304" pitchFamily="18" charset="0"/>
+              </a:rPr>
+              <a:t>Conexión a la Base de datos</a:t>
+            </a:r>
+          </a:p>
+          <a:p>
+            <a:pPr marL="0" indent="0" algn="ctr">
+              <a:buNone/>
+            </a:pPr>
+            <a:endParaRPr lang="es-ES" sz="1500" dirty="0">
+              <a:latin typeface="Times New Roman" panose="02020603050405020304" pitchFamily="18" charset="0"/>
+              <a:cs typeface="Times New Roman" panose="02020603050405020304" pitchFamily="18" charset="0"/>
+            </a:endParaRPr>
+          </a:p>
+        </p:txBody>
+      </p:sp>
+      <p:pic>
+        <p:nvPicPr>
+          <p:cNvPr id="5" name="Imagen 4">
+            <a:extLst>
+              <a:ext uri="{FF2B5EF4-FFF2-40B4-BE49-F238E27FC236}">
+                <a16:creationId xmlns:a16="http://schemas.microsoft.com/office/drawing/2014/main" id="{62DF31B9-C2B6-4EC6-8F60-1A011E39EB48}"/>
+              </a:ext>
+            </a:extLst>
+          </p:cNvPr>
+          <p:cNvPicPr>
+            <a:picLocks noChangeAspect="1"/>
+          </p:cNvPicPr>
+          <p:nvPr/>
+        </p:nvPicPr>
+        <p:blipFill>
+          <a:blip r:embed="rId3"/>
+          <a:stretch>
+            <a:fillRect/>
+          </a:stretch>
+        </p:blipFill>
+        <p:spPr>
+          <a:xfrm>
+            <a:off x="2258751" y="1301893"/>
+            <a:ext cx="4626498" cy="3348169"/>
+          </a:xfrm>
+          <a:prstGeom prst="rect">
+            <a:avLst/>
+          </a:prstGeom>
+        </p:spPr>
+      </p:pic>
+    </p:spTree>
+    <p:extLst>
+      <p:ext uri="{BB962C8B-B14F-4D97-AF65-F5344CB8AC3E}">
+        <p14:creationId xmlns:p14="http://schemas.microsoft.com/office/powerpoint/2010/main" val="1223978356"/>
+      </p:ext>
+    </p:extLst>
+  </p:cSld>
+  <p:clrMapOvr>
+    <a:masterClrMapping/>
+  </p:clrMapOvr>
+</p:sld>
+</file>
+
+<file path=ppt/slides/slide17.xml><?xml version="1.0" encoding="utf-8"?>
+<p:sld xmlns:a="http://schemas.openxmlformats.org/drawingml/2006/main" xmlns:r="http://schemas.openxmlformats.org/officeDocument/2006/relationships" xmlns:p="http://schemas.openxmlformats.org/presentationml/2006/main">
+  <p:cSld>
+    <p:bg>
+      <p:bgPr>
+        <a:blipFill rotWithShape="1">
+          <a:blip r:embed="rId2"/>
+          <a:stretch>
+            <a:fillRect/>
+          </a:stretch>
+        </a:blipFill>
+        <a:effectLst/>
+      </p:bgPr>
+    </p:bg>
+    <p:spTree>
+      <p:nvGrpSpPr>
+        <p:cNvPr id="1" name=""/>
+        <p:cNvGrpSpPr/>
+        <p:nvPr/>
+      </p:nvGrpSpPr>
+      <p:grpSpPr>
+        <a:xfrm>
+          <a:off x="0" y="0"/>
+          <a:ext cx="0" cy="0"/>
+          <a:chOff x="0" y="0"/>
+          <a:chExt cx="0" cy="0"/>
+        </a:xfrm>
+      </p:grpSpPr>
+      <p:sp>
+        <p:nvSpPr>
+          <p:cNvPr id="4" name="Content Placeholder 2"/>
+          <p:cNvSpPr>
+            <a:spLocks noGrp="1"/>
+          </p:cNvSpPr>
+          <p:nvPr>
+            <p:ph idx="1"/>
+          </p:nvPr>
+        </p:nvSpPr>
+        <p:spPr>
+          <a:xfrm>
+            <a:off x="495221" y="654063"/>
+            <a:ext cx="7599376" cy="3424914"/>
+          </a:xfrm>
+        </p:spPr>
+        <p:txBody>
+          <a:bodyPr>
+            <a:normAutofit/>
+          </a:bodyPr>
+          <a:lstStyle/>
+          <a:p>
+            <a:pPr marL="0" indent="0" algn="ctr">
+              <a:buNone/>
+            </a:pPr>
+            <a:r>
+              <a:rPr lang="es-ES" dirty="0">
+                <a:latin typeface="Times New Roman" panose="02020603050405020304" pitchFamily="18" charset="0"/>
+                <a:cs typeface="Times New Roman" panose="02020603050405020304" pitchFamily="18" charset="0"/>
+              </a:rPr>
+              <a:t>Modelo </a:t>
+            </a:r>
+            <a:r>
+              <a:rPr lang="es-ES" dirty="0" err="1">
+                <a:latin typeface="Times New Roman" panose="02020603050405020304" pitchFamily="18" charset="0"/>
+                <a:cs typeface="Times New Roman" panose="02020603050405020304" pitchFamily="18" charset="0"/>
+              </a:rPr>
+              <a:t>db</a:t>
+            </a:r>
+            <a:endParaRPr lang="es-ES" dirty="0">
+              <a:latin typeface="Times New Roman" panose="02020603050405020304" pitchFamily="18" charset="0"/>
+              <a:cs typeface="Times New Roman" panose="02020603050405020304" pitchFamily="18" charset="0"/>
+            </a:endParaRPr>
+          </a:p>
+          <a:p>
+            <a:pPr marL="0" indent="0" algn="ctr">
+              <a:buNone/>
+            </a:pPr>
+            <a:endParaRPr lang="es-ES" sz="1500" dirty="0">
+              <a:latin typeface="Times New Roman" panose="02020603050405020304" pitchFamily="18" charset="0"/>
+              <a:cs typeface="Times New Roman" panose="02020603050405020304" pitchFamily="18" charset="0"/>
+            </a:endParaRPr>
+          </a:p>
+        </p:txBody>
+      </p:sp>
+      <p:pic>
+        <p:nvPicPr>
+          <p:cNvPr id="3" name="Imagen 2">
+            <a:extLst>
+              <a:ext uri="{FF2B5EF4-FFF2-40B4-BE49-F238E27FC236}">
+                <a16:creationId xmlns:a16="http://schemas.microsoft.com/office/drawing/2014/main" id="{5E3AC22B-84BA-477C-8817-C8E66E15FFDA}"/>
+              </a:ext>
+            </a:extLst>
+          </p:cNvPr>
+          <p:cNvPicPr>
+            <a:picLocks noChangeAspect="1"/>
+          </p:cNvPicPr>
+          <p:nvPr/>
+        </p:nvPicPr>
+        <p:blipFill>
+          <a:blip r:embed="rId3"/>
+          <a:stretch>
+            <a:fillRect/>
+          </a:stretch>
+        </p:blipFill>
+        <p:spPr>
+          <a:xfrm>
+            <a:off x="2485465" y="1824606"/>
+            <a:ext cx="4173069" cy="1494287"/>
+          </a:xfrm>
+          <a:prstGeom prst="rect">
+            <a:avLst/>
+          </a:prstGeom>
+        </p:spPr>
+      </p:pic>
+    </p:spTree>
+    <p:extLst>
+      <p:ext uri="{BB962C8B-B14F-4D97-AF65-F5344CB8AC3E}">
+        <p14:creationId xmlns:p14="http://schemas.microsoft.com/office/powerpoint/2010/main" val="4046213691"/>
+      </p:ext>
+    </p:extLst>
+  </p:cSld>
+  <p:clrMapOvr>
+    <a:masterClrMapping/>
+  </p:clrMapOvr>
+</p:sld>
+</file>
+
+<file path=ppt/slides/slide18.xml><?xml version="1.0" encoding="utf-8"?>
+<p:sld xmlns:a="http://schemas.openxmlformats.org/drawingml/2006/main" xmlns:r="http://schemas.openxmlformats.org/officeDocument/2006/relationships" xmlns:p="http://schemas.openxmlformats.org/presentationml/2006/main">
+  <p:cSld>
+    <p:bg>
+      <p:bgPr>
+        <a:blipFill rotWithShape="1">
+          <a:blip r:embed="rId2"/>
+          <a:stretch>
+            <a:fillRect/>
+          </a:stretch>
+        </a:blipFill>
+        <a:effectLst/>
+      </p:bgPr>
+    </p:bg>
+    <p:spTree>
+      <p:nvGrpSpPr>
+        <p:cNvPr id="1" name=""/>
+        <p:cNvGrpSpPr/>
+        <p:nvPr/>
+      </p:nvGrpSpPr>
+      <p:grpSpPr>
+        <a:xfrm>
+          <a:off x="0" y="0"/>
+          <a:ext cx="0" cy="0"/>
+          <a:chOff x="0" y="0"/>
+          <a:chExt cx="0" cy="0"/>
+        </a:xfrm>
+      </p:grpSpPr>
+      <p:sp>
+        <p:nvSpPr>
+          <p:cNvPr id="4" name="Content Placeholder 2"/>
+          <p:cNvSpPr>
+            <a:spLocks noGrp="1"/>
+          </p:cNvSpPr>
+          <p:nvPr>
+            <p:ph idx="1"/>
+          </p:nvPr>
+        </p:nvSpPr>
+        <p:spPr>
+          <a:xfrm>
+            <a:off x="495221" y="654063"/>
+            <a:ext cx="7599376" cy="3424914"/>
+          </a:xfrm>
+        </p:spPr>
+        <p:txBody>
+          <a:bodyPr>
+            <a:normAutofit/>
+          </a:bodyPr>
+          <a:lstStyle/>
+          <a:p>
+            <a:pPr marL="0" indent="0" algn="ctr">
+              <a:buNone/>
+            </a:pPr>
+            <a:r>
+              <a:rPr lang="es-ES" dirty="0">
+                <a:latin typeface="Times New Roman" panose="02020603050405020304" pitchFamily="18" charset="0"/>
+                <a:cs typeface="Times New Roman" panose="02020603050405020304" pitchFamily="18" charset="0"/>
+              </a:rPr>
+              <a:t>Datos modelo</a:t>
+            </a:r>
+          </a:p>
+          <a:p>
+            <a:pPr marL="0" indent="0" algn="ctr">
+              <a:buNone/>
+            </a:pPr>
+            <a:endParaRPr lang="es-ES" sz="1500" dirty="0">
+              <a:latin typeface="Times New Roman" panose="02020603050405020304" pitchFamily="18" charset="0"/>
+              <a:cs typeface="Times New Roman" panose="02020603050405020304" pitchFamily="18" charset="0"/>
+            </a:endParaRPr>
+          </a:p>
+        </p:txBody>
+      </p:sp>
+      <p:pic>
+        <p:nvPicPr>
+          <p:cNvPr id="5" name="Imagen 4">
+            <a:extLst>
+              <a:ext uri="{FF2B5EF4-FFF2-40B4-BE49-F238E27FC236}">
+                <a16:creationId xmlns:a16="http://schemas.microsoft.com/office/drawing/2014/main" id="{00DC1784-FAA0-4523-95E9-9A8C23345691}"/>
+              </a:ext>
+            </a:extLst>
+          </p:cNvPr>
+          <p:cNvPicPr>
+            <a:picLocks noChangeAspect="1"/>
+          </p:cNvPicPr>
+          <p:nvPr/>
+        </p:nvPicPr>
+        <p:blipFill>
+          <a:blip r:embed="rId3"/>
+          <a:stretch>
+            <a:fillRect/>
+          </a:stretch>
+        </p:blipFill>
+        <p:spPr>
+          <a:xfrm>
+            <a:off x="1242733" y="1404345"/>
+            <a:ext cx="6658534" cy="2334810"/>
+          </a:xfrm>
+          <a:prstGeom prst="rect">
+            <a:avLst/>
+          </a:prstGeom>
+        </p:spPr>
+      </p:pic>
+    </p:spTree>
+    <p:extLst>
+      <p:ext uri="{BB962C8B-B14F-4D97-AF65-F5344CB8AC3E}">
+        <p14:creationId xmlns:p14="http://schemas.microsoft.com/office/powerpoint/2010/main" val="1040336719"/>
+      </p:ext>
+    </p:extLst>
+  </p:cSld>
+  <p:clrMapOvr>
+    <a:masterClrMapping/>
+  </p:clrMapOvr>
+</p:sld>
+</file>
+
+<file path=ppt/slides/slide19.xml><?xml version="1.0" encoding="utf-8"?>
+<p:sld xmlns:a="http://schemas.openxmlformats.org/drawingml/2006/main" xmlns:r="http://schemas.openxmlformats.org/officeDocument/2006/relationships" xmlns:p="http://schemas.openxmlformats.org/presentationml/2006/main">
+  <p:cSld>
+    <p:bg>
+      <p:bgPr>
+        <a:blipFill rotWithShape="1">
+          <a:blip r:embed="rId2"/>
+          <a:stretch>
+            <a:fillRect/>
+          </a:stretch>
+        </a:blipFill>
+        <a:effectLst/>
+      </p:bgPr>
+    </p:bg>
+    <p:spTree>
+      <p:nvGrpSpPr>
+        <p:cNvPr id="1" name=""/>
+        <p:cNvGrpSpPr/>
+        <p:nvPr/>
+      </p:nvGrpSpPr>
+      <p:grpSpPr>
+        <a:xfrm>
+          <a:off x="0" y="0"/>
+          <a:ext cx="0" cy="0"/>
+          <a:chOff x="0" y="0"/>
+          <a:chExt cx="0" cy="0"/>
+        </a:xfrm>
+      </p:grpSpPr>
+      <p:sp>
+        <p:nvSpPr>
+          <p:cNvPr id="4" name="Content Placeholder 2"/>
+          <p:cNvSpPr>
+            <a:spLocks noGrp="1"/>
+          </p:cNvSpPr>
+          <p:nvPr>
+            <p:ph idx="1"/>
+          </p:nvPr>
+        </p:nvSpPr>
+        <p:spPr>
+          <a:xfrm>
+            <a:off x="495221" y="654063"/>
+            <a:ext cx="7599376" cy="3424914"/>
+          </a:xfrm>
+        </p:spPr>
+        <p:txBody>
+          <a:bodyPr>
+            <a:normAutofit/>
+          </a:bodyPr>
+          <a:lstStyle/>
+          <a:p>
+            <a:pPr marL="0" indent="0" algn="ctr">
+              <a:buNone/>
+            </a:pPr>
+            <a:r>
+              <a:rPr lang="es-ES" dirty="0">
+                <a:latin typeface="Times New Roman" panose="02020603050405020304" pitchFamily="18" charset="0"/>
+                <a:cs typeface="Times New Roman" panose="02020603050405020304" pitchFamily="18" charset="0"/>
+              </a:rPr>
+              <a:t>Referencias bibliográficas</a:t>
+            </a:r>
+          </a:p>
+          <a:p>
+            <a:pPr marL="0" indent="0" algn="ctr">
+              <a:buNone/>
+            </a:pPr>
+            <a:endParaRPr lang="es-ES" sz="1500" dirty="0">
+              <a:latin typeface="Times New Roman" panose="02020603050405020304" pitchFamily="18" charset="0"/>
+              <a:cs typeface="Times New Roman" panose="02020603050405020304" pitchFamily="18" charset="0"/>
+            </a:endParaRPr>
+          </a:p>
+        </p:txBody>
+      </p:sp>
+      <p:sp>
+        <p:nvSpPr>
+          <p:cNvPr id="5" name="TextBox 4">
+            <a:extLst>
+              <a:ext uri="{FF2B5EF4-FFF2-40B4-BE49-F238E27FC236}">
+                <a16:creationId xmlns:a16="http://schemas.microsoft.com/office/drawing/2014/main" id="{1F500B23-70C4-498E-B73C-A9C2ACAA4624}"/>
+              </a:ext>
+            </a:extLst>
+          </p:cNvPr>
+          <p:cNvSpPr txBox="1"/>
+          <p:nvPr/>
+        </p:nvSpPr>
+        <p:spPr>
+          <a:xfrm>
+            <a:off x="715598" y="1925419"/>
+            <a:ext cx="7405458" cy="2308324"/>
+          </a:xfrm>
+          <a:prstGeom prst="rect">
+            <a:avLst/>
+          </a:prstGeom>
+          <a:noFill/>
+        </p:spPr>
+        <p:txBody>
+          <a:bodyPr wrap="square">
+            <a:spAutoFit/>
+          </a:bodyPr>
+          <a:lstStyle/>
+          <a:p>
+            <a:r>
+              <a:rPr lang="en-US" dirty="0">
+                <a:hlinkClick r:id="rId3"/>
+              </a:rPr>
+              <a:t>https://www.paradigmadigital.com/dev/cassandra-la-dama-de-las-bases-de-datos-nosql/</a:t>
+            </a:r>
+            <a:endParaRPr lang="en-US" dirty="0"/>
+          </a:p>
+          <a:p>
+            <a:endParaRPr lang="en-US" dirty="0"/>
+          </a:p>
+          <a:p>
+            <a:r>
+              <a:rPr lang="en-US" dirty="0">
+                <a:hlinkClick r:id="rId4"/>
+              </a:rPr>
+              <a:t>https://es.wikipedia.org/wiki/Redis</a:t>
+            </a:r>
+            <a:endParaRPr lang="en-US" dirty="0"/>
+          </a:p>
+          <a:p>
+            <a:endParaRPr lang="en-US" dirty="0"/>
+          </a:p>
+          <a:p>
+            <a:r>
+              <a:rPr lang="en-US" dirty="0">
+                <a:hlinkClick r:id="rId5"/>
+              </a:rPr>
+              <a:t>https://blog.bi-geek.com/redis-para-principiantes/</a:t>
+            </a:r>
+            <a:endParaRPr lang="en-US" dirty="0"/>
+          </a:p>
+          <a:p>
+            <a:endParaRPr lang="en-US" dirty="0"/>
+          </a:p>
+          <a:p>
+            <a:endParaRPr lang="en-US" dirty="0"/>
+          </a:p>
+        </p:txBody>
+      </p:sp>
+    </p:spTree>
+    <p:extLst>
+      <p:ext uri="{BB962C8B-B14F-4D97-AF65-F5344CB8AC3E}">
+        <p14:creationId xmlns:p14="http://schemas.microsoft.com/office/powerpoint/2010/main" val="944070511"/>
+      </p:ext>
+    </p:extLst>
+  </p:cSld>
+  <p:clrMapOvr>
+    <a:masterClrMapping/>
+  </p:clrMapOvr>
+</p:sld>
+</file>
+
+<file path=ppt/slides/slide2.xml><?xml version="1.0" encoding="utf-8"?>
+<p:sld xmlns:a="http://schemas.openxmlformats.org/drawingml/2006/main" xmlns:r="http://schemas.openxmlformats.org/officeDocument/2006/relationships" xmlns:p="http://schemas.openxmlformats.org/presentationml/2006/main">
+  <p:cSld>
+    <p:bg>
+      <p:bgPr>
+        <a:blipFill rotWithShape="1">
+          <a:blip r:embed="rId2"/>
+          <a:stretch>
+            <a:fillRect/>
+          </a:stretch>
+        </a:blipFill>
+        <a:effectLst/>
+      </p:bgPr>
+    </p:bg>
+    <p:spTree>
+      <p:nvGrpSpPr>
+        <p:cNvPr id="1" name=""/>
+        <p:cNvGrpSpPr/>
+        <p:nvPr/>
+      </p:nvGrpSpPr>
+      <p:grpSpPr>
+        <a:xfrm>
+          <a:off x="0" y="0"/>
+          <a:ext cx="0" cy="0"/>
+          <a:chOff x="0" y="0"/>
+          <a:chExt cx="0" cy="0"/>
+        </a:xfrm>
+      </p:grpSpPr>
+      <p:sp>
+        <p:nvSpPr>
+          <p:cNvPr id="4" name="Content Placeholder 2"/>
+          <p:cNvSpPr>
+            <a:spLocks noGrp="1"/>
+          </p:cNvSpPr>
+          <p:nvPr>
+            <p:ph idx="1"/>
+          </p:nvPr>
+        </p:nvSpPr>
+        <p:spPr>
+          <a:xfrm>
+            <a:off x="1785653" y="2176639"/>
+            <a:ext cx="5572694" cy="1301231"/>
+          </a:xfrm>
+        </p:spPr>
+        <p:txBody>
+          <a:bodyPr>
+            <a:noAutofit/>
+          </a:bodyPr>
+          <a:lstStyle/>
+          <a:p>
+            <a:pPr marL="0" indent="0" algn="ctr">
+              <a:buNone/>
+            </a:pPr>
+            <a:r>
+              <a:rPr lang="es-CO" sz="2200" dirty="0">
+                <a:latin typeface="Times New Roman" panose="02020603050405020304" pitchFamily="18" charset="0"/>
+                <a:cs typeface="Times New Roman" panose="02020603050405020304" pitchFamily="18" charset="0"/>
+              </a:rPr>
+              <a:t>Estudiantes:</a:t>
+            </a:r>
+          </a:p>
+          <a:p>
+            <a:pPr marL="0" indent="0" algn="ctr">
+              <a:buNone/>
+            </a:pPr>
+            <a:r>
+              <a:rPr lang="es-CO" sz="2200" dirty="0">
+                <a:latin typeface="Times New Roman" panose="02020603050405020304" pitchFamily="18" charset="0"/>
+                <a:cs typeface="Times New Roman" panose="02020603050405020304" pitchFamily="18" charset="0"/>
+              </a:rPr>
+              <a:t>Nelson F. Pinzón</a:t>
+            </a:r>
+          </a:p>
+          <a:p>
+            <a:pPr marL="0" indent="0" algn="ctr">
+              <a:buNone/>
+            </a:pPr>
+            <a:r>
+              <a:rPr lang="es-CO" sz="2200" dirty="0">
+                <a:latin typeface="Times New Roman" panose="02020603050405020304" pitchFamily="18" charset="0"/>
+                <a:cs typeface="Times New Roman" panose="02020603050405020304" pitchFamily="18" charset="0"/>
+              </a:rPr>
+              <a:t>Jeison Davalos</a:t>
+            </a:r>
+          </a:p>
+          <a:p>
+            <a:pPr marL="0" indent="0" algn="ctr">
+              <a:buNone/>
+            </a:pPr>
+            <a:r>
+              <a:rPr lang="es-CO" sz="2200" dirty="0">
+                <a:latin typeface="Times New Roman" panose="02020603050405020304" pitchFamily="18" charset="0"/>
+                <a:cs typeface="Times New Roman" panose="02020603050405020304" pitchFamily="18" charset="0"/>
+              </a:rPr>
+              <a:t>Juan David Nates</a:t>
+            </a:r>
+          </a:p>
+        </p:txBody>
+      </p:sp>
+      <p:sp>
+        <p:nvSpPr>
+          <p:cNvPr id="2" name="CuadroTexto 1">
+            <a:extLst>
+              <a:ext uri="{FF2B5EF4-FFF2-40B4-BE49-F238E27FC236}">
+                <a16:creationId xmlns:a16="http://schemas.microsoft.com/office/drawing/2014/main" id="{B31B1D1A-1E8C-4770-B3E2-2443377F6D6B}"/>
+              </a:ext>
+            </a:extLst>
+          </p:cNvPr>
+          <p:cNvSpPr txBox="1"/>
+          <p:nvPr/>
+        </p:nvSpPr>
+        <p:spPr>
+          <a:xfrm>
+            <a:off x="466549" y="1387578"/>
+            <a:ext cx="8210902" cy="584775"/>
+          </a:xfrm>
+          <a:prstGeom prst="rect">
+            <a:avLst/>
+          </a:prstGeom>
+          <a:noFill/>
+        </p:spPr>
+        <p:txBody>
+          <a:bodyPr wrap="none" rtlCol="0">
+            <a:spAutoFit/>
+          </a:bodyPr>
+          <a:lstStyle/>
+          <a:p>
+            <a:r>
+              <a:rPr lang="es-CO" sz="3200" dirty="0">
+                <a:latin typeface="Times New Roman" panose="02020603050405020304" pitchFamily="18" charset="0"/>
+                <a:cs typeface="Times New Roman" panose="02020603050405020304" pitchFamily="18" charset="0"/>
+              </a:rPr>
+              <a:t>Trabajo final Diseño detallado de bases de Datos</a:t>
+            </a:r>
+          </a:p>
+        </p:txBody>
+      </p:sp>
+    </p:spTree>
+    <p:extLst>
+      <p:ext uri="{BB962C8B-B14F-4D97-AF65-F5344CB8AC3E}">
+        <p14:creationId xmlns:p14="http://schemas.microsoft.com/office/powerpoint/2010/main" val="1675520180"/>
+      </p:ext>
+    </p:extLst>
+  </p:cSld>
+  <p:clrMapOvr>
+    <a:masterClrMapping/>
+  </p:clrMapOvr>
+</p:sld>
+</file>
+
+<file path=ppt/slides/slide3.xml><?xml version="1.0" encoding="utf-8"?>
+<p:sld xmlns:a="http://schemas.openxmlformats.org/drawingml/2006/main" xmlns:r="http://schemas.openxmlformats.org/officeDocument/2006/relationships" xmlns:p="http://schemas.openxmlformats.org/presentationml/2006/main">
+  <p:cSld>
+    <p:bg>
+      <p:bgPr>
+        <a:blipFill rotWithShape="1">
+          <a:blip r:embed="rId2"/>
+          <a:stretch>
+            <a:fillRect/>
+          </a:stretch>
+        </a:blipFill>
+        <a:effectLst/>
+      </p:bgPr>
+    </p:bg>
+    <p:spTree>
+      <p:nvGrpSpPr>
+        <p:cNvPr id="1" name=""/>
+        <p:cNvGrpSpPr/>
+        <p:nvPr/>
+      </p:nvGrpSpPr>
+      <p:grpSpPr>
+        <a:xfrm>
+          <a:off x="0" y="0"/>
+          <a:ext cx="0" cy="0"/>
+          <a:chOff x="0" y="0"/>
+          <a:chExt cx="0" cy="0"/>
+        </a:xfrm>
+      </p:grpSpPr>
+      <p:sp>
+        <p:nvSpPr>
+          <p:cNvPr id="4" name="Content Placeholder 2"/>
+          <p:cNvSpPr>
+            <a:spLocks noGrp="1"/>
+          </p:cNvSpPr>
+          <p:nvPr>
+            <p:ph idx="1"/>
+          </p:nvPr>
+        </p:nvSpPr>
+        <p:spPr>
+          <a:xfrm>
+            <a:off x="1785653" y="2176639"/>
+            <a:ext cx="5572694" cy="1301231"/>
+          </a:xfrm>
+        </p:spPr>
+        <p:txBody>
+          <a:bodyPr>
+            <a:noAutofit/>
+          </a:bodyPr>
+          <a:lstStyle/>
+          <a:p>
+            <a:r>
+              <a:rPr lang="es-CO" sz="2200" dirty="0" err="1">
+                <a:latin typeface="Times New Roman" panose="02020603050405020304" pitchFamily="18" charset="0"/>
+                <a:cs typeface="Times New Roman" panose="02020603050405020304" pitchFamily="18" charset="0"/>
+              </a:rPr>
+              <a:t>Cassandra</a:t>
+            </a:r>
+            <a:endParaRPr lang="es-CO" sz="2200" dirty="0">
+              <a:latin typeface="Times New Roman" panose="02020603050405020304" pitchFamily="18" charset="0"/>
+              <a:cs typeface="Times New Roman" panose="02020603050405020304" pitchFamily="18" charset="0"/>
+            </a:endParaRPr>
+          </a:p>
+          <a:p>
+            <a:r>
+              <a:rPr lang="es-CO" sz="2200" dirty="0">
+                <a:latin typeface="Times New Roman" panose="02020603050405020304" pitchFamily="18" charset="0"/>
+                <a:cs typeface="Times New Roman" panose="02020603050405020304" pitchFamily="18" charset="0"/>
+              </a:rPr>
+              <a:t>Redis</a:t>
+            </a:r>
+          </a:p>
+          <a:p>
+            <a:r>
+              <a:rPr lang="es-CO" sz="2200" dirty="0">
+                <a:latin typeface="Times New Roman" panose="02020603050405020304" pitchFamily="18" charset="0"/>
+                <a:cs typeface="Times New Roman" panose="02020603050405020304" pitchFamily="18" charset="0"/>
+              </a:rPr>
+              <a:t>Ejemplos prácticos</a:t>
+            </a:r>
+          </a:p>
+        </p:txBody>
+      </p:sp>
+      <p:sp>
+        <p:nvSpPr>
+          <p:cNvPr id="2" name="CuadroTexto 1">
+            <a:extLst>
+              <a:ext uri="{FF2B5EF4-FFF2-40B4-BE49-F238E27FC236}">
+                <a16:creationId xmlns:a16="http://schemas.microsoft.com/office/drawing/2014/main" id="{B31B1D1A-1E8C-4770-B3E2-2443377F6D6B}"/>
+              </a:ext>
+            </a:extLst>
+          </p:cNvPr>
+          <p:cNvSpPr txBox="1"/>
+          <p:nvPr/>
+        </p:nvSpPr>
+        <p:spPr>
+          <a:xfrm>
+            <a:off x="1894905" y="1188933"/>
+            <a:ext cx="1462260" cy="584775"/>
+          </a:xfrm>
+          <a:prstGeom prst="rect">
+            <a:avLst/>
+          </a:prstGeom>
+          <a:noFill/>
+        </p:spPr>
+        <p:txBody>
+          <a:bodyPr wrap="none" rtlCol="0">
+            <a:spAutoFit/>
+          </a:bodyPr>
+          <a:lstStyle/>
+          <a:p>
+            <a:r>
+              <a:rPr lang="es-CO" sz="3200" dirty="0">
+                <a:latin typeface="Times New Roman" panose="02020603050405020304" pitchFamily="18" charset="0"/>
+                <a:cs typeface="Times New Roman" panose="02020603050405020304" pitchFamily="18" charset="0"/>
+              </a:rPr>
+              <a:t>Agenda</a:t>
+            </a:r>
+          </a:p>
+        </p:txBody>
+      </p:sp>
+    </p:spTree>
+    <p:extLst>
+      <p:ext uri="{BB962C8B-B14F-4D97-AF65-F5344CB8AC3E}">
+        <p14:creationId xmlns:p14="http://schemas.microsoft.com/office/powerpoint/2010/main" val="1119061851"/>
+      </p:ext>
+    </p:extLst>
+  </p:cSld>
+  <p:clrMapOvr>
+    <a:masterClrMapping/>
+  </p:clrMapOvr>
+</p:sld>
+</file>
+
+<file path=ppt/slides/slide4.xml><?xml version="1.0" encoding="utf-8"?>
+<p:sld xmlns:a="http://schemas.openxmlformats.org/drawingml/2006/main" xmlns:r="http://schemas.openxmlformats.org/officeDocument/2006/relationships" xmlns:p="http://schemas.openxmlformats.org/presentationml/2006/main">
+  <p:cSld>
+    <p:bg>
+      <p:bgPr>
+        <a:blipFill rotWithShape="1">
+          <a:blip r:embed="rId2"/>
+          <a:stretch>
+            <a:fillRect/>
+          </a:stretch>
+        </a:blipFill>
+        <a:effectLst/>
+      </p:bgPr>
+    </p:bg>
+    <p:spTree>
+      <p:nvGrpSpPr>
+        <p:cNvPr id="1" name=""/>
+        <p:cNvGrpSpPr/>
+        <p:nvPr/>
+      </p:nvGrpSpPr>
+      <p:grpSpPr>
+        <a:xfrm>
+          <a:off x="0" y="0"/>
+          <a:ext cx="0" cy="0"/>
+          <a:chOff x="0" y="0"/>
+          <a:chExt cx="0" cy="0"/>
+        </a:xfrm>
+      </p:grpSpPr>
+      <p:sp>
+        <p:nvSpPr>
+          <p:cNvPr id="4" name="Content Placeholder 2"/>
+          <p:cNvSpPr>
+            <a:spLocks noGrp="1"/>
+          </p:cNvSpPr>
+          <p:nvPr>
+            <p:ph idx="1"/>
+          </p:nvPr>
+        </p:nvSpPr>
+        <p:spPr>
+          <a:xfrm>
+            <a:off x="554024" y="786708"/>
+            <a:ext cx="7426352" cy="2472212"/>
+          </a:xfrm>
+        </p:spPr>
+        <p:txBody>
+          <a:bodyPr>
+            <a:normAutofit/>
+          </a:bodyPr>
+          <a:lstStyle/>
+          <a:p>
+            <a:pPr marL="0" indent="0" algn="ctr">
+              <a:buNone/>
+            </a:pPr>
+            <a:r>
+              <a:rPr lang="en-US" b="1" dirty="0">
+                <a:latin typeface="Times New Roman" panose="02020603050405020304" pitchFamily="18" charset="0"/>
+                <a:cs typeface="Times New Roman" panose="02020603050405020304" pitchFamily="18" charset="0"/>
+              </a:rPr>
+              <a:t>¿Que es Cassandra?</a:t>
+            </a:r>
+            <a:endParaRPr lang="es-MX" sz="1500" dirty="0">
+              <a:latin typeface="Times New Roman" panose="02020603050405020304" pitchFamily="18" charset="0"/>
+              <a:cs typeface="Times New Roman" panose="02020603050405020304" pitchFamily="18" charset="0"/>
+            </a:endParaRPr>
+          </a:p>
+          <a:p>
+            <a:pPr marL="0" indent="0" algn="just">
+              <a:buNone/>
+            </a:pPr>
+            <a:r>
+              <a:rPr lang="es-MX" sz="1400" dirty="0">
+                <a:latin typeface="Times New Roman" panose="02020603050405020304" pitchFamily="18" charset="0"/>
+                <a:cs typeface="Times New Roman" panose="02020603050405020304" pitchFamily="18" charset="0"/>
+              </a:rPr>
+              <a:t>Cassandra pertenecea las bases de datos NoSQL columnares, permite distribuirse en diferentes clusteres, por lo que no se encuentra limitada a un unico servidor, lo que reduce la probabilidad de fallo. </a:t>
+            </a:r>
+          </a:p>
+          <a:p>
+            <a:pPr marL="0" indent="0" algn="just">
+              <a:buNone/>
+            </a:pPr>
+            <a:r>
+              <a:rPr lang="es-MX" sz="1400" dirty="0">
+                <a:latin typeface="Times New Roman" panose="02020603050405020304" pitchFamily="18" charset="0"/>
+                <a:cs typeface="Times New Roman" panose="02020603050405020304" pitchFamily="18" charset="0"/>
+              </a:rPr>
+              <a:t>Posee un lenguaje propio de consulta CQL el cual es muy parecido a SQL.</a:t>
+            </a:r>
+          </a:p>
+          <a:p>
+            <a:pPr marL="0" indent="0" algn="just">
+              <a:buNone/>
+            </a:pPr>
+            <a:r>
+              <a:rPr lang="es-MX" sz="1400" dirty="0">
+                <a:latin typeface="Times New Roman" panose="02020603050405020304" pitchFamily="18" charset="0"/>
+                <a:cs typeface="Times New Roman" panose="02020603050405020304" pitchFamily="18" charset="0"/>
+              </a:rPr>
+              <a:t> Es facilmente escalable debido a que se pueden agregar mas nodos. </a:t>
+            </a:r>
+          </a:p>
+          <a:p>
+            <a:pPr marL="0" indent="0" algn="just">
+              <a:buNone/>
+            </a:pPr>
+            <a:r>
+              <a:rPr lang="es-MX" sz="1400" dirty="0">
+                <a:latin typeface="Times New Roman" panose="02020603050405020304" pitchFamily="18" charset="0"/>
+                <a:cs typeface="Times New Roman" panose="02020603050405020304" pitchFamily="18" charset="0"/>
+              </a:rPr>
+              <a:t>Ofrece disponibilidad y tolerancia del teorema CAP, (Seegún el teorema CAP no es posible cumplir con los 3 criterios “Consistencia, tolerancia, disponibilidad”).</a:t>
+            </a:r>
+          </a:p>
+          <a:p>
+            <a:pPr marL="0" indent="0" algn="just">
+              <a:buNone/>
+            </a:pPr>
+            <a:endParaRPr lang="en-US" sz="1500" dirty="0">
+              <a:latin typeface="Times New Roman" panose="02020603050405020304" pitchFamily="18" charset="0"/>
+              <a:cs typeface="Times New Roman" panose="02020603050405020304" pitchFamily="18" charset="0"/>
+            </a:endParaRPr>
+          </a:p>
+        </p:txBody>
+      </p:sp>
+      <p:sp>
+        <p:nvSpPr>
+          <p:cNvPr id="2" name="AutoShape 2">
+            <a:extLst>
+              <a:ext uri="{FF2B5EF4-FFF2-40B4-BE49-F238E27FC236}">
+                <a16:creationId xmlns:a16="http://schemas.microsoft.com/office/drawing/2014/main" id="{AB60BA96-408E-3F41-831D-290326E2CF4B}"/>
+              </a:ext>
+            </a:extLst>
+          </p:cNvPr>
+          <p:cNvSpPr>
+            <a:spLocks noChangeAspect="1" noChangeArrowheads="1"/>
+          </p:cNvSpPr>
+          <p:nvPr/>
+        </p:nvSpPr>
+        <p:spPr bwMode="auto">
+          <a:xfrm>
+            <a:off x="4267200" y="2266950"/>
+            <a:ext cx="304800" cy="304800"/>
+          </a:xfrm>
+          <a:prstGeom prst="rect">
+            <a:avLst/>
+          </a:prstGeom>
+          <a:noFill/>
+          <a:extLst>
+            <a:ext uri="{909E8E84-426E-40DD-AFC4-6F175D3DCCD1}">
+              <a14:hiddenFill xmlns:a14="http://schemas.microsoft.com/office/drawing/2010/main">
+                <a:solidFill>
+                  <a:srgbClr val="FFFFFF"/>
+                </a:solidFill>
+              </a14:hiddenFill>
+            </a:ext>
+          </a:extLst>
+        </p:spPr>
+        <p:txBody>
+          <a:bodyPr vert="horz" wrap="square" lIns="91440" tIns="45720" rIns="91440" bIns="45720" numCol="1" anchor="t" anchorCtr="0" compatLnSpc="1">
+            <a:prstTxWarp prst="textNoShape">
+              <a:avLst/>
+            </a:prstTxWarp>
+          </a:bodyPr>
+          <a:lstStyle/>
+          <a:p>
+            <a:endParaRPr lang="es-CO"/>
+          </a:p>
+        </p:txBody>
+      </p:sp>
+      <p:sp>
+        <p:nvSpPr>
+          <p:cNvPr id="5" name="AutoShape 4">
+            <a:extLst>
+              <a:ext uri="{FF2B5EF4-FFF2-40B4-BE49-F238E27FC236}">
+                <a16:creationId xmlns:a16="http://schemas.microsoft.com/office/drawing/2014/main" id="{E2823BD6-3984-8846-8B92-DB89221BE07D}"/>
+              </a:ext>
+            </a:extLst>
+          </p:cNvPr>
+          <p:cNvSpPr>
+            <a:spLocks noChangeAspect="1" noChangeArrowheads="1"/>
+          </p:cNvSpPr>
+          <p:nvPr/>
+        </p:nvSpPr>
+        <p:spPr bwMode="auto">
+          <a:xfrm>
+            <a:off x="4419600" y="2419350"/>
+            <a:ext cx="1124552" cy="1124552"/>
+          </a:xfrm>
+          <a:prstGeom prst="rect">
+            <a:avLst/>
+          </a:prstGeom>
+          <a:noFill/>
+          <a:extLst>
+            <a:ext uri="{909E8E84-426E-40DD-AFC4-6F175D3DCCD1}">
+              <a14:hiddenFill xmlns:a14="http://schemas.microsoft.com/office/drawing/2010/main">
+                <a:solidFill>
+                  <a:srgbClr val="FFFFFF"/>
+                </a:solidFill>
+              </a14:hiddenFill>
+            </a:ext>
+          </a:extLst>
+        </p:spPr>
+        <p:txBody>
+          <a:bodyPr vert="horz" wrap="square" lIns="91440" tIns="45720" rIns="91440" bIns="45720" numCol="1" anchor="t" anchorCtr="0" compatLnSpc="1">
+            <a:prstTxWarp prst="textNoShape">
+              <a:avLst/>
+            </a:prstTxWarp>
+          </a:bodyPr>
+          <a:lstStyle/>
+          <a:p>
+            <a:endParaRPr lang="es-CO"/>
+          </a:p>
+        </p:txBody>
+      </p:sp>
+      <p:pic>
+        <p:nvPicPr>
+          <p:cNvPr id="7" name="Imagen 6" descr="Diagrama&#10;&#10;Descripción generada automáticamente">
+            <a:extLst>
+              <a:ext uri="{FF2B5EF4-FFF2-40B4-BE49-F238E27FC236}">
+                <a16:creationId xmlns:a16="http://schemas.microsoft.com/office/drawing/2014/main" id="{D3F46403-6C0F-8642-9466-BC892E8799BF}"/>
+              </a:ext>
+            </a:extLst>
+          </p:cNvPr>
+          <p:cNvPicPr>
+            <a:picLocks noChangeAspect="1"/>
+          </p:cNvPicPr>
+          <p:nvPr/>
+        </p:nvPicPr>
+        <p:blipFill>
+          <a:blip r:embed="rId3"/>
+          <a:stretch>
+            <a:fillRect/>
+          </a:stretch>
+        </p:blipFill>
+        <p:spPr>
+          <a:xfrm>
+            <a:off x="5696552" y="2794735"/>
+            <a:ext cx="3350390" cy="2340397"/>
+          </a:xfrm>
+          <a:prstGeom prst="rect">
+            <a:avLst/>
+          </a:prstGeom>
+        </p:spPr>
+      </p:pic>
+    </p:spTree>
+    <p:extLst>
+      <p:ext uri="{BB962C8B-B14F-4D97-AF65-F5344CB8AC3E}">
+        <p14:creationId xmlns:p14="http://schemas.microsoft.com/office/powerpoint/2010/main" val="460351598"/>
+      </p:ext>
+    </p:extLst>
+  </p:cSld>
+  <p:clrMapOvr>
+    <a:masterClrMapping/>
+  </p:clrMapOvr>
+</p:sld>
+</file>
+
+<file path=ppt/slides/slide5.xml><?xml version="1.0" encoding="utf-8"?>
+<p:sld xmlns:a="http://schemas.openxmlformats.org/drawingml/2006/main" xmlns:r="http://schemas.openxmlformats.org/officeDocument/2006/relationships" xmlns:p="http://schemas.openxmlformats.org/presentationml/2006/main">
+  <p:cSld>
+    <p:bg>
+      <p:bgPr>
+        <a:blipFill rotWithShape="1">
+          <a:blip r:embed="rId2"/>
+          <a:stretch>
+            <a:fillRect/>
+          </a:stretch>
+        </a:blipFill>
+        <a:effectLst/>
+      </p:bgPr>
+    </p:bg>
+    <p:spTree>
+      <p:nvGrpSpPr>
+        <p:cNvPr id="1" name=""/>
+        <p:cNvGrpSpPr/>
+        <p:nvPr/>
+      </p:nvGrpSpPr>
+      <p:grpSpPr>
+        <a:xfrm>
+          <a:off x="0" y="0"/>
+          <a:ext cx="0" cy="0"/>
+          <a:chOff x="0" y="0"/>
+          <a:chExt cx="0" cy="0"/>
+        </a:xfrm>
+      </p:grpSpPr>
+      <p:sp>
+        <p:nvSpPr>
+          <p:cNvPr id="2" name="AutoShape 2">
+            <a:extLst>
+              <a:ext uri="{FF2B5EF4-FFF2-40B4-BE49-F238E27FC236}">
+                <a16:creationId xmlns:a16="http://schemas.microsoft.com/office/drawing/2014/main" id="{AB60BA96-408E-3F41-831D-290326E2CF4B}"/>
+              </a:ext>
+            </a:extLst>
+          </p:cNvPr>
+          <p:cNvSpPr>
+            <a:spLocks noChangeAspect="1" noChangeArrowheads="1"/>
+          </p:cNvSpPr>
+          <p:nvPr/>
+        </p:nvSpPr>
+        <p:spPr bwMode="auto">
+          <a:xfrm>
+            <a:off x="4267200" y="2266950"/>
+            <a:ext cx="304800" cy="304800"/>
+          </a:xfrm>
+          <a:prstGeom prst="rect">
+            <a:avLst/>
+          </a:prstGeom>
+          <a:noFill/>
+          <a:extLst>
+            <a:ext uri="{909E8E84-426E-40DD-AFC4-6F175D3DCCD1}">
+              <a14:hiddenFill xmlns:a14="http://schemas.microsoft.com/office/drawing/2010/main">
+                <a:solidFill>
+                  <a:srgbClr val="FFFFFF"/>
+                </a:solidFill>
+              </a14:hiddenFill>
+            </a:ext>
+          </a:extLst>
+        </p:spPr>
+        <p:txBody>
+          <a:bodyPr vert="horz" wrap="square" lIns="91440" tIns="45720" rIns="91440" bIns="45720" numCol="1" anchor="t" anchorCtr="0" compatLnSpc="1">
+            <a:prstTxWarp prst="textNoShape">
+              <a:avLst/>
+            </a:prstTxWarp>
+          </a:bodyPr>
+          <a:lstStyle/>
+          <a:p>
+            <a:endParaRPr lang="es-CO"/>
+          </a:p>
+        </p:txBody>
+      </p:sp>
+      <p:sp>
+        <p:nvSpPr>
+          <p:cNvPr id="5" name="AutoShape 4">
+            <a:extLst>
+              <a:ext uri="{FF2B5EF4-FFF2-40B4-BE49-F238E27FC236}">
+                <a16:creationId xmlns:a16="http://schemas.microsoft.com/office/drawing/2014/main" id="{E2823BD6-3984-8846-8B92-DB89221BE07D}"/>
+              </a:ext>
+            </a:extLst>
+          </p:cNvPr>
+          <p:cNvSpPr>
+            <a:spLocks noChangeAspect="1" noChangeArrowheads="1"/>
+          </p:cNvSpPr>
+          <p:nvPr/>
+        </p:nvSpPr>
+        <p:spPr bwMode="auto">
+          <a:xfrm>
+            <a:off x="4419600" y="2419350"/>
+            <a:ext cx="1124552" cy="1124552"/>
+          </a:xfrm>
+          <a:prstGeom prst="rect">
+            <a:avLst/>
+          </a:prstGeom>
+          <a:noFill/>
+          <a:extLst>
+            <a:ext uri="{909E8E84-426E-40DD-AFC4-6F175D3DCCD1}">
+              <a14:hiddenFill xmlns:a14="http://schemas.microsoft.com/office/drawing/2010/main">
+                <a:solidFill>
+                  <a:srgbClr val="FFFFFF"/>
+                </a:solidFill>
+              </a14:hiddenFill>
+            </a:ext>
+          </a:extLst>
+        </p:spPr>
+        <p:txBody>
+          <a:bodyPr vert="horz" wrap="square" lIns="91440" tIns="45720" rIns="91440" bIns="45720" numCol="1" anchor="t" anchorCtr="0" compatLnSpc="1">
+            <a:prstTxWarp prst="textNoShape">
+              <a:avLst/>
+            </a:prstTxWarp>
+          </a:bodyPr>
+          <a:lstStyle/>
+          <a:p>
+            <a:endParaRPr lang="es-CO"/>
+          </a:p>
+        </p:txBody>
+      </p:sp>
+      <p:pic>
+        <p:nvPicPr>
+          <p:cNvPr id="9" name="Marcador de contenido 8" descr="Diagrama&#10;&#10;Descripción generada automáticamente">
+            <a:extLst>
+              <a:ext uri="{FF2B5EF4-FFF2-40B4-BE49-F238E27FC236}">
+                <a16:creationId xmlns:a16="http://schemas.microsoft.com/office/drawing/2014/main" id="{1D69FEAA-C053-C042-8EAA-C29AF94D8058}"/>
+              </a:ext>
+            </a:extLst>
+          </p:cNvPr>
+          <p:cNvPicPr>
+            <a:picLocks noGrp="1" noChangeAspect="1"/>
+          </p:cNvPicPr>
+          <p:nvPr>
+            <p:ph idx="1"/>
+          </p:nvPr>
+        </p:nvPicPr>
+        <p:blipFill>
+          <a:blip r:embed="rId3"/>
+          <a:stretch>
+            <a:fillRect/>
+          </a:stretch>
+        </p:blipFill>
+        <p:spPr>
+          <a:xfrm>
+            <a:off x="2085749" y="1200150"/>
+            <a:ext cx="4972502" cy="3394075"/>
+          </a:xfrm>
+        </p:spPr>
+      </p:pic>
+    </p:spTree>
+    <p:extLst>
+      <p:ext uri="{BB962C8B-B14F-4D97-AF65-F5344CB8AC3E}">
+        <p14:creationId xmlns:p14="http://schemas.microsoft.com/office/powerpoint/2010/main" val="3891205510"/>
+      </p:ext>
+    </p:extLst>
+  </p:cSld>
+  <p:clrMapOvr>
+    <a:masterClrMapping/>
+  </p:clrMapOvr>
+</p:sld>
+</file>
+
+<file path=ppt/slides/slide6.xml><?xml version="1.0" encoding="utf-8"?>
+<p:sld xmlns:a="http://schemas.openxmlformats.org/drawingml/2006/main" xmlns:r="http://schemas.openxmlformats.org/officeDocument/2006/relationships" xmlns:p="http://schemas.openxmlformats.org/presentationml/2006/main">
+  <p:cSld>
+    <p:bg>
+      <p:bgPr>
+        <a:blipFill rotWithShape="1">
+          <a:blip r:embed="rId2"/>
+          <a:stretch>
+            <a:fillRect/>
+          </a:stretch>
+        </a:blipFill>
+        <a:effectLst/>
+      </p:bgPr>
+    </p:bg>
+    <p:spTree>
+      <p:nvGrpSpPr>
+        <p:cNvPr id="1" name=""/>
+        <p:cNvGrpSpPr/>
+        <p:nvPr/>
+      </p:nvGrpSpPr>
+      <p:grpSpPr>
+        <a:xfrm>
+          <a:off x="0" y="0"/>
+          <a:ext cx="0" cy="0"/>
+          <a:chOff x="0" y="0"/>
+          <a:chExt cx="0" cy="0"/>
+        </a:xfrm>
+      </p:grpSpPr>
+      <p:sp>
+        <p:nvSpPr>
+          <p:cNvPr id="4" name="Content Placeholder 2"/>
+          <p:cNvSpPr>
+            <a:spLocks noGrp="1"/>
+          </p:cNvSpPr>
+          <p:nvPr>
+            <p:ph idx="1"/>
+          </p:nvPr>
+        </p:nvSpPr>
+        <p:spPr>
+          <a:xfrm>
+            <a:off x="1095891" y="1038798"/>
+            <a:ext cx="7426352" cy="2472212"/>
+          </a:xfrm>
+        </p:spPr>
+        <p:txBody>
+          <a:bodyPr>
+            <a:normAutofit fontScale="25000" lnSpcReduction="20000"/>
+          </a:bodyPr>
+          <a:lstStyle/>
+          <a:p>
+            <a:pPr marL="0" indent="0" algn="ctr">
+              <a:buNone/>
+            </a:pPr>
+            <a:r>
+              <a:rPr lang="en-US" sz="12800" b="1" dirty="0">
+                <a:latin typeface="Times New Roman" panose="02020603050405020304" pitchFamily="18" charset="0"/>
+                <a:cs typeface="Times New Roman" panose="02020603050405020304" pitchFamily="18" charset="0"/>
+              </a:rPr>
+              <a:t>¿</a:t>
+            </a:r>
+            <a:r>
+              <a:rPr lang="en-US" sz="12800" b="1" dirty="0" err="1">
+                <a:latin typeface="Times New Roman" panose="02020603050405020304" pitchFamily="18" charset="0"/>
+                <a:cs typeface="Times New Roman" panose="02020603050405020304" pitchFamily="18" charset="0"/>
+              </a:rPr>
+              <a:t>Cuando</a:t>
+            </a:r>
+            <a:r>
+              <a:rPr lang="en-US" sz="12800" b="1" dirty="0">
+                <a:latin typeface="Times New Roman" panose="02020603050405020304" pitchFamily="18" charset="0"/>
+                <a:cs typeface="Times New Roman" panose="02020603050405020304" pitchFamily="18" charset="0"/>
+              </a:rPr>
+              <a:t> usar </a:t>
+            </a:r>
+            <a:r>
+              <a:rPr lang="en-US" sz="12800" b="1" dirty="0" err="1">
+                <a:latin typeface="Times New Roman" panose="02020603050405020304" pitchFamily="18" charset="0"/>
+                <a:cs typeface="Times New Roman" panose="02020603050405020304" pitchFamily="18" charset="0"/>
+              </a:rPr>
+              <a:t>cassandra</a:t>
+            </a:r>
+            <a:r>
+              <a:rPr lang="en-US" sz="12800" b="1" dirty="0">
+                <a:latin typeface="Times New Roman" panose="02020603050405020304" pitchFamily="18" charset="0"/>
+                <a:cs typeface="Times New Roman" panose="02020603050405020304" pitchFamily="18" charset="0"/>
+              </a:rPr>
+              <a:t>?</a:t>
+            </a:r>
+          </a:p>
+          <a:p>
+            <a:pPr marL="0" indent="0" algn="just">
+              <a:buNone/>
+            </a:pPr>
+            <a:endParaRPr lang="es-MX" sz="6000" dirty="0">
+              <a:latin typeface="Times New Roman" panose="02020603050405020304" pitchFamily="18" charset="0"/>
+              <a:cs typeface="Times New Roman" panose="02020603050405020304" pitchFamily="18" charset="0"/>
+            </a:endParaRPr>
+          </a:p>
+          <a:p>
+            <a:pPr marL="0" indent="0" algn="just">
+              <a:buNone/>
+            </a:pPr>
+            <a:r>
+              <a:rPr lang="es-MX" sz="6000" dirty="0">
+                <a:latin typeface="Times New Roman" panose="02020603050405020304" pitchFamily="18" charset="0"/>
+                <a:cs typeface="Times New Roman" panose="02020603050405020304" pitchFamily="18" charset="0"/>
+              </a:rPr>
+              <a:t>Cuando cumplamos con los siguientes puntos será un buen momento para plantearnos </a:t>
+            </a:r>
+            <a:r>
+              <a:rPr lang="es-MX" sz="6000" dirty="0" err="1">
+                <a:latin typeface="Times New Roman" panose="02020603050405020304" pitchFamily="18" charset="0"/>
+                <a:cs typeface="Times New Roman" panose="02020603050405020304" pitchFamily="18" charset="0"/>
+              </a:rPr>
+              <a:t>Cassandra</a:t>
+            </a:r>
+            <a:r>
+              <a:rPr lang="es-MX" sz="6000" dirty="0">
+                <a:latin typeface="Times New Roman" panose="02020603050405020304" pitchFamily="18" charset="0"/>
+                <a:cs typeface="Times New Roman" panose="02020603050405020304" pitchFamily="18" charset="0"/>
+              </a:rPr>
+              <a:t>:</a:t>
+            </a:r>
+          </a:p>
+          <a:p>
+            <a:pPr marL="0" indent="0" algn="just">
+              <a:buNone/>
+            </a:pPr>
+            <a:endParaRPr lang="es-MX" sz="6000" dirty="0">
+              <a:latin typeface="Times New Roman" panose="02020603050405020304" pitchFamily="18" charset="0"/>
+              <a:cs typeface="Times New Roman" panose="02020603050405020304" pitchFamily="18" charset="0"/>
+            </a:endParaRPr>
+          </a:p>
+          <a:p>
+            <a:pPr algn="just"/>
+            <a:r>
+              <a:rPr lang="es-MX" sz="6000" dirty="0">
+                <a:latin typeface="Times New Roman" panose="02020603050405020304" pitchFamily="18" charset="0"/>
+                <a:cs typeface="Times New Roman" panose="02020603050405020304" pitchFamily="18" charset="0"/>
+              </a:rPr>
+              <a:t>Como hemos comentado, las escrituras son muy rápidas, por lo que cuando tengamos un gran número de escrituras que supere las lecturas será buen momento para empezar a pensar en </a:t>
+            </a:r>
+            <a:r>
+              <a:rPr lang="es-MX" sz="6000" dirty="0" err="1">
+                <a:latin typeface="Times New Roman" panose="02020603050405020304" pitchFamily="18" charset="0"/>
+                <a:cs typeface="Times New Roman" panose="02020603050405020304" pitchFamily="18" charset="0"/>
+              </a:rPr>
+              <a:t>Cassandra</a:t>
+            </a:r>
+            <a:r>
+              <a:rPr lang="es-MX" sz="6000" dirty="0">
+                <a:latin typeface="Times New Roman" panose="02020603050405020304" pitchFamily="18" charset="0"/>
+                <a:cs typeface="Times New Roman" panose="02020603050405020304" pitchFamily="18" charset="0"/>
+              </a:rPr>
+              <a:t>.</a:t>
+            </a:r>
+          </a:p>
+          <a:p>
+            <a:pPr algn="just"/>
+            <a:r>
+              <a:rPr lang="es-MX" sz="6000" dirty="0">
+                <a:latin typeface="Times New Roman" panose="02020603050405020304" pitchFamily="18" charset="0"/>
+                <a:cs typeface="Times New Roman" panose="02020603050405020304" pitchFamily="18" charset="0"/>
+              </a:rPr>
+              <a:t>Si la lectura es realizada a través de una </a:t>
+            </a:r>
+            <a:r>
+              <a:rPr lang="es-MX" sz="6000" dirty="0" err="1">
+                <a:latin typeface="Times New Roman" panose="02020603050405020304" pitchFamily="18" charset="0"/>
+                <a:cs typeface="Times New Roman" panose="02020603050405020304" pitchFamily="18" charset="0"/>
+              </a:rPr>
+              <a:t>primary</a:t>
+            </a:r>
+            <a:r>
+              <a:rPr lang="es-MX" sz="6000" dirty="0">
+                <a:latin typeface="Times New Roman" panose="02020603050405020304" pitchFamily="18" charset="0"/>
+                <a:cs typeface="Times New Roman" panose="02020603050405020304" pitchFamily="18" charset="0"/>
+              </a:rPr>
+              <a:t> </a:t>
+            </a:r>
+            <a:r>
+              <a:rPr lang="es-MX" sz="6000" dirty="0" err="1">
+                <a:latin typeface="Times New Roman" panose="02020603050405020304" pitchFamily="18" charset="0"/>
+                <a:cs typeface="Times New Roman" panose="02020603050405020304" pitchFamily="18" charset="0"/>
+              </a:rPr>
+              <a:t>key</a:t>
+            </a:r>
+            <a:r>
+              <a:rPr lang="es-MX" sz="6000" dirty="0">
+                <a:latin typeface="Times New Roman" panose="02020603050405020304" pitchFamily="18" charset="0"/>
+                <a:cs typeface="Times New Roman" panose="02020603050405020304" pitchFamily="18" charset="0"/>
+              </a:rPr>
+              <a:t>, ya que de otro modo la lectura será muy penalizada.</a:t>
+            </a:r>
+          </a:p>
+          <a:p>
+            <a:pPr algn="just"/>
+            <a:r>
+              <a:rPr lang="es-MX" sz="6000" dirty="0">
+                <a:latin typeface="Times New Roman" panose="02020603050405020304" pitchFamily="18" charset="0"/>
+                <a:cs typeface="Times New Roman" panose="02020603050405020304" pitchFamily="18" charset="0"/>
+              </a:rPr>
+              <a:t>En el caso en el que necesitemos guardar datos de una manera flexible, es decir, no teniendo todos los campos de nuestra estructura.</a:t>
+            </a:r>
+          </a:p>
+          <a:p>
+            <a:pPr algn="just"/>
+            <a:r>
+              <a:rPr lang="es-MX" sz="6000" dirty="0">
+                <a:latin typeface="Times New Roman" panose="02020603050405020304" pitchFamily="18" charset="0"/>
+                <a:cs typeface="Times New Roman" panose="02020603050405020304" pitchFamily="18" charset="0"/>
+              </a:rPr>
+              <a:t>Siempre y cuando no pensemos en realizar </a:t>
+            </a:r>
+            <a:r>
+              <a:rPr lang="es-MX" sz="6000" dirty="0" err="1">
+                <a:latin typeface="Times New Roman" panose="02020603050405020304" pitchFamily="18" charset="0"/>
+                <a:cs typeface="Times New Roman" panose="02020603050405020304" pitchFamily="18" charset="0"/>
+              </a:rPr>
+              <a:t>joins</a:t>
+            </a:r>
+            <a:r>
+              <a:rPr lang="es-MX" sz="6000" dirty="0">
+                <a:latin typeface="Times New Roman" panose="02020603050405020304" pitchFamily="18" charset="0"/>
+                <a:cs typeface="Times New Roman" panose="02020603050405020304" pitchFamily="18" charset="0"/>
+              </a:rPr>
+              <a:t>.</a:t>
+            </a:r>
+          </a:p>
+          <a:p>
+            <a:pPr algn="just"/>
+            <a:r>
+              <a:rPr lang="es-MX" sz="6000" dirty="0">
+                <a:latin typeface="Times New Roman" panose="02020603050405020304" pitchFamily="18" charset="0"/>
+                <a:cs typeface="Times New Roman" panose="02020603050405020304" pitchFamily="18" charset="0"/>
+              </a:rPr>
+              <a:t>Cuando la información sea actualizada de manera frecuente.</a:t>
+            </a:r>
+            <a:endParaRPr lang="en-US" sz="6000" dirty="0">
+              <a:latin typeface="Times New Roman" panose="02020603050405020304" pitchFamily="18" charset="0"/>
+              <a:cs typeface="Times New Roman" panose="02020603050405020304" pitchFamily="18" charset="0"/>
+            </a:endParaRPr>
+          </a:p>
+        </p:txBody>
+      </p:sp>
+    </p:spTree>
+    <p:extLst>
+      <p:ext uri="{BB962C8B-B14F-4D97-AF65-F5344CB8AC3E}">
+        <p14:creationId xmlns:p14="http://schemas.microsoft.com/office/powerpoint/2010/main" val="3862649840"/>
+      </p:ext>
+    </p:extLst>
+  </p:cSld>
+  <p:clrMapOvr>
+    <a:masterClrMapping/>
+  </p:clrMapOvr>
+</p:sld>
+</file>
+
+<file path=ppt/slides/slide7.xml><?xml version="1.0" encoding="utf-8"?>
+<p:sld xmlns:a="http://schemas.openxmlformats.org/drawingml/2006/main" xmlns:r="http://schemas.openxmlformats.org/officeDocument/2006/relationships" xmlns:p="http://schemas.openxmlformats.org/presentationml/2006/main">
+  <p:cSld>
+    <p:bg>
+      <p:bgPr>
+        <a:blipFill rotWithShape="1">
+          <a:blip r:embed="rId2"/>
+          <a:stretch>
+            <a:fillRect/>
+          </a:stretch>
+        </a:blipFill>
+        <a:effectLst/>
+      </p:bgPr>
+    </p:bg>
+    <p:spTree>
+      <p:nvGrpSpPr>
+        <p:cNvPr id="1" name=""/>
+        <p:cNvGrpSpPr/>
+        <p:nvPr/>
+      </p:nvGrpSpPr>
+      <p:grpSpPr>
+        <a:xfrm>
+          <a:off x="0" y="0"/>
+          <a:ext cx="0" cy="0"/>
+          <a:chOff x="0" y="0"/>
+          <a:chExt cx="0" cy="0"/>
+        </a:xfrm>
+      </p:grpSpPr>
+      <p:sp>
+        <p:nvSpPr>
+          <p:cNvPr id="4" name="Content Placeholder 2"/>
+          <p:cNvSpPr>
+            <a:spLocks noGrp="1"/>
+          </p:cNvSpPr>
+          <p:nvPr>
+            <p:ph idx="1"/>
+          </p:nvPr>
+        </p:nvSpPr>
+        <p:spPr>
+          <a:xfrm>
+            <a:off x="858824" y="1016110"/>
+            <a:ext cx="7426352" cy="2472212"/>
+          </a:xfrm>
+        </p:spPr>
+        <p:txBody>
+          <a:bodyPr/>
+          <a:lstStyle/>
+          <a:p>
+            <a:pPr marL="0" indent="0" algn="ctr">
+              <a:buNone/>
+            </a:pPr>
+            <a:r>
+              <a:rPr lang="en-US" b="1" dirty="0">
+                <a:latin typeface="Times New Roman" panose="02020603050405020304" pitchFamily="18" charset="0"/>
+                <a:cs typeface="Times New Roman" panose="02020603050405020304" pitchFamily="18" charset="0"/>
+              </a:rPr>
+              <a:t>¿Que es Redis?</a:t>
+            </a:r>
+          </a:p>
+          <a:p>
+            <a:pPr marL="0" indent="0">
+              <a:buNone/>
+            </a:pPr>
+            <a:endParaRPr lang="es-MX" sz="1500" dirty="0">
+              <a:latin typeface="Times New Roman" panose="02020603050405020304" pitchFamily="18" charset="0"/>
+              <a:cs typeface="Times New Roman" panose="02020603050405020304" pitchFamily="18" charset="0"/>
+            </a:endParaRPr>
+          </a:p>
+          <a:p>
+            <a:pPr marL="0" indent="0">
+              <a:buNone/>
+            </a:pPr>
+            <a:endParaRPr lang="es-MX" sz="1500" dirty="0">
+              <a:latin typeface="Times New Roman" panose="02020603050405020304" pitchFamily="18" charset="0"/>
+              <a:cs typeface="Times New Roman" panose="02020603050405020304" pitchFamily="18" charset="0"/>
+            </a:endParaRPr>
+          </a:p>
+          <a:p>
+            <a:pPr marL="0" indent="0">
+              <a:buNone/>
+            </a:pPr>
+            <a:r>
+              <a:rPr lang="es-MX" sz="1500" dirty="0">
+                <a:latin typeface="Times New Roman" panose="02020603050405020304" pitchFamily="18" charset="0"/>
+                <a:cs typeface="Times New Roman" panose="02020603050405020304" pitchFamily="18" charset="0"/>
+              </a:rPr>
+              <a:t>Redis es un motor de base de datos en memoria, basado en el almacenamiento en tablas de hashes (clave/valor) pero que opcionalmente puede ser usada como una base de datos durable o persistente. Su importante característica permite reutilizar datos guardados en la caché, lo cual permite obtener esta información mucho más rápido que ir hasta el disco duro.</a:t>
+            </a:r>
+            <a:endParaRPr lang="en-US" sz="1500" dirty="0">
+              <a:latin typeface="Times New Roman" panose="02020603050405020304" pitchFamily="18" charset="0"/>
+              <a:cs typeface="Times New Roman" panose="02020603050405020304" pitchFamily="18" charset="0"/>
+            </a:endParaRPr>
+          </a:p>
+        </p:txBody>
+      </p:sp>
+    </p:spTree>
+    <p:extLst>
+      <p:ext uri="{BB962C8B-B14F-4D97-AF65-F5344CB8AC3E}">
+        <p14:creationId xmlns:p14="http://schemas.microsoft.com/office/powerpoint/2010/main" val="2993715308"/>
+      </p:ext>
+    </p:extLst>
+  </p:cSld>
+  <p:clrMapOvr>
+    <a:masterClrMapping/>
+  </p:clrMapOvr>
+</p:sld>
+</file>
+
+<file path=ppt/slides/slide8.xml><?xml version="1.0" encoding="utf-8"?>
+<p:sld xmlns:a="http://schemas.openxmlformats.org/drawingml/2006/main" xmlns:r="http://schemas.openxmlformats.org/officeDocument/2006/relationships" xmlns:p="http://schemas.openxmlformats.org/presentationml/2006/main">
+  <p:cSld>
+    <p:bg>
+      <p:bgPr>
+        <a:blipFill rotWithShape="1">
+          <a:blip r:embed="rId2"/>
+          <a:stretch>
+            <a:fillRect/>
+          </a:stretch>
+        </a:blipFill>
+        <a:effectLst/>
+      </p:bgPr>
+    </p:bg>
+    <p:spTree>
+      <p:nvGrpSpPr>
+        <p:cNvPr id="1" name=""/>
+        <p:cNvGrpSpPr/>
+        <p:nvPr/>
+      </p:nvGrpSpPr>
+      <p:grpSpPr>
+        <a:xfrm>
+          <a:off x="0" y="0"/>
+          <a:ext cx="0" cy="0"/>
+          <a:chOff x="0" y="0"/>
+          <a:chExt cx="0" cy="0"/>
+        </a:xfrm>
+      </p:grpSpPr>
+      <p:sp>
+        <p:nvSpPr>
+          <p:cNvPr id="4" name="Content Placeholder 2"/>
+          <p:cNvSpPr>
+            <a:spLocks noGrp="1"/>
+          </p:cNvSpPr>
+          <p:nvPr>
+            <p:ph idx="1"/>
+          </p:nvPr>
+        </p:nvSpPr>
+        <p:spPr>
+          <a:xfrm>
+            <a:off x="1129758" y="880643"/>
+            <a:ext cx="7426352" cy="2472212"/>
+          </a:xfrm>
+        </p:spPr>
+        <p:txBody>
+          <a:bodyPr>
+            <a:normAutofit fontScale="25000" lnSpcReduction="20000"/>
+          </a:bodyPr>
+          <a:lstStyle/>
+          <a:p>
+            <a:pPr marL="0" indent="0" algn="ctr">
+              <a:buNone/>
+            </a:pPr>
+            <a:r>
+              <a:rPr lang="es-MX" sz="12800" b="1" dirty="0">
+                <a:latin typeface="Times New Roman" panose="02020603050405020304" pitchFamily="18" charset="0"/>
+                <a:cs typeface="Times New Roman" panose="02020603050405020304" pitchFamily="18" charset="0"/>
+              </a:rPr>
+              <a:t>¿Cuándo usar Redis?</a:t>
+            </a:r>
+          </a:p>
+          <a:p>
+            <a:pPr marL="0" indent="0" algn="just">
+              <a:buNone/>
+            </a:pPr>
+            <a:endParaRPr lang="es-MX" sz="6000" dirty="0">
+              <a:latin typeface="Times New Roman" panose="02020603050405020304" pitchFamily="18" charset="0"/>
+              <a:cs typeface="Times New Roman" panose="02020603050405020304" pitchFamily="18" charset="0"/>
+            </a:endParaRPr>
+          </a:p>
+          <a:p>
+            <a:pPr marL="0" indent="0" algn="just">
+              <a:buNone/>
+            </a:pPr>
+            <a:r>
+              <a:rPr lang="es-MX" sz="6000" dirty="0">
+                <a:latin typeface="Times New Roman" panose="02020603050405020304" pitchFamily="18" charset="0"/>
+                <a:cs typeface="Times New Roman" panose="02020603050405020304" pitchFamily="18" charset="0"/>
+              </a:rPr>
+              <a:t>El uso de Redis es altamente recomendable cuando la velocidad de acceso y tiempos de respuesta son críticos para una solución de negocio. Su uso es también indicado cuando se trabaja con aplicaciones en tiempo real, lo cual requiere que los datos se encuentren rápidamente accesibles para mejorar los tiempos de respuesta. Entre los casos de uso más comunes podemos encontrar:</a:t>
+            </a:r>
+          </a:p>
+          <a:p>
+            <a:pPr marL="0" indent="0" algn="just">
+              <a:buNone/>
+            </a:pPr>
+            <a:endParaRPr lang="es-MX" sz="6000" dirty="0">
+              <a:latin typeface="Times New Roman" panose="02020603050405020304" pitchFamily="18" charset="0"/>
+              <a:cs typeface="Times New Roman" panose="02020603050405020304" pitchFamily="18" charset="0"/>
+            </a:endParaRPr>
+          </a:p>
+          <a:p>
+            <a:pPr algn="just"/>
+            <a:r>
+              <a:rPr lang="es-MX" sz="6000" dirty="0">
+                <a:latin typeface="Times New Roman" panose="02020603050405020304" pitchFamily="18" charset="0"/>
+                <a:cs typeface="Times New Roman" panose="02020603050405020304" pitchFamily="18" charset="0"/>
+              </a:rPr>
+              <a:t>Sistemas de chat y mensajería</a:t>
+            </a:r>
+          </a:p>
+          <a:p>
+            <a:pPr algn="just"/>
+            <a:r>
+              <a:rPr lang="es-MX" sz="6000" dirty="0">
+                <a:latin typeface="Times New Roman" panose="02020603050405020304" pitchFamily="18" charset="0"/>
+                <a:cs typeface="Times New Roman" panose="02020603050405020304" pitchFamily="18" charset="0"/>
+              </a:rPr>
+              <a:t>Listado de elementos más recientes</a:t>
+            </a:r>
+          </a:p>
+          <a:p>
+            <a:pPr algn="just"/>
+            <a:r>
+              <a:rPr lang="es-MX" sz="6000" dirty="0">
+                <a:latin typeface="Times New Roman" panose="02020603050405020304" pitchFamily="18" charset="0"/>
+                <a:cs typeface="Times New Roman" panose="02020603050405020304" pitchFamily="18" charset="0"/>
+              </a:rPr>
+              <a:t>Contadores y uso de estadísticas en tiempo real</a:t>
+            </a:r>
+          </a:p>
+          <a:p>
+            <a:pPr algn="just"/>
+            <a:r>
+              <a:rPr lang="es-MX" sz="6000" dirty="0">
+                <a:latin typeface="Times New Roman" panose="02020603050405020304" pitchFamily="18" charset="0"/>
+                <a:cs typeface="Times New Roman" panose="02020603050405020304" pitchFamily="18" charset="0"/>
+              </a:rPr>
+              <a:t>Manejo y administración de carros de compra en línea</a:t>
+            </a:r>
+          </a:p>
+          <a:p>
+            <a:pPr algn="just"/>
+            <a:r>
+              <a:rPr lang="es-MX" sz="6000" dirty="0">
+                <a:latin typeface="Times New Roman" panose="02020603050405020304" pitchFamily="18" charset="0"/>
+                <a:cs typeface="Times New Roman" panose="02020603050405020304" pitchFamily="18" charset="0"/>
+              </a:rPr>
+              <a:t>Almacenamiento de sesiones de usuario dentro de una aplicación</a:t>
+            </a:r>
+          </a:p>
+          <a:p>
+            <a:pPr algn="just"/>
+            <a:r>
+              <a:rPr lang="es-MX" sz="6000" dirty="0">
+                <a:latin typeface="Times New Roman" panose="02020603050405020304" pitchFamily="18" charset="0"/>
+                <a:cs typeface="Times New Roman" panose="02020603050405020304" pitchFamily="18" charset="0"/>
+              </a:rPr>
+              <a:t>Soporte como caché de páginas web</a:t>
+            </a:r>
+            <a:endParaRPr lang="en-US" sz="6000" dirty="0">
+              <a:latin typeface="Times New Roman" panose="02020603050405020304" pitchFamily="18" charset="0"/>
+              <a:cs typeface="Times New Roman" panose="02020603050405020304" pitchFamily="18" charset="0"/>
+            </a:endParaRPr>
+          </a:p>
+        </p:txBody>
+      </p:sp>
+    </p:spTree>
+    <p:extLst>
+      <p:ext uri="{BB962C8B-B14F-4D97-AF65-F5344CB8AC3E}">
+        <p14:creationId xmlns:p14="http://schemas.microsoft.com/office/powerpoint/2010/main" val="2627377535"/>
+      </p:ext>
+    </p:extLst>
+  </p:cSld>
+  <p:clrMapOvr>
+    <a:masterClrMapping/>
+  </p:clrMapOvr>
+</p:sld>
+</file>
+
+<file path=ppt/slides/slide9.xml><?xml version="1.0" encoding="utf-8"?>
+<p:sld xmlns:a="http://schemas.openxmlformats.org/drawingml/2006/main" xmlns:r="http://schemas.openxmlformats.org/officeDocument/2006/relationships" xmlns:p="http://schemas.openxmlformats.org/presentationml/2006/main">
+  <p:cSld>
+    <p:bg>
+      <p:bgPr>
+        <a:blipFill rotWithShape="1">
+          <a:blip r:embed="rId2"/>
+          <a:stretch>
+            <a:fillRect/>
+          </a:stretch>
+        </a:blipFill>
+        <a:effectLst/>
+      </p:bgPr>
+    </p:bg>
+    <p:spTree>
+      <p:nvGrpSpPr>
+        <p:cNvPr id="1" name=""/>
+        <p:cNvGrpSpPr/>
+        <p:nvPr/>
+      </p:nvGrpSpPr>
+      <p:grpSpPr>
+        <a:xfrm>
+          <a:off x="0" y="0"/>
+          <a:ext cx="0" cy="0"/>
+          <a:chOff x="0" y="0"/>
+          <a:chExt cx="0" cy="0"/>
+        </a:xfrm>
+      </p:grpSpPr>
+      <p:sp>
+        <p:nvSpPr>
+          <p:cNvPr id="4" name="Content Placeholder 2"/>
+          <p:cNvSpPr>
+            <a:spLocks noGrp="1"/>
+          </p:cNvSpPr>
+          <p:nvPr>
+            <p:ph idx="1"/>
+          </p:nvPr>
+        </p:nvSpPr>
+        <p:spPr>
+          <a:xfrm>
+            <a:off x="1079308" y="1709910"/>
+            <a:ext cx="7426352" cy="1345448"/>
+          </a:xfrm>
+        </p:spPr>
+        <p:txBody>
+          <a:bodyPr>
+            <a:normAutofit/>
+          </a:bodyPr>
+          <a:lstStyle/>
+          <a:p>
+            <a:pPr marL="0" indent="0" algn="ctr">
+              <a:buNone/>
+            </a:pPr>
+            <a:r>
+              <a:rPr lang="es-MX" b="1" dirty="0">
+                <a:latin typeface="Times New Roman" panose="02020603050405020304" pitchFamily="18" charset="0"/>
+                <a:cs typeface="Times New Roman" panose="02020603050405020304" pitchFamily="18" charset="0"/>
+              </a:rPr>
+              <a:t>Ejemplo</a:t>
+            </a:r>
+            <a:r>
+              <a:rPr lang="es-MX" sz="5100" b="1" dirty="0">
+                <a:latin typeface="Times New Roman" panose="02020603050405020304" pitchFamily="18" charset="0"/>
+                <a:cs typeface="Times New Roman" panose="02020603050405020304" pitchFamily="18" charset="0"/>
+              </a:rPr>
+              <a:t> </a:t>
+            </a:r>
+            <a:r>
+              <a:rPr lang="es-MX" b="1" dirty="0">
+                <a:latin typeface="Times New Roman" panose="02020603050405020304" pitchFamily="18" charset="0"/>
+                <a:cs typeface="Times New Roman" panose="02020603050405020304" pitchFamily="18" charset="0"/>
+              </a:rPr>
+              <a:t>práctico</a:t>
+            </a:r>
+          </a:p>
+          <a:p>
+            <a:pPr marL="0" indent="0" algn="just">
+              <a:buNone/>
+            </a:pPr>
+            <a:endParaRPr lang="es-MX" sz="6000" dirty="0">
+              <a:latin typeface="Times New Roman" panose="02020603050405020304" pitchFamily="18" charset="0"/>
+              <a:cs typeface="Times New Roman" panose="02020603050405020304" pitchFamily="18" charset="0"/>
+            </a:endParaRPr>
+          </a:p>
+        </p:txBody>
+      </p:sp>
+    </p:spTree>
+    <p:extLst>
+      <p:ext uri="{BB962C8B-B14F-4D97-AF65-F5344CB8AC3E}">
+        <p14:creationId xmlns:p14="http://schemas.microsoft.com/office/powerpoint/2010/main" val="2794655911"/>
       </p:ext>
     </p:extLst>
   </p:cSld>

--- a/PresentaciónFinal.pptx
+++ b/PresentaciónFinal.pptx
@@ -23,7 +23,8 @@
     <p:sldId id="269" r:id="rId17"/>
     <p:sldId id="273" r:id="rId18"/>
     <p:sldId id="274" r:id="rId19"/>
-    <p:sldId id="272" r:id="rId20"/>
+    <p:sldId id="280" r:id="rId20"/>
+    <p:sldId id="272" r:id="rId21"/>
   </p:sldIdLst>
   <p:sldSz cx="9144000" cy="5143500" type="screen16x9"/>
   <p:notesSz cx="6858000" cy="9144000"/>
@@ -145,6 +146,7 @@
             <p14:sldId id="269"/>
             <p14:sldId id="273"/>
             <p14:sldId id="274"/>
+            <p14:sldId id="280"/>
             <p14:sldId id="272"/>
           </p14:sldIdLst>
         </p14:section>
@@ -502,7 +504,7 @@
           <a:p>
             <a:fld id="{50132367-146F-654D-A836-564943EE25C9}" type="datetimeFigureOut">
               <a:rPr lang="en-US" smtClean="0"/>
-              <a:t>12/17/21</a:t>
+              <a:t>12/17/2021</a:t>
             </a:fld>
             <a:endParaRPr lang="en-US"/>
           </a:p>
@@ -672,7 +674,7 @@
           <a:p>
             <a:fld id="{50132367-146F-654D-A836-564943EE25C9}" type="datetimeFigureOut">
               <a:rPr lang="en-US" smtClean="0"/>
-              <a:t>12/17/21</a:t>
+              <a:t>12/17/2021</a:t>
             </a:fld>
             <a:endParaRPr lang="en-US"/>
           </a:p>
@@ -852,7 +854,7 @@
           <a:p>
             <a:fld id="{50132367-146F-654D-A836-564943EE25C9}" type="datetimeFigureOut">
               <a:rPr lang="en-US" smtClean="0"/>
-              <a:t>12/17/21</a:t>
+              <a:t>12/17/2021</a:t>
             </a:fld>
             <a:endParaRPr lang="en-US"/>
           </a:p>
@@ -1022,7 +1024,7 @@
           <a:p>
             <a:fld id="{50132367-146F-654D-A836-564943EE25C9}" type="datetimeFigureOut">
               <a:rPr lang="en-US" smtClean="0"/>
-              <a:t>12/17/21</a:t>
+              <a:t>12/17/2021</a:t>
             </a:fld>
             <a:endParaRPr lang="en-US"/>
           </a:p>
@@ -1268,7 +1270,7 @@
           <a:p>
             <a:fld id="{50132367-146F-654D-A836-564943EE25C9}" type="datetimeFigureOut">
               <a:rPr lang="en-US" smtClean="0"/>
-              <a:t>12/17/21</a:t>
+              <a:t>12/17/2021</a:t>
             </a:fld>
             <a:endParaRPr lang="en-US"/>
           </a:p>
@@ -1556,7 +1558,7 @@
           <a:p>
             <a:fld id="{50132367-146F-654D-A836-564943EE25C9}" type="datetimeFigureOut">
               <a:rPr lang="en-US" smtClean="0"/>
-              <a:t>12/17/21</a:t>
+              <a:t>12/17/2021</a:t>
             </a:fld>
             <a:endParaRPr lang="en-US"/>
           </a:p>
@@ -1983,7 +1985,7 @@
           <a:p>
             <a:fld id="{50132367-146F-654D-A836-564943EE25C9}" type="datetimeFigureOut">
               <a:rPr lang="en-US" smtClean="0"/>
-              <a:t>12/17/21</a:t>
+              <a:t>12/17/2021</a:t>
             </a:fld>
             <a:endParaRPr lang="en-US"/>
           </a:p>
@@ -2101,7 +2103,7 @@
           <a:p>
             <a:fld id="{50132367-146F-654D-A836-564943EE25C9}" type="datetimeFigureOut">
               <a:rPr lang="en-US" smtClean="0"/>
-              <a:t>12/17/21</a:t>
+              <a:t>12/17/2021</a:t>
             </a:fld>
             <a:endParaRPr lang="en-US"/>
           </a:p>
@@ -2196,7 +2198,7 @@
           <a:p>
             <a:fld id="{50132367-146F-654D-A836-564943EE25C9}" type="datetimeFigureOut">
               <a:rPr lang="en-US" smtClean="0"/>
-              <a:t>12/17/21</a:t>
+              <a:t>12/17/2021</a:t>
             </a:fld>
             <a:endParaRPr lang="en-US"/>
           </a:p>
@@ -2473,7 +2475,7 @@
           <a:p>
             <a:fld id="{50132367-146F-654D-A836-564943EE25C9}" type="datetimeFigureOut">
               <a:rPr lang="en-US" smtClean="0"/>
-              <a:t>12/17/21</a:t>
+              <a:t>12/17/2021</a:t>
             </a:fld>
             <a:endParaRPr lang="en-US"/>
           </a:p>
@@ -2726,7 +2728,7 @@
           <a:p>
             <a:fld id="{50132367-146F-654D-A836-564943EE25C9}" type="datetimeFigureOut">
               <a:rPr lang="en-US" smtClean="0"/>
-              <a:t>12/17/21</a:t>
+              <a:t>12/17/2021</a:t>
             </a:fld>
             <a:endParaRPr lang="en-US"/>
           </a:p>
@@ -2939,7 +2941,7 @@
           <a:p>
             <a:fld id="{50132367-146F-654D-A836-564943EE25C9}" type="datetimeFigureOut">
               <a:rPr lang="en-US" smtClean="0"/>
-              <a:t>12/17/21</a:t>
+              <a:t>12/17/2021</a:t>
             </a:fld>
             <a:endParaRPr lang="en-US"/>
           </a:p>
@@ -4628,7 +4630,7 @@
                 <a:latin typeface="Times New Roman" panose="02020603050405020304" pitchFamily="18" charset="0"/>
                 <a:cs typeface="Times New Roman" panose="02020603050405020304" pitchFamily="18" charset="0"/>
               </a:rPr>
-              <a:t>Referencias bibliográficas</a:t>
+              <a:t>Consultas</a:t>
             </a:r>
           </a:p>
           <a:p>
@@ -4642,78 +4644,40 @@
           </a:p>
         </p:txBody>
       </p:sp>
-      <p:sp>
-        <p:nvSpPr>
-          <p:cNvPr id="5" name="TextBox 4">
+      <p:pic>
+        <p:nvPicPr>
+          <p:cNvPr id="3" name="Imagen 2">
             <a:extLst>
               <a:ext uri="{FF2B5EF4-FFF2-40B4-BE49-F238E27FC236}">
-                <a16:creationId xmlns:a16="http://schemas.microsoft.com/office/drawing/2014/main" id="{1F500B23-70C4-498E-B73C-A9C2ACAA4624}"/>
+                <a16:creationId xmlns:a16="http://schemas.microsoft.com/office/drawing/2014/main" id="{8E97419A-5FEB-441A-9363-19268A757159}"/>
               </a:ext>
             </a:extLst>
           </p:cNvPr>
-          <p:cNvSpPr txBox="1"/>
+          <p:cNvPicPr>
+            <a:picLocks noChangeAspect="1"/>
+          </p:cNvPicPr>
           <p:nvPr/>
-        </p:nvSpPr>
+        </p:nvPicPr>
+        <p:blipFill>
+          <a:blip r:embed="rId3"/>
+          <a:stretch>
+            <a:fillRect/>
+          </a:stretch>
+        </p:blipFill>
         <p:spPr>
           <a:xfrm>
-            <a:off x="715598" y="1925419"/>
-            <a:ext cx="7405458" cy="2308324"/>
+            <a:off x="843441" y="1647696"/>
+            <a:ext cx="7457117" cy="1848108"/>
           </a:xfrm>
           <a:prstGeom prst="rect">
             <a:avLst/>
           </a:prstGeom>
-          <a:noFill/>
         </p:spPr>
-        <p:txBody>
-          <a:bodyPr wrap="square">
-            <a:spAutoFit/>
-          </a:bodyPr>
-          <a:lstStyle/>
-          <a:p>
-            <a:r>
-              <a:rPr lang="en-US" dirty="0">
-                <a:hlinkClick r:id="rId3"/>
-              </a:rPr>
-              <a:t>https://www.paradigmadigital.com/dev/cassandra-la-dama-de-las-bases-de-datos-nosql/</a:t>
-            </a:r>
-            <a:endParaRPr lang="en-US" dirty="0"/>
-          </a:p>
-          <a:p>
-            <a:endParaRPr lang="en-US" dirty="0"/>
-          </a:p>
-          <a:p>
-            <a:r>
-              <a:rPr lang="en-US" dirty="0">
-                <a:hlinkClick r:id="rId4"/>
-              </a:rPr>
-              <a:t>https://es.wikipedia.org/wiki/Redis</a:t>
-            </a:r>
-            <a:endParaRPr lang="en-US" dirty="0"/>
-          </a:p>
-          <a:p>
-            <a:endParaRPr lang="en-US" dirty="0"/>
-          </a:p>
-          <a:p>
-            <a:r>
-              <a:rPr lang="en-US" dirty="0">
-                <a:hlinkClick r:id="rId5"/>
-              </a:rPr>
-              <a:t>https://blog.bi-geek.com/redis-para-principiantes/</a:t>
-            </a:r>
-            <a:endParaRPr lang="en-US" dirty="0"/>
-          </a:p>
-          <a:p>
-            <a:endParaRPr lang="en-US" dirty="0"/>
-          </a:p>
-          <a:p>
-            <a:endParaRPr lang="en-US" dirty="0"/>
-          </a:p>
-        </p:txBody>
-      </p:sp>
+      </p:pic>
     </p:spTree>
     <p:extLst>
       <p:ext uri="{BB962C8B-B14F-4D97-AF65-F5344CB8AC3E}">
-        <p14:creationId xmlns:p14="http://schemas.microsoft.com/office/powerpoint/2010/main" val="944070511"/>
+        <p14:creationId xmlns:p14="http://schemas.microsoft.com/office/powerpoint/2010/main" val="2208480014"/>
       </p:ext>
     </p:extLst>
   </p:cSld>
@@ -4864,6 +4828,159 @@
     <p:extLst>
       <p:ext uri="{BB962C8B-B14F-4D97-AF65-F5344CB8AC3E}">
         <p14:creationId xmlns:p14="http://schemas.microsoft.com/office/powerpoint/2010/main" val="1675520180"/>
+      </p:ext>
+    </p:extLst>
+  </p:cSld>
+  <p:clrMapOvr>
+    <a:masterClrMapping/>
+  </p:clrMapOvr>
+</p:sld>
+</file>
+
+<file path=ppt/slides/slide20.xml><?xml version="1.0" encoding="utf-8"?>
+<p:sld xmlns:a="http://schemas.openxmlformats.org/drawingml/2006/main" xmlns:r="http://schemas.openxmlformats.org/officeDocument/2006/relationships" xmlns:p="http://schemas.openxmlformats.org/presentationml/2006/main">
+  <p:cSld>
+    <p:bg>
+      <p:bgPr>
+        <a:blipFill rotWithShape="1">
+          <a:blip r:embed="rId2"/>
+          <a:stretch>
+            <a:fillRect/>
+          </a:stretch>
+        </a:blipFill>
+        <a:effectLst/>
+      </p:bgPr>
+    </p:bg>
+    <p:spTree>
+      <p:nvGrpSpPr>
+        <p:cNvPr id="1" name=""/>
+        <p:cNvGrpSpPr/>
+        <p:nvPr/>
+      </p:nvGrpSpPr>
+      <p:grpSpPr>
+        <a:xfrm>
+          <a:off x="0" y="0"/>
+          <a:ext cx="0" cy="0"/>
+          <a:chOff x="0" y="0"/>
+          <a:chExt cx="0" cy="0"/>
+        </a:xfrm>
+      </p:grpSpPr>
+      <p:sp>
+        <p:nvSpPr>
+          <p:cNvPr id="4" name="Content Placeholder 2"/>
+          <p:cNvSpPr>
+            <a:spLocks noGrp="1"/>
+          </p:cNvSpPr>
+          <p:nvPr>
+            <p:ph idx="1"/>
+          </p:nvPr>
+        </p:nvSpPr>
+        <p:spPr>
+          <a:xfrm>
+            <a:off x="495221" y="654063"/>
+            <a:ext cx="7599376" cy="3424914"/>
+          </a:xfrm>
+        </p:spPr>
+        <p:txBody>
+          <a:bodyPr>
+            <a:normAutofit/>
+          </a:bodyPr>
+          <a:lstStyle/>
+          <a:p>
+            <a:pPr marL="0" indent="0" algn="ctr">
+              <a:buNone/>
+            </a:pPr>
+            <a:r>
+              <a:rPr lang="es-ES" dirty="0">
+                <a:latin typeface="Times New Roman" panose="02020603050405020304" pitchFamily="18" charset="0"/>
+                <a:cs typeface="Times New Roman" panose="02020603050405020304" pitchFamily="18" charset="0"/>
+              </a:rPr>
+              <a:t>Referencias bibliográficas</a:t>
+            </a:r>
+          </a:p>
+          <a:p>
+            <a:pPr marL="0" indent="0" algn="ctr">
+              <a:buNone/>
+            </a:pPr>
+            <a:endParaRPr lang="es-ES" sz="1500" dirty="0">
+              <a:latin typeface="Times New Roman" panose="02020603050405020304" pitchFamily="18" charset="0"/>
+              <a:cs typeface="Times New Roman" panose="02020603050405020304" pitchFamily="18" charset="0"/>
+            </a:endParaRPr>
+          </a:p>
+        </p:txBody>
+      </p:sp>
+      <p:sp>
+        <p:nvSpPr>
+          <p:cNvPr id="5" name="TextBox 4">
+            <a:extLst>
+              <a:ext uri="{FF2B5EF4-FFF2-40B4-BE49-F238E27FC236}">
+                <a16:creationId xmlns:a16="http://schemas.microsoft.com/office/drawing/2014/main" id="{1F500B23-70C4-498E-B73C-A9C2ACAA4624}"/>
+              </a:ext>
+            </a:extLst>
+          </p:cNvPr>
+          <p:cNvSpPr txBox="1"/>
+          <p:nvPr/>
+        </p:nvSpPr>
+        <p:spPr>
+          <a:xfrm>
+            <a:off x="715598" y="1925419"/>
+            <a:ext cx="7405458" cy="2308324"/>
+          </a:xfrm>
+          <a:prstGeom prst="rect">
+            <a:avLst/>
+          </a:prstGeom>
+          <a:noFill/>
+        </p:spPr>
+        <p:txBody>
+          <a:bodyPr wrap="square">
+            <a:spAutoFit/>
+          </a:bodyPr>
+          <a:lstStyle/>
+          <a:p>
+            <a:r>
+              <a:rPr lang="en-US" dirty="0">
+                <a:hlinkClick r:id="rId3"/>
+              </a:rPr>
+              <a:t>https://www.paradigmadigital.com/dev/cassandra-la-dama-de-las-bases-de-datos-nosql/</a:t>
+            </a:r>
+            <a:endParaRPr lang="en-US" dirty="0"/>
+          </a:p>
+          <a:p>
+            <a:endParaRPr lang="en-US" dirty="0"/>
+          </a:p>
+          <a:p>
+            <a:r>
+              <a:rPr lang="en-US" dirty="0">
+                <a:hlinkClick r:id="rId4"/>
+              </a:rPr>
+              <a:t>https://es.wikipedia.org/wiki/Redis</a:t>
+            </a:r>
+            <a:endParaRPr lang="en-US" dirty="0"/>
+          </a:p>
+          <a:p>
+            <a:endParaRPr lang="en-US" dirty="0"/>
+          </a:p>
+          <a:p>
+            <a:r>
+              <a:rPr lang="en-US" dirty="0">
+                <a:hlinkClick r:id="rId5"/>
+              </a:rPr>
+              <a:t>https://blog.bi-geek.com/redis-para-principiantes/</a:t>
+            </a:r>
+            <a:endParaRPr lang="en-US" dirty="0"/>
+          </a:p>
+          <a:p>
+            <a:endParaRPr lang="en-US" dirty="0"/>
+          </a:p>
+          <a:p>
+            <a:endParaRPr lang="en-US" dirty="0"/>
+          </a:p>
+        </p:txBody>
+      </p:sp>
+    </p:spTree>
+    <p:extLst>
+      <p:ext uri="{BB962C8B-B14F-4D97-AF65-F5344CB8AC3E}">
+        <p14:creationId xmlns:p14="http://schemas.microsoft.com/office/powerpoint/2010/main" val="944070511"/>
       </p:ext>
     </p:extLst>
   </p:cSld>

--- a/PresentaciónFinal.pptx
+++ b/PresentaciónFinal.pptx
@@ -11,20 +11,21 @@
     <p:sldId id="263" r:id="rId5"/>
     <p:sldId id="279" r:id="rId6"/>
     <p:sldId id="264" r:id="rId7"/>
-    <p:sldId id="262" r:id="rId8"/>
-    <p:sldId id="266" r:id="rId9"/>
-    <p:sldId id="271" r:id="rId10"/>
-    <p:sldId id="267" r:id="rId11"/>
-    <p:sldId id="276" r:id="rId12"/>
-    <p:sldId id="277" r:id="rId13"/>
-    <p:sldId id="278" r:id="rId14"/>
-    <p:sldId id="275" r:id="rId15"/>
-    <p:sldId id="268" r:id="rId16"/>
-    <p:sldId id="269" r:id="rId17"/>
-    <p:sldId id="273" r:id="rId18"/>
-    <p:sldId id="274" r:id="rId19"/>
-    <p:sldId id="280" r:id="rId20"/>
-    <p:sldId id="272" r:id="rId21"/>
+    <p:sldId id="281" r:id="rId8"/>
+    <p:sldId id="262" r:id="rId9"/>
+    <p:sldId id="266" r:id="rId10"/>
+    <p:sldId id="271" r:id="rId11"/>
+    <p:sldId id="267" r:id="rId12"/>
+    <p:sldId id="276" r:id="rId13"/>
+    <p:sldId id="277" r:id="rId14"/>
+    <p:sldId id="278" r:id="rId15"/>
+    <p:sldId id="275" r:id="rId16"/>
+    <p:sldId id="268" r:id="rId17"/>
+    <p:sldId id="269" r:id="rId18"/>
+    <p:sldId id="273" r:id="rId19"/>
+    <p:sldId id="274" r:id="rId20"/>
+    <p:sldId id="280" r:id="rId21"/>
+    <p:sldId id="272" r:id="rId22"/>
   </p:sldIdLst>
   <p:sldSz cx="9144000" cy="5143500" type="screen16x9"/>
   <p:notesSz cx="6858000" cy="9144000"/>
@@ -134,6 +135,7 @@
             <p14:sldId id="263"/>
             <p14:sldId id="279"/>
             <p14:sldId id="264"/>
+            <p14:sldId id="281"/>
             <p14:sldId id="262"/>
             <p14:sldId id="266"/>
             <p14:sldId id="271"/>
@@ -170,8 +172,80 @@
 </p:presentation>
 </file>
 
+<file path=ppt/revisionInfo.xml><?xml version="1.0" encoding="utf-8"?>
+<p1510:revInfo xmlns:a="http://schemas.openxmlformats.org/drawingml/2006/main" xmlns:r="http://schemas.openxmlformats.org/officeDocument/2006/relationships" xmlns:p1510="http://schemas.microsoft.com/office/powerpoint/2015/10/main">
+  <p1510:revLst>
+    <p1510:client id="{C9E250B2-63C9-4713-A7C0-1B1D67099A90}" v="1" dt="2021-12-17T14:34:22.084"/>
+  </p1510:revLst>
+</p1510:revInfo>
+</file>
+
 <file path=ppt/changesInfos/changesInfo1.xml><?xml version="1.0" encoding="utf-8"?>
 <pc:chgInfo xmlns:a="http://schemas.openxmlformats.org/drawingml/2006/main" xmlns:r="http://schemas.openxmlformats.org/officeDocument/2006/relationships" xmlns:ac="http://schemas.microsoft.com/office/drawing/2013/main/command" xmlns:pc="http://schemas.microsoft.com/office/powerpoint/2013/main/command">
+  <pc:docChgLst>
+    <pc:chgData name="Jeison Davalos" userId="a49259a0-70d5-43bf-8872-aa1ad3823d61" providerId="ADAL" clId="{C9E250B2-63C9-4713-A7C0-1B1D67099A90}"/>
+    <pc:docChg chg="custSel addSld modSld modSection">
+      <pc:chgData name="Jeison Davalos" userId="a49259a0-70d5-43bf-8872-aa1ad3823d61" providerId="ADAL" clId="{C9E250B2-63C9-4713-A7C0-1B1D67099A90}" dt="2021-12-17T14:34:22.084" v="3"/>
+      <pc:docMkLst>
+        <pc:docMk/>
+      </pc:docMkLst>
+      <pc:sldChg chg="addSp delSp modSp add mod">
+        <pc:chgData name="Jeison Davalos" userId="a49259a0-70d5-43bf-8872-aa1ad3823d61" providerId="ADAL" clId="{C9E250B2-63C9-4713-A7C0-1B1D67099A90}" dt="2021-12-17T14:34:22.084" v="3"/>
+        <pc:sldMkLst>
+          <pc:docMk/>
+          <pc:sldMk cId="322312803" sldId="281"/>
+        </pc:sldMkLst>
+        <pc:spChg chg="add del mod">
+          <ac:chgData name="Jeison Davalos" userId="a49259a0-70d5-43bf-8872-aa1ad3823d61" providerId="ADAL" clId="{C9E250B2-63C9-4713-A7C0-1B1D67099A90}" dt="2021-12-17T14:34:21.361" v="2" actId="478"/>
+          <ac:spMkLst>
+            <pc:docMk/>
+            <pc:sldMk cId="322312803" sldId="281"/>
+            <ac:spMk id="3" creationId="{28E0B3FF-C6A8-456C-BE62-ABC98EF1907F}"/>
+          </ac:spMkLst>
+        </pc:spChg>
+        <pc:spChg chg="del">
+          <ac:chgData name="Jeison Davalos" userId="a49259a0-70d5-43bf-8872-aa1ad3823d61" providerId="ADAL" clId="{C9E250B2-63C9-4713-A7C0-1B1D67099A90}" dt="2021-12-17T14:34:19.036" v="1" actId="478"/>
+          <ac:spMkLst>
+            <pc:docMk/>
+            <pc:sldMk cId="322312803" sldId="281"/>
+            <ac:spMk id="4" creationId="{00000000-0000-0000-0000-000000000000}"/>
+          </ac:spMkLst>
+        </pc:spChg>
+        <pc:spChg chg="add mod">
+          <ac:chgData name="Jeison Davalos" userId="a49259a0-70d5-43bf-8872-aa1ad3823d61" providerId="ADAL" clId="{C9E250B2-63C9-4713-A7C0-1B1D67099A90}" dt="2021-12-17T14:34:22.084" v="3"/>
+          <ac:spMkLst>
+            <pc:docMk/>
+            <pc:sldMk cId="322312803" sldId="281"/>
+            <ac:spMk id="5" creationId="{D50C7F55-B567-4191-9947-2D664ABEEC6B}"/>
+          </ac:spMkLst>
+        </pc:spChg>
+        <pc:picChg chg="add mod">
+          <ac:chgData name="Jeison Davalos" userId="a49259a0-70d5-43bf-8872-aa1ad3823d61" providerId="ADAL" clId="{C9E250B2-63C9-4713-A7C0-1B1D67099A90}" dt="2021-12-17T14:34:22.084" v="3"/>
+          <ac:picMkLst>
+            <pc:docMk/>
+            <pc:sldMk cId="322312803" sldId="281"/>
+            <ac:picMk id="6" creationId="{B0EFEDDC-32AD-4ECA-B817-CF8B64348E5E}"/>
+          </ac:picMkLst>
+        </pc:picChg>
+        <pc:picChg chg="add mod">
+          <ac:chgData name="Jeison Davalos" userId="a49259a0-70d5-43bf-8872-aa1ad3823d61" providerId="ADAL" clId="{C9E250B2-63C9-4713-A7C0-1B1D67099A90}" dt="2021-12-17T14:34:22.084" v="3"/>
+          <ac:picMkLst>
+            <pc:docMk/>
+            <pc:sldMk cId="322312803" sldId="281"/>
+            <ac:picMk id="7" creationId="{FD16324F-B748-49D8-9D24-EF0EB9C64B3A}"/>
+          </ac:picMkLst>
+        </pc:picChg>
+        <pc:picChg chg="add mod">
+          <ac:chgData name="Jeison Davalos" userId="a49259a0-70d5-43bf-8872-aa1ad3823d61" providerId="ADAL" clId="{C9E250B2-63C9-4713-A7C0-1B1D67099A90}" dt="2021-12-17T14:34:22.084" v="3"/>
+          <ac:picMkLst>
+            <pc:docMk/>
+            <pc:sldMk cId="322312803" sldId="281"/>
+            <ac:picMk id="8" creationId="{F00C2373-E9E0-411F-93AC-4478F69BBB13}"/>
+          </ac:picMkLst>
+        </pc:picChg>
+      </pc:sldChg>
+    </pc:docChg>
+  </pc:docChgLst>
   <pc:docChgLst>
     <pc:chgData name="JUAN DAVID NATES HUERTAS" userId="593179cffe0a36d2" providerId="LiveId" clId="{DEA751D9-45E7-4DAA-9702-72E592091FA5}"/>
     <pc:docChg chg="undo custSel addSld delSld modSld sldOrd modSection">
@@ -546,7 +620,7 @@
           <a:p>
             <a:fld id="{7D9E8139-6843-764B-A4F4-1F53F9604BBC}" type="slidenum">
               <a:rPr lang="en-US" smtClean="0"/>
-              <a:t>‹Nº›</a:t>
+              <a:t>‹#›</a:t>
             </a:fld>
             <a:endParaRPr lang="en-US"/>
           </a:p>
@@ -716,7 +790,7 @@
           <a:p>
             <a:fld id="{7D9E8139-6843-764B-A4F4-1F53F9604BBC}" type="slidenum">
               <a:rPr lang="en-US" smtClean="0"/>
-              <a:t>‹Nº›</a:t>
+              <a:t>‹#›</a:t>
             </a:fld>
             <a:endParaRPr lang="en-US"/>
           </a:p>
@@ -896,7 +970,7 @@
           <a:p>
             <a:fld id="{7D9E8139-6843-764B-A4F4-1F53F9604BBC}" type="slidenum">
               <a:rPr lang="en-US" smtClean="0"/>
-              <a:t>‹Nº›</a:t>
+              <a:t>‹#›</a:t>
             </a:fld>
             <a:endParaRPr lang="en-US"/>
           </a:p>
@@ -1066,7 +1140,7 @@
           <a:p>
             <a:fld id="{7D9E8139-6843-764B-A4F4-1F53F9604BBC}" type="slidenum">
               <a:rPr lang="en-US" smtClean="0"/>
-              <a:t>‹Nº›</a:t>
+              <a:t>‹#›</a:t>
             </a:fld>
             <a:endParaRPr lang="en-US"/>
           </a:p>
@@ -1312,7 +1386,7 @@
           <a:p>
             <a:fld id="{7D9E8139-6843-764B-A4F4-1F53F9604BBC}" type="slidenum">
               <a:rPr lang="en-US" smtClean="0"/>
-              <a:t>‹Nº›</a:t>
+              <a:t>‹#›</a:t>
             </a:fld>
             <a:endParaRPr lang="en-US"/>
           </a:p>
@@ -1600,7 +1674,7 @@
           <a:p>
             <a:fld id="{7D9E8139-6843-764B-A4F4-1F53F9604BBC}" type="slidenum">
               <a:rPr lang="en-US" smtClean="0"/>
-              <a:t>‹Nº›</a:t>
+              <a:t>‹#›</a:t>
             </a:fld>
             <a:endParaRPr lang="en-US"/>
           </a:p>
@@ -2027,7 +2101,7 @@
           <a:p>
             <a:fld id="{7D9E8139-6843-764B-A4F4-1F53F9604BBC}" type="slidenum">
               <a:rPr lang="en-US" smtClean="0"/>
-              <a:t>‹Nº›</a:t>
+              <a:t>‹#›</a:t>
             </a:fld>
             <a:endParaRPr lang="en-US"/>
           </a:p>
@@ -2145,7 +2219,7 @@
           <a:p>
             <a:fld id="{7D9E8139-6843-764B-A4F4-1F53F9604BBC}" type="slidenum">
               <a:rPr lang="en-US" smtClean="0"/>
-              <a:t>‹Nº›</a:t>
+              <a:t>‹#›</a:t>
             </a:fld>
             <a:endParaRPr lang="en-US"/>
           </a:p>
@@ -2240,7 +2314,7 @@
           <a:p>
             <a:fld id="{7D9E8139-6843-764B-A4F4-1F53F9604BBC}" type="slidenum">
               <a:rPr lang="en-US" smtClean="0"/>
-              <a:t>‹Nº›</a:t>
+              <a:t>‹#›</a:t>
             </a:fld>
             <a:endParaRPr lang="en-US"/>
           </a:p>
@@ -2517,7 +2591,7 @@
           <a:p>
             <a:fld id="{7D9E8139-6843-764B-A4F4-1F53F9604BBC}" type="slidenum">
               <a:rPr lang="en-US" smtClean="0"/>
-              <a:t>‹Nº›</a:t>
+              <a:t>‹#›</a:t>
             </a:fld>
             <a:endParaRPr lang="en-US"/>
           </a:p>
@@ -2770,7 +2844,7 @@
           <a:p>
             <a:fld id="{7D9E8139-6843-764B-A4F4-1F53F9604BBC}" type="slidenum">
               <a:rPr lang="en-US" smtClean="0"/>
-              <a:t>‹Nº›</a:t>
+              <a:t>‹#›</a:t>
             </a:fld>
             <a:endParaRPr lang="en-US"/>
           </a:p>
@@ -3019,7 +3093,7 @@
           <a:p>
             <a:fld id="{7D9E8139-6843-764B-A4F4-1F53F9604BBC}" type="slidenum">
               <a:rPr lang="en-US" smtClean="0"/>
-              <a:t>‹Nº›</a:t>
+              <a:t>‹#›</a:t>
             </a:fld>
             <a:endParaRPr lang="en-US"/>
           </a:p>
@@ -3461,6 +3535,105 @@
         </p:nvSpPr>
         <p:spPr>
           <a:xfrm>
+            <a:off x="1079308" y="1709910"/>
+            <a:ext cx="7426352" cy="1345448"/>
+          </a:xfrm>
+        </p:spPr>
+        <p:txBody>
+          <a:bodyPr>
+            <a:normAutofit/>
+          </a:bodyPr>
+          <a:lstStyle/>
+          <a:p>
+            <a:pPr marL="0" indent="0" algn="ctr">
+              <a:buNone/>
+            </a:pPr>
+            <a:r>
+              <a:rPr lang="es-MX" b="1" dirty="0">
+                <a:latin typeface="Times New Roman" panose="02020603050405020304" pitchFamily="18" charset="0"/>
+                <a:cs typeface="Times New Roman" panose="02020603050405020304" pitchFamily="18" charset="0"/>
+              </a:rPr>
+              <a:t>Ejemplo</a:t>
+            </a:r>
+            <a:r>
+              <a:rPr lang="es-MX" sz="5100" b="1" dirty="0">
+                <a:latin typeface="Times New Roman" panose="02020603050405020304" pitchFamily="18" charset="0"/>
+                <a:cs typeface="Times New Roman" panose="02020603050405020304" pitchFamily="18" charset="0"/>
+              </a:rPr>
+              <a:t> </a:t>
+            </a:r>
+            <a:r>
+              <a:rPr lang="es-MX" b="1" dirty="0">
+                <a:latin typeface="Times New Roman" panose="02020603050405020304" pitchFamily="18" charset="0"/>
+                <a:cs typeface="Times New Roman" panose="02020603050405020304" pitchFamily="18" charset="0"/>
+              </a:rPr>
+              <a:t>práctico</a:t>
+            </a:r>
+          </a:p>
+          <a:p>
+            <a:pPr marL="0" indent="0" algn="just">
+              <a:buNone/>
+            </a:pPr>
+            <a:endParaRPr lang="es-MX" sz="6000" dirty="0">
+              <a:latin typeface="Times New Roman" panose="02020603050405020304" pitchFamily="18" charset="0"/>
+              <a:cs typeface="Times New Roman" panose="02020603050405020304" pitchFamily="18" charset="0"/>
+            </a:endParaRPr>
+          </a:p>
+        </p:txBody>
+      </p:sp>
+    </p:spTree>
+    <p:extLst>
+      <p:ext uri="{BB962C8B-B14F-4D97-AF65-F5344CB8AC3E}">
+        <p14:creationId xmlns:p14="http://schemas.microsoft.com/office/powerpoint/2010/main" val="2794655911"/>
+      </p:ext>
+    </p:extLst>
+  </p:cSld>
+  <p:clrMapOvr>
+    <a:masterClrMapping/>
+  </p:clrMapOvr>
+</p:sld>
+</file>
+
+<file path=ppt/slides/slide11.xml><?xml version="1.0" encoding="utf-8"?>
+<p:sld xmlns:a="http://schemas.openxmlformats.org/drawingml/2006/main" xmlns:r="http://schemas.openxmlformats.org/officeDocument/2006/relationships" xmlns:p="http://schemas.openxmlformats.org/presentationml/2006/main">
+  <p:cSld>
+    <p:bg>
+      <p:bgPr>
+        <a:blipFill rotWithShape="1">
+          <a:blip r:embed="rId2"/>
+          <a:stretch>
+            <a:fillRect/>
+          </a:stretch>
+        </a:blipFill>
+        <a:effectLst/>
+      </p:bgPr>
+    </p:bg>
+    <p:spTree>
+      <p:nvGrpSpPr>
+        <p:cNvPr id="1" name=""/>
+        <p:cNvGrpSpPr/>
+        <p:nvPr/>
+      </p:nvGrpSpPr>
+      <p:grpSpPr>
+        <a:xfrm>
+          <a:off x="0" y="0"/>
+          <a:ext cx="0" cy="0"/>
+          <a:chOff x="0" y="0"/>
+          <a:chExt cx="0" cy="0"/>
+        </a:xfrm>
+      </p:grpSpPr>
+      <p:sp>
+        <p:nvSpPr>
+          <p:cNvPr id="4" name="Content Placeholder 2"/>
+          <p:cNvSpPr>
+            <a:spLocks noGrp="1"/>
+          </p:cNvSpPr>
+          <p:nvPr>
+            <p:ph idx="1"/>
+          </p:nvPr>
+        </p:nvSpPr>
+        <p:spPr>
+          <a:xfrm>
             <a:off x="858824" y="1015468"/>
             <a:ext cx="7599376" cy="3424914"/>
           </a:xfrm>
@@ -3578,7 +3751,7 @@
 </p:sld>
 </file>
 
-<file path=ppt/slides/slide11.xml><?xml version="1.0" encoding="utf-8"?>
+<file path=ppt/slides/slide12.xml><?xml version="1.0" encoding="utf-8"?>
 <p:sld xmlns:a="http://schemas.openxmlformats.org/drawingml/2006/main" xmlns:r="http://schemas.openxmlformats.org/officeDocument/2006/relationships" xmlns:p="http://schemas.openxmlformats.org/presentationml/2006/main">
   <p:cSld>
     <p:bg>
@@ -3688,7 +3861,7 @@
 </p:sld>
 </file>
 
-<file path=ppt/slides/slide12.xml><?xml version="1.0" encoding="utf-8"?>
+<file path=ppt/slides/slide13.xml><?xml version="1.0" encoding="utf-8"?>
 <p:sld xmlns:a="http://schemas.openxmlformats.org/drawingml/2006/main" xmlns:r="http://schemas.openxmlformats.org/officeDocument/2006/relationships" xmlns:p="http://schemas.openxmlformats.org/presentationml/2006/main">
   <p:cSld>
     <p:bg>
@@ -3798,7 +3971,7 @@
 </p:sld>
 </file>
 
-<file path=ppt/slides/slide13.xml><?xml version="1.0" encoding="utf-8"?>
+<file path=ppt/slides/slide14.xml><?xml version="1.0" encoding="utf-8"?>
 <p:sld xmlns:a="http://schemas.openxmlformats.org/drawingml/2006/main" xmlns:r="http://schemas.openxmlformats.org/officeDocument/2006/relationships" xmlns:p="http://schemas.openxmlformats.org/presentationml/2006/main">
   <p:cSld>
     <p:bg>
@@ -3908,7 +4081,7 @@
 </p:sld>
 </file>
 
-<file path=ppt/slides/slide14.xml><?xml version="1.0" encoding="utf-8"?>
+<file path=ppt/slides/slide15.xml><?xml version="1.0" encoding="utf-8"?>
 <p:sld xmlns:a="http://schemas.openxmlformats.org/drawingml/2006/main" xmlns:r="http://schemas.openxmlformats.org/officeDocument/2006/relationships" xmlns:p="http://schemas.openxmlformats.org/presentationml/2006/main">
   <p:cSld>
     <p:bg>
@@ -4078,7 +4251,7 @@
 </p:sld>
 </file>
 
-<file path=ppt/slides/slide15.xml><?xml version="1.0" encoding="utf-8"?>
+<file path=ppt/slides/slide16.xml><?xml version="1.0" encoding="utf-8"?>
 <p:sld xmlns:a="http://schemas.openxmlformats.org/drawingml/2006/main" xmlns:r="http://schemas.openxmlformats.org/officeDocument/2006/relationships" xmlns:p="http://schemas.openxmlformats.org/presentationml/2006/main">
   <p:cSld>
     <p:bg>
@@ -4216,7 +4389,7 @@
 </p:sld>
 </file>
 
-<file path=ppt/slides/slide16.xml><?xml version="1.0" encoding="utf-8"?>
+<file path=ppt/slides/slide17.xml><?xml version="1.0" encoding="utf-8"?>
 <p:sld xmlns:a="http://schemas.openxmlformats.org/drawingml/2006/main" xmlns:r="http://schemas.openxmlformats.org/officeDocument/2006/relationships" xmlns:p="http://schemas.openxmlformats.org/presentationml/2006/main">
   <p:cSld>
     <p:bg>
@@ -4331,7 +4504,7 @@
 </p:sld>
 </file>
 
-<file path=ppt/slides/slide17.xml><?xml version="1.0" encoding="utf-8"?>
+<file path=ppt/slides/slide18.xml><?xml version="1.0" encoding="utf-8"?>
 <p:sld xmlns:a="http://schemas.openxmlformats.org/drawingml/2006/main" xmlns:r="http://schemas.openxmlformats.org/officeDocument/2006/relationships" xmlns:p="http://schemas.openxmlformats.org/presentationml/2006/main">
   <p:cSld>
     <p:bg>
@@ -4457,7 +4630,7 @@
 </p:sld>
 </file>
 
-<file path=ppt/slides/slide18.xml><?xml version="1.0" encoding="utf-8"?>
+<file path=ppt/slides/slide19.xml><?xml version="1.0" encoding="utf-8"?>
 <p:sld xmlns:a="http://schemas.openxmlformats.org/drawingml/2006/main" xmlns:r="http://schemas.openxmlformats.org/officeDocument/2006/relationships" xmlns:p="http://schemas.openxmlformats.org/presentationml/2006/main">
   <p:cSld>
     <p:bg>
@@ -4572,7 +4745,157 @@
 </p:sld>
 </file>
 
-<file path=ppt/slides/slide19.xml><?xml version="1.0" encoding="utf-8"?>
+<file path=ppt/slides/slide2.xml><?xml version="1.0" encoding="utf-8"?>
+<p:sld xmlns:a="http://schemas.openxmlformats.org/drawingml/2006/main" xmlns:r="http://schemas.openxmlformats.org/officeDocument/2006/relationships" xmlns:p="http://schemas.openxmlformats.org/presentationml/2006/main">
+  <p:cSld>
+    <p:bg>
+      <p:bgPr>
+        <a:blipFill rotWithShape="1">
+          <a:blip r:embed="rId2"/>
+          <a:stretch>
+            <a:fillRect/>
+          </a:stretch>
+        </a:blipFill>
+        <a:effectLst/>
+      </p:bgPr>
+    </p:bg>
+    <p:spTree>
+      <p:nvGrpSpPr>
+        <p:cNvPr id="1" name=""/>
+        <p:cNvGrpSpPr/>
+        <p:nvPr/>
+      </p:nvGrpSpPr>
+      <p:grpSpPr>
+        <a:xfrm>
+          <a:off x="0" y="0"/>
+          <a:ext cx="0" cy="0"/>
+          <a:chOff x="0" y="0"/>
+          <a:chExt cx="0" cy="0"/>
+        </a:xfrm>
+      </p:grpSpPr>
+      <p:sp>
+        <p:nvSpPr>
+          <p:cNvPr id="4" name="Content Placeholder 2"/>
+          <p:cNvSpPr>
+            <a:spLocks noGrp="1"/>
+          </p:cNvSpPr>
+          <p:nvPr>
+            <p:ph idx="1"/>
+          </p:nvPr>
+        </p:nvSpPr>
+        <p:spPr>
+          <a:xfrm>
+            <a:off x="1785653" y="2176639"/>
+            <a:ext cx="5572694" cy="1301231"/>
+          </a:xfrm>
+        </p:spPr>
+        <p:txBody>
+          <a:bodyPr>
+            <a:noAutofit/>
+          </a:bodyPr>
+          <a:lstStyle/>
+          <a:p>
+            <a:pPr marL="0" indent="0" algn="ctr">
+              <a:buNone/>
+            </a:pPr>
+            <a:r>
+              <a:rPr lang="es-CO" sz="2200" dirty="0">
+                <a:latin typeface="Times New Roman" panose="02020603050405020304" pitchFamily="18" charset="0"/>
+                <a:cs typeface="Times New Roman" panose="02020603050405020304" pitchFamily="18" charset="0"/>
+              </a:rPr>
+              <a:t>Estudiantes:</a:t>
+            </a:r>
+          </a:p>
+          <a:p>
+            <a:pPr marL="0" indent="0" algn="ctr">
+              <a:buNone/>
+            </a:pPr>
+            <a:r>
+              <a:rPr lang="es-CO" sz="2200" dirty="0">
+                <a:latin typeface="Times New Roman" panose="02020603050405020304" pitchFamily="18" charset="0"/>
+                <a:cs typeface="Times New Roman" panose="02020603050405020304" pitchFamily="18" charset="0"/>
+              </a:rPr>
+              <a:t>Nelson F. Pinzón</a:t>
+            </a:r>
+          </a:p>
+          <a:p>
+            <a:pPr marL="0" indent="0" algn="ctr">
+              <a:buNone/>
+            </a:pPr>
+            <a:r>
+              <a:rPr lang="es-CO" sz="2200" dirty="0">
+                <a:latin typeface="Times New Roman" panose="02020603050405020304" pitchFamily="18" charset="0"/>
+                <a:cs typeface="Times New Roman" panose="02020603050405020304" pitchFamily="18" charset="0"/>
+              </a:rPr>
+              <a:t>Jeison Davalos</a:t>
+            </a:r>
+          </a:p>
+          <a:p>
+            <a:pPr marL="0" indent="0" algn="ctr">
+              <a:buNone/>
+            </a:pPr>
+            <a:r>
+              <a:rPr lang="es-CO" sz="2200" dirty="0">
+                <a:latin typeface="Times New Roman" panose="02020603050405020304" pitchFamily="18" charset="0"/>
+                <a:cs typeface="Times New Roman" panose="02020603050405020304" pitchFamily="18" charset="0"/>
+              </a:rPr>
+              <a:t>Juan David Nates</a:t>
+            </a:r>
+          </a:p>
+        </p:txBody>
+      </p:sp>
+      <p:sp>
+        <p:nvSpPr>
+          <p:cNvPr id="2" name="CuadroTexto 1">
+            <a:extLst>
+              <a:ext uri="{FF2B5EF4-FFF2-40B4-BE49-F238E27FC236}">
+                <a16:creationId xmlns:a16="http://schemas.microsoft.com/office/drawing/2014/main" id="{B31B1D1A-1E8C-4770-B3E2-2443377F6D6B}"/>
+              </a:ext>
+            </a:extLst>
+          </p:cNvPr>
+          <p:cNvSpPr txBox="1"/>
+          <p:nvPr/>
+        </p:nvSpPr>
+        <p:spPr>
+          <a:xfrm>
+            <a:off x="466549" y="1387578"/>
+            <a:ext cx="8210902" cy="584775"/>
+          </a:xfrm>
+          <a:prstGeom prst="rect">
+            <a:avLst/>
+          </a:prstGeom>
+          <a:noFill/>
+        </p:spPr>
+        <p:txBody>
+          <a:bodyPr wrap="none" rtlCol="0">
+            <a:spAutoFit/>
+          </a:bodyPr>
+          <a:lstStyle/>
+          <a:p>
+            <a:r>
+              <a:rPr lang="es-CO" sz="3200" dirty="0">
+                <a:latin typeface="Times New Roman" panose="02020603050405020304" pitchFamily="18" charset="0"/>
+                <a:cs typeface="Times New Roman" panose="02020603050405020304" pitchFamily="18" charset="0"/>
+              </a:rPr>
+              <a:t>Trabajo final Diseño detallado de bases de Datos</a:t>
+            </a:r>
+          </a:p>
+        </p:txBody>
+      </p:sp>
+    </p:spTree>
+    <p:extLst>
+      <p:ext uri="{BB962C8B-B14F-4D97-AF65-F5344CB8AC3E}">
+        <p14:creationId xmlns:p14="http://schemas.microsoft.com/office/powerpoint/2010/main" val="1675520180"/>
+      </p:ext>
+    </p:extLst>
+  </p:cSld>
+  <p:clrMapOvr>
+    <a:masterClrMapping/>
+  </p:clrMapOvr>
+</p:sld>
+</file>
+
+<file path=ppt/slides/slide20.xml><?xml version="1.0" encoding="utf-8"?>
 <p:sld xmlns:a="http://schemas.openxmlformats.org/drawingml/2006/main" xmlns:r="http://schemas.openxmlformats.org/officeDocument/2006/relationships" xmlns:p="http://schemas.openxmlformats.org/presentationml/2006/main">
   <p:cSld>
     <p:bg>
@@ -4687,157 +5010,7 @@
 </p:sld>
 </file>
 
-<file path=ppt/slides/slide2.xml><?xml version="1.0" encoding="utf-8"?>
-<p:sld xmlns:a="http://schemas.openxmlformats.org/drawingml/2006/main" xmlns:r="http://schemas.openxmlformats.org/officeDocument/2006/relationships" xmlns:p="http://schemas.openxmlformats.org/presentationml/2006/main">
-  <p:cSld>
-    <p:bg>
-      <p:bgPr>
-        <a:blipFill rotWithShape="1">
-          <a:blip r:embed="rId2"/>
-          <a:stretch>
-            <a:fillRect/>
-          </a:stretch>
-        </a:blipFill>
-        <a:effectLst/>
-      </p:bgPr>
-    </p:bg>
-    <p:spTree>
-      <p:nvGrpSpPr>
-        <p:cNvPr id="1" name=""/>
-        <p:cNvGrpSpPr/>
-        <p:nvPr/>
-      </p:nvGrpSpPr>
-      <p:grpSpPr>
-        <a:xfrm>
-          <a:off x="0" y="0"/>
-          <a:ext cx="0" cy="0"/>
-          <a:chOff x="0" y="0"/>
-          <a:chExt cx="0" cy="0"/>
-        </a:xfrm>
-      </p:grpSpPr>
-      <p:sp>
-        <p:nvSpPr>
-          <p:cNvPr id="4" name="Content Placeholder 2"/>
-          <p:cNvSpPr>
-            <a:spLocks noGrp="1"/>
-          </p:cNvSpPr>
-          <p:nvPr>
-            <p:ph idx="1"/>
-          </p:nvPr>
-        </p:nvSpPr>
-        <p:spPr>
-          <a:xfrm>
-            <a:off x="1785653" y="2176639"/>
-            <a:ext cx="5572694" cy="1301231"/>
-          </a:xfrm>
-        </p:spPr>
-        <p:txBody>
-          <a:bodyPr>
-            <a:noAutofit/>
-          </a:bodyPr>
-          <a:lstStyle/>
-          <a:p>
-            <a:pPr marL="0" indent="0" algn="ctr">
-              <a:buNone/>
-            </a:pPr>
-            <a:r>
-              <a:rPr lang="es-CO" sz="2200" dirty="0">
-                <a:latin typeface="Times New Roman" panose="02020603050405020304" pitchFamily="18" charset="0"/>
-                <a:cs typeface="Times New Roman" panose="02020603050405020304" pitchFamily="18" charset="0"/>
-              </a:rPr>
-              <a:t>Estudiantes:</a:t>
-            </a:r>
-          </a:p>
-          <a:p>
-            <a:pPr marL="0" indent="0" algn="ctr">
-              <a:buNone/>
-            </a:pPr>
-            <a:r>
-              <a:rPr lang="es-CO" sz="2200" dirty="0">
-                <a:latin typeface="Times New Roman" panose="02020603050405020304" pitchFamily="18" charset="0"/>
-                <a:cs typeface="Times New Roman" panose="02020603050405020304" pitchFamily="18" charset="0"/>
-              </a:rPr>
-              <a:t>Nelson F. Pinzón</a:t>
-            </a:r>
-          </a:p>
-          <a:p>
-            <a:pPr marL="0" indent="0" algn="ctr">
-              <a:buNone/>
-            </a:pPr>
-            <a:r>
-              <a:rPr lang="es-CO" sz="2200" dirty="0">
-                <a:latin typeface="Times New Roman" panose="02020603050405020304" pitchFamily="18" charset="0"/>
-                <a:cs typeface="Times New Roman" panose="02020603050405020304" pitchFamily="18" charset="0"/>
-              </a:rPr>
-              <a:t>Jeison Davalos</a:t>
-            </a:r>
-          </a:p>
-          <a:p>
-            <a:pPr marL="0" indent="0" algn="ctr">
-              <a:buNone/>
-            </a:pPr>
-            <a:r>
-              <a:rPr lang="es-CO" sz="2200" dirty="0">
-                <a:latin typeface="Times New Roman" panose="02020603050405020304" pitchFamily="18" charset="0"/>
-                <a:cs typeface="Times New Roman" panose="02020603050405020304" pitchFamily="18" charset="0"/>
-              </a:rPr>
-              <a:t>Juan David Nates</a:t>
-            </a:r>
-          </a:p>
-        </p:txBody>
-      </p:sp>
-      <p:sp>
-        <p:nvSpPr>
-          <p:cNvPr id="2" name="CuadroTexto 1">
-            <a:extLst>
-              <a:ext uri="{FF2B5EF4-FFF2-40B4-BE49-F238E27FC236}">
-                <a16:creationId xmlns:a16="http://schemas.microsoft.com/office/drawing/2014/main" id="{B31B1D1A-1E8C-4770-B3E2-2443377F6D6B}"/>
-              </a:ext>
-            </a:extLst>
-          </p:cNvPr>
-          <p:cNvSpPr txBox="1"/>
-          <p:nvPr/>
-        </p:nvSpPr>
-        <p:spPr>
-          <a:xfrm>
-            <a:off x="466549" y="1387578"/>
-            <a:ext cx="8210902" cy="584775"/>
-          </a:xfrm>
-          <a:prstGeom prst="rect">
-            <a:avLst/>
-          </a:prstGeom>
-          <a:noFill/>
-        </p:spPr>
-        <p:txBody>
-          <a:bodyPr wrap="none" rtlCol="0">
-            <a:spAutoFit/>
-          </a:bodyPr>
-          <a:lstStyle/>
-          <a:p>
-            <a:r>
-              <a:rPr lang="es-CO" sz="3200" dirty="0">
-                <a:latin typeface="Times New Roman" panose="02020603050405020304" pitchFamily="18" charset="0"/>
-                <a:cs typeface="Times New Roman" panose="02020603050405020304" pitchFamily="18" charset="0"/>
-              </a:rPr>
-              <a:t>Trabajo final Diseño detallado de bases de Datos</a:t>
-            </a:r>
-          </a:p>
-        </p:txBody>
-      </p:sp>
-    </p:spTree>
-    <p:extLst>
-      <p:ext uri="{BB962C8B-B14F-4D97-AF65-F5344CB8AC3E}">
-        <p14:creationId xmlns:p14="http://schemas.microsoft.com/office/powerpoint/2010/main" val="1675520180"/>
-      </p:ext>
-    </p:extLst>
-  </p:cSld>
-  <p:clrMapOvr>
-    <a:masterClrMapping/>
-  </p:clrMapOvr>
-</p:sld>
-</file>
-
-<file path=ppt/slides/slide20.xml><?xml version="1.0" encoding="utf-8"?>
+<file path=ppt/slides/slide21.xml><?xml version="1.0" encoding="utf-8"?>
 <p:sld xmlns:a="http://schemas.openxmlformats.org/drawingml/2006/main" xmlns:r="http://schemas.openxmlformats.org/officeDocument/2006/relationships" xmlns:p="http://schemas.openxmlformats.org/presentationml/2006/main">
   <p:cSld>
     <p:bg>
@@ -5828,7 +6001,13 @@
       </p:grpSpPr>
       <p:sp>
         <p:nvSpPr>
-          <p:cNvPr id="4" name="Content Placeholder 2"/>
+          <p:cNvPr id="5" name="Content Placeholder 2">
+            <a:extLst>
+              <a:ext uri="{FF2B5EF4-FFF2-40B4-BE49-F238E27FC236}">
+                <a16:creationId xmlns:a16="http://schemas.microsoft.com/office/drawing/2014/main" id="{D50C7F55-B567-4191-9947-2D664ABEEC6B}"/>
+              </a:ext>
+            </a:extLst>
+          </p:cNvPr>
           <p:cNvSpPr>
             <a:spLocks noGrp="1"/>
           </p:cNvSpPr>
@@ -5838,65 +6017,195 @@
         </p:nvSpPr>
         <p:spPr>
           <a:xfrm>
-            <a:off x="858824" y="1016110"/>
-            <a:ext cx="7426352" cy="2472212"/>
+            <a:off x="1095891" y="1035509"/>
+            <a:ext cx="7426352" cy="1039982"/>
           </a:xfrm>
         </p:spPr>
         <p:txBody>
-          <a:bodyPr/>
+          <a:bodyPr>
+            <a:normAutofit/>
+          </a:bodyPr>
           <a:lstStyle/>
           <a:p>
             <a:pPr marL="0" indent="0" algn="ctr">
               <a:buNone/>
             </a:pPr>
             <a:r>
-              <a:rPr lang="en-US" b="1" dirty="0">
-                <a:latin typeface="Times New Roman" panose="02020603050405020304" pitchFamily="18" charset="0"/>
-                <a:cs typeface="Times New Roman" panose="02020603050405020304" pitchFamily="18" charset="0"/>
-              </a:rPr>
-              <a:t>¿Que es Redis?</a:t>
-            </a:r>
-          </a:p>
-          <a:p>
-            <a:pPr marL="0" indent="0">
-              <a:buNone/>
-            </a:pPr>
-            <a:endParaRPr lang="es-MX" sz="1500" dirty="0">
-              <a:latin typeface="Times New Roman" panose="02020603050405020304" pitchFamily="18" charset="0"/>
-              <a:cs typeface="Times New Roman" panose="02020603050405020304" pitchFamily="18" charset="0"/>
-            </a:endParaRPr>
-          </a:p>
-          <a:p>
-            <a:pPr marL="0" indent="0">
-              <a:buNone/>
-            </a:pPr>
-            <a:endParaRPr lang="es-MX" sz="1500" dirty="0">
-              <a:latin typeface="Times New Roman" panose="02020603050405020304" pitchFamily="18" charset="0"/>
-              <a:cs typeface="Times New Roman" panose="02020603050405020304" pitchFamily="18" charset="0"/>
-            </a:endParaRPr>
-          </a:p>
-          <a:p>
-            <a:pPr marL="0" indent="0">
-              <a:buNone/>
-            </a:pPr>
-            <a:r>
-              <a:rPr lang="es-MX" sz="1500" dirty="0">
-                <a:latin typeface="Times New Roman" panose="02020603050405020304" pitchFamily="18" charset="0"/>
-                <a:cs typeface="Times New Roman" panose="02020603050405020304" pitchFamily="18" charset="0"/>
-              </a:rPr>
-              <a:t>Redis es un motor de base de datos en memoria, basado en el almacenamiento en tablas de hashes (clave/valor) pero que opcionalmente puede ser usada como una base de datos durable o persistente. Su importante característica permite reutilizar datos guardados en la caché, lo cual permite obtener esta información mucho más rápido que ir hasta el disco duro.</a:t>
-            </a:r>
-            <a:endParaRPr lang="en-US" sz="1500" dirty="0">
-              <a:latin typeface="Times New Roman" panose="02020603050405020304" pitchFamily="18" charset="0"/>
-              <a:cs typeface="Times New Roman" panose="02020603050405020304" pitchFamily="18" charset="0"/>
-            </a:endParaRPr>
-          </a:p>
-        </p:txBody>
-      </p:sp>
+              <a:rPr lang="en-US" sz="4000" b="1" dirty="0" err="1">
+                <a:latin typeface="Times New Roman" panose="02020603050405020304" pitchFamily="18" charset="0"/>
+                <a:cs typeface="Times New Roman" panose="02020603050405020304" pitchFamily="18" charset="0"/>
+              </a:rPr>
+              <a:t>Empresas</a:t>
+            </a:r>
+            <a:r>
+              <a:rPr lang="en-US" sz="4000" b="1" dirty="0">
+                <a:latin typeface="Times New Roman" panose="02020603050405020304" pitchFamily="18" charset="0"/>
+                <a:cs typeface="Times New Roman" panose="02020603050405020304" pitchFamily="18" charset="0"/>
+              </a:rPr>
+              <a:t> que </a:t>
+            </a:r>
+            <a:r>
+              <a:rPr lang="en-US" sz="4000" b="1" dirty="0" err="1">
+                <a:latin typeface="Times New Roman" panose="02020603050405020304" pitchFamily="18" charset="0"/>
+                <a:cs typeface="Times New Roman" panose="02020603050405020304" pitchFamily="18" charset="0"/>
+              </a:rPr>
+              <a:t>usan</a:t>
+            </a:r>
+            <a:r>
+              <a:rPr lang="en-US" sz="4000" b="1" dirty="0">
+                <a:latin typeface="Times New Roman" panose="02020603050405020304" pitchFamily="18" charset="0"/>
+                <a:cs typeface="Times New Roman" panose="02020603050405020304" pitchFamily="18" charset="0"/>
+              </a:rPr>
+              <a:t> Cassandra</a:t>
+            </a:r>
+          </a:p>
+        </p:txBody>
+      </p:sp>
+      <p:pic>
+        <p:nvPicPr>
+          <p:cNvPr id="6" name="Picture 6" descr="Netflix - Apps on Google Play">
+            <a:extLst>
+              <a:ext uri="{FF2B5EF4-FFF2-40B4-BE49-F238E27FC236}">
+                <a16:creationId xmlns:a16="http://schemas.microsoft.com/office/drawing/2014/main" id="{B0EFEDDC-32AD-4ECA-B817-CF8B64348E5E}"/>
+              </a:ext>
+            </a:extLst>
+          </p:cNvPr>
+          <p:cNvPicPr>
+            <a:picLocks noChangeAspect="1" noChangeArrowheads="1"/>
+          </p:cNvPicPr>
+          <p:nvPr/>
+        </p:nvPicPr>
+        <p:blipFill>
+          <a:blip r:embed="rId3">
+            <a:extLst>
+              <a:ext uri="{28A0092B-C50C-407E-A947-70E740481C1C}">
+                <a14:useLocalDpi xmlns:a14="http://schemas.microsoft.com/office/drawing/2010/main" val="0"/>
+              </a:ext>
+            </a:extLst>
+          </a:blip>
+          <a:srcRect/>
+          <a:stretch>
+            <a:fillRect/>
+          </a:stretch>
+        </p:blipFill>
+        <p:spPr bwMode="auto">
+          <a:xfrm>
+            <a:off x="2903274" y="2029442"/>
+            <a:ext cx="1491108" cy="1491108"/>
+          </a:xfrm>
+          <a:prstGeom prst="rect">
+            <a:avLst/>
+          </a:prstGeom>
+          <a:noFill/>
+          <a:extLst>
+            <a:ext uri="{909E8E84-426E-40DD-AFC4-6F175D3DCCD1}">
+              <a14:hiddenFill xmlns:a14="http://schemas.microsoft.com/office/drawing/2010/main">
+                <a:solidFill>
+                  <a:srgbClr val="FFFFFF"/>
+                </a:solidFill>
+              </a14:hiddenFill>
+            </a:ext>
+          </a:extLst>
+        </p:spPr>
+      </p:pic>
+      <p:pic>
+        <p:nvPicPr>
+          <p:cNvPr id="7" name="Picture 8" descr="Spotify Review | PCMag">
+            <a:extLst>
+              <a:ext uri="{FF2B5EF4-FFF2-40B4-BE49-F238E27FC236}">
+                <a16:creationId xmlns:a16="http://schemas.microsoft.com/office/drawing/2014/main" id="{FD16324F-B748-49D8-9D24-EF0EB9C64B3A}"/>
+              </a:ext>
+            </a:extLst>
+          </p:cNvPr>
+          <p:cNvPicPr>
+            <a:picLocks noChangeAspect="1" noChangeArrowheads="1"/>
+          </p:cNvPicPr>
+          <p:nvPr/>
+        </p:nvPicPr>
+        <p:blipFill>
+          <a:blip r:embed="rId4">
+            <a:extLst>
+              <a:ext uri="{28A0092B-C50C-407E-A947-70E740481C1C}">
+                <a14:useLocalDpi xmlns:a14="http://schemas.microsoft.com/office/drawing/2010/main" val="0"/>
+              </a:ext>
+            </a:extLst>
+          </a:blip>
+          <a:srcRect/>
+          <a:stretch>
+            <a:fillRect/>
+          </a:stretch>
+        </p:blipFill>
+        <p:spPr bwMode="auto">
+          <a:xfrm>
+            <a:off x="4960609" y="2447171"/>
+            <a:ext cx="1822846" cy="761418"/>
+          </a:xfrm>
+          <a:prstGeom prst="rect">
+            <a:avLst/>
+          </a:prstGeom>
+          <a:noFill/>
+          <a:extLst>
+            <a:ext uri="{909E8E84-426E-40DD-AFC4-6F175D3DCCD1}">
+              <a14:hiddenFill xmlns:a14="http://schemas.microsoft.com/office/drawing/2010/main">
+                <a:solidFill>
+                  <a:srgbClr val="FFFFFF"/>
+                </a:solidFill>
+              </a14:hiddenFill>
+            </a:ext>
+          </a:extLst>
+        </p:spPr>
+      </p:pic>
+      <p:pic>
+        <p:nvPicPr>
+          <p:cNvPr id="8" name="Picture 10" descr="Instagram Introduces New Tools That Will Help Protect Teens on the Platform">
+            <a:extLst>
+              <a:ext uri="{FF2B5EF4-FFF2-40B4-BE49-F238E27FC236}">
+                <a16:creationId xmlns:a16="http://schemas.microsoft.com/office/drawing/2014/main" id="{F00C2373-E9E0-411F-93AC-4478F69BBB13}"/>
+              </a:ext>
+            </a:extLst>
+          </p:cNvPr>
+          <p:cNvPicPr>
+            <a:picLocks noChangeAspect="1" noChangeArrowheads="1"/>
+          </p:cNvPicPr>
+          <p:nvPr/>
+        </p:nvPicPr>
+        <p:blipFill>
+          <a:blip r:embed="rId5">
+            <a:extLst>
+              <a:ext uri="{28A0092B-C50C-407E-A947-70E740481C1C}">
+                <a14:useLocalDpi xmlns:a14="http://schemas.microsoft.com/office/drawing/2010/main" val="0"/>
+              </a:ext>
+            </a:extLst>
+          </a:blip>
+          <a:srcRect/>
+          <a:stretch>
+            <a:fillRect/>
+          </a:stretch>
+        </p:blipFill>
+        <p:spPr bwMode="auto">
+          <a:xfrm>
+            <a:off x="3934187" y="3314699"/>
+            <a:ext cx="1682750" cy="946547"/>
+          </a:xfrm>
+          <a:prstGeom prst="rect">
+            <a:avLst/>
+          </a:prstGeom>
+          <a:noFill/>
+          <a:extLst>
+            <a:ext uri="{909E8E84-426E-40DD-AFC4-6F175D3DCCD1}">
+              <a14:hiddenFill xmlns:a14="http://schemas.microsoft.com/office/drawing/2010/main">
+                <a:solidFill>
+                  <a:srgbClr val="FFFFFF"/>
+                </a:solidFill>
+              </a14:hiddenFill>
+            </a:ext>
+          </a:extLst>
+        </p:spPr>
+      </p:pic>
     </p:spTree>
     <p:extLst>
       <p:ext uri="{BB962C8B-B14F-4D97-AF65-F5344CB8AC3E}">
-        <p14:creationId xmlns:p14="http://schemas.microsoft.com/office/powerpoint/2010/main" val="2993715308"/>
+        <p14:creationId xmlns:p14="http://schemas.microsoft.com/office/powerpoint/2010/main" val="322312803"/>
       </p:ext>
     </p:extLst>
   </p:cSld>
@@ -5946,117 +6255,55 @@
         </p:nvSpPr>
         <p:spPr>
           <a:xfrm>
-            <a:off x="1129758" y="880643"/>
+            <a:off x="858824" y="1016110"/>
             <a:ext cx="7426352" cy="2472212"/>
           </a:xfrm>
         </p:spPr>
         <p:txBody>
-          <a:bodyPr>
-            <a:normAutofit fontScale="25000" lnSpcReduction="20000"/>
-          </a:bodyPr>
+          <a:bodyPr/>
           <a:lstStyle/>
           <a:p>
             <a:pPr marL="0" indent="0" algn="ctr">
               <a:buNone/>
             </a:pPr>
             <a:r>
-              <a:rPr lang="es-MX" sz="12800" b="1" dirty="0">
-                <a:latin typeface="Times New Roman" panose="02020603050405020304" pitchFamily="18" charset="0"/>
-                <a:cs typeface="Times New Roman" panose="02020603050405020304" pitchFamily="18" charset="0"/>
-              </a:rPr>
-              <a:t>¿Cuándo usar Redis?</a:t>
-            </a:r>
-          </a:p>
-          <a:p>
-            <a:pPr marL="0" indent="0" algn="just">
+              <a:rPr lang="en-US" b="1" dirty="0">
+                <a:latin typeface="Times New Roman" panose="02020603050405020304" pitchFamily="18" charset="0"/>
+                <a:cs typeface="Times New Roman" panose="02020603050405020304" pitchFamily="18" charset="0"/>
+              </a:rPr>
+              <a:t>¿Que es Redis?</a:t>
+            </a:r>
+          </a:p>
+          <a:p>
+            <a:pPr marL="0" indent="0">
               <a:buNone/>
             </a:pPr>
-            <a:endParaRPr lang="es-MX" sz="6000" dirty="0">
+            <a:endParaRPr lang="es-MX" sz="1500" dirty="0">
               <a:latin typeface="Times New Roman" panose="02020603050405020304" pitchFamily="18" charset="0"/>
               <a:cs typeface="Times New Roman" panose="02020603050405020304" pitchFamily="18" charset="0"/>
             </a:endParaRPr>
           </a:p>
           <a:p>
-            <a:pPr marL="0" indent="0" algn="just">
+            <a:pPr marL="0" indent="0">
               <a:buNone/>
             </a:pPr>
-            <a:r>
-              <a:rPr lang="es-MX" sz="6000" dirty="0">
-                <a:latin typeface="Times New Roman" panose="02020603050405020304" pitchFamily="18" charset="0"/>
-                <a:cs typeface="Times New Roman" panose="02020603050405020304" pitchFamily="18" charset="0"/>
-              </a:rPr>
-              <a:t>El uso de Redis es altamente recomendable cuando la velocidad de acceso y tiempos de respuesta son críticos para una solución de negocio. Su uso es también indicado cuando se trabaja con aplicaciones en tiempo real, lo cual requiere que los datos se encuentren rápidamente accesibles para mejorar los tiempos de respuesta. Entre los casos de uso más comunes podemos encontrar:</a:t>
-            </a:r>
-          </a:p>
-          <a:p>
-            <a:pPr marL="0" indent="0" algn="just">
-              <a:buNone/>
-            </a:pPr>
-            <a:endParaRPr lang="es-MX" sz="6000" dirty="0">
+            <a:endParaRPr lang="es-MX" sz="1500" dirty="0">
               <a:latin typeface="Times New Roman" panose="02020603050405020304" pitchFamily="18" charset="0"/>
               <a:cs typeface="Times New Roman" panose="02020603050405020304" pitchFamily="18" charset="0"/>
             </a:endParaRPr>
           </a:p>
           <a:p>
-            <a:pPr algn="just"/>
-            <a:r>
-              <a:rPr lang="es-MX" sz="6000" dirty="0">
-                <a:latin typeface="Times New Roman" panose="02020603050405020304" pitchFamily="18" charset="0"/>
-                <a:cs typeface="Times New Roman" panose="02020603050405020304" pitchFamily="18" charset="0"/>
-              </a:rPr>
-              <a:t>Sistemas de chat y mensajería</a:t>
-            </a:r>
-          </a:p>
-          <a:p>
-            <a:pPr algn="just"/>
-            <a:r>
-              <a:rPr lang="es-MX" sz="6000" dirty="0">
-                <a:latin typeface="Times New Roman" panose="02020603050405020304" pitchFamily="18" charset="0"/>
-                <a:cs typeface="Times New Roman" panose="02020603050405020304" pitchFamily="18" charset="0"/>
-              </a:rPr>
-              <a:t>Listado de elementos más recientes</a:t>
-            </a:r>
-          </a:p>
-          <a:p>
-            <a:pPr algn="just"/>
-            <a:r>
-              <a:rPr lang="es-MX" sz="6000" dirty="0">
-                <a:latin typeface="Times New Roman" panose="02020603050405020304" pitchFamily="18" charset="0"/>
-                <a:cs typeface="Times New Roman" panose="02020603050405020304" pitchFamily="18" charset="0"/>
-              </a:rPr>
-              <a:t>Contadores y uso de estadísticas en tiempo real</a:t>
-            </a:r>
-          </a:p>
-          <a:p>
-            <a:pPr algn="just"/>
-            <a:r>
-              <a:rPr lang="es-MX" sz="6000" dirty="0">
-                <a:latin typeface="Times New Roman" panose="02020603050405020304" pitchFamily="18" charset="0"/>
-                <a:cs typeface="Times New Roman" panose="02020603050405020304" pitchFamily="18" charset="0"/>
-              </a:rPr>
-              <a:t>Manejo y administración de carros de compra en línea</a:t>
-            </a:r>
-          </a:p>
-          <a:p>
-            <a:pPr algn="just"/>
-            <a:r>
-              <a:rPr lang="es-MX" sz="6000" dirty="0">
-                <a:latin typeface="Times New Roman" panose="02020603050405020304" pitchFamily="18" charset="0"/>
-                <a:cs typeface="Times New Roman" panose="02020603050405020304" pitchFamily="18" charset="0"/>
-              </a:rPr>
-              <a:t>Almacenamiento de sesiones de usuario dentro de una aplicación</a:t>
-            </a:r>
-          </a:p>
-          <a:p>
-            <a:pPr algn="just"/>
-            <a:r>
-              <a:rPr lang="es-MX" sz="6000" dirty="0">
-                <a:latin typeface="Times New Roman" panose="02020603050405020304" pitchFamily="18" charset="0"/>
-                <a:cs typeface="Times New Roman" panose="02020603050405020304" pitchFamily="18" charset="0"/>
-              </a:rPr>
-              <a:t>Soporte como caché de páginas web</a:t>
-            </a:r>
-            <a:endParaRPr lang="en-US" sz="6000" dirty="0">
+            <a:pPr marL="0" indent="0">
+              <a:buNone/>
+            </a:pPr>
+            <a:r>
+              <a:rPr lang="es-MX" sz="1500" dirty="0">
+                <a:latin typeface="Times New Roman" panose="02020603050405020304" pitchFamily="18" charset="0"/>
+                <a:cs typeface="Times New Roman" panose="02020603050405020304" pitchFamily="18" charset="0"/>
+              </a:rPr>
+              <a:t>Redis es un motor de base de datos en memoria, basado en el almacenamiento en tablas de hashes (clave/valor) pero que opcionalmente puede ser usada como una base de datos durable o persistente. Su importante característica permite reutilizar datos guardados en la caché, lo cual permite obtener esta información mucho más rápido que ir hasta el disco duro.</a:t>
+            </a:r>
+            <a:endParaRPr lang="en-US" sz="1500" dirty="0">
               <a:latin typeface="Times New Roman" panose="02020603050405020304" pitchFamily="18" charset="0"/>
               <a:cs typeface="Times New Roman" panose="02020603050405020304" pitchFamily="18" charset="0"/>
             </a:endParaRPr>
@@ -6066,7 +6313,7 @@
     </p:spTree>
     <p:extLst>
       <p:ext uri="{BB962C8B-B14F-4D97-AF65-F5344CB8AC3E}">
-        <p14:creationId xmlns:p14="http://schemas.microsoft.com/office/powerpoint/2010/main" val="2627377535"/>
+        <p14:creationId xmlns:p14="http://schemas.microsoft.com/office/powerpoint/2010/main" val="2993715308"/>
       </p:ext>
     </p:extLst>
   </p:cSld>
@@ -6116,13 +6363,13 @@
         </p:nvSpPr>
         <p:spPr>
           <a:xfrm>
-            <a:off x="1079308" y="1709910"/>
-            <a:ext cx="7426352" cy="1345448"/>
+            <a:off x="1129758" y="880643"/>
+            <a:ext cx="7426352" cy="2472212"/>
           </a:xfrm>
         </p:spPr>
         <p:txBody>
           <a:bodyPr>
-            <a:normAutofit/>
+            <a:normAutofit fontScale="25000" lnSpcReduction="20000"/>
           </a:bodyPr>
           <a:lstStyle/>
           <a:p>
@@ -6130,25 +6377,11 @@
               <a:buNone/>
             </a:pPr>
             <a:r>
-              <a:rPr lang="es-MX" b="1" dirty="0">
-                <a:latin typeface="Times New Roman" panose="02020603050405020304" pitchFamily="18" charset="0"/>
-                <a:cs typeface="Times New Roman" panose="02020603050405020304" pitchFamily="18" charset="0"/>
-              </a:rPr>
-              <a:t>Ejemplo</a:t>
-            </a:r>
-            <a:r>
-              <a:rPr lang="es-MX" sz="5100" b="1" dirty="0">
-                <a:latin typeface="Times New Roman" panose="02020603050405020304" pitchFamily="18" charset="0"/>
-                <a:cs typeface="Times New Roman" panose="02020603050405020304" pitchFamily="18" charset="0"/>
-              </a:rPr>
-              <a:t> </a:t>
-            </a:r>
-            <a:r>
-              <a:rPr lang="es-MX" b="1" dirty="0">
-                <a:latin typeface="Times New Roman" panose="02020603050405020304" pitchFamily="18" charset="0"/>
-                <a:cs typeface="Times New Roman" panose="02020603050405020304" pitchFamily="18" charset="0"/>
-              </a:rPr>
-              <a:t>práctico</a:t>
+              <a:rPr lang="es-MX" sz="12800" b="1" dirty="0">
+                <a:latin typeface="Times New Roman" panose="02020603050405020304" pitchFamily="18" charset="0"/>
+                <a:cs typeface="Times New Roman" panose="02020603050405020304" pitchFamily="18" charset="0"/>
+              </a:rPr>
+              <a:t>¿Cuándo usar Redis?</a:t>
             </a:r>
           </a:p>
           <a:p>
@@ -6160,12 +6393,97 @@
               <a:cs typeface="Times New Roman" panose="02020603050405020304" pitchFamily="18" charset="0"/>
             </a:endParaRPr>
           </a:p>
+          <a:p>
+            <a:pPr marL="0" indent="0" algn="just">
+              <a:buNone/>
+            </a:pPr>
+            <a:r>
+              <a:rPr lang="es-MX" sz="6000" dirty="0">
+                <a:latin typeface="Times New Roman" panose="02020603050405020304" pitchFamily="18" charset="0"/>
+                <a:cs typeface="Times New Roman" panose="02020603050405020304" pitchFamily="18" charset="0"/>
+              </a:rPr>
+              <a:t>El uso de Redis es altamente recomendable cuando la velocidad de acceso y tiempos de respuesta son críticos para una solución de negocio. Su uso es también indicado cuando se trabaja con aplicaciones en tiempo real, lo cual requiere que los datos se encuentren rápidamente accesibles para mejorar los tiempos de respuesta. Entre los casos de uso más comunes podemos encontrar:</a:t>
+            </a:r>
+          </a:p>
+          <a:p>
+            <a:pPr marL="0" indent="0" algn="just">
+              <a:buNone/>
+            </a:pPr>
+            <a:endParaRPr lang="es-MX" sz="6000" dirty="0">
+              <a:latin typeface="Times New Roman" panose="02020603050405020304" pitchFamily="18" charset="0"/>
+              <a:cs typeface="Times New Roman" panose="02020603050405020304" pitchFamily="18" charset="0"/>
+            </a:endParaRPr>
+          </a:p>
+          <a:p>
+            <a:pPr algn="just"/>
+            <a:r>
+              <a:rPr lang="es-MX" sz="6000" dirty="0">
+                <a:latin typeface="Times New Roman" panose="02020603050405020304" pitchFamily="18" charset="0"/>
+                <a:cs typeface="Times New Roman" panose="02020603050405020304" pitchFamily="18" charset="0"/>
+              </a:rPr>
+              <a:t>Sistemas de chat y mensajería</a:t>
+            </a:r>
+          </a:p>
+          <a:p>
+            <a:pPr algn="just"/>
+            <a:r>
+              <a:rPr lang="es-MX" sz="6000" dirty="0">
+                <a:latin typeface="Times New Roman" panose="02020603050405020304" pitchFamily="18" charset="0"/>
+                <a:cs typeface="Times New Roman" panose="02020603050405020304" pitchFamily="18" charset="0"/>
+              </a:rPr>
+              <a:t>Listado de elementos más recientes</a:t>
+            </a:r>
+          </a:p>
+          <a:p>
+            <a:pPr algn="just"/>
+            <a:r>
+              <a:rPr lang="es-MX" sz="6000" dirty="0">
+                <a:latin typeface="Times New Roman" panose="02020603050405020304" pitchFamily="18" charset="0"/>
+                <a:cs typeface="Times New Roman" panose="02020603050405020304" pitchFamily="18" charset="0"/>
+              </a:rPr>
+              <a:t>Contadores y uso de estadísticas en tiempo real</a:t>
+            </a:r>
+          </a:p>
+          <a:p>
+            <a:pPr algn="just"/>
+            <a:r>
+              <a:rPr lang="es-MX" sz="6000" dirty="0">
+                <a:latin typeface="Times New Roman" panose="02020603050405020304" pitchFamily="18" charset="0"/>
+                <a:cs typeface="Times New Roman" panose="02020603050405020304" pitchFamily="18" charset="0"/>
+              </a:rPr>
+              <a:t>Manejo y administración de carros de compra en línea</a:t>
+            </a:r>
+          </a:p>
+          <a:p>
+            <a:pPr algn="just"/>
+            <a:r>
+              <a:rPr lang="es-MX" sz="6000" dirty="0">
+                <a:latin typeface="Times New Roman" panose="02020603050405020304" pitchFamily="18" charset="0"/>
+                <a:cs typeface="Times New Roman" panose="02020603050405020304" pitchFamily="18" charset="0"/>
+              </a:rPr>
+              <a:t>Almacenamiento de sesiones de usuario dentro de una aplicación</a:t>
+            </a:r>
+          </a:p>
+          <a:p>
+            <a:pPr algn="just"/>
+            <a:r>
+              <a:rPr lang="es-MX" sz="6000" dirty="0">
+                <a:latin typeface="Times New Roman" panose="02020603050405020304" pitchFamily="18" charset="0"/>
+                <a:cs typeface="Times New Roman" panose="02020603050405020304" pitchFamily="18" charset="0"/>
+              </a:rPr>
+              <a:t>Soporte como caché de páginas web</a:t>
+            </a:r>
+            <a:endParaRPr lang="en-US" sz="6000" dirty="0">
+              <a:latin typeface="Times New Roman" panose="02020603050405020304" pitchFamily="18" charset="0"/>
+              <a:cs typeface="Times New Roman" panose="02020603050405020304" pitchFamily="18" charset="0"/>
+            </a:endParaRPr>
+          </a:p>
         </p:txBody>
       </p:sp>
     </p:spTree>
     <p:extLst>
       <p:ext uri="{BB962C8B-B14F-4D97-AF65-F5344CB8AC3E}">
-        <p14:creationId xmlns:p14="http://schemas.microsoft.com/office/powerpoint/2010/main" val="2794655911"/>
+        <p14:creationId xmlns:p14="http://schemas.microsoft.com/office/powerpoint/2010/main" val="2627377535"/>
       </p:ext>
     </p:extLst>
   </p:cSld>
